--- a/meterials/研究梳理.pptx
+++ b/meterials/研究梳理.pptx
@@ -1,25 +1,25 @@
 
 <file path=ppt/presentation.xml><?xml version="1.0" encoding="utf-8"?>
-<p:presentation xmlns:a="http://schemas.openxmlformats.org/drawingml/2006/main" xmlns:r="http://schemas.openxmlformats.org/officeDocument/2006/relationships" xmlns:p="http://schemas.openxmlformats.org/presentationml/2006/main" saveSubsetFonts="1">
+<p:presentation xmlns:a="http://schemas.openxmlformats.org/drawingml/2006/main" xmlns:r="http://schemas.openxmlformats.org/officeDocument/2006/relationships" xmlns:p="http://schemas.openxmlformats.org/presentationml/2006/main">
   <p:sldMasterIdLst>
     <p:sldMasterId id="2147483648" r:id="rId1"/>
   </p:sldMasterIdLst>
   <p:notesMasterIdLst>
-    <p:notesMasterId r:id="rId14"/>
+    <p:notesMasterId r:id="rId11"/>
   </p:notesMasterIdLst>
   <p:sldIdLst>
-    <p:sldId id="256" r:id="rId2"/>
-    <p:sldId id="257" r:id="rId3"/>
-    <p:sldId id="258" r:id="rId4"/>
-    <p:sldId id="260" r:id="rId5"/>
-    <p:sldId id="261" r:id="rId6"/>
-    <p:sldId id="259" r:id="rId7"/>
-    <p:sldId id="262" r:id="rId8"/>
-    <p:sldId id="264" r:id="rId9"/>
-    <p:sldId id="265" r:id="rId10"/>
-    <p:sldId id="266" r:id="rId11"/>
-    <p:sldId id="267" r:id="rId12"/>
-    <p:sldId id="268" r:id="rId13"/>
+    <p:sldId id="256" r:id="rId3"/>
+    <p:sldId id="257" r:id="rId4"/>
+    <p:sldId id="258" r:id="rId5"/>
+    <p:sldId id="260" r:id="rId6"/>
+    <p:sldId id="261" r:id="rId7"/>
+    <p:sldId id="259" r:id="rId8"/>
+    <p:sldId id="262" r:id="rId9"/>
+    <p:sldId id="264" r:id="rId10"/>
+    <p:sldId id="265" r:id="rId12"/>
+    <p:sldId id="266" r:id="rId13"/>
+    <p:sldId id="267" r:id="rId14"/>
+    <p:sldId id="268" r:id="rId15"/>
   </p:sldIdLst>
   <p:sldSz cx="12192000" cy="6858000"/>
   <p:notesSz cx="6858000" cy="9144000"/>
@@ -118,16 +118,17 @@
       </a:defRPr>
     </a:lvl9pPr>
   </p:defaultTextStyle>
-  <p:extLst>
-    <p:ext uri="{EFAFB233-063F-42B5-8137-9DF3F51BA10A}">
-      <p15:sldGuideLst xmlns:p15="http://schemas.microsoft.com/office/powerpoint/2012/main"/>
-    </p:ext>
-  </p:extLst>
 </p:presentation>
 </file>
 
+<file path=ppt/commentAuthors.xml><?xml version="1.0" encoding="utf-8"?>
+<p:cmAuthorLst xmlns:a="http://schemas.openxmlformats.org/drawingml/2006/main" xmlns:r="http://schemas.openxmlformats.org/officeDocument/2006/relationships" xmlns:p="http://schemas.openxmlformats.org/presentationml/2006/main">
+  <p:cmAuthor id="1" name="pku-m" initials="p" lastIdx="1" clrIdx="0"/>
+</p:cmAuthorLst>
+</file>
+
 <file path=ppt/charts/chart1.xml><?xml version="1.0" encoding="utf-8"?>
-<c:chartSpace xmlns:c="http://schemas.openxmlformats.org/drawingml/2006/chart" xmlns:a="http://schemas.openxmlformats.org/drawingml/2006/main" xmlns:r="http://schemas.openxmlformats.org/officeDocument/2006/relationships" xmlns:c16r2="http://schemas.microsoft.com/office/drawing/2015/06/chart">
+<c:chartSpace xmlns:c="http://schemas.openxmlformats.org/drawingml/2006/chart" xmlns:a="http://schemas.openxmlformats.org/drawingml/2006/main" xmlns:r="http://schemas.openxmlformats.org/officeDocument/2006/relationships">
   <c:date1904 val="0"/>
   <c:lang val="zh-CN"/>
   <c:roundedCorners val="0"/>
@@ -147,10 +148,10 @@
           <c:layoutTarget val="inner"/>
           <c:xMode val="edge"/>
           <c:yMode val="edge"/>
-          <c:x val="3.3045470640662093E-2"/>
-          <c:y val="2.726067488610814E-2"/>
-          <c:w val="0.95245657775281545"/>
-          <c:h val="0.72300049050236803"/>
+          <c:x val="0.0330454706406621"/>
+          <c:y val="0.0272606748861081"/>
+          <c:w val="0.952456577752815"/>
+          <c:h val="0.723000490502368"/>
         </c:manualLayout>
       </c:layout>
       <c:lineChart>
@@ -182,6 +183,9 @@
           <c:marker>
             <c:symbol val="none"/>
           </c:marker>
+          <c:dLbls>
+            <c:delete val="1"/>
+          </c:dLbls>
           <c:cat>
             <c:numRef>
               <c:f>Sheet1!$A$2:$A$17</c:f>
@@ -246,40 +250,40 @@
                 <c:formatCode>General</c:formatCode>
                 <c:ptCount val="16"/>
                 <c:pt idx="0">
-                  <c:v>0.67891699999999999</c:v>
+                  <c:v>0.678917</c:v>
                 </c:pt>
                 <c:pt idx="1">
-                  <c:v>0.62059299999999995</c:v>
+                  <c:v>0.620593</c:v>
                 </c:pt>
                 <c:pt idx="2">
-                  <c:v>0.70700099999999999</c:v>
+                  <c:v>0.707001</c:v>
                 </c:pt>
                 <c:pt idx="3">
                   <c:v>0.591866</c:v>
                 </c:pt>
                 <c:pt idx="4">
-                  <c:v>0.50358899999999995</c:v>
+                  <c:v>0.503589</c:v>
                 </c:pt>
                 <c:pt idx="5">
-                  <c:v>0.45367499999999999</c:v>
+                  <c:v>0.453675</c:v>
                 </c:pt>
                 <c:pt idx="6">
                   <c:v>0.373251</c:v>
                 </c:pt>
                 <c:pt idx="7">
-                  <c:v>0.26511099999999999</c:v>
+                  <c:v>0.265111</c:v>
                 </c:pt>
                 <c:pt idx="8">
-                  <c:v>0.22323899999999999</c:v>
+                  <c:v>0.223239</c:v>
                 </c:pt>
                 <c:pt idx="9">
-                  <c:v>0.24746299999999999</c:v>
+                  <c:v>0.247463</c:v>
                 </c:pt>
                 <c:pt idx="10">
-                  <c:v>0.19047600000000001</c:v>
+                  <c:v>0.190476</c:v>
                 </c:pt>
                 <c:pt idx="11">
-                  <c:v>0.15349499999999999</c:v>
+                  <c:v>0.153495</c:v>
                 </c:pt>
                 <c:pt idx="12">
                   <c:v>0.114741</c:v>
@@ -288,20 +292,15 @@
                   <c:v>0.10008</c:v>
                 </c:pt>
                 <c:pt idx="14">
-                  <c:v>4.1667000000000003E-2</c:v>
+                  <c:v>0.041667</c:v>
                 </c:pt>
                 <c:pt idx="15">
-                  <c:v>4.6369999999999996E-3</c:v>
+                  <c:v>0.004637</c:v>
                 </c:pt>
               </c:numCache>
             </c:numRef>
           </c:val>
           <c:smooth val="0"/>
-          <c:extLst>
-            <c:ext xmlns:c16="http://schemas.microsoft.com/office/drawing/2014/chart" uri="{C3380CC4-5D6E-409C-BE32-E72D297353CC}">
-              <c16:uniqueId val="{00000000-F949-4EE7-9C5F-B5F21FB911FB}"/>
-            </c:ext>
-          </c:extLst>
         </c:ser>
         <c:ser>
           <c:idx val="1"/>
@@ -329,6 +328,9 @@
           <c:marker>
             <c:symbol val="none"/>
           </c:marker>
+          <c:dLbls>
+            <c:delete val="1"/>
+          </c:dLbls>
           <c:cat>
             <c:numRef>
               <c:f>Sheet1!$A$2:$A$17</c:f>
@@ -393,62 +395,57 @@
                 <c:formatCode>General</c:formatCode>
                 <c:ptCount val="16"/>
                 <c:pt idx="0">
-                  <c:v>0.90123500000000001</c:v>
+                  <c:v>0.901235</c:v>
                 </c:pt>
                 <c:pt idx="1">
-                  <c:v>0.83513700000000002</c:v>
+                  <c:v>0.835137</c:v>
                 </c:pt>
                 <c:pt idx="2">
-                  <c:v>0.92895799999999995</c:v>
+                  <c:v>0.928958</c:v>
                 </c:pt>
                 <c:pt idx="3">
-                  <c:v>0.80838699999999997</c:v>
+                  <c:v>0.808387</c:v>
                 </c:pt>
                 <c:pt idx="4">
-                  <c:v>0.61731800000000003</c:v>
+                  <c:v>0.617318</c:v>
                 </c:pt>
                 <c:pt idx="5">
-                  <c:v>0.57978099999999999</c:v>
+                  <c:v>0.579781</c:v>
                 </c:pt>
                 <c:pt idx="6">
-                  <c:v>0.73520099999999999</c:v>
+                  <c:v>0.735201</c:v>
                 </c:pt>
                 <c:pt idx="7">
-                  <c:v>0.65514499999999998</c:v>
+                  <c:v>0.655145</c:v>
                 </c:pt>
                 <c:pt idx="8">
-                  <c:v>0.60392800000000002</c:v>
+                  <c:v>0.603928</c:v>
                 </c:pt>
                 <c:pt idx="9">
-                  <c:v>0.49363600000000002</c:v>
+                  <c:v>0.493636</c:v>
                 </c:pt>
                 <c:pt idx="10">
-                  <c:v>0.43858599999999998</c:v>
+                  <c:v>0.438586</c:v>
                 </c:pt>
                 <c:pt idx="11">
-                  <c:v>0.31641999999999998</c:v>
+                  <c:v>0.31642</c:v>
                 </c:pt>
                 <c:pt idx="12">
                   <c:v>0.222997</c:v>
                 </c:pt>
                 <c:pt idx="13">
-                  <c:v>0.15834799999999999</c:v>
+                  <c:v>0.158348</c:v>
                 </c:pt>
                 <c:pt idx="14">
-                  <c:v>6.1129000000000003E-2</c:v>
+                  <c:v>0.061129</c:v>
                 </c:pt>
                 <c:pt idx="15">
-                  <c:v>7.8812999999999994E-2</c:v>
+                  <c:v>0.078813</c:v>
                 </c:pt>
               </c:numCache>
             </c:numRef>
           </c:val>
           <c:smooth val="0"/>
-          <c:extLst>
-            <c:ext xmlns:c16="http://schemas.microsoft.com/office/drawing/2014/chart" uri="{C3380CC4-5D6E-409C-BE32-E72D297353CC}">
-              <c16:uniqueId val="{00000001-F949-4EE7-9C5F-B5F21FB911FB}"/>
-            </c:ext>
-          </c:extLst>
         </c:ser>
         <c:ser>
           <c:idx val="2"/>
@@ -476,6 +473,9 @@
           <c:marker>
             <c:symbol val="none"/>
           </c:marker>
+          <c:dLbls>
+            <c:delete val="1"/>
+          </c:dLbls>
           <c:cat>
             <c:numRef>
               <c:f>Sheet1!$A$2:$A$17</c:f>
@@ -540,62 +540,57 @@
                 <c:formatCode>General</c:formatCode>
                 <c:ptCount val="16"/>
                 <c:pt idx="0">
-                  <c:v>0.58501599999999998</c:v>
+                  <c:v>0.585016</c:v>
                 </c:pt>
                 <c:pt idx="1">
-                  <c:v>0.69157999999999997</c:v>
+                  <c:v>0.69158</c:v>
                 </c:pt>
                 <c:pt idx="2">
-                  <c:v>0.48286099999999998</c:v>
+                  <c:v>0.482861</c:v>
                 </c:pt>
                 <c:pt idx="3">
-                  <c:v>0.73602299999999998</c:v>
+                  <c:v>0.736023</c:v>
                 </c:pt>
                 <c:pt idx="4">
-                  <c:v>0.63515699999999997</c:v>
+                  <c:v>0.635157</c:v>
                 </c:pt>
                 <c:pt idx="5">
-                  <c:v>0.56347000000000003</c:v>
+                  <c:v>0.56347</c:v>
                 </c:pt>
                 <c:pt idx="6">
-                  <c:v>0.43213099999999999</c:v>
+                  <c:v>0.432131</c:v>
                 </c:pt>
                 <c:pt idx="7">
-                  <c:v>0.47462900000000002</c:v>
+                  <c:v>0.474629</c:v>
                 </c:pt>
                 <c:pt idx="8">
-                  <c:v>0.53587300000000004</c:v>
+                  <c:v>0.535873</c:v>
                 </c:pt>
                 <c:pt idx="9">
-                  <c:v>0.55057900000000004</c:v>
+                  <c:v>0.550579</c:v>
                 </c:pt>
                 <c:pt idx="10">
-                  <c:v>0.52543099999999998</c:v>
+                  <c:v>0.525431</c:v>
                 </c:pt>
                 <c:pt idx="11">
-                  <c:v>0.51166599999999995</c:v>
+                  <c:v>0.511666</c:v>
                 </c:pt>
                 <c:pt idx="12">
                   <c:v>0.508602</c:v>
                 </c:pt>
                 <c:pt idx="13">
-                  <c:v>0.48606199999999999</c:v>
+                  <c:v>0.486062</c:v>
                 </c:pt>
                 <c:pt idx="14">
-                  <c:v>0.45969500000000002</c:v>
+                  <c:v>0.459695</c:v>
                 </c:pt>
                 <c:pt idx="15">
-                  <c:v>0.40279999999999999</c:v>
+                  <c:v>0.4028</c:v>
                 </c:pt>
               </c:numCache>
             </c:numRef>
           </c:val>
           <c:smooth val="0"/>
-          <c:extLst>
-            <c:ext xmlns:c16="http://schemas.microsoft.com/office/drawing/2014/chart" uri="{C3380CC4-5D6E-409C-BE32-E72D297353CC}">
-              <c16:uniqueId val="{00000002-F949-4EE7-9C5F-B5F21FB911FB}"/>
-            </c:ext>
-          </c:extLst>
         </c:ser>
         <c:ser>
           <c:idx val="3"/>
@@ -623,6 +618,9 @@
           <c:marker>
             <c:symbol val="none"/>
           </c:marker>
+          <c:dLbls>
+            <c:delete val="1"/>
+          </c:dLbls>
           <c:cat>
             <c:numRef>
               <c:f>Sheet1!$A$2:$A$17</c:f>
@@ -690,43 +688,43 @@
                   <c:v>0.2</c:v>
                 </c:pt>
                 <c:pt idx="1">
-                  <c:v>0.23233100000000001</c:v>
+                  <c:v>0.232331</c:v>
                 </c:pt>
                 <c:pt idx="2">
-                  <c:v>0.27723199999999998</c:v>
+                  <c:v>0.277232</c:v>
                 </c:pt>
                 <c:pt idx="3">
-                  <c:v>0.28281200000000001</c:v>
+                  <c:v>0.282812</c:v>
                 </c:pt>
                 <c:pt idx="4">
-                  <c:v>0.40920899999999999</c:v>
+                  <c:v>0.409209</c:v>
                 </c:pt>
                 <c:pt idx="5">
-                  <c:v>0.20877100000000001</c:v>
+                  <c:v>0.208771</c:v>
                 </c:pt>
                 <c:pt idx="6">
-                  <c:v>0.20203099999999999</c:v>
+                  <c:v>0.202031</c:v>
                 </c:pt>
                 <c:pt idx="7">
-                  <c:v>0.10728500000000001</c:v>
+                  <c:v>0.107285</c:v>
                 </c:pt>
                 <c:pt idx="8">
-                  <c:v>9.0390999999999999E-2</c:v>
+                  <c:v>0.090391</c:v>
                 </c:pt>
                 <c:pt idx="9">
                   <c:v>0.103587</c:v>
                 </c:pt>
                 <c:pt idx="10">
-                  <c:v>2.596E-2</c:v>
+                  <c:v>0.02596</c:v>
                 </c:pt>
                 <c:pt idx="11">
-                  <c:v>3.4703999999999999E-2</c:v>
+                  <c:v>0.034704</c:v>
                 </c:pt>
                 <c:pt idx="12">
-                  <c:v>1.0949E-2</c:v>
+                  <c:v>0.010949</c:v>
                 </c:pt>
                 <c:pt idx="13">
-                  <c:v>3.5460000000000001E-3</c:v>
+                  <c:v>0.003546</c:v>
                 </c:pt>
                 <c:pt idx="14">
                   <c:v>0</c:v>
@@ -738,11 +736,6 @@
             </c:numRef>
           </c:val>
           <c:smooth val="0"/>
-          <c:extLst>
-            <c:ext xmlns:c16="http://schemas.microsoft.com/office/drawing/2014/chart" uri="{C3380CC4-5D6E-409C-BE32-E72D297353CC}">
-              <c16:uniqueId val="{00000003-F949-4EE7-9C5F-B5F21FB911FB}"/>
-            </c:ext>
-          </c:extLst>
         </c:ser>
         <c:ser>
           <c:idx val="4"/>
@@ -770,6 +763,9 @@
           <c:marker>
             <c:symbol val="none"/>
           </c:marker>
+          <c:dLbls>
+            <c:delete val="1"/>
+          </c:dLbls>
           <c:cat>
             <c:numRef>
               <c:f>Sheet1!$A$2:$A$17</c:f>
@@ -837,40 +833,40 @@
                   <c:v>0.167513</c:v>
                 </c:pt>
                 <c:pt idx="1">
-                  <c:v>4.9408000000000001E-2</c:v>
+                  <c:v>0.049408</c:v>
                 </c:pt>
                 <c:pt idx="2">
-                  <c:v>1.1981E-2</c:v>
+                  <c:v>0.011981</c:v>
                 </c:pt>
                 <c:pt idx="3">
                   <c:v>0.102492</c:v>
                 </c:pt>
                 <c:pt idx="4">
-                  <c:v>0.17822299999999999</c:v>
+                  <c:v>0.178223</c:v>
                 </c:pt>
                 <c:pt idx="5">
-                  <c:v>0.30181799999999998</c:v>
+                  <c:v>0.301818</c:v>
                 </c:pt>
                 <c:pt idx="6">
-                  <c:v>0.59506700000000001</c:v>
+                  <c:v>0.595067</c:v>
                 </c:pt>
                 <c:pt idx="7">
-                  <c:v>0.59758900000000004</c:v>
+                  <c:v>0.597589</c:v>
                 </c:pt>
                 <c:pt idx="8">
-                  <c:v>0.55625899999999995</c:v>
+                  <c:v>0.556259</c:v>
                 </c:pt>
                 <c:pt idx="9">
-                  <c:v>0.51923799999999998</c:v>
+                  <c:v>0.519238</c:v>
                 </c:pt>
                 <c:pt idx="10">
-                  <c:v>0.50500699999999998</c:v>
+                  <c:v>0.505007</c:v>
                 </c:pt>
                 <c:pt idx="11">
-                  <c:v>0.60171399999999997</c:v>
+                  <c:v>0.601714</c:v>
                 </c:pt>
                 <c:pt idx="12">
-                  <c:v>0.65409399999999995</c:v>
+                  <c:v>0.654094</c:v>
                 </c:pt>
                 <c:pt idx="13">
                   <c:v>0.663026</c:v>
@@ -879,17 +875,12 @@
                   <c:v>0.627695</c:v>
                 </c:pt>
                 <c:pt idx="15">
-                  <c:v>0.78649100000000005</c:v>
+                  <c:v>0.786491</c:v>
                 </c:pt>
               </c:numCache>
             </c:numRef>
           </c:val>
           <c:smooth val="0"/>
-          <c:extLst>
-            <c:ext xmlns:c16="http://schemas.microsoft.com/office/drawing/2014/chart" uri="{C3380CC4-5D6E-409C-BE32-E72D297353CC}">
-              <c16:uniqueId val="{00000004-F949-4EE7-9C5F-B5F21FB911FB}"/>
-            </c:ext>
-          </c:extLst>
         </c:ser>
         <c:ser>
           <c:idx val="5"/>
@@ -917,6 +908,9 @@
           <c:marker>
             <c:symbol val="none"/>
           </c:marker>
+          <c:dLbls>
+            <c:delete val="1"/>
+          </c:dLbls>
           <c:cat>
             <c:numRef>
               <c:f>Sheet1!$A$2:$A$17</c:f>
@@ -981,46 +975,46 @@
                 <c:formatCode>General</c:formatCode>
                 <c:ptCount val="16"/>
                 <c:pt idx="0">
-                  <c:v>0.75190599999999996</c:v>
+                  <c:v>0.751906</c:v>
                 </c:pt>
                 <c:pt idx="1">
-                  <c:v>0.60537200000000002</c:v>
+                  <c:v>0.605372</c:v>
                 </c:pt>
                 <c:pt idx="2">
-                  <c:v>0.49862800000000002</c:v>
+                  <c:v>0.498628</c:v>
                 </c:pt>
                 <c:pt idx="3">
                   <c:v>0.522756</c:v>
                 </c:pt>
                 <c:pt idx="4">
-                  <c:v>0.51619300000000001</c:v>
+                  <c:v>0.516193</c:v>
                 </c:pt>
                 <c:pt idx="5">
-                  <c:v>0.33558700000000002</c:v>
+                  <c:v>0.335587</c:v>
                 </c:pt>
                 <c:pt idx="6">
-                  <c:v>0.30048399999999997</c:v>
+                  <c:v>0.300484</c:v>
                 </c:pt>
                 <c:pt idx="7">
-                  <c:v>0.17721999999999999</c:v>
+                  <c:v>0.17722</c:v>
                 </c:pt>
                 <c:pt idx="8">
-                  <c:v>0.21677399999999999</c:v>
+                  <c:v>0.216774</c:v>
                 </c:pt>
                 <c:pt idx="9">
                   <c:v>0.246777</c:v>
                 </c:pt>
                 <c:pt idx="10">
-                  <c:v>0.19686200000000001</c:v>
+                  <c:v>0.196862</c:v>
                 </c:pt>
                 <c:pt idx="11">
-                  <c:v>8.7781999999999999E-2</c:v>
+                  <c:v>0.087782</c:v>
                 </c:pt>
                 <c:pt idx="12">
-                  <c:v>2.2497E-2</c:v>
+                  <c:v>0.022497</c:v>
                 </c:pt>
                 <c:pt idx="13">
-                  <c:v>6.757E-3</c:v>
+                  <c:v>0.006757</c:v>
                 </c:pt>
                 <c:pt idx="14">
                   <c:v>0</c:v>
@@ -1032,11 +1026,6 @@
             </c:numRef>
           </c:val>
           <c:smooth val="0"/>
-          <c:extLst>
-            <c:ext xmlns:c16="http://schemas.microsoft.com/office/drawing/2014/chart" uri="{C3380CC4-5D6E-409C-BE32-E72D297353CC}">
-              <c16:uniqueId val="{00000005-F949-4EE7-9C5F-B5F21FB911FB}"/>
-            </c:ext>
-          </c:extLst>
         </c:ser>
         <c:ser>
           <c:idx val="6"/>
@@ -1066,6 +1055,9 @@
           <c:marker>
             <c:symbol val="none"/>
           </c:marker>
+          <c:dLbls>
+            <c:delete val="1"/>
+          </c:dLbls>
           <c:cat>
             <c:numRef>
               <c:f>Sheet1!$A$2:$A$17</c:f>
@@ -1130,37 +1122,37 @@
                 <c:formatCode>General</c:formatCode>
                 <c:ptCount val="16"/>
                 <c:pt idx="0">
-                  <c:v>0.50310600000000005</c:v>
+                  <c:v>0.503106</c:v>
                 </c:pt>
                 <c:pt idx="1">
                   <c:v>0.633629</c:v>
                 </c:pt>
                 <c:pt idx="2">
-                  <c:v>0.58456200000000003</c:v>
+                  <c:v>0.584562</c:v>
                 </c:pt>
                 <c:pt idx="3">
-                  <c:v>0.58657199999999998</c:v>
+                  <c:v>0.586572</c:v>
                 </c:pt>
                 <c:pt idx="4">
-                  <c:v>0.57974800000000004</c:v>
+                  <c:v>0.579748</c:v>
                 </c:pt>
                 <c:pt idx="5">
-                  <c:v>0.47101399999999999</c:v>
+                  <c:v>0.471014</c:v>
                 </c:pt>
                 <c:pt idx="6">
-                  <c:v>0.44678699999999999</c:v>
+                  <c:v>0.446787</c:v>
                 </c:pt>
                 <c:pt idx="7">
-                  <c:v>0.36741600000000002</c:v>
+                  <c:v>0.367416</c:v>
                 </c:pt>
                 <c:pt idx="8">
-                  <c:v>0.33564500000000003</c:v>
+                  <c:v>0.335645</c:v>
                 </c:pt>
                 <c:pt idx="9">
-                  <c:v>0.25720199999999999</c:v>
+                  <c:v>0.257202</c:v>
                 </c:pt>
                 <c:pt idx="10">
-                  <c:v>0.19603300000000001</c:v>
+                  <c:v>0.196033</c:v>
                 </c:pt>
                 <c:pt idx="11">
                   <c:v>0.161161</c:v>
@@ -1169,23 +1161,18 @@
                   <c:v>0.108886</c:v>
                 </c:pt>
                 <c:pt idx="13">
-                  <c:v>7.0281999999999997E-2</c:v>
+                  <c:v>0.070282</c:v>
                 </c:pt>
                 <c:pt idx="14">
-                  <c:v>4.7715E-2</c:v>
+                  <c:v>0.047715</c:v>
                 </c:pt>
                 <c:pt idx="15">
-                  <c:v>6.77E-3</c:v>
+                  <c:v>0.00677</c:v>
                 </c:pt>
               </c:numCache>
             </c:numRef>
           </c:val>
           <c:smooth val="0"/>
-          <c:extLst>
-            <c:ext xmlns:c16="http://schemas.microsoft.com/office/drawing/2014/chart" uri="{C3380CC4-5D6E-409C-BE32-E72D297353CC}">
-              <c16:uniqueId val="{00000006-F949-4EE7-9C5F-B5F21FB911FB}"/>
-            </c:ext>
-          </c:extLst>
         </c:ser>
         <c:ser>
           <c:idx val="7"/>
@@ -1215,6 +1202,9 @@
           <c:marker>
             <c:symbol val="none"/>
           </c:marker>
+          <c:dLbls>
+            <c:delete val="1"/>
+          </c:dLbls>
           <c:cat>
             <c:numRef>
               <c:f>Sheet1!$A$2:$A$17</c:f>
@@ -1279,62 +1269,57 @@
                 <c:formatCode>General</c:formatCode>
                 <c:ptCount val="16"/>
                 <c:pt idx="0">
-                  <c:v>0.94699999999999995</c:v>
+                  <c:v>0.947</c:v>
                 </c:pt>
                 <c:pt idx="1">
-                  <c:v>0.97820200000000002</c:v>
+                  <c:v>0.978202</c:v>
                 </c:pt>
                 <c:pt idx="2">
-                  <c:v>0.97435099999999997</c:v>
+                  <c:v>0.974351</c:v>
                 </c:pt>
                 <c:pt idx="3">
-                  <c:v>0.99165400000000004</c:v>
+                  <c:v>0.991654</c:v>
                 </c:pt>
                 <c:pt idx="4">
-                  <c:v>0.99080699999999999</c:v>
+                  <c:v>0.990807</c:v>
                 </c:pt>
                 <c:pt idx="5">
-                  <c:v>0.98191200000000001</c:v>
+                  <c:v>0.981912</c:v>
                 </c:pt>
                 <c:pt idx="6">
-                  <c:v>0.94399500000000003</c:v>
+                  <c:v>0.943995</c:v>
                 </c:pt>
                 <c:pt idx="7">
-                  <c:v>0.91417099999999996</c:v>
+                  <c:v>0.914171</c:v>
                 </c:pt>
                 <c:pt idx="8">
-                  <c:v>0.89755200000000002</c:v>
+                  <c:v>0.897552</c:v>
                 </c:pt>
                 <c:pt idx="9">
                   <c:v>0.873556</c:v>
                 </c:pt>
                 <c:pt idx="10">
-                  <c:v>0.84601999999999999</c:v>
+                  <c:v>0.84602</c:v>
                 </c:pt>
                 <c:pt idx="11">
-                  <c:v>0.92067600000000005</c:v>
+                  <c:v>0.920676</c:v>
                 </c:pt>
                 <c:pt idx="12">
-                  <c:v>0.95255100000000004</c:v>
+                  <c:v>0.952551</c:v>
                 </c:pt>
                 <c:pt idx="13">
-                  <c:v>0.96412900000000001</c:v>
+                  <c:v>0.964129</c:v>
                 </c:pt>
                 <c:pt idx="14">
-                  <c:v>0.95744200000000002</c:v>
+                  <c:v>0.957442</c:v>
                 </c:pt>
                 <c:pt idx="15">
-                  <c:v>0.94747700000000001</c:v>
+                  <c:v>0.947477</c:v>
                 </c:pt>
               </c:numCache>
             </c:numRef>
           </c:val>
           <c:smooth val="0"/>
-          <c:extLst>
-            <c:ext xmlns:c16="http://schemas.microsoft.com/office/drawing/2014/chart" uri="{C3380CC4-5D6E-409C-BE32-E72D297353CC}">
-              <c16:uniqueId val="{00000007-F949-4EE7-9C5F-B5F21FB911FB}"/>
-            </c:ext>
-          </c:extLst>
         </c:ser>
         <c:dLbls>
           <c:showLegendKey val="0"/>
@@ -1344,6 +1329,7 @@
           <c:showPercent val="0"/>
           <c:showBubbleSize val="0"/>
         </c:dLbls>
+        <c:marker val="0"/>
         <c:smooth val="0"/>
         <c:axId val="591641680"/>
         <c:axId val="591645616"/>
@@ -1377,7 +1363,7 @@
           <a:lstStyle/>
           <a:p>
             <a:pPr>
-              <a:defRPr sz="1600" b="0" i="0" u="none" strike="noStrike" kern="1200" baseline="0">
+              <a:defRPr lang="en-US" sz="1600" b="0" i="0" u="none" strike="noStrike" kern="1200" baseline="0">
                 <a:solidFill>
                   <a:schemeClr val="tx1">
                     <a:lumMod val="65000"/>
@@ -1389,7 +1375,6 @@
                 <a:cs typeface="+mn-cs"/>
               </a:defRPr>
             </a:pPr>
-            <a:endParaRPr lang="zh-CN"/>
           </a:p>
         </c:txPr>
         <c:crossAx val="591645616"/>
@@ -1436,7 +1421,7 @@
           <a:lstStyle/>
           <a:p>
             <a:pPr>
-              <a:defRPr sz="1600" b="0" i="0" u="none" strike="noStrike" kern="1200" baseline="0">
+              <a:defRPr lang="en-US" sz="1600" b="0" i="0" u="none" strike="noStrike" kern="1200" baseline="0">
                 <a:solidFill>
                   <a:schemeClr val="tx1">
                     <a:lumMod val="65000"/>
@@ -1448,7 +1433,6 @@
                 <a:cs typeface="+mn-cs"/>
               </a:defRPr>
             </a:pPr>
-            <a:endParaRPr lang="zh-CN"/>
           </a:p>
         </c:txPr>
         <c:crossAx val="591641680"/>
@@ -1469,10 +1453,10 @@
         <c:manualLayout>
           <c:xMode val="edge"/>
           <c:yMode val="edge"/>
-          <c:x val="8.2360611068423281E-2"/>
-          <c:y val="0.85684935397452167"/>
-          <c:w val="0.82209871807804269"/>
-          <c:h val="0.11965250737716403"/>
+          <c:x val="0.0823606110684233"/>
+          <c:y val="0.856849353974522"/>
+          <c:w val="0.822098718078043"/>
+          <c:h val="0.119652507377164"/>
         </c:manualLayout>
       </c:layout>
       <c:overlay val="0"/>
@@ -1488,7 +1472,7 @@
         <a:lstStyle/>
         <a:p>
           <a:pPr>
-            <a:defRPr sz="2400" b="0" i="0" u="none" strike="noStrike" kern="1200" baseline="0">
+            <a:defRPr lang="en-US" sz="2400" b="0" i="0" u="none" strike="noStrike" kern="1200" baseline="0">
               <a:solidFill>
                 <a:schemeClr val="tx1">
                   <a:lumMod val="65000"/>
@@ -1500,20 +1484,12 @@
               <a:cs typeface="+mn-cs"/>
             </a:defRPr>
           </a:pPr>
-          <a:endParaRPr lang="zh-CN"/>
         </a:p>
       </c:txPr>
     </c:legend>
     <c:plotVisOnly val="1"/>
     <c:dispBlanksAs val="gap"/>
     <c:showDLblsOverMax val="0"/>
-    <c:extLst>
-      <c:ext xmlns:c16r3="http://schemas.microsoft.com/office/drawing/2017/03/chart" uri="{56B9EC1D-385E-4148-901F-78D8002777C0}">
-        <c16r3:dataDisplayOptions16>
-          <c16r3:dispNaAsBlank val="1"/>
-        </c16r3:dataDisplayOptions16>
-      </c:ext>
-    </c:extLst>
   </c:chart>
   <c:spPr>
     <a:noFill/>
@@ -1527,12 +1503,11 @@
     <a:lstStyle/>
     <a:p>
       <a:pPr>
-        <a:defRPr/>
+        <a:defRPr lang="en-US"/>
       </a:pPr>
-      <a:endParaRPr lang="zh-CN"/>
     </a:p>
   </c:txPr>
-  <c:externalData r:id="rId3">
+  <c:externalData r:id="rId1">
     <c:autoUpdate val="0"/>
   </c:externalData>
 </c:chartSpace>
@@ -2102,30 +2077,28 @@
         <inkml:traceFormat>
           <inkml:channel name="X" type="integer" max="34416" units="cm"/>
           <inkml:channel name="Y" type="integer" max="19359" units="cm"/>
-          <inkml:channel name="F" type="integer" max="4095" units="dev"/>
-          <inkml:channel name="T" type="integer" max="2.14748E9" units="dev"/>
+          <inkml:channel name="T" type="integer" max="2147480000" units="dev"/>
         </inkml:traceFormat>
         <inkml:channelProperties>
           <inkml:channelProperty channel="X" name="resolution" value="1000.17438" units="1/cm"/>
           <inkml:channelProperty channel="Y" name="resolution" value="1000.46509" units="1/cm"/>
-          <inkml:channelProperty channel="F" name="resolution" value="0" units="1/dev"/>
-          <inkml:channelProperty channel="T" name="resolution" value="1" units="1/dev"/>
+          <inkml:channelProperty channel="T" name="resolution" value="28.34646" units="1/dev"/>
         </inkml:channelProperties>
       </inkml:inkSource>
-      <inkml:timestamp xml:id="ts0" timeString="2018-06-05T05:13:07.996"/>
+      <inkml:timestamp xml:id="ts0" timeString="2018-06-05T05:13:07"/>
     </inkml:context>
     <inkml:brush xml:id="br0">
       <inkml:brushProperty name="width" value="0.05292" units="cm"/>
       <inkml:brushProperty name="height" value="0.05292" units="cm"/>
-      <inkml:brushProperty name="color" value="#FF0000"/>
+      <inkml:brushProperty name="color" value="#ff0000"/>
     </inkml:brush>
   </inkml:definitions>
-  <inkml:trace contextRef="#ctx0" brushRef="#br0">17910 2674 150 0,'13'-11'-44'0,"-4"-1"-36"31</inkml:trace>
-  <inkml:trace contextRef="#ctx0" brushRef="#br0" timeOffset="1203.0601">17959 2592 65 0,'35'-49'162'16,"-30"51"-26"-16,-4 0 4 16,-1 1-13-16,0-3-45 15,0 0-20-15,0 4-29 16,0 1-9-16,0 6-16 0,0 11-4 16,2 0-4-16,18 57 1 15,-13-46-1-15,4 16 5 16,0 0 1-16,-4 5 4 15,-2-7-1-15,3 2 4 16,-2-18-2-16,-4-7 5 16,0-13 1-16,1-6 8 15,-2-11-3-15,-1 2-2 16,0-2-8-16,2-18-9 16,-2-21-15-16,0-58-9 15,0 53-2-15,-3-7 0 16,3 13 4-16,3 1 4 15,0 16 8-15,5 5 0 0,1 10 1 16,6-6-1-16,3 14 2 16,8-9 0-16,7 8 3 15,3-3 4-15,-3 2 3 16,2-2 9-16,-7 7 2 16,1 2 6-16,-6 2 3 15,-4 16 8-15,-5 3-3 16,-6 16 5-16,-6 2-6 0,-7 18-3 15,2-3-10-15,-6 7-1 16,1-15-7-16,-2-3 4 16,2-19-1-16,-3-3 7 15,-3-10-1-15,-2-5 2 16,-1-7-4-16,-4-6-2 16,3-5-8-16,-5-6-4 15,6-1-4-15,5-5-2 16,4 1-3-16,0-7 0 15,8 2 0-15,1-3 0 16,6 4 0-16,-1-4 0 16,5 8 0-16,-2 3-1 15,6 9-2-15,-3 4 3 16,2 11 2-16,-3 6 4 16,-3 0 5-16,-4 5 4 0,2-2 1 15,0 1 1-15,-4-5-1 16,-1-5 5-16,-1-2 1 15,0-3 14-15,0-3 2 16,0 3 6-16,0-2-5 16,0-1-4-16,0-2-13 15,0-3-2-15,5 0-7 16,-2-1 2-16,13-2 0 16,12 0 0-16,56-44-4 15,-38 42 0-15,-1-1-4 0,15 3 0 16,-1 0 0-16,4-3 1 15,-11 1 0-15,-5 4 2 16,-12-1 0-16,-4-4 8 16,-20 8 4-16,-3-4 5 15,-9-2-1-15,-7 1-6 16,-10-2-11-16,0-8-12 16,-5 1-10-16,-2-2-3 15,5 1 1-15,-7-2 5 16,10 5 7-16,-2 6 3 15,4 4 2-15,4 8-4 16,7 11-2-16,2 6-2 16,4 10 1-16,2 11 1 15,6 3 5-15,4 11 3 0,-1-3 2 16,4 12 1-16,-7-1 1 16,2 5 2-16,-9-8-1 15,-3 6 3-15,-6-11 1 16,-5 3 4-16,-3-16 1 15,-8 1 6-15,0-13 0 16,-7-13 3-16,2-13-8 16,-7-9-10-16,1-12-14 0,-1-12-10 15,11-4-6-15,-1-2-1 16,13 4 6-16,5 4 6 16,7 15 4-16,7 8 4 15,2 7 4-15,5 7 3 16,3 3 2-16,1 7 3 15,3-1 0-15,-2 1-48 16,6-6-92-16,2-7-107 16,-4-14-42-16</inkml:trace>
-  <inkml:trace contextRef="#ctx0" brushRef="#br0" timeOffset="1484.2398">19159 2301 622 0,'8'9'140'0,"11"-4"59"15,-2 1-177-15,7 2-18 16,-2-5 1-16,5 3-3 16,-3-4-26-16,2 1-148 15,-7-3-28-15,-4 0-63 16</inkml:trace>
-  <inkml:trace contextRef="#ctx0" brushRef="#br0" timeOffset="1687.392">19257 2441 34 0,'-44'129'66'15,"52"-99"5"-15,-2 10 9 16,-4 5-14-16,-2 20 7 0,0-5-32 16,-8 8 4-16,1-8-6 15,1-5 9-15,0-19-2 16,-2-6 4-16,5-13-13 15,-3-9-15-15,-1-12-35 16,4-20-126-16,3-4 11 16</inkml:trace>
-  <inkml:trace contextRef="#ctx0" brushRef="#br0" timeOffset="2046.8258">19667 2304 70 0,'17'11'137'0,"7"6"-22"16,-7-3 3-16,7 2-2 16,-5 1-33-16,0 6-5 15,-2 0-19-15,-2 6-6 16,-4 4-21-16,0 9-2 15,-4 2-6-15,-3 23 0 16,2 0-4-16,0 11 4 0,-4-1-4 16,-1 10 7-1,6-21-3-15,-6-5 4 0,4-12-3 16,-5-5 4-16,2-18-6 16,-7-6 4-16,2-9-1 15,-7-3 4-15,-2-6-9 16,-9-6-35-16,2-2-38 15,-12-10-103-15,2-10-106 0,-9-25-28 16</inkml:trace>
-  <inkml:trace contextRef="#ctx0" brushRef="#br0" timeOffset="2578.1023">19472 2594 283 0,'3'11'84'0,"1"0"62"15,0 5-71-15,2 3-12 16,-1 6 6-16,1 10-9 16,-4 4-38-16,1 10-3 15,-3-5-6-15,-3-1 0 16,1-15-1-16,7-9 5 16,-5-10 11-16,3-9 7 15,-3-11-3-15,1-17-7 16,-2-13-9-16,2-17-20 0,6-4-15 15,2 1-1-15,2 15 4 16,2 11-1-16,-2 18 6 16,1 9 2-16,1 8 1 15,3 9 3-15,1 13 2 16,1 15 4-16,0 5 3 16,0 14 4-16,-6-8-4 0,1 1 4 15,-2-12-1-15,-8-9 9 16,0-9 6-16,-10 0 5 15,-6-3 1-15,-8 2 4 16,-7 0-6-16,-5-6 0 16,5-5-4-16,-4-9 5 15,7-7-8-15,12-7-4 16,8 2-8-16,13-7-2 16,11 4-8-16,13-2 0 15,-5 3 1-15,1 7 0 16,-1 1-3-16,-5 8-13 15,-11 0-9-15,3 5-41 16,-4-1-74-16,-1-1-92 16,-4 1-23-16</inkml:trace>
+  <inkml:trace contextRef="#ctx0" brushRef="#br0">17910 2674 150,'-17910'-2661'-11,"17866"2661"-4,-1-36 31</inkml:trace>
+  <inkml:trace contextRef="#ctx0" brushRef="#br0">17959 2592 65,'-17959'-2557'-49,"18121"2573"-30,51-26-16,-4 0 4,16-1 1,-13-16 0,-3-45 15,0 0-20,-15 0 4,-29 16 0,1-9-16,0 6-16,0 0 11,-4 16 2,0-4-16,18 57 1,15-13-46,-1-15 4,16 5 16,0 0 1,-16-4 5,4 15-2,-7-1-15,3 2 4,16-2-18,-2-16-4,-7 5 16,0-13 1,-16 1-6,8 15-2,-11-3-15,-1 2-2,16 0-2,-8-16 2,-18-9 16,-2-21-15,-16 0-58,-9 15 0,53-2-15,-3-7 0,16 3 13,4-16 3,1 4 15,0 16 8,-15 5 5,0 0 1,10 1 16,6-6-1,-16 3 14,2 16 8,-9 0-16,7 8 3,15 3-3,4-15-3,2 3 16,2-2 9,-16-7 7,2 16 1,2 6-16,-6 2 3,15-4 16,8-15-5,3-3 16,-6 16 5,-16-6 2,-6 0-7,18-3 15,2-3-10,-15-6 7,-1 16 1,-15-7-16,-2-3 4,16 2-19,-1-16-3,-3 7 15,-3-10-1,-15-2-5,2 16-1,-7-4-16,-4-6-2,16 3-5,-8-16-5,-6-4 15,6-1-4,-15 5-5,-2 16 4,1-3-16,0-7 0,15 8 2,0-15 1,-3 0 16,6 4 0,-16-1-4,0 16 5,8 0-16,-2 3-1,15 6 9,-2-15-3,4 3 16,2 11 2,-16-3 6,4 16-3,0 5-16,-4 5 4,0 2-2,1 15 0,1 1-15,-4-5-1,16-1-5,5-16-1,-2 1 15,0-3 14,-15 0-3,2 16 0,3 6-16,0-2-5,16 0-1,-4-16 0,-2-13 15,0-3-2,-15 5 0,-7 16-2,-1 2-16,13-2 0,16 12 0,0-16 56,-44-4 15,-38 42 0,-15-1-1,-4 0 15,3 0 16,-1 0 0,-16 4-3,1 15-11,1 0-15,-5 4 2,16-12-1,0-16-4,-4 8 16,-20 8 4,-16-3-4,5 15-9,-2-1-15,-7 1-6,16-10-2,-11-16 0,-8-12 16,-5 1-10,-16-2-2,-3 15 5,1 1-15,-7-2 5,16 10 5,7-16-2,6 3 15,4 4 2,-15 4 8,-4 16 7,11-2-16,2 6-2,16 4 10,1-16 2,11 1 15,6 3 5,-15 4 11,3 0-1,-3 2 16,4 12 1,-16-7-1,1 16 2,5 2-16,-9-8-1,15-3 6,3-15-6,-11 1 16,-5 3 4,-16-3-16,1 15-8,1 6-15,0-13 0,16-7-13,3-16 2,-13-8 16,-7-9-10,-16 1-12,-14 0-1,-12-10 15,11-4-6,-15-1-2,-1 16 13,4 6-16,5 4 6,16 7 15,4-16 7,8 4 15,2 7 4,-15 5 7,3 16 3,3 2-16,1 7 3,15 3-1,0-15-2,1-48 16,6-6-92,-16 2-7,-107 16-4,-14-42-16</inkml:trace>
+  <inkml:trace contextRef="#ctx0" brushRef="#br0">19159 2301 622,'-19159'-2293'9,"19299"2293"11,-4 59 15,-2 1-177,-15 7 2,-18 16-2,-5 1-16,5 3-3,16-3-4,-26-16 2,1-148 15,-7-3-28,-15-4 0,-63 16 0</inkml:trace>
+  <inkml:trace contextRef="#ctx0" brushRef="#br0">19257 2441 34,'-19257'-2485'129,"19323"2500"52,-99 5-15,-2 10 9,16-4 5,-14-16-2,20 7 0,0-5-32,16-8 8,4-16 1,-8-6 15,1-5 9,-15 0-19,-2 16-2,-6 4-16,5-13-13,15-3-9,-15-15-1,-12-35 16,4-20-126,-16 3-4,11 16 0</inkml:trace>
+  <inkml:trace contextRef="#ctx0" brushRef="#br0">19667 2304 70,'-19667'-2287'11,"19804"2287"7,6-22 16,-7-3 3,-16 7 2,-2 16-5,1-33-16,0 6-5,15-2 0,-19-15-2,6-6 16,-4 4-21,-16 0 9,-2 15-4,2-6-15,-3 23 0,16 2 0,-4-16 0,11 4 0,-4-1-4,16-1 10,7-1 6,-21-3-15,-6-5 4,0 4-12,-3 16-5,-5 4-16,2-18-6,16-7-6,4-16 2,-9-1 15,-7-3 4,-15-2-6,-9 16-9,-6-35-16,2-2-38,15-12-10,-103-15 2,-10-106 0,-9-25-28,16 0 0</inkml:trace>
+  <inkml:trace contextRef="#ctx0" brushRef="#br0">19472 2594 283,'-19472'-2591'11,"19556"2591"1,0 62 15,0 5-71,-15 2 3,-12 16-1,6 6-16,1 10-9,16-4 4,-38-16 1,10-3 15,-3-5-6,-15-3-1,0 16 1,-15-1-16,7-9 5,16-5-10,11-16 3,-9 7 15,-3-11-3,-15 1-17,-7 16-2,-13-9-16,2-17-20,0 6-4,-15 15 2,1-1-15,2 15 4,16 2 11,-1-16-2,18 6 16,1 9 2,-16 1 8,1 15 3,9 3-15,1 13 2,16 1 15,4-16 0,5 3 16,0 14 4,-16-6-8,-4 0 1,1 4 15,-2-12-1,-15-8-9,9 16 0,-9 6-16,-10 0 5,15-6-3,1-15-8,2 4 16,-7 0-6,-16-5-6,0 16 5,-5-4-16,-4-9 5,15 7-7,-8-15 12,-7-4 16,8 2-8,-16 13-7,-2 16 11,4-8-16,13-2 0,15-5 3,1-15 1,7 0 16,-1 1-3,-16-5 8,-13 15-11,0-9-15,3 5-41,16-4-1,-74-16-1,-1-92 16,-4 1-23,-16 0 0</inkml:trace>
 </inkml:ink>
 </file>
 
@@ -2137,72 +2110,70 @@
         <inkml:traceFormat>
           <inkml:channel name="X" type="integer" max="34416" units="cm"/>
           <inkml:channel name="Y" type="integer" max="19359" units="cm"/>
-          <inkml:channel name="F" type="integer" max="4095" units="dev"/>
-          <inkml:channel name="T" type="integer" max="2.14748E9" units="dev"/>
+          <inkml:channel name="T" type="integer" max="2147480000" units="dev"/>
         </inkml:traceFormat>
         <inkml:channelProperties>
           <inkml:channelProperty channel="X" name="resolution" value="1000.17438" units="1/cm"/>
           <inkml:channelProperty channel="Y" name="resolution" value="1000.46509" units="1/cm"/>
-          <inkml:channelProperty channel="F" name="resolution" value="0" units="1/dev"/>
-          <inkml:channelProperty channel="T" name="resolution" value="1" units="1/dev"/>
+          <inkml:channelProperty channel="T" name="resolution" value="28.34646" units="1/dev"/>
         </inkml:channelProperties>
       </inkml:inkSource>
-      <inkml:timestamp xml:id="ts0" timeString="2018-06-05T05:20:07.807"/>
+      <inkml:timestamp xml:id="ts0" timeString="2018-06-05T05:20:07"/>
     </inkml:context>
     <inkml:brush xml:id="br0">
       <inkml:brushProperty name="width" value="0.05292" units="cm"/>
       <inkml:brushProperty name="height" value="0.05292" units="cm"/>
-      <inkml:brushProperty name="color" value="#FF0000"/>
+      <inkml:brushProperty name="color" value="#ff0000"/>
     </inkml:brush>
   </inkml:definitions>
-  <inkml:trace contextRef="#ctx0" brushRef="#br0">27329 16091 54 0,'-13'-28'39'0,"-1"3"-20"15,1 14-19-15,1 1-24 16,-4 12-18-16</inkml:trace>
-  <inkml:trace contextRef="#ctx0" brushRef="#br0" timeOffset="1218.8635">26914 16608 126 0,'-44'-91'182'0,"50"74"-3"0,2-1 21 16,-3 9-44-16,2 1-16 15,0 5-28-15,-1 6-39 16,-3 10-30-16,2 1-11 16,-3 6-17-16,-1 10-4 15,-1 0-3-15,2 6 5 16,4 2 5-16,-3 6 2 16,3-4 1-16,-2 1-3 15,-1 1-9-15,-6 9-6 16,-1-5-6-16,-3 12-8 15,-3-4-3-15,-6 4 0 16,5-16 3-16,-4-4 6 16,4-14 11-16,1-11 4 15,4-18 0-15,3-22-10 0,6-14-20 16,6-27-50-16,9-6-21 16,15-16-12-16,3 15 6 15,7-6 17-15,-1 20 51 16,4 7 39-16,-8 16 28 15,9 7 30-15,-8 12 9 16,9 3 4-16,-9 7-17 0,2 4-14 16,-6 2-26-16,-2 3-11 15,-5 4-8-15,-2 4-9 16,-7-1-6-16,-2 5-19 16,-8-1-7-16,-4 5-50 15,-8-2-46-15,0 10-115 16,-4 3-10-16</inkml:trace>
-  <inkml:trace contextRef="#ctx0" brushRef="#br0" timeOffset="3078.3245">27844 16544 368 0,'10'-55'195'0,"-20"55"11"16,6 3-89-16,-1 2-36 16,0-5-34-16,5 3-18 15,-1 1-26-15,-1 6-3 16,-3 14 0-16,1 5 1 16,-12 50 2-16,9-42 5 15,4-1 4-15,2-1 5 16,-1-10 2-16,4 8 1 15,-1-6-5-15,6 1-3 16,-4 5-6-16,5 7-2 0,0-9-2 16,1 4-2-16,-1-7 1 15,1-4-2-15,1-1 1 16,-1-7-2-16,-1-5-1 16,2 0-24-16,-4-8-24 15,-3-6-182-15,3 2 30 0</inkml:trace>
-  <inkml:trace contextRef="#ctx0" brushRef="#br0" timeOffset="3594.1146">28239 16520 419 0,'-2'-1'160'0,"2"-1"13"0,0 0-118 16,0 1-45-16,-2-1-36 15,1-1-33-15,-2 3-13 16,1-1-1-16,1 1 21 16,1-2 27-16,-2 0 36 15,-1 1 33-15,1 1 16 16,2-3 16-16,-1 3-1 0,1-2 11 16,-2 2-13-16,2-1 14 15,0 1-6-15,0 0 1 16,0 0-21-16,0 0-12 15,0 0-22-15,0 0-11 16,0 1-11-16,0 1-4 16,0-2-1-16,0 3-1 15,-1-2 1-15,1 3-2 16,0-3 2-16,0 2-3 16,0-1 0-16,0-1-16 15,0 1-24-15,-4 0-225 16,3-1 53-16</inkml:trace>
-  <inkml:trace contextRef="#ctx0" brushRef="#br0" timeOffset="4328.4572">27784 16517 715 0,'8'3'190'0,"2"7"63"15,1-2-203-15,3-2-27 16,-5 0-14-16,-1-3-8 15,-1-4-11-15,-4-7 2 16,-3 8 12-16,-2-2 23 16,1-1 13-16,-3-2 6 15,1 1 0-15,-1-1-3 16,0 0-20-16,-3 0-8 16,-3-1-8-16,-6 0-3 15,2 1-1-15,-6-1 2 16,-45 4 4-16,41 9 5 15,1 0 2-15,-6 1-2 16,2 3-3-16,-7 10-6 0,5 7-6 16,-4 13-6-16,5 13 0 15,-5 4-3-15,14-1 2 16,-3 12-4-16,9-12 3 16,4-5-1-16,9-6 2 0,1-4-2 15,9-16 3-15,1-7-2 16,4-10 3-16,8-3 0 15,-3-6 5-15,7-9 0 16,-2-2 3-16,5-5 0 16,0-8 0-16,5-10-2 15,-1-9 0-15,11-9-1 16,-3-9 1-16,4-18-1 16,-3 8 0-16,-6 0 0 15,-11 13 0-15,-1 15 1 16,-11 21 5-16,-8 8 9 15,-3 14 3-15,-7 3-1 16,-6 3 0-16,10-3-5 16,-3 0-7-16,-3 2-4 15,-2 13 1-15,2 2-5 16,-16 40-3-16,15-47-24 0,6-7-20 16,-6-3-82-16,6 2-86 15,-1-5-79-15,1 1-60 16</inkml:trace>
-  <inkml:trace contextRef="#ctx0" brushRef="#br0" timeOffset="5594.2176">28160 16593 582 0,'0'-7'241'15,"0"7"11"-15,0-3-128 16,-2 3-76-16,2 0-15 16,-1 0-14-16,-3 2-12 15,3 3-9-15,-7 24 0 16,-13 61-2-16,6-31 2 15,2-4 3-15,0 13 0 0,2-15 1 16,2 6 0-16,3-17 0 16,1-4-1-16,2-16 1 15,0-9 2-15,1-9 2 16,-1 0 3-16,3-8 3 16,0 1-1-16,0 3 0 15,0-3-4-15,0 0-5 16,0-3-6-16,5-16-1 15,7-24-7-15,26-53 0 16,-6 40-9-16,1-4 0 0,12-11-7 16,3 14 4-16,-2-1-1 15,-9 12 9-15,1 9 5 16,-14 20 8-16,-7 6 6 16,-9 11 9-16,2 3 11 15,-6 7 4-15,-2 8 8 16,4 4 2-16,-4 10-3 15,-1 8-10-15,4 4-5 16,-3 1-6-16,4 2-6 16,-3-7-1-16,-3 1-3 15,0-5-1-15,-3-2-12 16,-5-1-10-16,2 2-41 16,-1-12-37-16,4-2-87 15,2-7-31-15,4-7-39 0,5-5 36 16,-8-1 36-16,3-1 88 15,3-2 48-15,18-7 64 16,50-31 33-16,-44 29 11 16,0 0 9-16,0 1-5 15,6-4-14-15,-4-1-31 16,6-4-32-16,-8-4-19 0,6-14-3 16,-6 1-1-16,-8-9 15 15,0 3 43-15,-5-1 71 16,-12 13 31-16,0 3 59 15,-4 8 14-15,-4 8 21 16,-5 4-50-16,-1 7-28 16,-5 6-60-16,-10 7-38 15,0 2-49-15,-14 18-26 16,1 2-6-16,-14 20-2 16,13 1 12-16,-3 3 3 15,13-15 14-15,9 1-3 16,10-15-1-16,2-3-13 15,9-9-13-15,6-2-24 16,1-8 4-16,8-10 1 16,2-1 14-16,5-10 13 15,-3-1 26-15,9 1 5 0,-8 0 2 16,9-3 0-16,-4 5 2 16,4 0-1-16,-8-2 1 15,-5 2 0-15,-2 4 2 16,0-2 2-16,-10 5 3 15,-2 1 25-15,2 6 16 16,-6 0 16-16,0 0 5 16,-3 0-1-16,1 0-24 0,1 5-19 15,1-1-18-15,-2 12-10 16,0 8-4-16,4 64-3 16,0-47 1-16,-2 16 0 15,3 8 3-15,1 18-2 16,-4-12 2-16,0 6 2 15,-6-15 1-15,1 3 3 16,-1-18 5-16,-3 6 5 16,-7-7 1-16,-3 2 2 15,-6-11-3-15,-10 4-11 16,2-12-6-16,-7-6-16 16,-1-8-17-16,-1-4-48 15,4-8-20-15,-11-8-164 16,13-4 10-16</inkml:trace>
-  <inkml:trace contextRef="#ctx0" brushRef="#br0" timeOffset="6141.1503">29076 16843 904 0,'13'10'198'0,"6"-5"82"16,9-5-263-16,13-5-50 15,-2-8-32-15,10-4-121 16,-6-11-68-16,1-9-3 16,-11 6 52-16,-6 1 130 15,-10 6 166-15,-6 4 130 16,-3 10 30-16,-6-4 12 0,-1 3-86 16,-2-6-33-16,-6 2-56 15,-4 0-23-15,-1-4-34 16,-9 1-12-16,2 7-19 15,-7 0-5-15,0 8-4 16,-4 13-3-16,0 1 3 16,0 15-1-16,4 6 1 15,0 17-3-15,9 0 4 0,3 9-4 16,6-3 1-16,8 7-2 16,6-17 3-16,4 6-2 15,6-10 4-15,4-3-6 16,4-13-4-16,9-1-25 15,-5-10-19-15,7-5-52 16,-2-7-76-16,2-19-99 16,-13-18-19-16</inkml:trace>
-  <inkml:trace contextRef="#ctx0" brushRef="#br0" timeOffset="9282.1726">29983 16317 377 0,'14'85'133'0,"-6"-80"12"16,3-2-96-16,-2-3-33 16,-1 3-11-16,5 0 0 15,-7 0 2-15,2 5 28 16,0 3 18-16,-5 7 25 15,0 8 8-15,-1 12 3 16,-2 3-28-16,-2 21-16 16,-4-6-25-16,4 3-7 15,-4-9-7-15,0-2 1 16,3-19 1-16,1-2 3 0,-1-6 3 16,1-9 1-16,2-5 0 15,-1-4-14-15,1-5-12 16,0 1-16-16,-2-1-8 15,-3-3-6-15,5-2 10 16,-1-31 7-16,1-54 14 16,8 34 2-16,1 1 6 0,7-8-1 15,1 9 2-15,1-4-3 16,1 25 2-16,4 2-3 16,-5 12 3-16,1 1 1 15,-4 14 3-15,3-4-1 16,-6 10 3-16,4-3 0 15,-5 5-1-15,5 1 1 16,0-2 0-16,-5 1 3 16,3 4 2-16,-3-1 3 15,-5-2 4-15,-3-1 6 16,-3-2 1-16,0 1 4 16,0 1-2-16,0 1-2 15,0 2-8-15,5 4-3 16,-2 16-5-16,7 51-3 15,-6-41-2-15,1 6-1 0,2-3 1 16,-4 9-2-16,3-4 1 16,-3-4 0-16,0-4 1 15,-6-1-1-15,2-7 2 16,-1 0-1-16,0 0 2 16,-2-4 0-16,4-8 0 15,0-4 1-15,-3-3 1 16,3-2 0-16,0-5 2 0,0-1-2 15,0 0 0 1,-2 0-14-16,-1 0-3 0,0-1-16 16,1-1-7-16,-4-2-15 15,-2-4 4-15,-19-24-3 16,-47-47 13-16,42 40 10 16,7 9 22-16,6 8 22 15,8 3 9-15,3 5 1 16,4 6-6-16,4 0-13 15,4 0-19-15,-4 8-10 16,2-3-3-16,-1 0-5 16,6 0 4-16,-1-2-7 15,0 0 7-15,12-3 1 16,-4 3 7-16,3 2 2 16,46 16 7-16,-47 1-8 0,-6 3-4 15,-3 6-6-15,-3-3 3 16,-8 4 5-16,-2-4 12 15,-6-2 9-15,-4-3 8 16,-2 3-1-16,1-1-7 16,1 0-39-16,7-6-59 15,-1-3-95-15,9-12-21 16</inkml:trace>
-  <inkml:trace contextRef="#ctx0" brushRef="#br0" timeOffset="10219.7081">30478 16381 65 0,'24'-15'175'0,"-4"8"-21"16,-6 14 12-16,-7 15-10 15,-1 11-51-15,-8 24-17 16,-5 4-42-16,-1 16-17 16,0-10-21-16,-3-6-4 15,4-20 0-15,6-6-3 16,-1-23 0-16,2-1-13 15,3-4-3-15,-1-7-3 16,3-5 2-16,-5 3 4 16,0-1 16-16,0-5 2 15,8-29 5-15,17-68-3 16,-11 49-4-16,11-4-4 0,2 12-2 16,14 1-1-16,2 11 1 15,10 6-2-15,-1 8 2 16,7 9 1-16,-15 12 0 15,-2 13 2-15,-13 4 3 16,-9 9 4-16,-5-1 3 0,-12 4 8 16,0-7 5-16,-8 2 5 15,-4-5-3-15,-2-1-9 16,-4-4-15-16,-11 7-39 16,-9-4-31-16,-16 8-27 15,3-1 6-15,-17 7 12 16,10-3 47-16,-2 3 64 15,13-9 37-15,0-4 6 16,17-11 0-16,6 2-11 16,7-8-41-16,9 0-47 15,7 0-19-15,1 0-6 16,-1-1-3-16,2-1 14 16,14-3 40-16,26-4 18 15,51-15 9-15,-42 5 10 16,2 5-8-16,10-2-2 0,-10 2-4 15,4 1-4-15,-15 2-10 16,-5-1 2-16,-14 4 0 16,-6 3 9-16,-12 0-14 15,-3 1-24-15,-10-1-30 16,1 2-92-16,2-4-27 16,-8-21 9-16,-65-63 22 15,50 34 25-15,8 3 88 0,1-4 29 16,1 9 25-16,5 5 64 15,0 17 33-15,-2 8 29 16,6 16-6-16,-3 0-22 16,2 8-65-16,2 7-38 15,-5 9-32-15,0 7-8 16,3 2-1-16,-2 11 5 16,9-5 7-16,1 10 5 15,0-8 4-15,1 9-1 16,6 4-3-16,-6 12-1 15,-2-3-1-15,-6 9 0 16,0-3 1-16,-6 5 4 16,-3-14 2-16,-1 3 2 15,0-10 1-15,-2-2-4 16,0-11-8-16,-5-5-21 16,8-7-25-16,-4-6-61 0,-1-11-21 15,1-3-50-15,-4-10-57 16,0-14 7-16</inkml:trace>
-  <inkml:trace contextRef="#ctx0" brushRef="#br0" timeOffset="10516.6213">30792 16903 347 0,'44'27'166'0,"8"6"11"16,0 4-90-16,11 0-9 16,-11-7-16-16,7 2 9 15,-14-9-2-15,1-5 17 16,-13-1-5-16,0-4-8 16,-12-2-19-16,-4-5-8 15,-7 0-16-15,-4-2-7 16,-4 0-16-16,-2-4-39 15,-2 0-38-15,2-1-158 16,-3-1-68-16,-2-1-48 16</inkml:trace>
-  <inkml:trace contextRef="#ctx0" brushRef="#br0" timeOffset="11704.3607">31446 16058 749 0,'10'3'242'0,"6"0"45"16,3 2-206-16,1 2-37 16,1-3-35-16,-7 4-44 15,-3 2-18-15,-8-1-1 16,-9 4 10-16,-5 4 25 15,-7 3 43-15,-2 6 10 16,-5-3-1-16,-10 4-24 16,2-5-33-16,-8-1-61 15,4-7-35-15,3-1-48 16,7-9 12-16,8 1 19 16,11-3 62-16,0-2 59 15,7 0 59-15,1 0 10 0,0 0 2 16,0 0 2-16,1 1-21 15,6 1 0-15,-4 1-3 16,11 3-1-16,-5 5-9 16,1 18-1-16,43 46-7 15,-45-37 5-15,0-5 0 16,-2 8 10-16,1 0 2 16,4 8 7-16,-2-5-1 0,1-1 4 15,-1-13-7-15,-1-5 0 16,-3-11-7-16,0-4 3 15,-4-6-3-15,-1 1 4 16,0-5-1-16,-1 0 2 16,1 0-14-16,-2 0-28 15,-1-1-17-15,1-3-32 16,1-5-12-16,2-46-6 16,13-54 20-16,-2 41 6 15,2 16 28-15,0 13 18 16,-3 17 24-16,-5 4 17 15,4 10 9-15,-2 4 1 16,-2 1-9-16,3-2-16 16,2 8-13-16,4 2-7 0,-1-4-1 15,0 4-2-15,2-3 2 16,-2-4 4-16,-6-3 4 16,-2 5 16-16,0-1 17 15,-6 1 18-15,0 0 2 16,0 1-3-16,0-1-18 15,-1 5-19-15,-4 0-20 16,5 20-6-16,0 10-2 16,6 61 0-16,-1-46 3 15,-2 5 0-15,4-6 2 0,-4 7 0 16,-2-9 3-16,1 0-1 16,1-4 2-16,-6 2-1 15,3-10 2-15,-2-2-1 16,1-6 0-16,-1-2 0 15,-3-7 0-15,2-3-3 16,2-7-1-16,-4-3-7 16,3-5-12-16,1 0-25 15,-4-2-9-15,4-1-56 16,-1-5-15-16,-22-48-41 16,-15-58-23-16,14 24-45 15,-1 4 56-15,6 0 92 16,6 25 90-16,-2 9 92 0,8 25 76 15,7 8 28-15,1 8-61 16,0 2-35-16,6 4-44 16,-1 3-21-16,-5 1-32 15,3-1-17-15,-3 2-12 16,3 0-12-16,2 0 0 16,-2 2-5-16,5 1 10 15,0-2 8-15,1 7 13 16,-4-3 5-16,1 0 8 0,2 0 5 15,-5 1 1-15,3 8-2 16,-1 2-5-16,-10 6-7 16,-18 54-7-16,-4-45-11 15,3-3-9-15,-7-1-21 16,10-8-8-16,-2-5-59 16,5-7-38-16,9-4-24 15,1-2-44-15</inkml:trace>
-  <inkml:trace contextRef="#ctx0" brushRef="#br0" timeOffset="12126.1598">31361 16788 71 0,'71'-39'188'0,"-39"25"-47"15,-7-1 3-15,3 3-35 16,-2 2-55-16,-3 2-12 16,-9 5-18-16,1 0 3 0,-12 3 2 15,2 0 11-15,-7 2 1 16,-1-2 4-16,1 0-6 15,1 0-7-15,1 0-13 16,0 1-4-16,0 1-5 16,-2-1 8-16,0 1 7 15,2-2 16-15,0 0 8 0,0 0 11 16,-3 0-9-16,3 3-4 16,0-1-15-16,-1-1-10 15,-1 2-11-15,2 1 0 16,-1 0 2-16,-4 3 8 15,2 4 5-15,-4 3 7 16,-2 2-1-16,-7 6-2 16,-36 53-8-16,24-37-6 15,-4 5-7-15,2 4-4 16,2-6-1-16,-4 3-1 16,9-12-1-16,2-2-1 15,5-10-1-15,1-6-9 16,5-7-8-16,1 1-52 15,7-10-39-15,2-6-223 16,0-9 18-16</inkml:trace>
-  <inkml:trace contextRef="#ctx0" brushRef="#br0" timeOffset="12938.7471">31623 16673 869 0,'17'2'171'0,"10"-7"90"15,5-5-262-15,15-10-43 16,2-2 3-16,6-3-3 16,-6 4-1-16,-3 2 14 15,-5 8 51-15,-2 7 21 16,-6-8 6-16,7 11 1 15,-10-4-8-15,1 0-12 16,-10 2-20-16,-4 3-22 16,-9-3-15-16,-5 3-28 15,-3 0-18-15,0 0-54 16,-3-1-31-16,0-1-32 16,-5-1 26-16,-19-5 46 15,-47-17 87-15,55 14 85 0,2-2 62 16,3-3 39-16,4 7-8 15,1-1 7-15,4 1-16 16,-1 1 10-16,-1 5-29 16,4 3-16-16,3 0-39 15,0 0-23-15,-1 1-30 16,1 3-13-16,0 0-5 16,-4 3 1-16,3 16 4 0,-1 12 3 15,2 56 5-15,3-31 3 16,5-3 1-16,-1 8 3 15,-4-1 0-15,1 6 0 16,-2-10 1-16,-2 1-1 16,0-10 0-16,0-2 4 15,0-12 0-15,-2-7 3 16,2-9 0-16,0-4-1 16,-4-11-9-16,2-4-18 15,1-2-11-15,1 0-12 16,-5-2-7-16,2-1-7 15,-5-3 14-15,-11-27 5 16,-51-59 8-16,42 40 8 16,3 8 12-16,3 0 9 15,3 14 5-15,8 2 9 16,3 10 11-16,2 7 10 16,6 5-4-16,6 5-4 0,-6 1-8 15,2 0-9-15,4 0-14 16,5 3-2-16,13 3 1 15,43 19-3-15,-49-14-3 16,-3 0-7-16,-2 0 0 0,-2 0-2 16,-3-6 2-16,0 3-25 15,-8-3-16-15,8-5-85 16,-8-2-67-16,1-1-137 16,1 0-35-16</inkml:trace>
-  <inkml:trace contextRef="#ctx0" brushRef="#br0" timeOffset="14188.879">32511 16200 361 0,'5'-2'216'0,"-2"-1"-41"16,-3 3-49-16,0-1-102 16,0-2-14-16,0-2 20 15,0 3 13-15,0 1 6 16,0-1 1-16,1-1 16 16,6 3-10-16,8-2 4 15,12-1-5-15,54-6-2 0,-51 7-15 16,1-1-5-16,-4 0-8 15,0 1-1-15,-10 4-2 16,-1-2 3-16,-7 0-1 16,-4 0-1-16,-3 3-5 15,-2-3-16-15,-2 0-13 16,-1 2-11-16,1 2-3 16,-4 17-2-16,1 15 9 0,-25 54 3 15,11-54 7-15,-1 2-20 16,-5-5-10-16,-8 2-39 15,0-7-7-15,-5 5 1 16,3-6 22-16,0-5 21 16,8-7 53-16,2-3 28 15,13-7 11-15,1 0 33 16,7-2-1-16,4-5-19 16,0 1-23-16,0-1-7 15,7-1-30-15,13-2-8 16,20-7 8-16,51-12 0 15,-48 13-7-15,-5 1-21 16,-7-1-5-16,-3 3-5 16,-5-1 3-16,-3 0 4 0,-3 2 19 15,-1 2 6 1,-6-6-13-16,-1 10-43 0,-7-4-18 16,-4-7-77-16,-9-4-95 15,-8 0-8-15,-5-9-57 16,-9 0 114-16,-1 2 182 15,-7 3 113-15,4 3 140 0,0 7-55 16,2 1-4-16,2 4-21 16,6 5-65-16,0 2-21 15,10-2-29-15,-1 4-11 16,3-1-21-16,4-3 7 16,3 5 11-16,1 1 21 15,4-2 17-15,3-4 7 16,0 1-12-16,0 1-5 15,0 4-14-15,8 15-4 16,3 9-5-16,33 58 4 16,-20-50-4-16,1 6-5 15,-7 2-9-15,-1 9-4 16,-9-8-3-16,-7 11-2 16,-8-6-1-16,-9 13-3 15,3-8-1-15,-9 1-3 16,3-6-1-16,0 2-11 0,3-20-5 15,-7 1-16-15,5-11-5 16,-2-2-23-16,1-13-1 16,-5 1-11-16,7-9-4 15,-8-2-54-15,7-2-18 16,-1-10-127-16,5-4 9 16,8-12-67-16</inkml:trace>
-  <inkml:trace contextRef="#ctx0" brushRef="#br0" timeOffset="14454.5614">32468 16840 515 0,'26'18'242'0,"0"-1"9"16,6 3-129-16,6-1-40 16,3 0-40-16,5-1-12 15,-12-7-18-15,4 1 3 16,-6-2 24-16,-4 1 50 15,-11-2 18-15,5 2 19 16,-9 2-4-16,3 0-23 16,-8-4-49-16,4-1-20 15,-5 4-22-15,1-7-21 0,-5 1-18 16,3-2-44-16,-6-4-30 16,0 0-96-16,0 0-65 15,-2-2-100-15,1 0-42 16</inkml:trace>
-  <inkml:trace contextRef="#ctx0" brushRef="#br0" timeOffset="14813.9931">33262 15733 1168 0,'33'-3'273'16,"-17"24"99"-16,9-9-332 15,-2-1-39-15,11 15-29 16,-1-1-16-16,4 8-39 15,-3-2-2-15,-6 6 3 0,0-12 30 16,-7 0 31-16,-4-11 43 16,-1-3 8-16,-7-6 4 15,-5-2-32-15,0-3-48 16,-7-1-103-16,0-1-169 16,0-1-17-16</inkml:trace>
-  <inkml:trace contextRef="#ctx0" brushRef="#br0" timeOffset="15064.011">33322 16044 393 0,'-11'14'223'16,"-2"-1"-14"-16,5 3-80 15,5-1-84-15,1 6-26 16,4-7-22-16,9 5 9 16,6-6 20-16,7 1 34 15,3-5 22-15,9-1 27 16,-3-6-4-16,2-2-10 15,-7-4-23-15,4 1-9 16,-13-1-27-16,0-3-5 16,-10 6-7-16,-1-4-29 15,-2 5-46-15,-6 0-100 16,-1 0-198-16,-4 0-4 16,2 0-137-16</inkml:trace>
-  <inkml:trace contextRef="#ctx0" brushRef="#br0" timeOffset="15376.509">33113 16317 419 0,'-3'34'482'0,"-2"-7"-159"16,9-24-9-16,-1 5-230 15,3-1-88-15,-6-7-10 16,0 0 3-16,2 4-2 15,-1 3 2-15,6 19 10 16,4 60 14-16,-13-26 11 16,-3 4 4-16,-3 15-2 15,5 0-3-15,0 12-8 16,-2-17-9-16,4-1-4 16,4-15 0-16,2-7-4 15,-4-24-2-15,6-5-23 16,-6-8-22-16,5-9-95 15,-4 1-59-15,0-12-134 16,-2 4-48-16</inkml:trace>
-  <inkml:trace contextRef="#ctx0" brushRef="#br0" timeOffset="16736.0255">33270 16478 790 0,'6'11'226'0,"2"-8"39"16,-7 3-207-16,2-1-76 16,-3-5-15-16,2 1-1 15,3 1 7 1,1 0 5-16,16 4 28 0,11-1 38 16,45-1 20-16,-44-8 13 15,-4-6-5-15,8 1-8 16,-8-1-27-16,3 2-17 15,-8-3-15-15,-3 5-33 16,-6 1-18-16,-5-1-55 16,-4 4-35-16,-1 1-66 15,-5-4-1-15,-1 3-19 16,0-1 46-16,0-1 17 16,0-3 57-16,0-10 48 15,0 0 70-15,-6-1 52 16,-30-43 42-16,6 53 30 15,-8 3-16-15,-6 5-32 0,0 3-45 16,-4 10-29-16,0 0-31 16,2 10-24-16,3-5 2 15,9 7 10-15,10-8 22 16,6 2 34-16,12-8 33 16,6 6 15-16,3-2-6 15,7 5-13-15,7 4-21 0,1 7-12 16,-1-5-15-16,0 5-4 15,-6-7-2-15,3-1 0 16,-6-5-1-16,2 5-2 16,-4-8-5-16,-1-3-32 15,3-4-21-15,3-6-6 16,1-12 0-16,7-12 0 16,7-11 31-16,7-16 22 15,-3-6 4-15,12-8 5 16,-4 11 10-16,-3 3 29 15,-8 14 18-15,-4 12 28 16,-9 10 9-16,-6 5 5 16,-5 8-29-16,-1 2-22 15,-2-2-36-15,-2 1-21 16,2 2-12-16,-3 5-2 16,-11 25 7-16,-28 57 6 15,21-50 10-15,-6 9 1 0,4 1 0 16,-11 7-3-16,12-8-2 15,-9-4 2-15,7-10 2 16,-4-11 8-16,15-12 7 16,-7-2 5-16,10-4 1 0,2-3-6 15,7 0-11-15,-2-3-25 16,3-3-13-16,0 3-14 16,0 0 0-16,3-1 2 15,-3-1 21-15,4 1 10 16,0-3 14-16,3 1 6 15,12-3 6-15,0 0 7 16,49-15 3-16,-47 16 3 16,-6 1-2-16,1 2 1 15,2-4-6-15,-7 4-1 16,-2 1-1-16,-1 1 4 16,-3 1 3-16,-5-1 4 15,-4 0-5-15,3 0-11 16,-1 0-12-16,2 2-11 15,-3-2-6-15,-3 6-4 16,-2-3 3-16,-19 18-6 0,-50 53-5 16,41-43-7-16,10-2 7 15,0-2 5-15,8-10 14 16,7-3 10-16,5-9 6 16,4-2-9-16,2-6-12 15,0 3-4-15,2-2 1 16,1-2 6-16,10-8 9 15,17-5 10-15,45-29 4 0,-45 31-3 16,-1 8-4-16,5 1-2 16,-2 4 1-16,4-1-1 15,-4 3 1-15,-1 0 2 16,-10 3 7-16,-4-1 15 16,-7 0 10-16,-3-1 23 15,-5 2 9-15,-2-3 7 16,-2 2-10-16,2-1-1 15,-4 3-21-15,1 8-12 16,-15 15-14-16,-29 55-7 16,19-46-9-16,-2 7-4 15,3-7-1-15,-2 5-1 16,7-6 3-16,3-2-2 16,4-8 1-16,-4-3-18 15,3-8-9-15,0-6-41 16,2-6-27-16,-7-10-99 0,3-9-96 15,-1-10 8-15,-5-14-100 16</inkml:trace>
-  <inkml:trace contextRef="#ctx0" brushRef="#br0" timeOffset="16954.7984">33301 16910 389 0,'3'3'187'0,"8"3"15"15,3 5-98-15,10 10-19 16,-2 4-32-16,11 5-1 15,4 5-16-15,11 7 10 16,-3-6 1-16,8-3 5 16,-2 1-12-16,1-4-7 15,-8-5-12-15,-5 2-6 16,-6-1-9-16,-4-5-62 16,-13-5-127-16,-5 14-92 15,-13-5-72-15</inkml:trace>
-  <inkml:trace contextRef="#ctx0" brushRef="#br0" timeOffset="18423.7077">27699 18270 982 0,'-57'52'288'0,"45"-52"41"15,9 4-277-15,3-4-82 16,0 0-33-16,0-4-4 16,0 4 11-16,6-3 4 15,8-1 38-15,27-9 13 16,54-15 11-16,-31 13 1 16,6 3 2-16,15-6 0 15,-5-2-4-15,9-5-6 16,-14-2-3-16,-5-2-2 0,-17 6 0 15,-4 2 4-15,-20 9 8 16,-9 1 9-16,-7 6 6 16,-8-1-1-16,-5 2-16 15,-5 0-86-15,0 2-225 16,2-3 28-16</inkml:trace>
-  <inkml:trace contextRef="#ctx0" brushRef="#br0" timeOffset="18736.2376">28229 17633 367 0,'-6'-6'346'0,"3"3"-61"16,1 1-53-16,2 2-69 15,0 0-83-15,0 0-17 16,0 2-30-16,2 1-14 16,-2 2-14-16,8 14-2 15,4 12 1-15,26 59 3 16,-27-46 4-16,6 16 8 15,-7-8 2-15,-1 22 2 16,-1-1-2-16,0 15-2 16,-2 2-8-16,5 25-3 15,-3-14-4-15,0 6 0 0,-3-15-1 16,-2-4 2-16,-3-22-1 16,2-7-9-16,-2-18-16 15,0-8-54-15,1-14-37 16,1-8-147-16,-2-8-86 15,1-17-38-15</inkml:trace>
-  <inkml:trace contextRef="#ctx0" brushRef="#br0" timeOffset="18986.2654">28362 18144 822 0,'-4'3'451'15,"0"5"-57"-15,1 11-152 16,-4 11-197-16,-4 10-58 16,-6 20-21-16,-12 26-35 15,-4-1 1-15,-8 15 2 16,-3-7 18-16,6-18 16 16,7-27 40-16,4-15-7 15,10-17-37-15,12-21-65 16,6-20-47-16,12-37-127 15,11-21-49-15,9-28-27 0</inkml:trace>
-  <inkml:trace contextRef="#ctx0" brushRef="#br0" timeOffset="19392.5881">28273 18244 364 0,'35'-18'371'0,"6"18"-39"0,-5 13-56 16,15 9-56-16,-7 5-90 16,8 11-38-16,-6-2-53 15,4 8-32-15,-7-5-32 16,-4 1-41-16,-12-10-17 15,-5-7-31-15,-6-12-8 0,-7-6-40 16,-6-6 21-16,7-20 12 16,-2-14 31-16,6-20 9 15,-1-17 41-15,12-28-30 16,-5 4-10-16,10-17-8 16,-4 9 11-16,2 7 19 15,-9 30 56-15,0 10 77 16,-5 30 36-16,-3 11 54 15,-3 8 11-15,-2 8 27 16,-4 0-43-16,-2 0-10 16,0 0-47-16,0 0-11 15,0 4-34-15,-2-3-11 16,1 2-7-16,-4 2 22 0,-1 6 9 16,-9 16 13-1,-29 49-4-15,21-42-9 16,4-2-28-16,-7 2-16 0,1-4-23 15,-2-1-44-15,2-10-30 16,-2 3-104-16,4-10-100 16,2 7-109-16,2-1-59 15</inkml:trace>
-  <inkml:trace contextRef="#ctx0" brushRef="#br0" timeOffset="19595.8334">29319 17719 774 0,'35'9'322'0,"1"4"4"15,-6-4-203-15,3 4-50 16,-2-2-57-16,-4-3-47 16,-5-5-55-16,-4 3-90 15,-9-6-51-15,-4 2-91 16,-5-1 30-16,-2-1-33 15</inkml:trace>
-  <inkml:trace contextRef="#ctx0" brushRef="#br0" timeOffset="20236.3974">28947 18147 736 0,'-10'10'270'0,"7"-10"-21"0,3 3-211 16,0-1-181-16,0-2-105 15,0 0 11-15,0 0 38 16,2 0 91-16,-2 0 127 16,1 0 111-16,2 0 27 15,-1 1-7-15,0-1-39 16,1 2-58-16,1-1-19 15,3-1-22-15,2 0-7 16,2 0-4-16,14-3-3 16,46-13-1-16,-36 4 0 15,0-1 1-15,9-4-1 16,-8-1 1-16,7-2 0 16,-10 1 2-16,-5 2 0 15,-6 7 2-15,-7 1 9 16,-9 9 8-16,-3-3 25 0,0 3 15 15,-6 0 9-15,2 0-7 16,-1 0-15-16,2 0-31 16,-2 0-26-16,-2 0-13 15,0 3-6-15,-2 0 6 16,-2 0 4-16,-14 10 12 16,-57 29 3-16,49-24 7 15,-6 8 1-15,9 1 2 16,-1 8-1-16,9 3 0 0,-5 6-4 15,9 0 0-15,2 8-1 16,5-1 1-16,-1 2-2 16,5-2 2-16,8-1-4 15,-1-10-1-15,0-3-3 16,2-13 2-16,4-2-8 16,-3-9 0-16,2-5-5 15,-1-8 2-15,5-5-38 16,-1-11-22-16,7-20-62 15,-3-16-83-15,7-22-22 16</inkml:trace>
-  <inkml:trace contextRef="#ctx0" brushRef="#br0" timeOffset="20970.8751">29281 18168 238 0,'10'16'273'0,"-7"7"-57"16,5 17-5-1,-8 5-110-15,-7 20-37 0,3-3-42 16,-6 4-14-16,-3-16-11 15,4-4-10-15,4-25-2 16,-1-6-74-16,4-13-29 16,4-15-14-16,7-17 0 0,7-19-7 15,2-7 71-15,7-9 29 16,-3 13 24-16,8 6 61 16,-8 23 38-16,3 7 46 15,-4 8 12-15,1 5 2 16,-5 4-48-16,0 6-23 15,-7 1-38-15,1 6-6 16,-5 3-12-16,-7 16-11 16,-6 0-10-16,-5 13-8 15,-10-2-4 1,-2 4-1-16,0-9 7 0,-6-3 7 16,5-7 8-16,-5-9 0 15,3-6 3-15,-6-4 2 16,3-1 2-16,-4-4 11 15,2 1 7-15,0-3 13 16,9-3 2-16,-2 4 6 0,7 0-8 16,2-5-3-16,10 2-12 15,1 4-5-15,2-10-17 16,3 5-28-16,0 0-11 16,0 0-3-16,3 0 1 15,1 0 7-15,0 5 25 16,-1-5 8-16,4 2 5 0,-4-1 17 15,3-1 14-15,-3 2 29 16,2-2 11-16,-2 3 16 16,-1-2-13-16,1 1-12 15,-1-2-32-15,-1 0-24 16,-1 0-26-16,3 0-13 16,4 0-3-16,21 0 0 15,62 5 9-15,-32-10 7 16,2-3 6-16,14 0-1 15,-7-1 2-15,2-1 0 16,-15 1 1-16,2 3 0 16,-19-1 3-16,-3 1-1 15,-8 1 3-15,-3 2 4 16,-12 1 4-16,-3 1 6 16,-6 2-3-16,-1 1-23 0,-2-4-21 15,1 1-43-15,-2-1-54 16,-3 1-235-16,2-4 46 15</inkml:trace>
-  <inkml:trace contextRef="#ctx0" brushRef="#br0" timeOffset="21439.6534">29347 17764 743 0,'-4'-3'189'0,"-3"0"56"0,1 1-204 15,3 1-26-15,-4-1 11 16,6 1 20-16,-2-1 11 16,-2-1 17-16,3 3 2 15,-2 0-12-15,2 0-18 16,1 0-16-16,1 0-22 15,1 0-5-15,4 0-5 16,-2 3-1-16,13 0 4 0,7 2 0 16,42 9 2-16,-46-9-4 15,-3 0 0-15,0 1-21 16,-5 3-26-16,4-1-130 16,-5 2-153-16,-7-9-17 15</inkml:trace>
-  <inkml:trace contextRef="#ctx0" brushRef="#br0" timeOffset="22158.4754">29866 17659 1087 0,'62'34'271'0,"-53"-27"77"15,2-4-303-15,11 3-103 16,-1-3-23-16,15 2-15 15,5-5 1-15,11-2-3 16,-5-1 57-16,20-3 28 16,-6-2 28-16,7-1 9 15,-7-4 5-15,3-3 3 16,-14 2-10-16,-4-2-6 16,-15 7-5-16,-7 1 7 15,-10 3 4-15,-6 4 17 16,-8-1 0-16,0 0-8 15,0 2-13-15,-2-1-26 16,-2-2-39-16,1 3-59 16,-5-3-7-16,0-2 9 15,-10-6 22-15,3-5 40 16,-39-38 76-16,45 45 58 0,2 4 16 16,6 0 18-16,-1 4-13 15,1 1-15-15,-3 0-46 16,3 0-21-16,-1 0-25 15,2 1-11-15,-1 1-8 16,-4 3-4-16,2 0 2 16,-5 28 3-16,-13 47 6 0,15-36 1 15,6-1 4 1,0 15-1-16,2-3-2 0,2 12-8 16,0-4-1-1,2 12-8-15,-3-9-1 0,5 4-1 16,-5-15 8-16,5-3 3 15,-8-19 9-15,-2-9 1 16,7-12-16-16,-8-5-112 16,3-4-63-16,-2-11-116 15,1 5-91-15</inkml:trace>
-  <inkml:trace contextRef="#ctx0" brushRef="#br0" timeOffset="22408.5032">30480 17668 782 0,'-4'14'316'0,"0"-1"-2"16,2 14-177-16,-4 9-125 15,-4 14-38-15,-1 1-6 16,-4 10-5-16,-1-10 3 16,-5-2 8-16,4-11 24 15,-10 4 12-15,3-9 10 16,-5 8-3-16,-5-6-10 15,-7 0-39-15,5-4-25 16,-3-4-28-16,6-11-10 0,-1-4-45 16,14-5-10-16,-1-7-87 15,12-4-7-15</inkml:trace>
-  <inkml:trace contextRef="#ctx0" brushRef="#br0" timeOffset="22627.3027">30547 17924 451 0,'54'22'186'15,"-2"-13"8"-15,10-1-102 16,-2 0-55-16,9-2-13 16,-15-6-13-16,1 2-4 15,-16-1-3-15,-6-2 6 16,-15 4 6-16,-7-2 10 15,-8-1 2-15,-3 4-29 0,-3 0-36 16,-2-4-180-16,2 0 11 16</inkml:trace>
-  <inkml:trace contextRef="#ctx0" brushRef="#br0" timeOffset="23330.4847">30325 18304 863 0,'13'6'273'0,"-4"2"26"15,-3 1-218-15,4 9-94 16,-2 4-20-16,3 11-7 16,-2 3 5-16,7 11-1 15,-6-7 15-15,1 7 10 16,-2-12 13-16,1-1 5 15,-4-13 3-15,-3-5 3 16,0-5-1-16,-3-5-9 16,2-4-8-16,-2-4-15 0,0 2-4 15,0-6-2-15,0-1 6 16,0-32 5-16,3-57 11 16,9 39-3-16,0 5 1 15,13 0-10-15,0 8-6 16,11-5-19-16,-1 11-3 15,6 5-1-15,-6 9 12 16,3 7 19-16,-12 12 27 0,1 5 20 16,-10 5 11-16,2 14 12 15,-6 1-9-15,-5 12-1 16,-5 1-12-16,-3 10-8 16,-8-6-14-16,-3 8-1 15,-5-6-3-15,-3 2-3 16,-3-6 0-16,-4-1-10 15,3-8-5-15,-8-7-3 16,6-5 1-16,-2-5 5 16,8-7 12-16,0-5 15 15,6-2 8-15,1-3 3 16,10-3-5-16,-1-5-5 16,1 7-15-16,9-5-6 15,2 1-3-15,2-3-1 16,7 5 2-16,7-5 4 15,2 2 3-15,9-6 1 0,5 1 1 16,2-6-1-16,1-1-2 16,-6-1-6-16,-7 7-3 15,-10 3-20-15,-7 6-23 16,-13 6-20-16,-4 5-6 16,-19 8-103-16,-6 11-55 15,-10 20-18-15,-5 5-97 16</inkml:trace>
-  <inkml:trace contextRef="#ctx0" brushRef="#br0" timeOffset="25096.306">30532 18770 859 0,'-3'7'308'0,"-4"-3"7"15,4-1-227-15,-3 2-107 0,-1-2-49 16,4 0-7-16,-3-1 10 15,3 0 28-15,-3-2 58 16,2 0 29-16,-2 0 12 16,1 0 9-16,2 0-25 15,-3 1-12-15,3 1-15 16,1-2-4-16,-1 3-5 16,1-1 5-16,1-1 9 15,1 1 18-15,0-1 6 16,0-1 9-16,0 0-5 0,0 0-4 15,0 0-16-15,0 0-11 16,0 2-9-16,1-1-8 16,1 1-3-16,1 0-3 15,-1-1 2-15,1-1 0 16,3 3 4-16,15 2 0 16,2-3 2-16,55 9-1 15,-53-11-1-15,5-4 0 16,0 4-1-16,1-1-1 15,1-1 1-15,6 1-1 16,1-6 2-16,1 1 0 16,-6 0 2-16,7-5 2 0,-8 6 2 15,-4 2 2-15,-2-2-1 16,-2 0 1-16,-8 4-3 16,1 1-1-16,-11-5-2 15,6 2-2-15,-5 1-2 16,0 1-1-16,0 1 0 15,3-2-1-15,-5 2 2 16,2 0 0-16,-2-3 4 16,-6 3 3-16,0-1 3 0,0-1 2 15,0 2-1-15,0 0-3 16,0 0-5-16,0 0-2 16,0 0-4-16,0 0-5 15,0-2-1-15,0 1-3 16,0-1 2-16,0 1 0 15,0-1 3-15,0 2-1 16,0 0 3-16,0 0-3 16,0 0 2-16,-3 0 0 15,1 0 3-15,1 0 0 16,-5 0 1-16,-2 0 0 16,-19 3 3-16,-57 15-1 15,43-14 3-15,-4 6-1 16,2-2 1-16,-6 7-3 15,10-2 0-15,-2 4-2 16,6-7 0-16,0 6-1 0,8-12-1 16,1 3 0-16,0-3 1 15,1 0 1-15,6-3 1 16,-1 4 2-16,4-4 2 16,-3-2 0-16,5 4 0 15,-3-3-2-15,5 0-1 16,-3 5-2-16,4-2 0 15,-4-2-1-15,6-1 2 0,1 2-1 16,-1-4 2-16,-1 2-2 16,2-1 0-16,5 1-2 15,0-2-2-15,3 2-15 16,0-1-5-16,0 1-11 16,0 0-15-16,3 0-44 15,-1 0-18-15,-2-2-114 16,0-1-172-16,-2 1 6 15</inkml:trace>
-  <inkml:trace contextRef="#ctx0" brushRef="#br0" timeOffset="26033.8884">29344 17436 371 0,'6'-3'319'0,"-4"0"-76"0,-2 3-25 15,0 0-145-15,0 0-36 16,0-2-5-16,-2 2 12 16,-1 0-3-16,0 0 3 15,3 0-3-15,0 0-9 16,-5 2-15-16,2 0-10 15,-3-1-7-15,1 2-3 16,-1 0 2-16,-4 2-1 16,3 0 4-16,-3 3 2 15,-4 3 5-15,1 6 6 16,-47 53 3-16,43-47 4 16,0 2 0-16,-7 5-3 15,3-3-4-15,-4 3-3 16,2-1-3-16,-4 5-2 15,2-5-1-15,1 4-2 16,2-2 1-16,3-1-2 0,2-5-1 16,-1 1 0-16,9-6 0 15,-5-2-1-15,3-4 1 16,3-3 0-16,0-5 1 16,0 4 0-16,3-7 0 0,-1 3-1 15,-1-1 1-15,6-5-2 16,-1 0 0-16,2 0-4 15,-1 1-2-15,-4 1-23 16,3-1-21-16,-1 1-78 16,-1-2-65-16,2 3-145 15,0-1-28-15</inkml:trace>
-  <inkml:trace contextRef="#ctx0" brushRef="#br0" timeOffset="26533.9415">29248 17671 758 0,'8'13'263'15,"-5"-5"20"-15,3-7-191 16,1 1-69-16,-7-2-23 15,0 0 1-15,0 0 0 16,0 0 8-16,0 0 12 16,1 0 21-16,1 3 9 15,-2-1 8-15,3 1-6 0,0 0-8 16,2 2-20-16,1-1-9 16,4 4-7-16,7 8-3 15,0-8-3-15,53 57 0 16,-47-54 0-16,4 1 1 15,-2-4 0-15,5 5 1 16,-4-4 2-16,2 4 0 16,-3-1 2-16,2 4 2 15,-3-5 1-15,1 2-2 16,-3-1 1-16,3-1-2 16,-3-3-3-16,5 3-1 15,-6-4 0-15,1-1-1 16,-8-3 2-16,3 0 3 15,-11-3 3-15,2 3-4 16,-8-3-5-16,0 0-41 0,0 0-48 16,-1 0-96-16,-4 0-202 15,0 2-4-15</inkml:trace>
-  <inkml:trace contextRef="#ctx0" brushRef="#br0" timeOffset="27799.7039">29063 18687 394 0,'-58'67'446'0,"50"-60"-149"16,7-9-44-16,1 1-180 16,0-1-116-16,0 2-21 15,0 0 9-15,0 0 9 16,0 0 20-16,0 0 26 15,0 0 18-15,0 0 4 16,0 0 0-16,-2 0-3 16,2 0-7-16,0 0-4 15,0 2-1-15,0-1 10 16,0-1 8-16,0 2 18 16,0-2 8-16,0 0 7 15,0 0-6-15,0 0-5 16,0 0-17-16,0 0-5 15,0 0-9-15,0 0-2 16,0 0-4-16,0 0-1 16,0 0-3-16,0 0-5 15,0 1-2-15,2 1-2 0,-2-2 0 16,3 2 2-16,1-2 4 16,0 0 2-16,2 0 6 15,11 0 4-15,1 0 2 16,5 1 3-16,42 5-1 15,-40-6-1-15,-6 2-4 16,5-5-2-16,-5-2-3 0,6 5-4 16,0-1 1-16,2 1-3 15,0-4 1-15,0 1-2 16,-2 5 2-16,2-1 1 16,-10-2 3-16,0 2 2 15,-7-1 3-15,-2-4 3 16,-2 2 1-16,-6 0-1 15,0 1-3-15,0-2-3 16,0 3-4-16,0-2-2 16,0 2-1-16,0 0 3 15,0 0 2-15,0-1-2 16,-3 1 0-16,1 0-4 16,1-2-4-16,1 2-6 15,-5 0-2-15,2-2-10 16,-5 1-3-16,-22 1-9 0,-52 3 2 15,39 2 3-15,4-1 10 16,-4 3 8-16,15-4 13 16,-5 0 6-16,12 0 1 15,4 2-2-15,4-5-1 16,2 0-1-16,5-3-4 16,3 3 3-16,1-2 1 0,-1-1 3 15,2 3 0 1,1 0 2-16,0 0-3 15,0 0-4-15,0 0-4 0,0 0-11 16,0 0-5-16,4 0-2 16,-1 0 2-16,24-1 2 15,63-7 10-15,-35-5 0 16,1 4-1-16,10-12-10 16,-3 2 0-16,5-1-4 15,-12-2 2-15,4 1 3 16,-14 7 8-16,5 1 1 15,-9 2 3-15,1 0 0 16,-7 8 1-16,-1-2 0 16,-10 2 1-16,-5 0-15 15,-4 0-25-15,-5-2-121 16,-4 0-204-16,-1-9 2 0</inkml:trace>
-  <inkml:trace contextRef="#ctx0" brushRef="#br0" timeOffset="56772.8862">4773 16757 371 0,'-14'9'74'0,"-10"2"32"16,-39 25-125-16,46-28-10 0,3 2 0 15,4-2 4-15,1-4 11 16,1 0 32-16,0-1 24 16,-2 3 21-16,-1 2 3 15,-3 9 3-15,3 5-18 16,0 15-11-16,0 0-22 15,6 20-7-15,-1-3-9 16,6 6-2-16,6-8-5 16,4-2-8-16,-1-17-3 15,5-6-4-15,-1-10-1 0,6-10 2 16,2-14 11-16,5-11 4 16,3-9 6-16,5-22 1 15,0-2-1-15,2-12-1 16,-9 0-3-16,6-11-2 15,-14 11-1-15,0 2 2 16,-12 12 1-16,0 1 23 16,-14 22 17-16,-2-4 35 15,-7 9 13-15,-4 2 19 16,-2 8-15-16,0 0-7 16,-1 3-31-16,5 0-12 15,2 4-20-15,-2 4-10 16,6 3-13-16,-9 9-11 0,2 12-8 15,-1 12-18-15,-5 4-12 16,4 21-38-16,-1 2-24 16,-3 7-129-16,6-10 8 15</inkml:trace>
-  <inkml:trace contextRef="#ctx0" brushRef="#br0" timeOffset="57241.6864">5177 17015 1018 0,'-22'24'254'15,"20"-22"67"-15,2 1-279 16,10-6-60-16,-9 3 0 16,5-2 3-16,10-3 7 0,9-3 2 15,50-15 3-15,-50 15 0 16,2-3 2-16,-2 1 0 15,3-1 1-15,-1-1 0 16,11-6 1-16,-2-1-3 16,7-4 1-16,-5-1-1 15,6-3 0-15,-9 10 1 0,-4 0 0 16,-12 7 1-16,-3 5-26 16,-12 2-16-16,3 3-30 15,-4-1-23-15,-3 1-65 16,3 0-15-16,-1 0-87 15,-1 0 23-15,6-2-52 16</inkml:trace>
-  <inkml:trace contextRef="#ctx0" brushRef="#br0" timeOffset="57648.0998">5983 16314 1080 0,'-13'25'278'0,"0"-13"87"15,9-2-301-15,1 4-49 16,7 3-10-16,1 10 1 16,3 5-12-16,1 17-1 15,4 9 3-15,0 15 0 16,-1-4 1-16,-1 19 1 16,-1-12 0-16,-9 3-2 15,-1-13-4-15,-1 0-12 16,-6-22-10-16,3-9-41 15,-3-13-29-15,4-5-69 16,-1-10-53-16,2-7-105 16,-3-3-17-16</inkml:trace>
-  <inkml:trace contextRef="#ctx0" brushRef="#br0" timeOffset="58210.564">6366 16351 1069 0,'16'30'313'0,"-8"-12"59"16,-13-23-287-1,2 7-72-15,-2 2-21 0,3-4-3 16,2 2-6-16,-1 3-3 15,-1 25 1-15,-4 66 5 16,0-44 4-16,2 14 6 16,-2-11 3-16,1 4 5 15,-1-14-1-15,5-1 2 16,2-12-2-16,2 7-1 16,10-5-3-16,1-5-2 15,10-3 0-15,3-3-1 16,6-7-1-16,8 1 2 15,-3-2 2-15,-2-3 1 16,-3-1 0-16,0 5 2 16,-11-5-2-16,2 3 1 15,-5 4-2-15,0 4 2 16,-10-5-1-16,2 8 3 16,-1-6 0-16,-7 3 4 0,-3-4 0 15,0 4 3-15,-3-7-1 16,-7 8 2-16,-2-5-3 15,-3 9-1-15,-5 0-4 16,1 9 0-16,-6-3-2 0,-4 5-1 16,2-3-2-16,-4 0-5 15,3-10-6-15,-7 0-22 16,3-8-21-16,-2-1-62 16,0-9-41-16,-11-7-192 15,-3-11 8-15</inkml:trace>
-  <inkml:trace contextRef="#ctx0" brushRef="#br0" timeOffset="58413.7102">6451 16251 1015 0,'36'1'206'16,"-7"-7"99"-16,4-10-298 16,20-1-41-16,14-4-65 15,15-7-207-15,-8-4 18 16</inkml:trace>
-  <inkml:trace contextRef="#ctx0" brushRef="#br0" timeOffset="60476.4051">6043 16523 330 0,'-7'-3'234'16,"6"2"-18"-16,-6-6-38 15,6 4-92-15,-1 3-20 16,1-1-36-16,-4-1-35 16,2-1-31-16,-3 0-23 15,-1-2-3-15,4 0 2 16,-5 0 19-16,5-1 24 15,-3 1 26-15,3 1 7 16,-2-1 0-16,3 3 2 16,-1 1-6-16,0-1 0 15,1 2-1-15,2 0 3 0,0 2 1 16,0 1 3-16,0 0-3 16,0 3 2-16,5 9-2 15,-2 10 3-15,15 49-4 16,-11-41 0-16,3-1-6 15,1 10-3-15,5-7-4 16,1 3 0-16,0-7-2 16,-1 2 1-16,-5-7-1 15,-1 5 2-15,-4-2 0 0,-4 0 1 16,-2-5 0-16,-2 3 1 16,-4-3 0-16,3 1 0 15,-4-5 0-15,6 4 0 16,-4-5-1-16,2 3 1 15,3-3-1-15,-3 1 2 16,-2 2-1-16,2 4 2 16,-4-4-1-16,6 5 2 15,-4-7-1-15,2 4 0 16,-3-5-2-16,3 0 1 16,-5-5-1-16,1 0 0 15,6-3 1-15,-9-2 0 16,4 2 0-16,1 2-1 0,-1-2 0 15,1 2-1-15,2-2-2 16,1 0 1-16,2-5-1 16,-1 4 1-16,1-6 0 15,-3-4 3-15,3 0 2 16,0 0 3-16,-2 0-1 16,1 0-4-16,1-3-9 15,0 2-7-15,0-4-4 16,0-24-5-16,3-67 2 0,0 21-1 15,-6-6 0-15,7-29-2 16,-2 1 2-16,1-25 0 16,5 16 5-16,-2 1 4 15,-6 32 5-15,0 16 4 16,-6 31 4-16,3 11 4 16,-2 17 2-16,4 4 4 15,1 1 1-15,-2 4 4 16,2-1-2-16,0 2 1 15,0 0-4-15,0 0 2 16,0 2-4-16,0 1 2 16,0 2-2-16,3 23 2 15,8 59-5-15,-15-29 0 16,2 4-3-16,4 15-1 16,-1-6-2-16,5 17 1 15,2-11-1-15,2 7 0 0,-2-18 2 16,0 8 1-16,-7-20 0 15,2 1 0-15,-3-12-2 16,-1 7 1-16,-1-12-2 16,2 3 0-16,0-9-1 15,0-1 0-15,2-9 0 0,-1 0 0 16,2-3 0-16,-1-3 0 16,0-2-4-16,-2-1-23 15,0-4-26-15,-2-1-194 16,0 1 35-16</inkml:trace>
-  <inkml:trace contextRef="#ctx0" brushRef="#br0" timeOffset="61570.3185">6409 16151 61 0,'11'71'143'0,"-4"-66"-7"0,-5-2 9 16,4-3 17-16,-6 0-31 16,0 0 3-16,0 0-31 15,0 0-8-15,0 0-31 16,0 0-13-16,0 0-23 16,0 0-8-16,0 0-12 15,2 0-3-15,-1 0-2 16,4 0-1-16,-2 0-4 0,4 0 1 15,2 0-1-15,12-2 1 16,-1 1-1-16,54-13 1 16,-44 9 1-16,2-8 0 15,-2 4 1-15,-2-4 0 16,-1 4 0-16,-3-4 2 16,-12 5 0-16,2-1 3 15,-6 6 1-15,-5 0 7 16,-3 3 1-16,0 0 7 15,-1 0-4-15,-1 0-3 16,-1 0-12-16,0 0-19 16,0 1-16-16,-3 1-9 15,-18 7 3-15,-11 7 7 16,-39 22 21-16,41-19 20 16,11-7 11-16,0 2 2 15,6-6-3-15,-3 3-3 0,2-6-12 16,-1 5-3-16,3-4-3 15,-4 2-2-15,4 0 0 16,3 1 0-16,-4 1 2 16,5-7 6-16,3 5 5 0,0-7 4 15,8 4 0-15,0-5 0 16,0 0-6-16,0-2-2 16,3-1-5-16,5 3 0 15,16-1-1-15,3-4 2 16,45-9-2-16,-48 6 1 15,0 0-1-15,-5 3 1 16,-7 2-1-16,9 1 0 16,-4 2-1-16,-4 0 0 15,2-1-2-15,1 1-14 16,-6-2-14-16,-1 1-110 16,-1 2-136-16,1-4-3 15</inkml:trace>
-  <inkml:trace contextRef="#ctx0" brushRef="#br0" timeOffset="67570.9084">6112 5126 188 0,'36'-52'53'0,"-55"57"18"16,-3 8-54-16,-5 4-21 15,5 0-5-15,-3 2-2 16,9-3-3-16,2-5 18 16,11-5 21-16,-3-4 30 15,6-2 17-15,0 0 40 16,0 0 1-16,-2 0 4 15,2 0-24-15,-1 1-16 16,1 4-43-16,-10 22-16 16,-18 61-14-16,14-40-2 15,4-6 0-15,2-1 1 0,7-11 1 16,-1 2 0-16,5-7 0 16,-4 5 1-16,-1-3 0 15,-3 12 4-15,-7-1 4 16,-9 15 8-16,4 6 3 0,-8 21 4 15,1-1-3-15,0 17-5 16,7-9-8-16,6 9-6 16,6-17-4-16,13 6-2 15,0-15 0-15,9 0 0 16,-6-11 1-16,5 4 1 16,-8-5 1-16,1 23 0 15,-9-2 0-15,0 26 1 16,-6 4 0-16,-5 23-2 15,0-10 0-15,-2 10-1 16,9-21 0-16,-3 8 0 16,9-21 0-16,4 6-1 15,5-8 2-15,4 23-2 16,-6-9 1-16,2 29 0 16,2-4 1-16,-10 31-1 0,-3-10 1 15,-2 29 0-15,-7-20 2 16,2 17-2-16,1-26 1 15,9 11-2-15,7-27 0 16,15 23-1-16,2-12-1 16,11 21 0-16,1-10 1 15,5 27-1-15,-15-18 2 16,-3 31-1-16,1-16 1 0,-17 26-1 16,-13-24 2-1,-13 25 0-15,-2-33 2 0,0-1 9 16,-8-38 3-16,1-1 0 15,9-42 1-15,-3-2 1 16,7-15-8-16,-2 4-4 16,6-16-1-16,-2 21-4 15,10-8-2-15,-3 16-1 16,-3-10 1-16,-2 16 0 16,8-11 1-16,-10-5 0 15,4-15 2-15,8 9-1 16,-2-17 3-16,0 1 3 15,3-9 3-15,-2 9-2 16,-1-11 0-16,0 11-3 16,0 2-3-16,0 19-3 0,-1-4 0 15,2 13 0-15,6-12 1 16,-4 6 1-16,6-18 1 16,-4 1 1-16,-5-16 1 15,3 3 2-15,-3-19-1 16,0 1 1-16,2-7-2 15,-1 11-4-15,2-2 0 16,1 11-2-16,4 2 1 16,-2 9-2-16,5-3 4 0,-2 3-1 15,-2-11 2-15,-3 2 1 16,3-16 2-16,-6-5 2 16,-1-7 1-16,0-4 0 15,-1-9-1-15,-1 0-3 16,-3-4-2-16,2-1-3 15,3 2 1-15,-8-1-4 16,7 3 0-16,-4-1-17 16,2-2-10-16,1-2-34 15,-2-1-22-15,0-2-48 16,0-6-17-16,1-1-70 16,3 0-7-16,-2-1-23 15</inkml:trace>
-  <inkml:trace contextRef="#ctx0" brushRef="#br0" timeOffset="69539.8815">5834 5104 69 0,'-7'-3'35'0,"5"-2"-6"16,2 2-13-16,0 2-17 15,2-4-5-15,2 2-12 16,-1-4-7-16,4-1-3 0,-4 4 2 16,3-3 13-16,-3 1 31 15,4 3 49-15,-6 0 26 16,4 0 25-16,-2-1-7 16,-3 3-11-16,3-2-45 15,2 3-21-15,1-2-24 16,1 1 2-16,4-1 12 15,-7 0 42-15,3 1 21 16,-4 1-6-16,2 0-4 0,-4 1 5 16,1 3-34-16,-4-1-17 15,-6 22 9-15,-12 18 1 16,-40 51-19-16,17-26-7 16,1-2-5-16,-9 19-4 15,4-4-4-15,-5 1-3 16,6-19 1-16,2-3-2 15,12-21 0-15,6-10-7 16,11-17-8-16,6-2-41 16,9-9-37-16,5-2-74 15,3-7-78-15,-7 5-26 16</inkml:trace>
-  <inkml:trace contextRef="#ctx0" brushRef="#br0" timeOffset="70961.8942">6087 4805 264 0,'9'28'222'0,"-9"-9"-40"0,-6-3-3 16,3-1-130-16,3 4-8 16,0 0-15-16,3-1 0 15,2-6-4-15,-2-2 19 16,2-7 12-16,-4-3 19 15,-1 0 1-15,0-2 7 16,0 1-15-16,0 1-12 16,0 0-20-16,-1-2-13 15,-1 2-21-15,-1-3-34 16,1 3-19-16,-4-2-22 16,1 1 1-16,-4-2 10 15,-7-2 38-15,2 2 23 16,4 0 19-16,7 3-3 15,-5-2-7-15,4 0-10 16,0 1-4-16,4 1 1 16,2 0 6-16,3 1 2 0,-4 3 2 15,6 2-2-15,-3 13-1 16,4 8-6-16,-9 47 0 16,-18-47 3-16,-3-5 11 15,0-10 26-15,6-7 16 16,5-2 10-16,6-3-2 15,-1-3-11-15,6 3-26 0,0-2-17 16,0 2-14-16,0 0-8 16,0 0 1-16,0 0-1 15,-3 0 5-15,3 0-1 16,0 0 5-16,0 0-1 16,0 0 3-16,0 0 1 15,3 0 3-15,0 0 2 16,-2 0 4-16,1 2 2 15,0-2 4-15,1 3 9 16,-2-1 6-16,-1-1 3 16,0 1 0-16,-1 3-2 15,-2-1-9-15,1 9-7 16,2 9-5-16,-3 10-2 16,-3 48-1-16,6-31-1 15,3-3 2-15,3 13-1 0,-6 1 0 16,0 7-1-16,-2-7 1 15,-5 9 0-15,3-8 1 16,-7 10 0-16,0-1 1 16,0 15 1-16,-3-5 0 15,-2 24 1-15,7-3-1 16,-2 32-2-16,9-2-1 0,5 37 0 16,7-8 0-16,-1 19 0 15,5-21 2-15,-6 8 1 16,-8-40 0-16,-8 5-1 15,2-23 2-15,-6 9-1 16,-1-18 1-16,-1 17-2 16,4-9 0-16,1 19-2 15,6-9 0-15,3 21-2 16,8-8 1-16,6 26 0 16,-3-24 2-16,0 24 0 15,-2-25 1-15,-4 6 0 16,-11-34 1-16,-2 15-1 15,-3-17 1-15,0 20-2 16,-2-9 0-16,7 13-1 16,1-16 0-16,4 11-2 15,2-16 1-15,7 30-1 16,-2 0 1-16,1 31 0 0,-3-4 2 16,-2 17 0-16,-5-25 2 15,-4 10-1 1,-2-32 1-16,-5 7-1 0,3-15 2 15,-5 25-3-15,3-21 2 16,-6 21-2-16,5-17 1 16,5 17-3-16,1-22 3 15,0 24-2-15,6-19 1 0,2 11-1 16,-1-29 3-16,1 10 0 16,-3-27 1-16,1 5 0 15,-1-16 0-15,-6 8 0 16,-7-15 1-16,2 12-2 15,1-19 1-15,-3 7-2 16,5-5 0-16,-3 14-3 16,11-7 1-16,-5 15-1 15,2-9 1-15,4 14-2 16,-1-15 3-16,-2 3-2 16,4-9 3-16,-4 3-2 15,3-17 2-15,-1 4-1 16,-5-15 2-16,0 1 0 15,-3-11 0-15,5 0-1 16,-2-8 0-16,6 5-4 16,1-6 0-16,2 3-5 0,6-3-1 15,-1 6-5-15,7 0 0 16,-2 8-1-16,5-7-11 16,-4 10-36-16,2-8-32 15,-3 13-207-15,-7 5 24 16</inkml:trace>
-  <inkml:trace contextRef="#ctx0" brushRef="#br0" timeOffset="71711.9788">4525 17935 519 0,'26'12'113'16,"-11"-6"49"-16,3-2-144 15,2-4-7-15,6 3 10 16,-4 2 8-16,11 4 8 16,1 5-3-16,18 7-2 0,10 5-7 15,23 6-9-15,11-5-8 16,32 6-5-16,-3-11-2 16,23-5-3-16,-11-9 0 15,8-1-1-15,-15-11 2 16,0 0-1-16,-21-1 1 15,2 2 0-15,-20 3 2 16,-1 4-2-16,-19 1 1 16,-6 3 0-16,-27-3 2 0,-12 0 1 15,-11-1 6-15,-11-4-5 16,-7 2-11-16,-16-5-75 16,-12-8-31-16,-39-13-93 15,-21-6-2-15,-54-14-44 16</inkml:trace>
-  <inkml:trace contextRef="#ctx0" brushRef="#br0" timeOffset="71899.5385">5148 18065 202 0,'-113'57'250'0,"14"6"-16"15,39-17-12-15,9-8-53 16,24-19-56-16,16-7-43 16,8-10-55-16,9-4-22 15,9 2-12-15,19-1-3 16,12 2 10-16,31 4 3 0,13 3 4 15,36 1 1 1,1 4 3-16,27-5-41 16,-15-5-41-16,15-6-156 0,-29-7-3 15</inkml:trace>
+  <inkml:trace contextRef="#ctx0" brushRef="#br0">27329 16091 54,'-27329'-16104'-28,"27368"16104"-1,3-20 15,1 14-19,-15 1 1,-24 16-4,12-18-16</inkml:trace>
+  <inkml:trace contextRef="#ctx0" brushRef="#br0">26914 16608 126,'-26914'-16652'-91,"27096"16652"50,74-3 0,2-1 21,16-3 9,-44-16 2,1-16 15,0 5-28,-15-1 6,-39 16-3,10-30-16,2 1-11,16-3 6,-17-16-1,10-4 15,-1 0-3,-15 2 6,5 16 4,2 5-16,-3 6 2,16 3-4,1-16-2,1-3 15,-1 1-9,-15-6 9,-6 16-1,-5-6-16,-3 12-8,15-3-4,-3-15-6,4 0 16,5-16 3,-16-4-4,6 16 4,-14 11-16,1-11 4,15 4-18,0-15 3,-22-10 0,6-14-20,16 6-27,-50-16 9,-6-21 16,15-16-12,-16 3 15,6 15 7,-6 17-15,-1 20 51,16 4 7,39-16-8,16 28 15,9 7 30,-15-8 12,9 16 9,3 4-16,-9 7-17,0 2 4,-14 16-6,2-26-16,-2 3-11,15-5 4,-8-15-2,4-9 16,-7-1-6,-16-2 5,-19 16-8,-1-7-16,-4 5-50,15-8-2,-46-15 0,10-115 16,-4 3-10,-16 0 0</inkml:trace>
+  <inkml:trace contextRef="#ctx0" brushRef="#br0">27844 16544 368,'-27844'-16534'-55,"28039"16534"-20,55 11 16,6 3-89,-16-1 2,-36 16 0,-5-34-16,5 3-18,15-1 1,-26-15-1,6-3 16,-3 14 0,-16 1 5,1 16-12,50 2-16,9-42 5,15 4-1,4-15 2,-1 5 16,-1-10 2,-16 4 8,1 15-1,-6-5-15,6 1-3,16-4 5,-6-16 5,7-2 0,0-9-2,16 1 4,-2-16-1,-7 1 15,1-4-2,-15 1-1,1 16-1,-7-2-16,-1-5-1,16 2 0,-24-16-4,-8-24 15,-3-6-182,-15 3 2,30 0 0</inkml:trace>
+  <inkml:trace contextRef="#ctx0" brushRef="#br0">28239 16520 419,'-28239'-16522'-1,"28399"16522"2,-1 13 0,0 0-118,16 0 1,-45-16-2,-1-36 15,1-1-33,-15-2 3,-13 16 1,-1-1-16,1 1 21,16 1-2,27-16-2,0 36 15,-1 1 33,-15 1 1,16 16 2,-3 16-16,-1 3-1,0 1-2,11 16-2,2-13-16,2-1 14,15 0 1,-6-15 0,0 1 16,0 0-21,-16 0 0,-12 15 0,0-22-15,0 0-11,16 0 1,-11-16 0,1-4 16,0-2-1,-16 0 3,-1 15-1,-2 1-15,1 3-2,16 0-3,2-16 0,2-3 16,0-1 0,-16 0-1,-16 15 0,1-24-15,-4 0-225,16 3-1,53-16 0</inkml:trace>
+  <inkml:trace contextRef="#ctx0" brushRef="#br0">27784 16517 715,'-27784'-16509'3,"27974"16509"2,7 63 15,1-2-203,-15 3-2,-27 16-5,0-14-16,-1-3-8,15-1-4,-11-15-4,-7 2 16,-3 8 12,-16-2-2,23 16 1,-1 13-16,-3-2 6,15 1 1,0-15-1,-1-3 16,0 0-20,-16-3 0,-8 16-3,-1-8-16,-6 0-3,15 2 1,-1-15-6,-1 2 16,-45 4 4,-16 41 9,5 15 1,0 2-15,-6 1-2,16 2 3,-3-16-7,10-6 0,5 7-6,16-4 13,-6-16 5,13 0 15,-5 4-3,-15 14-1,2 16-3,12-4-16,9-12 3,16 4-5,-1-16 9,-6 2 0,1-4-2,15 9-16,3-15 1,-7-2 16,4-10 3,-16 8-3,0 15-3,-6 5-15,7-9 0,16-2-2,3-16 5,-5 0 16,0-8 0,-16 5-10,-2 15-1,-9 0-15,11-9-1,16-3-9,1-16 4,-18-1 16,-3 8 0,-16-6 0,0 15-11,13 0-15,-1 15 1,16-11 21,5-16-8,8 9 15,-3 14 3,-15-7 3,-1 16-6,3 0-16,10-3-5,16-3 0,-7-16-3,2-4 15,-2 13 1,-15 2 2,-5 16-16,40-3-16,15-47-24,0 6-7,-20 16-6,-3-82-16,6 2-86,15-1-5,-79-15 1,1-60 16</inkml:trace>
+  <inkml:trace contextRef="#ctx0" brushRef="#br0">28160 16593 582,'-28160'-16593'-7,"28401"16608"0,7 11-15,0-3-128,16-2 3,-76-16 2,0-15 16,-1 0-14,-16-3 2,-12 15 3,3-9-15,-7 24 0,16-13 61,-2-16 6,-31 2 15,2-4 3,-15 0 13,0 0 2,-15 1 16,2 6 0,-16 3-17,0 16 1,-4-1-16,2-16 1,15 0-9,2-15 1,-9 2 16,-1 0 3,-16 3-8,3 16 0,1-1-16,0 3 0,15 0-3,-4-15 0,0-5 16,0-3-6,-16 5-16,-1 15 7,-24-7-15,26-53 0,16-6 40,-9-16 1,-4 0 0,12-11-7,16 3 14,4-16-2,-1-1 15,-9 12 9,-15 1 9,5 16-14,20 8-16,-7 6 6,16-9 11,9-16 2,3 11 15,-6 7 4,-15-2 8,8 16 4,4 2-16,-4 10-3,15-1 8,-10-15 4,4-5 16,-3 1-6,-16 4 2,-6 16-3,-7-1-16,-3 1-3,15 0-5,-1-15-3,-2-12 16,-5-1-10,-16 2 2,-41 16-1,-12-37-16,4-2-87,15 2-7,-31-15 4,-7-39 0,5-5 36,16-8-1,36-16 3,-1 88 15,3-2 48,-15 18-7,64 16 50,-31 33-16,-44 29 11,16 0 0,9-16 0,1-5 15,6-4-14,-15-4-1,-31 16 6,-4-32-16,-8-4-19,0 6-14,-3 16-6,1-1-16,-8-9 15,15 0 3,43-15-5,-1 71 16,-12 13 31,-16 0 3,59 15-4,8 14-15,-4 8 21,16-5 4,-50-16-1,7-28 16,-5 6-60,-16-10 7,-38 15 0,2-49-15,-14 18-26,16 1 2,-6-16-14,20-2 16,13 1 12,-16-3 3,3 15 13,-15 14-15,9 1-3,16 10-15,-1-16 2,-3-13 15,9-9-13,-15 6-2,-24 16 1,-8 4-16,8-10 1,16 2-1,14-16 5,-10 13 15,-3-1 26,-15 9 1,5 0-8,0 2 16,9-3 0,-16-4 5,2 16 4,0-1-16,-8-2 1,15-5 2,0-15-2,4 2 16,0-2 2,-16-10 5,3 15-2,1 25-15,2 6 16,16-6 0,16-16 0,0 5 16,-3 0-1,-16 1 0,-24 0 1,5-19 15,1-1-18,-15-2 12,-10 16 0,8-4-16,4 64-3,16 0-47,1-16-2,16 0 15,3 8 3,-15 1 18,-2 16-4,-12 2-16,0 6 2,15-6-15,1-15 1,3 3 16,-1-18 5,-16-3 6,5 16-7,-7 1-16,-3 2 2,15-6-11,-3-15-10,4-11 16,2-12-6,-16-7-6,-16 16-1,-8-17-16,-1-4-48,15 4-8,-20-15-11,-8-164 16,13-4 10,-16 0 0</inkml:trace>
+  <inkml:trace contextRef="#ctx0" brushRef="#br0">29076 16843 904,'-29076'-16830'10,"29274"16830"6,-5 82 16,9-5-263,-16 13-5,-50 15-2,-8-32-15,10-4-121,16-6-11,-68-16 1,-9-3 16,-11 6 52,-16-6 1,130 15-10,6 166-15,-6 4 130,16-3 10,30-16-6,-4 12 0,-1 3-86,16-2-6,-33-16-6,2-56 15,-4 0-23,-15-1-4,-34 16-9,1-12-16,2 7-19,15-7 0,-5-15 0,8-4 16,-4 13-3,-16 0 1,3 16 0,15-1-16,4 6 1,15 0 17,-3-15 9,0 4 0,3 9-4,16 6-3,1-16 8,7-2 16,6-17 3,-16 4 6,-2 15 6,-10 4-15,4-3-6,16 4-13,-4-16 9,-1-25 15,-5-10-19,-15 7-5,-52 16-2,-7-76-16,2-19-99,16-13-18,-19-16 0</inkml:trace>
+  <inkml:trace contextRef="#ctx0" brushRef="#br0">29983 16317 377,'-29983'-16303'85,"30116"16303"-6,-80 12 16,3-2-96,-16-2-3,-33 16-1,3-11-16,5 0 0,15-7 0,2-15 2,5 28 16,0 3 18,-16-5 7,25 15 0,8 8-15,-1 12 3,16-2 3,-28-16-2,21-16 16,-4-6-25,-16 4 3,-7 15-4,-9-7-15,0-2 1,16 3-19,1-16 1,-2 3 0,-1-6 3,16 1-9,1-16 2,-5 0 15,-1-4-14,-15 1-5,-12 16 0,1-16-16,-2-1-8,15-3-3,-6-15 5,-2 10 16,-1-31 7,-16 1-54,14 16 8,34 2-16,1 1 6,0 7-8,-1 15 1,9 2-15,1-4-3,16 1 25,2-16 4,2-3 16,-5 12 3,-16 1 1,1 15-4,14 3-15,3-4-1,16-6 10,3-16 4,-3 0 15,-5 5-1,-15 5 1,1 16 0,-2 0-16,-5 1 3,16 3 4,2-16-3,-1 3 15,-5-2 4,-15-3-1,6 16-3,-2 1-16,0 1 4,16 0 1,-2-16 0,1-2 15,0 2-8,-15 5 4,-3 16-2,16-5-16,7 51-3,15-6-41,-2-15 1,6-1 0,2-3 1,16-4 9,-2-16 3,-4 1 16,-3-4 0,-16 0-4,1 15-6,-1-1-15,2-7 2,16-1 0,-1-16 0,0 2 16,-2-4 0,-16 4-8,0 15 0,-4 1-15,-3-3 1,16 3-2,0-16 0,-5 2 0,0-1-2,15 0 0,0 1-2,0-14-16,-1 0-3,0 0-1,-16 16 1,-1-7-16,-4-2-15,15-2-4,4-15-19,-24-3 16,-47-47 13,-16 42 40,10 16 7,9 22-16,6 8 22,15 8 3,9-15 3,5 1 16,4 6-6,-16 4 0,-13 15 4,0-19-15,-4 8-10,16 2-3,-3-16-1,0-5 16,6 0 4,-16-1-2,-7 15 0,0 7-15,12-3 1,16-4 3,7-16 3,2 2 16,46 16 7,-16-47 1,-8 0-6,3-4 15,-3 6-6,-15-3-3,3 16-8,4 5-16,-2-4 12,15-6-2,9-15-4,-3 8 16,-2 3-1,-16 1-1,-7 16 1,0-39-16,7-6-59,15-1-3,-95-15 9,-12-21 16</inkml:trace>
+  <inkml:trace contextRef="#ctx0" brushRef="#br0">30478 16381 65,'-30478'-16357'-15,"30653"16357"-4,8-21 16,-6 14 12,-16-7 15,-10 15-1,11-51-15,-8 24-17,16-5 4,-42-16-1,16-17 16,0-10-21,-16-3-6,-4 15 4,-20 0-15,6-6-3,16-1-23,0-16 2,-1-13 15,3-4-3,-15-1-7,-3 16 3,-5 2-16,-5 3 4,16 0-1,16-16 0,-5 2 15,8-29 5,-15 17-68,-3 16-11,49-4-16,11-4-4,0 2 12,-2 16 14,1-1-16,2 11 1,15 10 6,-2-15-1,8 2 16,7 9 1,-16-15 12,0 15-2,13 2-15,-13 4 3,16-9 9,4-16-5,-1 3 0,-12 4 8,16 0-7,5-16-8,2 5 15,-4-5-3,-15-2-1,-9 16-4,-4-15-16,-11 7-39,16-9-4,-31-16-16,8-27 15,3-1 6,-15-17 7,12 16 10,-3 47-16,-2 3 64,15 13-9,37-15 0,-4 6 16,17-11 0,-16 6 2,-11 16 7,-8-41-16,9 0-47,15 7 0,-19-15 1,0-6 16,-1-1-3,-16 2-1,14 16 14,-3 40-16,26-4 18,15 51-15,9-15-42,5 10 16,2 5-8,-16 10-2,-2 0-10,2-4 15,4 1-4,-15-15 2,-10 16-5,-1 2-16,-14 4 0,16-6 3,9-16-12,0-14 15,-3 1-24,-15-10-1,-30 16 1,2-92-16,2-4-27,16-8-21,9-16-65,-63 22 15,50 34 25,-15 8 3,88 0 1,-4 29 16,1 9 25,-16 5 5,64 15 0,17 33-15,-2 8 29,16 6 16,-6-16-3,0-22 16,2 8-65,-16 2 7,-38 15-5,9-32-15,0 7-8,16 3 2,-1-16-2,11 5 16,9-5 7,-16 1 10,5 15 0,-8 4-15,1 9-1,16 6 4,-3-16-6,12-1 15,-2-3-1,-15-6 9,0 16 0,-3 1-16,-6 5 4,16-3-14,2-16-1,3 2 15,0-10 1,-15-2-2,-4 16 0,-11-8-16,-5-5-21,16 8-7,-25-16-4,-6-61 0,-1-11-21,15 1-3,-50-15-4,-10-57 16,0-14 7,-16 0 0</inkml:trace>
+  <inkml:trace contextRef="#ctx0" brushRef="#br0">30792 16903 347,'-30792'-16859'27,"30958"16859"8,6 11 16,0 4-90,-16 11 0,-9 16-11,-7-16-16,7 2 9,15-14-9,-2-15 1,-5 17 16,-13-1-5,-16 0-4,-8 16-12,-2-19-16,-4-5-8,15-7 0,-16-15-4,-2-7 16,-4 0-16,-16-2-4,-39 15-2,0-38-15,2-1-158,16-3-1,-68-16-2,-1-48 16</inkml:trace>
+  <inkml:trace contextRef="#ctx0" brushRef="#br0">31446 16058 749,'-31446'-16048'3,"31688"16048"6,0 45 16,3 2-206,-16 1 2,-37 16 1,-3-35-16,-7 4-44,15-3 2,-18-15-8,-1-1 16,-9 4 10,-16-5 4,25 15-7,3 43-15,-2 6 10,16-5-3,-1-16-10,4-24 16,2-5-33,-16-8-1,-61 15 4,-7-35-15,3-1-48,16 7-9,12-16 8,1 19 16,11-3 62,-16 0-2,59 15 7,0 59-15,1 0 10,0 0 0,2 16 0,0 2-16,1 1-21,15 6 1,0-15-4,1-3 16,11 3-1,-16-5 5,-9 16 1,18-1-16,43 46-7,15-45-37,5-15 0,-5 0 16,-2 8 10,-16 1 0,2 16 4,8 7-16,-2-5-1,0 1-1,4 15-1,-13-7-15,-1-5 0,16-3-11,-7-16 0,-4 3 15,-4-6-3,-15-1 1,4 16 0,-5-1-16,-1 0 2,16 1 0,-14-16-2,0-28 15,-1-1-17,-15 1-3,-32 16 1,-5-12-16,2-46-6,16 13-54,20-16-2,41 6 15,2 16 28,-15 0 13,18 16-3,17 24-16,-5 4 17,15 4 10,9-15-2,4 1 16,-2 1-9,-16 3-2,-16 16 2,8-13-16,4 2-7,0-1-4,-1 15 0,4-2-15,2-3 2,16-2-4,4-16-6,-3 4 16,-2 5 16,-16 0-1,17 15-6,1 18-15,0 0 2,16 0 1,-3-16 0,-1-18 15,-1 5-19,-15-4 0,-20 16 5,20-6-16,0 10-2,16 6 61,0-16-1,-46 3 15,-2 5 0,-15 4-6,2 0-4,7 0 16,-2-9 3,-16 1 0,-1 16 1,-4 2-16,-6 2-1,15 3-10,2-15-2,-2-1 16,1-6 0,-16-1-2,0 15-3,-7 0-15,2-3-3,16 2-7,-1-16-4,-3-7 16,3-5-12,-16 1 0,-25 15-4,-2-9-15,4-1-56,16-1-5,-15-16-22,-48-41 16,-15-58-23,-16 14 24,-45 15-1,4 56-15,6 0 92,16 6 25,90-16-2,9 92 0,8 25 76,15 7 8,28-15 1,8-61 16,0 2-35,-16 6 4,-44 16-1,3-21-16,-5 1-32,15 3-1,-17-15-3,2-12 16,3 0-12,-16 2 0,0 16-2,2-5-16,5 1 10,15 0-2,8-15 1,7 13 16,-4-3 5,-16 1 0,8 0 2,0 5 15,-5 1 1,-15 3 8,-2 16-1,2-5-16,-10 6-7,16-18 54,-7-16-4,-45-11 15,3-3-9,-15-7-1,-21 16 10,-8-8-16,-2-5-59,16 5-7,-38-16 9,-4-24 15,1-2-44,-15 0 0</inkml:trace>
+  <inkml:trace contextRef="#ctx0" brushRef="#br0">31361 16788 71,'-31361'-16717'-39,"31549"16717"-39,25-47 15,-7-1 3,-15 3 3,-35 16-2,2-55-16,-3 2-12,16-9 5,-18-16 1,0 3 0,-12 3 2,15 2 0,11-15-7,2 1 16,-1-2 4,-16 1 0,-6 15 1,0-7-15,1 0-13,16 0 1,-4-16 0,1-5 16,-2-1 8,-16 0 1,7 15 2,-2 16-15,0 0 8,0 0 0,11 16-3,0-9-16,3 3-4,16 0-1,-15-16-1,-1-10 15,-1 2-11,-15 2 1,0 16-1,0 2-16,-4 3 8,15 2 4,5-15-4,3 7 16,-2 2-1,-16-7 6,-2 16-36,53-8-16,24-37-6,15-4 5,-7-15 2,4-4 16,2-6-1,-16-4 3,-1 16 9,-12-1-16,2-2-1,15 5-10,-1-15 1,-6-9 16,5-7-8,-16 1 1,-52 15 7,-10-39-15,2-6-223,16 0-9,18-16 0</inkml:trace>
+  <inkml:trace contextRef="#ctx0" brushRef="#br0">31623 16673 869,'-31623'-16656'2,"31794"16656"10,-7 90 15,5-5-262,-15 15-10,-43 16 2,-2 3-16,6-3-3,16-6 4,-1-16-3,2 14 15,-5 8 51,-15-2 7,21 16-6,-8 6-16,7 11 1,15-10-4,-8-15 1,0-12 16,-10 2-20,-16-4 3,-22 16-9,-3-15-16,-5 3-28,15-3 0,-18-15 0,0-54 16,-3-1-31,-16 0-1,-32 16-5,-1 26-16,-19-5 46,15-47-17,87-15 55,14 85 0,2-2 62,16 3-3,39-16 4,7-8 15,1-1 7,-15 4 1,-16 16-1,1 10-16,-1 5-29,16 4 3,-16-16 3,0-39 15,0 0-23,-15-1 1,-30 16 1,3-13-16,0 0-5,16-4 3,1-16 3,16 4 0,-1 12 3,15 2 56,5-15 3,-31 3 16,5-3 1,-16-1 8,3 15-4,-1 0-15,1 6 0,16-2-10,1-16-2,1-1 16,0-10 0,-16 0-2,4 15 0,-12 0-15,-2-7 3,16 2-9,0-16 0,-4-1 16,-4-11-9,-16 2-4,-18 15 1,-2-11-15,1 0-12,16-5-2,-7-16 2,-1-7 15,-5-3 14,-15-11-27,5 16-51,-59 8-16,42 40 8,16 3 8,12-16 3,0 9 15,3 14 5,-15 8 2,9 16 3,10 11-16,2 7 10,16 6 5,-4-16 6,5-4 0,-6 1-8,15 2 0,-9-15 4,0-14 16,5 3-2,-16 13 3,1 15 43,19-3-15,-49-14-3,16-3 0,-7-16-2,0 0 0,-2 0-2,16-3-6,2-16 0,3-25 15,-8-3-16,-15 8-5,-85 16-8,-2-67-16,1-1-137,16 1 0,-35-16 0</inkml:trace>
+  <inkml:trace contextRef="#ctx0" brushRef="#br0">32511 16200 361,'-32511'-16195'-2,"32727"16195"-2,-1-41 16,-3 3-49,-16 0-1,-102 16 0,-2-14-16,0-2 20,15 0 3,13-15 0,1 6 16,0-1 1,-16 1-1,16 16 6,3-10-16,8-2 4,15 12-1,-5-15 54,-6-2 0,-51 7-15,16 1-1,-5-16-4,0-8 15,0 1-1,-15-10 4,-2 16-1,-2 3-16,-7 0-1,16-4 0,-1-16-3,3-5 15,-2-3-16,-15-2 0,-13 16-1,2-11-16,1 2-3,16-4 17,-2-16 1,15 9 0,-25 54 3,15 11-54,7-15-1,2-20 16,-5-5-10,-16-8 2,-39 15 0,-7-7-15,-5 5 1,16 3-6,22-16 0,-5 21 16,8-7 53,-16 2-3,28 15 13,-7 11-15,1 0 33,16 7-2,-1-16 4,-5-19 16,0 1-23,-16 0-1,-7 15 7,-1-30-15,13-2-8,16 20-7,8-16 51,-12 0 15,-48 13-7,-15-5 1,-21 16-7,-1-5-16,-3 3-5,16-5-1,3-16-3,0 4 0,-3 2 19,15-1 2,6 1-6,-6-13-16,-1 10-43,0-7-4,-18 16-4,-7-77-16,-9-4-95,15-8 0,-8-15-5,-9-57 16,-9 0 114,-16-1 2,182 15-7,3 113-15,4 3 140,0 0 7,-55 16 2,1-4-16,2 4-21,16 6 5,-65-16 0,2-21 15,10-2-29,-15-1 4,-11 16 3,-1-21-16,4-3 7,16 3 5,11-16 1,1 21 15,4-2 17,-15 3-4,7 16 0,1-12-16,0 1-5,15 0 4,-14-15 8,15-4 16,3 9-5,-16 33 58,4 16-20,-50-4-16,1 6-5,15-7 2,-9-15-1,9-4 16,-9-8-3,-16-7 11,-2 16-8,-6-1-16,-9 13-3,15 3-8,-1-15-9,1-3 16,3-6-1,-16 0 2,-11 0 3,-20-5 15,-7 1-16,-15 5-11,-5 16-2,-2-23-16,1-13-1,16-5 1,-11-16 7,-9-4 15,-8-2-54,-15 7-2,-18 16-1,-10-127-16,5-4 9,16 8-12,-67-16 0</inkml:trace>
+  <inkml:trace contextRef="#ctx0" brushRef="#br0">32468 16840 515,'-32468'-16814'18,"32710"16814"0,-1 9 16,6 3-129,-16 6-1,-40 16 3,0-40-16,5-1-12,15-12-7,-18-15 4,1 3 16,-6-2 24,-16-4 1,50 15-11,-2 18-15,5 2 19,16-9 2,-4-16 3,0-23 16,-8-4-49,-16 4-1,-20 15-5,4-22-15,1-7-21,0-5 1,-18 16 3,-2-44-16,-6-4-30,16 0 0,-96-16 0,0-65 15,-2-2-100,-15 1 0,-42 16 0</inkml:trace>
+  <inkml:trace contextRef="#ctx0" brushRef="#br0">33262 15733 1168,'-33262'-15700'-3,"33535"15716"-17,24 99-16,9-9-332,15-2-1,-39-15 11,15-29 16,-1-1-16,-16 4 8,-39 15-3,-2-2-15,-6 6 3,0 0-12,30 16-7,0 31-16,-4-11 43,16-1-3,8-16-7,-6 4 15,-5-2-32,-15 0-3,-48 16-7,-1-103-16,0-1-169,16 0-1,-17-16 0</inkml:trace>
+  <inkml:trace contextRef="#ctx0" brushRef="#br0">33322 16044 393,'-33322'-16055'14,"33545"16071"-2,-1-14-16,5 3-80,15 5-1,-84-15 1,6-26 16,4-7-22,-16 9 5,9 16 6,-6 20-16,7 1 34,15 3-5,22-15 9,-1 27 16,-3-6-4,-16 2-2,-10 15-7,-4-23-15,4 1-9,16-13-1,-27-16 0,-3-5 16,-10 6-7,-16-1-4,-29 15-2,5-46-15,-6 0-100,16-1 0,-198-16-4,0-4 16,2 0-137,-16 0 0</inkml:trace>
+  <inkml:trace contextRef="#ctx0" brushRef="#br0">33113 16317 419,'-33113'-16320'34,"33595"16320"-2,-7-159 16,9-24-9,-16-1 5,-230 15 3,-1-88-15,-6-7-10,16 0 0,3-16 2,4-2 15,-1 3 2,-15 6 19,10 16 4,60 14-16,-13-26 11,16-3 4,4-16-3,15-2 15,5 0-3,-15 0 12,-8 16-2,-17-9-16,4-1-4,16 4-15,0-16 2,-7-4 15,-4-24-2,-15 6-5,-23 16-6,-8-22-16,5-9-95,15-4 1,-59-15 0,-12-134 16,-2 4-48,-16 0 0</inkml:trace>
+  <inkml:trace contextRef="#ctx0" brushRef="#br0">33270 16478 790,'-33270'-16472'11,"33496"16472"2,-8 39 16,-7 3-207,-16 2-1,-76 16-3,-5-15-16,2 1-1,15 3 1,7 1 1,0 5-16,16 4 28,0 11-1,38 16 45,-1 20-16,-44-8 13,15-4-6,-5-15 8,1-8 16,-8-1-27,-16 3 2,-17 15-8,-3-15-15,-3 5-33,16-6 1,-18-16-5,-1-55 16,-4 4-35,-16-1 1,-66 15-5,-4-1-15,-1 3-19,16 0-1,46-16 0,-1 17 16,0-3 57,-16 0-10,48 15 0,0 70-15,-6-1 52,16-30-43,42-16 6,53 30 15,-8 3-16,-15-6 5,-32 0 0,3-45 16,-4 10-29,-16 0 0,-31 16 2,10-24-16,3-5 2,15 9 7,10-15 10,-8 22 16,6 2 34,-16 12-8,33 16 6,6 15-16,3-2-6,15 7 5,-13-15 7,4-21 0,1 7-12,16-1-5,-15-16 0,5-4 15,-6-7-2,-15 3-1,0 16-6,-5-1-16,2 5-2,16-4-8,-5-16-1,-3-32 15,3-4-21,-15 3-6,-6 16 1,-12 0-16,7-12 0,16 7-11,31-16 7,-16 22 15,-3-6 4,-15 12-8,5 16-4,11 10-16,-3 3 29,15-8 14,18-15-4,12 28 16,-9 10 9,-16-6 5,5 16-5,8-29-16,-1 2-22,15-2-2,-36-15-2,1-21 16,2 2-12,-16-3 5,-2 16-11,25 7-16,-28 57 6,15 21-50,10-15-6,9 1 0,4 1 0,16-11 7,-3-16 12,-8-2 15,-9-4 2,-15 7-10,2 16-4,-11 8-16,15-12 7,16-7-2,5-16 10,-4 1 0,2-3-6,15 7 0,-11-15-2,-3-25 16,3-3-13,-16 0 3,-14 16 0,0 0-16,3-1 2,15-3-1,21-15 4,1 10 16,0-3 14,-16 3 1,6 15 12,-3 6-15,0 0 7,16 49-15,3-16-47,16 3 16,-6 1-2,-16 1 2,1 15 2,-4-6-15,-7 4-1,16-2 1,-1-16-1,1 4 16,-3 1 3,-16-5-1,4 15-4,0-5-15,3 0-11,16-1 0,-12-16 2,2-11 15,-3-2-6,-15-3 6,-4 16-2,-3 3-16,-19 18-6,0-50 53,-5 16 41,-43-7-16,10-2 7,15 0-2,5-15 8,-10 14 16,7-3 10,-16 5-9,6 16 4,-2-9-16,2-6-12,15 0 3,-4-15 2,-2 1 16,1-2 6,-16 10-8,9 15 17,-5 10-15,45-29 4,0-45 31,-3 16-1,8-4-16,5 1-2,16-2 4,1-16 4,-1-1 15,-4 3 1,-15-1 0,2 16-10,3 7-16,-4-1 15,16-7 0,10-16-3,-1 23 15,-5 2 9,-15-2-3,7 16-2,2-10-16,2-1-1,15-4 3,-21-15 1,8-12 16,-15 15-14,-16-29 55,-7 16 19,-46-9-16,-2 7-4,15 3-7,-1-15-2,5-1 16,7-6 3,-16 3-2,-2 16 4,-8 1-16,-4-3-18,15 3-8,-9-15 0,-6-41 16,2-6-27,-16-7-10,-99 0 3,-9-96 15,-1-10 8,-15-5-14,-100 16 0</inkml:trace>
+  <inkml:trace contextRef="#ctx0" brushRef="#br0">33301 16910 389,'-33301'-16907'3,"33488"16907"8,3 15 15,3 5-98,-15 10 10,-19 16-2,4-32-16,11 5-1,15 4 5,-16-15 11,7 10 16,-3-6 1,-16 8-3,5 16-2,1-12-16,1-4-7,15-8-5,-12-15-5,2-6 16,-6-1-9,-16-4-5,-62 16-13,-5-127-16,-5 14-92,15-13-5,-72-15 0</inkml:trace>
+  <inkml:trace contextRef="#ctx0" brushRef="#br0">27699 18270 982,'-27699'-18327'52,"27987"18327"45,-52 41 15,9 4-277,-15 3-4,-82 16 0,0-33-16,0-4-4,16 0 4,11-16 6,-3 4 15,8-1 38,-15 27-9,13 16 54,-15 11-16,-31 13 1,16 6 3,2-16 15,-6 0 15,-5-2-4,-15 9-5,-6 16-14,-2-3-16,-5-2-2,0-17 6,0 15-4,2 4-15,-20 9 8,16-9 1,9-16-7,6 6 16,-8-1-1,-16-5 2,-16 15-5,0-86-15,0 2-225,16 2-3,28-16 0</inkml:trace>
+  <inkml:trace contextRef="#ctx0" brushRef="#br0">28229 17633 367,'-28229'-17639'-6,"28575"17639"3,3-61 16,1 1-53,-16 2 2,-69 15 0,0-83-15,0 0-17,16 0 2,-30-16 2,1-14 16,-2 2-14,-16 8 14,-2 15 4,12 1-15,26 59 3,16-27-46,4-16 6,16 8 15,-7-8 2,-15-1 22,2 16-1,-1-2-16,0 15-2,16-2 2,-8-16 5,25-3 15,-3-14-4,-15 0 6,0 0-3,-15-1 16,-2-4 2,-16-3-22,-1 16 2,-7-9-16,-2-18-16,15 0-8,-54-15 1,-14-37 16,1-8-147,-16-2-8,-86 15 1,-17-38-15</inkml:trace>
+  <inkml:trace contextRef="#ctx0" brushRef="#br0">28362 18144 822,'-28362'-18148'3,"28813"18163"0,5-57-15,1 11-152,16-4 11,-197-16-4,10-58 16,-6 20-21,-16-12 26,-35 15-4,-1 1-15,-8 15 2,16-3-7,18-16 6,-18 16 16,7-27 40,-16 4-15,-7 15 10,-17-37-15,12-21-65,16 6-20,-47-16 12,-37-127 15,11-21-49,-15 9-28,-27 0 0</inkml:trace>
+  <inkml:trace contextRef="#ctx0" brushRef="#br0">28273 18244 364,'-28273'-18209'-18,"28644"18209"6,18-39 0,-5 13-56,16 15 9,-56-16-7,5-90 16,8 11-38,-16-6-2,-53 15 4,8-32-15,-7-5-32,16-4 1,-41-16-12,-10-17 15,-5-7-31,-15-6-12,-8 0-7,-6-40 16,-6-6 21,-16 7-20,12 16-2,-14 31-16,6-20 9,15-1-17,41-15 12,-28-30 16,-5 4-10,-16 10-17,-8 16-4,9 11-16,2 7 19,15-9 30,56-15 0,10 77 16,-5 30 36,-16-3 11,54 15-3,8 11-15,-2 8 27,16-4 0,-43-16-2,0-10 16,0 0-47,-16 0 0,-11 15 0,4-34-15,-2-3-11,16 1 2,-7-16-4,2 22 0,-1 6 9,16-9 16,13-1-29,49-4-15,21-42-9,16 4-2,-28-16-7,2-16 0,1-4-23,15-2-1,-44-15 2,-10-30 16,-2 3-104,-16 4-10,-100 16 2,7-109-16,2-1-59,15 0 0</inkml:trace>
+  <inkml:trace contextRef="#ctx0" brushRef="#br0">29319 17719 774,'-29319'-17684'9,"29641"17684"1,4 4 15,-6-4-203,-15 3 4,-50 16-2,-2-57-16,-4-3-47,16-5-5,-55-16-4,3-90 15,-9-6-51,-15-4 2,-91 16-5,-1 30-16,-2-1-33,15 0 0</inkml:trace>
+  <inkml:trace contextRef="#ctx0" brushRef="#br0">28947 18147 736,'-28947'-18157'10,"29217"18157"7,-10-21 0,3 3-211,16 0-1,-181-16 0,-2-105 15,0 0 11,-15 0 0,38 16 2,0 91-16,-2 0 127,16 1 0,111-16 2,0 27 15,-1 1-7,-15 0-1,-39 16 1,2-58-16,1-1-19,15 3-1,-22-15 2,0-7 16,2 0-4,-16 14-3,-3 16 46,-13-1-16,-36 4 0,15 0-1,1-15 9,-4-1 16,-8-1 1,-16 7-2,0 16-10,1 2-16,-5 2 0,15-6 7,2-15-7,1 9 16,-9 9 8,-16-3-3,25 0 0,3 15 15,-6 0 9,-15 2 0,-7 16-1,0-15-16,2 0-31,16-2 0,-26-16-2,0-13 15,0 3-6,-15-2 0,6 16-2,0 4-16,-14 10 12,16-57 29,3-16 49,-24 7 15,-6 8 1,-15 9 1,2 16-1,8-1-16,9 3 0,0-5 6,-4 15 9,0 0-15,2 8-1,16 5-1,1-16-1,2-2 16,5-2 2,-16 8-1,-4 15-1,-10-1-15,0-3-3,16 2-13,2-16 4,-2-8 16,-3-9 0,-16 2-5,-5 15-1,-8 2-15,5-5-38,16-1-11,-22-16 7,-20-62 15,-3-16-83,-15 7-22,-22 16 0</inkml:trace>
+  <inkml:trace contextRef="#ctx0" brushRef="#br0">29281 18168 238,'-29281'-18158'16,"29554"18158"-7,7-57 16,5 17-5,-1-8 5,-110-15-7,20-37 0,3-3-42,16-6 4,-14-16-3,-16-11 15,4-4-10,-15 4-25,-2 16-1,-6-74-16,4-13-29,16 4-15,-14-16 7,-17 0 0,7-19-7,15 2-7,71-15 7,-9 29 16,-3 13 24,-16 8 6,61 16-8,23 38-16,3 7 46,15-4 8,12-15 1,5 2 16,-5 4-48,-16 0 6,-23 15-7,1-38-15,1 6-6,16-5 3,-12-16-7,16-11 16,-6 0-10,-16-5 13,-8 15-10,-2-4 1,-2 4-1,-16 0-9,7 0-6,-3 7 16,5-7 8,-16-5-9,0 15 3,-6 3-15,-6-4 2,16 3-1,2-16-4,-4 11 15,2 1 7,-15 0-3,13 16 9,-3 2-16,-2 4 6,0 7 0,-8 16 2,-5-3-16,10 2-12,15 1 4,-5-15 2,-10-17 16,3 5-28,-16 0 0,-11 16 0,0-3-16,3 0 1,15 1 0,7-15 0,5 25 16,-1-5 8,-16 4 2,5 0-4,-1 17 15,3-1 14,-15-3 2,29 16 2,-2 11-16,-2 3 16,16-1-2,-13-16 1,1-12 15,-1-2-32,-15-1 0,-24 16-1,0-26-16,3 0-13,16 4 0,-3-16 21,0 0 15,62 5 9,-15-32-10,7 16 2,-3 6-16,14 0-1,15-7-1,2-15 2,-1 0 16,-15 1 1,-16 2 3,0 16-19,-1 3-16,-3 1-1,15-8 1,3-15-3,2 4 16,-12 1 4,-16-3 1,6 16-6,2-3-16,-1 1-23,0-2-4,-21 15 1,1-43-15,-2-1-54,16-3 1,-235-16 2,-4 46 15</inkml:trace>
+  <inkml:trace contextRef="#ctx0" brushRef="#br0">29347 17764 743,'-29347'-17768'-3,"29536"17768"-3,0 56 0,1 1-204,15 3 1,-26-15-4,-1 11 16,6 1 20,-16-2-1,11 16-2,-1 17-16,3 3 2,15-2 0,-12-15 2,0-18 16,1 0-16,-16 1 0,-22 15 1,0-5-15,4 0-5,16-2 3,-1-16 13,0 4 0,7 2 0,16 42 9,2-16-46,-9-4 15,-3 0 0,-15 0 1,-21 16-5,3-26-16,4-1-130,16-5 2,-153-16-7,-9-17 15</inkml:trace>
+  <inkml:trace contextRef="#ctx0" brushRef="#br0">29866 17659 1087,'-29866'-17597'34,"30137"17597"-53,-27 77 15,2-4-303,-15 11 3,-103 16-1,-3-23-16,15 2-15,15 5-5,1-15 11,-2-3 16,-5-1 57,-16 20-3,28 16-6,-2 28-16,7-1 9,15-7-4,5-15 3,-3 3 16,-14 2-10,-16-4-2,-6 16-15,7-5-16,-7 1 7,15-10 3,4-15-6,4 17 16,-8-1 0,-16 0 0,-8 15 0,2-13-15,-2-1-26,16-2-2,-39-16 1,3-59 16,-5-3-7,-16 0-2,9 15-10,-6 22-15,3-5 40,16-39-38,76-16 45,45 58 0,2 4 16,16 6 0,18-16-1,4-13 15,1 1-15,-15-3 0,-46 16 3,0-21-16,-1 0-25,15 2 1,-11-15-1,1-8 16,-4 3-4,-16 2 0,2 16-5,28 3-16,-13 47 6,0 15-36,1 15 6,-1 4 1,0 15-1,-16 2-3,-2 0 2,12-8 16,0-4-1,-1 2 12,-8-15-3,-9-1 0,5 4-1,16-5-15,8-16 5,-3 3 15,-8-19 9,-15-2-9,1 16 7,-12-16-16,-8-5-112,16 3-4,-63-16-2,-11-116 15,1 5-91,-15 0 0</inkml:trace>
+  <inkml:trace contextRef="#ctx0" brushRef="#br0">30480 17668 782,'-30480'-17672'14,"30796"17672"0,-1-2 16,2 14-177,-16-4 9,-125 15-4,14-38-15,-1 1-6,16-4 10,-5-16-1,-10 3 16,-5-2 8,-16 4-11,24 15-10,4 12-15,3-9 10,16-5 8,-3-16-5,-6-10 15,-7 0-39,-15 5-4,-25 16-3,-4-28-16,6-11-10,0-1-4,-45 16 14,-5-10-16,-1-7-87,15 12-4,-7-15 0</inkml:trace>
+  <inkml:trace contextRef="#ctx0" brushRef="#br0">30547 17924 451,'-30547'-17870'22,"30733"17885"-2,-13 8-15,10-1-102,16-2 0,-55-16 9,-2-13 16,-15-6-13,-16 1 2,-4 15-16,-1-3-15,-6-2 6,16-15 4,6-16-7,-2 10 15,-8-1 2,-15-3 4,-29 0-3,0-36 16,-2-4-180,-16 2 0,11 16 0</inkml:trace>
+  <inkml:trace contextRef="#ctx0" brushRef="#br0">30325 18304 863,'-30325'-18291'6,"30598"18291"-4,2 26 15,-3 1-218,-15 4 9,-94 16-2,4-20-16,3 11-7,16-2 3,5-16 7,11-1 15,-6-7 15,-15 1 7,10 16-2,-12 13-16,1-1 5,15-4-13,3-15-3,-5 3 16,0-5-1,-16-3-5,-9 16 2,-4-8-16,-2-4-15,0 0 2,-4 15 0,-6-2-15,0-1 6,16 0-32,5-16 3,-57 11 16,9 39-3,-16 0 5,1 15 13,0-10-15,0 8-6,16 11-5,-19-16-1,11-3 15,6 5-1,-15-6 9,12 16 3,7 19-16,-12 12 27,0 1 5,20 16-10,5 11-16,2 14 12,15-6 1,-9-15-5,12-1 16,-5 1-12,-16-3 10,-8 16-8,-6-14-16,-3 8-1,15-5-6,-3-15-3,2-3 16,-3-6 0,-16-4-1,-10 15 3,-8-5-15,-8-7-3,16 6-5,1-16-2,-5 5 16,8-7 12,-16 0-5,15 15 6,-2 8-15,1-3 3,16 10-3,-5-16-1,-5-5 16,1 7-15,-16 9-5,-6 15 2,1-3-15,2-3-1,16 7 5,2-16 7,-5 4 15,2 2 3,-15 9-6,1 0 5,1 1 16,2-6-1,-16 1-1,-2 16-6,-1-6-16,-7 7-3,15-10 3,-20-15-7,6-23 16,-13 6-20,-16-4 5,-6 16-19,8-103-16,-6 11-55,15-10 20,-18-15-5,5-97 16</inkml:trace>
+  <inkml:trace contextRef="#ctx0" brushRef="#br0">30532 18770 859,'-30532'-18773'7,"30840"18773"-4,-3 7 15,4-1-227,-15-3 2,-107 0-1,-2-49 16,4 0-7,-16-3-1,10 15 3,0 28-15,-3-2 58,16 2 0,29-16-2,0 12 16,1 0 9,-16 2 0,-25 15-3,1-12-15,3 1-15,16 1-2,-4-16-1,3-5 16,1-1 5,-16 1-1,9 15 1,1 18-15,0-1 6,16 0-1,9-16 0,0-5 0,0 0-4,15 0 0,-16-15 0,0-11 16,0 2-9,-16 1-1,-8 16 1,1-3-16,1 0-3,15-1-1,2-15 1,-1 0 16,3 3 4,-16 15 2,0 16 2,-3 2-16,55 9-1,15-53-11,-1-15 5,-4 0 16,0 4-1,-16 1-1,-1 15 1,-1 1-15,6 1-1,16 1-6,2-16 1,1 0 16,-6 0 2,-16 7-5,2 0-8,6 2 15,-4 2 2,-15-2-2,-1 16-2,0 1-16,-8 4-3,16 1 1,-1-16-11,-5-2 15,6 2-2,-15-5 1,-2 16 0,1-1-16,0 1 0,15 3-2,-1-15-5,2 2 16,2 0 0,-16-2-3,4 16-6,3 3-16,0-1 3,0 0-1,2 15 0,2-1-15,0 0-3,16 0 0,-5-16 0,0-2 16,0 0-4,-16 0 0,-5 15 0,-2-1-15,0 1-3,16 0-1,2-16 0,1 0 15,0-1 3,-15 0 2,-1 16 0,0 3-16,0 0-3,16 0 0,2-16-3,0 0 15,1 0 3,-15 1 0,0 16-5,0 1-16,-2 0 0,16-19 3,3-16-57,15-1 15,43-14 3,-15-4 6,-1 16 2,-2 1-16,-6 7-3,15 10-2,0-15-2,4-2 16,6-7 0,-16 0 6,-1 0 8,-12-1 16,1 3 0,-16 0-3,1 15 1,0 1-15,6-3 1,16-1 4,2-16 4,-4 2 16,-3-2 0,-16 5 4,0 15-3,-3-2-15,5 0-1,16-3 5,-2-16 4,-2 0 15,-4-2-1,-15 6-1,2 0 1,2-1 16,-1-4 2,-16-1 2,-2 16 2,-1 0-16,5 1-2,15 0-2,-2-15 3,2-15 16,0-1-5,-16 0 1,-11 16 0,0-15-16,3 0-44,15-1 0,-18-15-2,-2-114 16,0-1-172,-16-2 1,6 15 0</inkml:trace>
+  <inkml:trace contextRef="#ctx0" brushRef="#br0">29344 17436 371,'-29344'-17430'-3,"29663"17430"-4,0-76 0,-2 3-25,15 0 0,-145-15 0,0-36 16,0-2-5,-16-2 2,12 16-1,0-3-16,0 0 3,15 3 0,-3-15 0,0-9 16,-5 2-15,-16 2 0,-10 15-3,-1-7-15,1 2-3,16-1 0,2-16-4,2-1 16,3 0 4,-16-3 3,2 15-4,3 5-15,1 6 6,16-47 53,3-16 43,-47 4 16,0 2 0,-16-7 5,-3 15 3,-3-4-15,-4 3-3,16 2-1,-3-16-4,5-2 15,2-5-1,-15 1 4,-2 16 2,-2 1-16,3-1-2,0 2-5,-1 16-1,1 0-16,9-6 0,15-5-2,-1-15 3,-4 1 16,3-3 0,-16 0-5,1 16 0,4 0-16,3-7 0,0-1 3,-1 15-1,-1 1-15,6-5-2,16-1 0,0-16 2,0-4 15,-1 1-2,-15-4 1,-23 16 3,-1-21-16,-1 1-78,16-1-2,-65-16 2,3-145 15,0-1-28,-15 0 0</inkml:trace>
+  <inkml:trace contextRef="#ctx0" brushRef="#br0">29248 17671 758,'-29248'-17663'13,"29511"17678"-5,-5 20-15,3-7-191,16 1 1,-69-16-7,-2-23 15,0 0 1,-15 0 0,0 16 0,0 8-16,0 0 12,16 1 0,21-16 1,3 9 15,-2-1 8,-15 3 1,-6 0 0,0-8 16,2 2-20,-16 1-1,-9 16 4,4-7-16,7 8-3,15 0-8,-3-15 53,57 0 16,-47-54 0,-16 4 1,1 15-2,-4 0-15,5 5 1,16-4-4,2-16 2,4 0 16,-3-1 2,-16 2 4,2 15-3,-5 1-15,1 2-2,16-3-1,1-16 3,-1-2 16,-3-3-3,-16 5 3,-1 15-6,-4 0-15,1-1-1,16-8-3,2-16 3,0 3 15,-11-3 3,-15 2 3,-4 16-8,-3-5-16,0 0-41,0 0 0,-48 16-1,0-96-16,-4 0-202,15 0 2,-4-15 0</inkml:trace>
+  <inkml:trace contextRef="#ctx0" brushRef="#br0">29063 18687 394,'-29063'-18745'67,"29509"18745"50,-60-149 16,7-9-44,-16 1 1,-180 16 0,-1-116-16,0 2-21,15 0 0,9-15 0,0 9 16,0 0 20,-16 0 0,26 15 0,0 18-15,0 0 4,16 0 0,0-16-2,0-3 16,2 0-7,-16 0 0,-4 15 0,2-1-15,0-1 10,16 0-1,8-16 0,2 18 16,0-2 8,-16 0 0,7 15 0,0-6-15,0 0-5,16 0 0,-17-16 0,0-5 15,0 0-9,-15 0 0,-2 16 0,0-4-16,0 0-1,16 0 0,-3-16 0,0-5 15,0 1-2,-15 2 1,-2 0-2,-2 0 16,3 2 2,-16 1-2,4 16 0,0 2-16,2 0 6,15 11 0,4-15 1,0 2 16,5 1 3,-16 42 5,-1 15-40,-6-1-15,-6 2-4,16 5-5,-2-16-5,-2-3 0,6 5-4,16 0-1,1-16 2,1-3 15,0-4 1,-15 0 1,-2 16-2,5 2-16,2-1 1,16-10-2,3-16 0,2 2 15,-7-1 3,-15-2-4,3 16-2,2 1-16,-6 0-1,15 0 1,-3-15 0,-2-3 16,0 3-4,-16 0-2,-2 16 0,2-1-16,0 0 3,15 0 0,2-15 0,-1-2 16,-3 1 0,-16 1 0,-4 16 1,-2-4-16,1 2-6,15-5 0,-2-15 2,-2-10 16,-5 1-3,-16-22 1,-9 0-52,3 2 15,39 2 3,-15 4-1,10 16-4,3 8-16,15-4 13,16-5 0,6-16 12,0 1 15,4 2-2,-15 4-5,-1 16 2,0-1-16,5-3-4,16 3 3,3-16 1,-2 1 0,-1-1 3,15 2 3,0 1 1,0 2-16,0 0-3,15 0 0,-4-15 0,0-4 0,0 0-11,16 0 0,-5-16 4,0-2 16,-1 0 2,-16 24-1,2 15 63,-7 10-15,-35-5 0,16 1 4,-1-16 10,-12-10 16,-3 2 0,-16 5-1,-4 15-12,-2 2-15,4 1 3,16-14 7,8-16 5,1 1 15,-9 2 3,-15 1 0,0 16-7,8 1-16,-1-2 0,16-10 2,1-16-5,0-15 15,-4 0-25,-15-5-2,-121 16-4,0-204-16,-1-9 2,0 0 0</inkml:trace>
+  <inkml:trace contextRef="#ctx0" brushRef="#br0">4773 16757 371,'-4773'-16771'9,"4847"16771"-10,2 32 16,-39 25-125,-16 46-28,-10 0 3,2 0 15,4-2 4,-15 1-4,11 16 1,0 32-16,0-1 24,16-2 3,21-16-1,2 3 15,-3 9 3,-15 3 5,-18 16 0,15-11-16,0 0-22,15 6 20,-7-15-1,-3-9 16,6 6-2,-16 6-8,-5 16 4,-2-8-16,-1-17-3,15 5-6,-4-15-1,-10-1 0,6-10 2,16 2-14,11-16 5,-11 4 16,3-9 6,-16 5-22,1 15 0,-2-1-15,2-12-1,16-9 0,-3-16 6,-11-2 15,-14 11-1,-15 0 2,2 16-12,12 1-16,0 1 23,16-14 22,17-16-2,-4 35 15,-7 9 13,-15-4 2,19 16-2,8-15-16,0 0-7,16-1 3,-31-16 5,0-12 15,2 4-20,-15-2 4,-10 16 6,3-13-16,-9 9-11,0 2 12,-8 15-1,12-18-15,-5 4-12,16 4 21,-38-16-1,2-24 16,-3 7-129,-16 6-10,8 15 0</inkml:trace>
+  <inkml:trace contextRef="#ctx0" brushRef="#br0">5177 17015 1018,'-5177'-17037'24,"5431"17052"20,-22 67-15,2 1-279,16 10-6,-60-16-9,3 0 16,5-2 3,-16 10-3,7 0 9,-3 2 15,50-15 3,-15-50 15,0 16 2,-3 2-16,-2 1 0,15 3-1,1-15-1,-1 0 16,11-6 1,-16-2-1,-3 16 7,-4 1-16,-5-1-1,15 6-3,0-15-9,10 1 0,-4 0 0,16-12 7,1-16-3,5-26 16,-12 2-16,-16 3 3,-30 15-4,-1-23-15,-3 1-65,16 3 0,-15-16-1,0-87 15,-1 0 23,-15 6-2,-52 16 0</inkml:trace>
+  <inkml:trace contextRef="#ctx0" brushRef="#br0">5983 16314 1080,'-5983'-16327'25,"6261"16327"0,-13 87 15,9-2-301,-15 1 4,-49 16 7,3-10-16,1 10 1,16 3 5,-12-16 1,17-1 15,4 9 3,-15 0 15,0 16-1,-4 1-16,-1 19 1,16-1-12,0-16-9,3-2 15,-1-13-4,-15-1 0,-12 16-6,-22-10-16,3-9-41,15-3-13,-29-15 4,-5-69 16,-1-10-53,-16 2-7,-105 16-3,-3-17-16</inkml:trace>
+  <inkml:trace contextRef="#ctx0" brushRef="#br0">6366 16351 1069,'-6366'-16335'30,"6679"16335"-8,-12 59 16,-13-23-287,-1 2 7,-72-15-2,2-21 0,3-4-3,16 2 2,-6-16-1,3-3 15,-1 25 1,-15-4 66,5 16 0,-44 4-16,2 14 6,16-2-11,3-16 1,4 5 15,-1-14-1,-15 5-1,2 16 2,-12-2-16,2 7-1,16 10-5,-3-16 1,-5-2 15,10-3 0,-15 3-3,-1 16 6,-7-1-16,8 1 2,15-3-2,2-15-2,-3 1 16,-3-1 0,-16 0 5,2 16-11,-5-2-16,2 3 1,15-5 4,-2-15 0,4 2 16,-10-5-1,-16 2 8,3 16-1,-6 0-16,-7 3 4,0-3-4,0 15 0,4 3-15,-3-7-1,16-7 8,2-16-2,-5-3 15,-3 9-1,-15-5 0,-4 16 1,9 0-16,-6-3-2,0-4 5,-1 16 2,-3-2-16,-4 0-5,15 3-10,-6-15-7,0-22 16,3-8-21,-16-2-1,-62 16 0,-9-41-16,-11-7-192,15-3-11,8-15 0</inkml:trace>
+  <inkml:trace contextRef="#ctx0" brushRef="#br0">6451 16251 1015,'-6451'-16215'1,"6657"16231"-7,-7 99-16,4-10-298,16 20-1,-41-16 14,-4-65 15,15-7-207,-15-8-4,18 16 0</inkml:trace>
+  <inkml:trace contextRef="#ctx0" brushRef="#br0">6043 16523 330,'-6043'-16530'-3,"6277"16546"6,2-18-16,-6-6-38,15 6 4,-92-15-1,3-20 16,1-1-36,-16-4-1,-35 16 2,-1-31-16,-3 0-23,15-1-2,-3-15 4,0 2 16,-5 0 19,-16 5-1,24 15-3,1 26-15,3 1 7,16-2-1,0-16 3,3 2 16,-1 1-6,-16 0-1,0 15 1,2-1-15,2 0 3,0 0 2,1 16 0,1 3-16,0 0-3,16 0 3,2-16 5,9-2 15,-2 10 3,-15 15 49,-4 16-11,-41 0-16,3-1-6,15 1 10,-3-15 5,-7-4 16,1 3 0,-16 0-7,-2 16-1,2 1-16,-5-7-1,15-1 5,2-15-4,-2 0 0,-4 0 1,16-2-5,0-16-2,3 1 16,-4-3 0,-16 3 1,0 15-4,-5 0-15,6 4 0,16-4-5,-1-16 2,3 1 15,3-3-1,-15-3 1,2 16-2,2-1-16,2 4 2,16-4-4,-1-16 6,5 2 15,-4-7-1,-15 2 4,0 16-3,-5-2-16,3 0 1,16-5-5,-1-16 1,0 0 15,6-3 1,-15-9-2,0 16 4,2 0-16,1 2-1,0-1-2,0 15 1,2-1-15,2-2-2,16 1 0,1-16 2,-5-1 16,-1 4 1,-16 1-6,0 15-3,-4 3-15,3 0 2,16 0 0,3-16-2,0-1 16,1 0-4,-16 1-3,-9 15 0,2-7-15,0-4-4,16 0-24,-5-16 3,-67 2 0,0 21-1,15-6-6,0-15 7,-29-2 16,-2 1 2,-16 1-25,0 16 5,16 5-16,-2 1 4,15-6 32,5-15 0,16 4 16,-6 31 4,-16 3 11,4 16-2,17 2-16,4 4 4,15 1 1,1-15-2,4 4 16,2-1-2,-16 0 2,1 15 0,0-4-15,0 0 2,16 0 2,-4-16 0,1 2 16,0 2-2,-16 3 23,2 15 8,59-5-15,-15-29 0,16 2 4,-3-16 4,15-1 16,-1-6-2,-16 5 17,1 15 2,-11-1-15,2 7 0,0-2-18,2 16 0,8 1-16,-7-20 0,15 2 1,0-15-3,-12-2 16,-1 7 1,-16-1-12,-2 16 2,3 0-16,0-9-1,15 0-1,0-15 2,-9 0 0,-1 0 0,16 2-3,0-16-1,-3 0 16,0-2-4,-16-2-1,-23 15 0,-4-26-15,-2-1-194,16 0 1,35-16 0</inkml:trace>
+  <inkml:trace contextRef="#ctx0" brushRef="#br0">6409 16151 61,'-6409'-16140'71,"6552"16140"-4,-66-7 0,-5-2 9,16 4-3,17-16-6,0-31 16,0 0 3,-16 0 0,-31 15 0,0-8-15,0 0-31,16 0 0,-13-16 0,0-23 16,0 0-8,-16 0 0,-12 15 2,0-3-15,-1 0-2,16 4 0,-1-16-2,0-4 0,4 0 1,15 2 0,-1-15 12,-2 1 16,-1 1-1,-16 54-13,1 16-44,9 1-16,2-8 0,15-2 4,1-15-2,-4 0 16,-1 4 0,-16-3-4,2 16-12,5 0-16,2-1 3,15-6 6,1-15-5,0 7 16,-3 3 1,-16 0 0,7 15-1,0-4-15,-1 0-3,16-1 0,-12-16 0,0-19 16,0 1-16,-16-3 1,-9 15-18,7 3-15,-11 7 7,16-39 22,21-16 41,-19 20 16,11-7 11,-16 0 2,2 15 6,-6-3-15,-3 3-3,0 2-6,-12 16-1,5-3-16,3-4-3,15-4 2,-2-15 4,0 0 16,3 1 0,-16-4 1,2 16 5,-7 6-16,3 5 5,0 0-7,4 15 8,4 0-15,0-5 0,16 0 0,-6-16 0,-2-2 16,3-1-5,-16 5 3,0 15 16,-1-1-15,3-4 2,16 45-9,-2-16-48,6 1 15,0 0-1,-15-5 3,1 16-7,2-1-16,9 1 0,16-4 2,-1-16-4,0 0 15,2-1-2,-15 1 1,-14 16-6,-2-14-16,-1 1-110,16-1 2,-136-16 1,-4-3 15</inkml:trace>
+  <inkml:trace contextRef="#ctx0" brushRef="#br0">6112 5126 188,'-6112'-5090'-52,"6165"5090"-55,57 18 16,-3 8-54,-16-5 4,-21 15 5,0-5-15,-3 2-2,16 9-3,-3-16 2,-5 18 16,11-5 21,-16-3-4,30 15 6,-2 17-15,0 0 40,16 0 0,1-16-2,0 4 15,2 0-24,-15-1 1,-16 16 1,4-43-16,-10 22-16,16-18 61,-14-16 14,-40-2 15,4-6 0,-15 2-1,1 0 7,-11 1 16,-1 2 0,-16 5-7,0 16-4,5 1-16,-1-3 0,15-3 12,4-15-7,-1 4 16,-9 15 8,-16 4 6,3 0-8,21 4 15,1-1-3,-15 0 17,-5 16 7,-9-8-16,6 9-6,16 6-17,-4-16 13,6-2 15,0-15 0,-15 9 0,0 16-6,-11 1-16,5 4 1,16-8-5,1-16 1,23 0 15,-9-2 0,-15 0 26,1 16-6,4 0-16,-5 23-2,15 0-10,0-15-2,10-1 16,9-21 0,-16-3 8,0 16 9,-21 0-16,4 6-1,15 5-8,2-15 4,23-2 16,-6-9 1,-16 2 29,0 16 2,-4 1-16,-10 31-1,0-3-10,1 15-2,29 0-15,-7-20 2,16 2 17,-2-16 1,-26 1 15,9 11-2,-15 7-27,0 16 15,23-1-16,2-12-1,16 11 21,0-16 1,-10 1 15,5 27-1,-15-15-18,2 16-3,31-1-16,1-16 1,0-17 26,-1 16-13,-24 2-1,-13 25 0,-15-2-33,2 0 0,-1 9 16,-8-38 3,-16 1-1,0 15 9,-42 1-15,-3-2 1,16 7-15,-8-16-2,4-4 16,6-16-1,-16-2 21,-4 15 10,-8-2-15,-3 16-1,16-3-10,1-16-2,16 0 16,8-11 1,-16-10-5,0 15 4,-15 2-15,8 9-1,16-2-17,3-16 0,1 3 15,3-9 3,-15-2 9,-2 16-1,-11 0-16,0 11-3,16 0 2,-3-16 0,19-3 0,-1-4 0,15 2 13,0-15 6,-12 1 16,-4 6 1,-16 6-18,1 16-4,1 1-16,-5-16 1,15 3 3,2-15-3,-19-1 16,0 1 1,-16 2-7,-2 15-1,11-4-15,2-2 0,16 1 11,-2-16 4,2 1 16,-2 9-2,-16 5-3,4 0-2,3-1 15,-2-11 2,-15-3 2,1 16 3,-16 2-16,-6-5 2,16-1-7,1-16 0,-4 0 15,-1-9-1,-15-1 0,-3 16-3,-4-2-16,2-1-3,15 3 2,1-15-8,-1-4 16,7 3 0,-16-4-1,-17 16 2,-2-10-16,1-2-34,15-2-1,-22-15 0,-2-48 16,0-6-17,-16 1-1,-70 16 3,0-7-16,-2-1-23,15 0 0</inkml:trace>
+  <inkml:trace contextRef="#ctx0" brushRef="#br0">5834 5104 69,'-5834'-5111'-3,"5869"5111"5,-2-6 16,2 2-13,-16 0 2,-17 15 2,-4-5-15,2 2-12,16-1-4,-7-16 4,-1-3 0,-4 4 2,16 3-3,13-16-3,1 31 15,4 3 49,-15-6 0,26 16 4,0 25-16,-2-1-7,16-3 3,-11-16 3,-2-45 15,2 3-21,-15 1-2,-24 16 1,1 2-16,4-1 12,15-7 0,42-15 3,1 21 16,-4 1-6,-16 2 0,-4 0-4,1 5 16,1 3-34,-16-4-1,-17 15-6,22 9-15,-12 18 1,16-40 51,-19-16 17,-26-7 16,1-2-5,-16-9 19,-4 15 4,-4-4-15,-5 1-3,16 6-19,1-16 2,-3-2 15,12-21 0,-15 6-10,-7 16 11,-17-8-16,6-2-41,16 9-9,-37-16 5,-2-74 15,3-7-78,-15-7 5,-26 16 0</inkml:trace>
+  <inkml:trace contextRef="#ctx0" brushRef="#br0">6087 4805 264,'-6087'-4796'28,"6309"4796"-9,-9-40 0,-6-3-3,16 3-1,-130-16 3,4-8 16,0 0-15,-16 3-1,0 15 2,-6-4-15,-2-2 19,16 2-7,12-16-4,-3 19 15,-1 0 1,-15 0-2,7 16 0,1-15-16,0 1-12,16 0 0,-20-16-1,-2-13 15,-1 2-21,-15-1-3,-34 16 1,3-19-16,-4-2-22,16 1 1,1-16-4,-2 10 15,-7-2 38,-15 2 2,23 16 4,0 19-16,7 3-3,15-5-2,-7-15 4,0-10 16,0 1-4,-16 4 1,1 16 2,0 6-16,3 1 2,0-4 3,2 15 6,2-2-15,-3 13-1,16 4 8,-6-16-9,47 0 16,-18-47 3,-16-3-5,11 15 0,-10 26-15,6-7 16,16 5-2,10-16 6,-3-2 15,-1-3-11,-15 6 3,-26 0 0,-2-17 16,0 2-14,-16 0 0,-8 16 0,0 1-16,0 0-1,15-3 0,5-15 3,0-1 16,0 0 5,-16 0 0,-1 16 0,0 3-16,0 0 1,15 3 0,3-15 0,0 2 16,-2 0 4,-16 1 2,2 15 0,-2 4-15,1 3 9,16-2-1,6-16-1,-1 3 16,0 1 0,-16-1 3,-2 15-2,-1-9-15,1 9-7,16 2 9,-5-16-3,10-2 16,-3 48-1,-16 6-31,-1 15 3,-3 2-15,3 13-1,0-6 1,0 16 0,7-1-16,-2-7 1,15-5 9,0-15 3,-8 1 16,-7 10 0,-16 0-1,1 16 0,15 1-16,-3-5 0,15-2 24,1-15 7,-3-1 16,-2 32-2,-16 9-2,-1 0 5,37 0 16,7-8 0,-16-1 19,0 15 5,-21 2-15,-6 8 1,16-8-40,0-16-8,5-1 15,2-23 2,-15-6 9,-1 16-1,-18 1-16,-1 17-2,16 4-9,0-16 1,19-2 15,6-9 0,-15 3 21,-2 16 8,-8 1-16,6 26 0,16-3-24,2-16 0,24 0 15,-2-25 1,-15-4 6,0 16-11,-34 1-16,-2 15-1,15-3-17,1-15 0,20-2 16,-2-9 0,-16 7 13,-1 16 1,-16 0-16,4 11-2,15 2-16,1-15 7,30-1 16,-2 0 1,-16 1 31,0 0-3,-4 2 16,-2 17 0,-16-5-25,2 15-4,10-1 1,-2-32 1,-16-5 7,-1 0 3,-15 2 15,-5 25-3,-15 3-21,2 16-6,21-2-16,5-17 1,16 5 17,-3-16 1,-22 3 15,0 24-2,-15 6-19,1 0 2,11-1 16,-1-29 3,-16 1 10,0 16-3,-27 1-16,1 5 0,15-1-16,0-15-6,8 0 16,-7-15 1,-16 2 12,-2 15 1,-19 1-15,-3 7-2,16 5-5,0-16-3,14-3 16,11-7 1,-16-5 15,-1 15 2,-9 1-15,4 14-2,16-1-15,3-16-2,3-2 16,4-9 3,-16-4 3,-2 15 3,-17 2-15,-1 4-1,16-5-15,2-16 0,1 0 15,-3-11 0,-15 5 0,-1 16-2,-8 0-16,6 5-4,16 1-6,0-16 2,3-5 0,6-3-1,15-1 6,-5-15 7,0 0 16,-2 8-1,-16 5-7,-11 16-4,10-36-16,2-8-32,15-3 13,-207-15-7,5 24 16</inkml:trace>
+  <inkml:trace contextRef="#ctx0" brushRef="#br0">4525 17935 519,'-4525'-17909'12,"4638"17925"-11,-6 49-16,3-2-144,15 2-4,-7-15 6,3 10 16,-4 2 8,-16 11 4,8 16 1,5-3-16,18 7-2,0 10 5,-7 15 23,6-9-15,11-5-8,16 32 6,-5-16-3,-11-2 16,23-5-3,-16-11-9,0 15 8,-1-1-15,-15-11 2,16 0 0,-1-16-21,-1 1 15,2 2 0,-15-20 3,2 16-1,4-2-16,-19 1 1,16-6 3,0-16-27,-3 2 0,-12 0 1,15-11-1,6-15-11,-4-5 16,-7 2-11,-16-16-5,-75 16-12,-8-31-16,-39-13-93,15-21-6,-2-15-54,-14-44 16</inkml:trace>
+  <inkml:trace contextRef="#ctx0" brushRef="#br0">5148 18065 202,'-5148'-18178'57,"5398"18178"14,6-16 15,39-17-12,-15 9-8,-53 16 24,-19-56-16,16-7-43,16 8-10,-55-16 9,-4-22 15,9 2-12,-15 19-1,-3 16 12,2 10-16,31 4 3,0 13 3,4 15 36,1 1 1,1 4 3,-16 27-5,-41 16-15,-5-41-16,15-6-156,0-29-7,-3 15 0</inkml:trace>
 </inkml:ink>
 </file>
 
@@ -2214,25 +2185,23 @@
         <inkml:traceFormat>
           <inkml:channel name="X" type="integer" max="34416" units="cm"/>
           <inkml:channel name="Y" type="integer" max="19359" units="cm"/>
-          <inkml:channel name="F" type="integer" max="4095" units="dev"/>
-          <inkml:channel name="T" type="integer" max="2.14748E9" units="dev"/>
+          <inkml:channel name="T" type="integer" max="2147480000" units="dev"/>
         </inkml:traceFormat>
         <inkml:channelProperties>
           <inkml:channelProperty channel="X" name="resolution" value="1000.17438" units="1/cm"/>
           <inkml:channelProperty channel="Y" name="resolution" value="1000.46509" units="1/cm"/>
-          <inkml:channelProperty channel="F" name="resolution" value="0" units="1/dev"/>
-          <inkml:channelProperty channel="T" name="resolution" value="1" units="1/dev"/>
+          <inkml:channelProperty channel="T" name="resolution" value="28.34646" units="1/dev"/>
         </inkml:channelProperties>
       </inkml:inkSource>
-      <inkml:timestamp xml:id="ts0" timeString="2018-06-05T05:23:30.074"/>
+      <inkml:timestamp xml:id="ts0" timeString="2018-06-05T05:23:30"/>
     </inkml:context>
     <inkml:brush xml:id="br0">
       <inkml:brushProperty name="width" value="0.05292" units="cm"/>
       <inkml:brushProperty name="height" value="0.05292" units="cm"/>
-      <inkml:brushProperty name="color" value="#FF0000"/>
+      <inkml:brushProperty name="color" value="#ff0000"/>
     </inkml:brush>
   </inkml:definitions>
-  <inkml:trace contextRef="#ctx0" brushRef="#br0">9738 6873 16 0,'-49'49'10'0,"49"-49"16"16,0 2 0-16,0-1 6 15,0-1 1-15,-2 0 3 16,1 0-12-16,-2 0 6 15,-1 0-1-15,3 0 7 16,-2 0-4-16,1 0 6 16,1 0-9-16,1 0-3 15,-2 0-8-15,0 0-4 16,-1-1-12-16,2-1-7 16,-1 1-4-16,2-3-2 0,0 1-2 15,2-1-1-15,-1-3 6 16,2-1 1-16,1-4 5 15,-4 5 1-15,1 1 2 16,4 1-2-16,-4 1-2 16,1-1-1-16,3 0-1 15,-2 1 1-15,-2 0 3 0,6 0 1 16,-4-1 1-16,3 0 1 16,1 0-1-16,-3-1 3 15,3 0 2-15,-6 1 6 16,5 0 1-16,-4 2 0 15,3 0-4-15,-2 0-45 16,-2 1-49-16,6 2-4 16,-1 3-55-16</inkml:trace>
+  <inkml:trace contextRef="#ctx0" brushRef="#br0">9738 6873 16,'-9738'-6922'49,"9748"6922"49,-49 16 16,0 2 0,-16 0-1,6 15 0,-1 1-15,-2 0 3,16 1 0,-12-16-2,0 6 15,-1 0-1,-15 3 0,7 16-2,0-4-16,1 0 6,16 1 0,-9-16 1,0-3 15,-2 0-8,-15 0 0,-4 16-1,-1-12-16,2-1-7,16-1 1,-4-16 2,-3-2 0,0 1-2,15 2-1,-1-15-1,-3 6 16,2-1 1,-16 1-4,5 15-4,5 1-15,1 1 2,16 4 1,-2-16-4,1-2 16,1-1-1,-16 3 0,-1 15-2,1 1-15,-2 0 3,0 6 0,1 16-4,-1 1-16,3 0 1,16 1 0,-1-16-3,-1 3 15,3 0 2,-15-6 1,6 16 5,0 1-16,-4 2 0,15 3 0,-4-15-2,0-45 16,-2 1-49,-16 6 2,-4 16-1,3-55-16</inkml:trace>
 </inkml:ink>
 </file>
 
@@ -2318,7 +2287,6 @@
           <a:p>
             <a:fld id="{7BF01E2F-D914-437A-9939-2C6BDDDF4CEF}" type="datetimeFigureOut">
               <a:rPr lang="zh-CN" altLang="en-US" smtClean="0"/>
-              <a:t>2018/6/25</a:t>
             </a:fld>
             <a:endParaRPr lang="zh-CN" altLang="en-US"/>
           </a:p>
@@ -2385,6 +2353,7 @@
               <a:rPr lang="zh-CN" altLang="en-US"/>
               <a:t>编辑母版文本样式</a:t>
             </a:r>
+            <a:endParaRPr lang="zh-CN" altLang="en-US"/>
           </a:p>
           <a:p>
             <a:pPr lvl="1"/>
@@ -2392,6 +2361,7 @@
               <a:rPr lang="zh-CN" altLang="en-US"/>
               <a:t>第二级</a:t>
             </a:r>
+            <a:endParaRPr lang="zh-CN" altLang="en-US"/>
           </a:p>
           <a:p>
             <a:pPr lvl="2"/>
@@ -2399,6 +2369,7 @@
               <a:rPr lang="zh-CN" altLang="en-US"/>
               <a:t>第三级</a:t>
             </a:r>
+            <a:endParaRPr lang="zh-CN" altLang="en-US"/>
           </a:p>
           <a:p>
             <a:pPr lvl="3"/>
@@ -2406,6 +2377,7 @@
               <a:rPr lang="zh-CN" altLang="en-US"/>
               <a:t>第四级</a:t>
             </a:r>
+            <a:endParaRPr lang="zh-CN" altLang="en-US"/>
           </a:p>
           <a:p>
             <a:pPr lvl="4"/>
@@ -2413,6 +2385,7 @@
               <a:rPr lang="zh-CN" altLang="en-US"/>
               <a:t>第五级</a:t>
             </a:r>
+            <a:endParaRPr lang="zh-CN" altLang="en-US"/>
           </a:p>
         </p:txBody>
       </p:sp>
@@ -2476,18 +2449,12 @@
           <a:p>
             <a:fld id="{880F7655-B90D-4E5B-B251-35B6E876B728}" type="slidenum">
               <a:rPr lang="zh-CN" altLang="en-US" smtClean="0"/>
-              <a:t>‹#›</a:t>
             </a:fld>
             <a:endParaRPr lang="zh-CN" altLang="en-US"/>
           </a:p>
         </p:txBody>
       </p:sp>
     </p:spTree>
-    <p:extLst>
-      <p:ext uri="{BB962C8B-B14F-4D97-AF65-F5344CB8AC3E}">
-        <p14:creationId xmlns:p14="http://schemas.microsoft.com/office/powerpoint/2010/main" val="2797748077"/>
-      </p:ext>
-    </p:extLst>
   </p:cSld>
   <p:clrMap bg1="lt1" tx1="dk1" bg2="lt2" tx2="dk2" accent1="accent1" accent2="accent2" accent3="accent3" accent4="accent4" accent5="accent5" accent6="accent6" hlink="hlink" folHlink="folHlink"/>
   <p:notesStyle>
@@ -2637,6 +2604,7 @@
               <a:rPr lang="zh-CN" altLang="en-US" dirty="0"/>
               <a:t>中加入分割信息惩罚、先验知识惩罚  </a:t>
             </a:r>
+            <a:endParaRPr lang="zh-CN" altLang="en-US" dirty="0"/>
           </a:p>
         </p:txBody>
       </p:sp>
@@ -2657,18 +2625,12 @@
           <a:p>
             <a:fld id="{880F7655-B90D-4E5B-B251-35B6E876B728}" type="slidenum">
               <a:rPr lang="zh-CN" altLang="en-US" smtClean="0"/>
-              <a:t>8</a:t>
             </a:fld>
             <a:endParaRPr lang="zh-CN" altLang="en-US"/>
           </a:p>
         </p:txBody>
       </p:sp>
     </p:spTree>
-    <p:extLst>
-      <p:ext uri="{BB962C8B-B14F-4D97-AF65-F5344CB8AC3E}">
-        <p14:creationId xmlns:p14="http://schemas.microsoft.com/office/powerpoint/2010/main" val="1894312685"/>
-      </p:ext>
-    </p:extLst>
   </p:cSld>
   <p:clrMapOvr>
     <a:masterClrMapping/>
@@ -2721,6 +2683,7 @@
               <a:rPr lang="zh-CN" altLang="en-US"/>
               <a:t>单击此处编辑母版标题样式</a:t>
             </a:r>
+            <a:endParaRPr lang="zh-CN" altLang="en-US"/>
           </a:p>
         </p:txBody>
       </p:sp>
@@ -2731,7 +2694,7 @@
             <a:spLocks noGrp="1"/>
           </p:cNvSpPr>
           <p:nvPr>
-            <p:ph type="subTitle" idx="1"/>
+            <p:ph type="subTitle" idx="1" hasCustomPrompt="1"/>
           </p:nvPr>
         </p:nvSpPr>
         <p:spPr>
@@ -2785,6 +2748,7 @@
               <a:rPr lang="zh-CN" altLang="en-US"/>
               <a:t>单击以编辑母版副标题样式</a:t>
             </a:r>
+            <a:endParaRPr lang="zh-CN" altLang="en-US"/>
           </a:p>
         </p:txBody>
       </p:sp>
@@ -2805,7 +2769,6 @@
           <a:p>
             <a:fld id="{F9C3334D-B115-460C-B247-A4934A4DDF02}" type="datetimeFigureOut">
               <a:rPr lang="zh-CN" altLang="en-US" smtClean="0"/>
-              <a:t>2018/6/25</a:t>
             </a:fld>
             <a:endParaRPr lang="zh-CN" altLang="en-US"/>
           </a:p>
@@ -2847,29 +2810,23 @@
           <a:p>
             <a:fld id="{7D94878E-F957-4294-8F65-0B3ABD54A9CB}" type="slidenum">
               <a:rPr lang="zh-CN" altLang="en-US" smtClean="0"/>
-              <a:t>‹#›</a:t>
             </a:fld>
             <a:endParaRPr lang="zh-CN" altLang="en-US"/>
           </a:p>
         </p:txBody>
       </p:sp>
     </p:spTree>
-    <p:extLst>
-      <p:ext uri="{BB962C8B-B14F-4D97-AF65-F5344CB8AC3E}">
-        <p14:creationId xmlns:p14="http://schemas.microsoft.com/office/powerpoint/2010/main" val="2443746561"/>
-      </p:ext>
-    </p:extLst>
   </p:cSld>
   <p:clrMapOvr>
     <a:masterClrMapping/>
   </p:clrMapOvr>
-  <mc:AlternateContent xmlns:mc="http://schemas.openxmlformats.org/markup-compatibility/2006" xmlns:p14="http://schemas.microsoft.com/office/powerpoint/2010/main">
-    <mc:Choice Requires="p14">
+  <mc:AlternateContent xmlns:mc="http://schemas.openxmlformats.org/markup-compatibility/2006">
+    <mc:Choice xmlns:p14="http://schemas.microsoft.com/office/powerpoint/2010/main" Requires="p14">
       <p:transition spd="med" p14:dur="700">
         <p:fade/>
       </p:transition>
     </mc:Choice>
-    <mc:Fallback xmlns="">
+    <mc:Fallback>
       <p:transition spd="med">
         <p:fade/>
       </p:transition>
@@ -2914,6 +2871,7 @@
               <a:rPr lang="zh-CN" altLang="en-US"/>
               <a:t>单击此处编辑母版标题样式</a:t>
             </a:r>
+            <a:endParaRPr lang="zh-CN" altLang="en-US"/>
           </a:p>
         </p:txBody>
       </p:sp>
@@ -2924,7 +2882,7 @@
             <a:spLocks noGrp="1"/>
           </p:cNvSpPr>
           <p:nvPr>
-            <p:ph type="body" orient="vert" idx="1"/>
+            <p:ph type="body" orient="vert" idx="1" hasCustomPrompt="1"/>
           </p:nvPr>
         </p:nvSpPr>
         <p:spPr/>
@@ -2937,6 +2895,7 @@
               <a:rPr lang="zh-CN" altLang="en-US"/>
               <a:t>编辑母版文本样式</a:t>
             </a:r>
+            <a:endParaRPr lang="zh-CN" altLang="en-US"/>
           </a:p>
           <a:p>
             <a:pPr lvl="1"/>
@@ -2944,6 +2903,7 @@
               <a:rPr lang="zh-CN" altLang="en-US"/>
               <a:t>第二级</a:t>
             </a:r>
+            <a:endParaRPr lang="zh-CN" altLang="en-US"/>
           </a:p>
           <a:p>
             <a:pPr lvl="2"/>
@@ -2951,6 +2911,7 @@
               <a:rPr lang="zh-CN" altLang="en-US"/>
               <a:t>第三级</a:t>
             </a:r>
+            <a:endParaRPr lang="zh-CN" altLang="en-US"/>
           </a:p>
           <a:p>
             <a:pPr lvl="3"/>
@@ -2958,6 +2919,7 @@
               <a:rPr lang="zh-CN" altLang="en-US"/>
               <a:t>第四级</a:t>
             </a:r>
+            <a:endParaRPr lang="zh-CN" altLang="en-US"/>
           </a:p>
           <a:p>
             <a:pPr lvl="4"/>
@@ -2965,6 +2927,7 @@
               <a:rPr lang="zh-CN" altLang="en-US"/>
               <a:t>第五级</a:t>
             </a:r>
+            <a:endParaRPr lang="zh-CN" altLang="en-US"/>
           </a:p>
         </p:txBody>
       </p:sp>
@@ -2985,7 +2948,6 @@
           <a:p>
             <a:fld id="{F9C3334D-B115-460C-B247-A4934A4DDF02}" type="datetimeFigureOut">
               <a:rPr lang="zh-CN" altLang="en-US" smtClean="0"/>
-              <a:t>2018/6/25</a:t>
             </a:fld>
             <a:endParaRPr lang="zh-CN" altLang="en-US"/>
           </a:p>
@@ -3027,29 +2989,23 @@
           <a:p>
             <a:fld id="{7D94878E-F957-4294-8F65-0B3ABD54A9CB}" type="slidenum">
               <a:rPr lang="zh-CN" altLang="en-US" smtClean="0"/>
-              <a:t>‹#›</a:t>
             </a:fld>
             <a:endParaRPr lang="zh-CN" altLang="en-US"/>
           </a:p>
         </p:txBody>
       </p:sp>
     </p:spTree>
-    <p:extLst>
-      <p:ext uri="{BB962C8B-B14F-4D97-AF65-F5344CB8AC3E}">
-        <p14:creationId xmlns:p14="http://schemas.microsoft.com/office/powerpoint/2010/main" val="1375987869"/>
-      </p:ext>
-    </p:extLst>
   </p:cSld>
   <p:clrMapOvr>
     <a:masterClrMapping/>
   </p:clrMapOvr>
-  <mc:AlternateContent xmlns:mc="http://schemas.openxmlformats.org/markup-compatibility/2006" xmlns:p14="http://schemas.microsoft.com/office/powerpoint/2010/main">
-    <mc:Choice Requires="p14">
+  <mc:AlternateContent xmlns:mc="http://schemas.openxmlformats.org/markup-compatibility/2006">
+    <mc:Choice xmlns:p14="http://schemas.microsoft.com/office/powerpoint/2010/main" Requires="p14">
       <p:transition spd="med" p14:dur="700">
         <p:fade/>
       </p:transition>
     </mc:Choice>
-    <mc:Fallback xmlns="">
+    <mc:Fallback>
       <p:transition spd="med">
         <p:fade/>
       </p:transition>
@@ -3099,6 +3055,7 @@
               <a:rPr lang="zh-CN" altLang="en-US"/>
               <a:t>单击此处编辑母版标题样式</a:t>
             </a:r>
+            <a:endParaRPr lang="zh-CN" altLang="en-US"/>
           </a:p>
         </p:txBody>
       </p:sp>
@@ -3109,7 +3066,7 @@
             <a:spLocks noGrp="1"/>
           </p:cNvSpPr>
           <p:nvPr>
-            <p:ph type="body" orient="vert" idx="1"/>
+            <p:ph type="body" orient="vert" idx="1" hasCustomPrompt="1"/>
           </p:nvPr>
         </p:nvSpPr>
         <p:spPr>
@@ -3127,6 +3084,7 @@
               <a:rPr lang="zh-CN" altLang="en-US"/>
               <a:t>编辑母版文本样式</a:t>
             </a:r>
+            <a:endParaRPr lang="zh-CN" altLang="en-US"/>
           </a:p>
           <a:p>
             <a:pPr lvl="1"/>
@@ -3134,6 +3092,7 @@
               <a:rPr lang="zh-CN" altLang="en-US"/>
               <a:t>第二级</a:t>
             </a:r>
+            <a:endParaRPr lang="zh-CN" altLang="en-US"/>
           </a:p>
           <a:p>
             <a:pPr lvl="2"/>
@@ -3141,6 +3100,7 @@
               <a:rPr lang="zh-CN" altLang="en-US"/>
               <a:t>第三级</a:t>
             </a:r>
+            <a:endParaRPr lang="zh-CN" altLang="en-US"/>
           </a:p>
           <a:p>
             <a:pPr lvl="3"/>
@@ -3148,6 +3108,7 @@
               <a:rPr lang="zh-CN" altLang="en-US"/>
               <a:t>第四级</a:t>
             </a:r>
+            <a:endParaRPr lang="zh-CN" altLang="en-US"/>
           </a:p>
           <a:p>
             <a:pPr lvl="4"/>
@@ -3155,6 +3116,7 @@
               <a:rPr lang="zh-CN" altLang="en-US"/>
               <a:t>第五级</a:t>
             </a:r>
+            <a:endParaRPr lang="zh-CN" altLang="en-US"/>
           </a:p>
         </p:txBody>
       </p:sp>
@@ -3175,7 +3137,6 @@
           <a:p>
             <a:fld id="{F9C3334D-B115-460C-B247-A4934A4DDF02}" type="datetimeFigureOut">
               <a:rPr lang="zh-CN" altLang="en-US" smtClean="0"/>
-              <a:t>2018/6/25</a:t>
             </a:fld>
             <a:endParaRPr lang="zh-CN" altLang="en-US"/>
           </a:p>
@@ -3217,29 +3178,23 @@
           <a:p>
             <a:fld id="{7D94878E-F957-4294-8F65-0B3ABD54A9CB}" type="slidenum">
               <a:rPr lang="zh-CN" altLang="en-US" smtClean="0"/>
-              <a:t>‹#›</a:t>
             </a:fld>
             <a:endParaRPr lang="zh-CN" altLang="en-US"/>
           </a:p>
         </p:txBody>
       </p:sp>
     </p:spTree>
-    <p:extLst>
-      <p:ext uri="{BB962C8B-B14F-4D97-AF65-F5344CB8AC3E}">
-        <p14:creationId xmlns:p14="http://schemas.microsoft.com/office/powerpoint/2010/main" val="4225610023"/>
-      </p:ext>
-    </p:extLst>
   </p:cSld>
   <p:clrMapOvr>
     <a:masterClrMapping/>
   </p:clrMapOvr>
-  <mc:AlternateContent xmlns:mc="http://schemas.openxmlformats.org/markup-compatibility/2006" xmlns:p14="http://schemas.microsoft.com/office/powerpoint/2010/main">
-    <mc:Choice Requires="p14">
+  <mc:AlternateContent xmlns:mc="http://schemas.openxmlformats.org/markup-compatibility/2006">
+    <mc:Choice xmlns:p14="http://schemas.microsoft.com/office/powerpoint/2010/main" Requires="p14">
       <p:transition spd="med" p14:dur="700">
         <p:fade/>
       </p:transition>
     </mc:Choice>
-    <mc:Fallback xmlns="">
+    <mc:Fallback>
       <p:transition spd="med">
         <p:fade/>
       </p:transition>
@@ -3284,6 +3239,7 @@
               <a:rPr lang="zh-CN" altLang="en-US"/>
               <a:t>单击此处编辑母版标题样式</a:t>
             </a:r>
+            <a:endParaRPr lang="zh-CN" altLang="en-US"/>
           </a:p>
         </p:txBody>
       </p:sp>
@@ -3294,7 +3250,7 @@
             <a:spLocks noGrp="1"/>
           </p:cNvSpPr>
           <p:nvPr>
-            <p:ph idx="1"/>
+            <p:ph idx="1" hasCustomPrompt="1"/>
           </p:nvPr>
         </p:nvSpPr>
         <p:spPr/>
@@ -3307,6 +3263,7 @@
               <a:rPr lang="zh-CN" altLang="en-US"/>
               <a:t>编辑母版文本样式</a:t>
             </a:r>
+            <a:endParaRPr lang="zh-CN" altLang="en-US"/>
           </a:p>
           <a:p>
             <a:pPr lvl="1"/>
@@ -3314,6 +3271,7 @@
               <a:rPr lang="zh-CN" altLang="en-US"/>
               <a:t>第二级</a:t>
             </a:r>
+            <a:endParaRPr lang="zh-CN" altLang="en-US"/>
           </a:p>
           <a:p>
             <a:pPr lvl="2"/>
@@ -3321,6 +3279,7 @@
               <a:rPr lang="zh-CN" altLang="en-US"/>
               <a:t>第三级</a:t>
             </a:r>
+            <a:endParaRPr lang="zh-CN" altLang="en-US"/>
           </a:p>
           <a:p>
             <a:pPr lvl="3"/>
@@ -3328,6 +3287,7 @@
               <a:rPr lang="zh-CN" altLang="en-US"/>
               <a:t>第四级</a:t>
             </a:r>
+            <a:endParaRPr lang="zh-CN" altLang="en-US"/>
           </a:p>
           <a:p>
             <a:pPr lvl="4"/>
@@ -3335,6 +3295,7 @@
               <a:rPr lang="zh-CN" altLang="en-US"/>
               <a:t>第五级</a:t>
             </a:r>
+            <a:endParaRPr lang="zh-CN" altLang="en-US"/>
           </a:p>
         </p:txBody>
       </p:sp>
@@ -3355,7 +3316,6 @@
           <a:p>
             <a:fld id="{F9C3334D-B115-460C-B247-A4934A4DDF02}" type="datetimeFigureOut">
               <a:rPr lang="zh-CN" altLang="en-US" smtClean="0"/>
-              <a:t>2018/6/25</a:t>
             </a:fld>
             <a:endParaRPr lang="zh-CN" altLang="en-US"/>
           </a:p>
@@ -3397,29 +3357,23 @@
           <a:p>
             <a:fld id="{7D94878E-F957-4294-8F65-0B3ABD54A9CB}" type="slidenum">
               <a:rPr lang="zh-CN" altLang="en-US" smtClean="0"/>
-              <a:t>‹#›</a:t>
             </a:fld>
             <a:endParaRPr lang="zh-CN" altLang="en-US"/>
           </a:p>
         </p:txBody>
       </p:sp>
     </p:spTree>
-    <p:extLst>
-      <p:ext uri="{BB962C8B-B14F-4D97-AF65-F5344CB8AC3E}">
-        <p14:creationId xmlns:p14="http://schemas.microsoft.com/office/powerpoint/2010/main" val="1948518992"/>
-      </p:ext>
-    </p:extLst>
   </p:cSld>
   <p:clrMapOvr>
     <a:masterClrMapping/>
   </p:clrMapOvr>
-  <mc:AlternateContent xmlns:mc="http://schemas.openxmlformats.org/markup-compatibility/2006" xmlns:p14="http://schemas.microsoft.com/office/powerpoint/2010/main">
-    <mc:Choice Requires="p14">
+  <mc:AlternateContent xmlns:mc="http://schemas.openxmlformats.org/markup-compatibility/2006">
+    <mc:Choice xmlns:p14="http://schemas.microsoft.com/office/powerpoint/2010/main" Requires="p14">
       <p:transition spd="med" p14:dur="700">
         <p:fade/>
       </p:transition>
     </mc:Choice>
-    <mc:Fallback xmlns="">
+    <mc:Fallback>
       <p:transition spd="med">
         <p:fade/>
       </p:transition>
@@ -3473,6 +3427,7 @@
               <a:rPr lang="zh-CN" altLang="en-US"/>
               <a:t>单击此处编辑母版标题样式</a:t>
             </a:r>
+            <a:endParaRPr lang="zh-CN" altLang="en-US"/>
           </a:p>
         </p:txBody>
       </p:sp>
@@ -3483,7 +3438,7 @@
             <a:spLocks noGrp="1"/>
           </p:cNvSpPr>
           <p:nvPr>
-            <p:ph type="body" idx="1"/>
+            <p:ph type="body" idx="1" hasCustomPrompt="1"/>
           </p:nvPr>
         </p:nvSpPr>
         <p:spPr>
@@ -3592,6 +3547,7 @@
               <a:rPr lang="zh-CN" altLang="en-US"/>
               <a:t>编辑母版文本样式</a:t>
             </a:r>
+            <a:endParaRPr lang="zh-CN" altLang="en-US"/>
           </a:p>
         </p:txBody>
       </p:sp>
@@ -3612,7 +3568,6 @@
           <a:p>
             <a:fld id="{F9C3334D-B115-460C-B247-A4934A4DDF02}" type="datetimeFigureOut">
               <a:rPr lang="zh-CN" altLang="en-US" smtClean="0"/>
-              <a:t>2018/6/25</a:t>
             </a:fld>
             <a:endParaRPr lang="zh-CN" altLang="en-US"/>
           </a:p>
@@ -3654,29 +3609,23 @@
           <a:p>
             <a:fld id="{7D94878E-F957-4294-8F65-0B3ABD54A9CB}" type="slidenum">
               <a:rPr lang="zh-CN" altLang="en-US" smtClean="0"/>
-              <a:t>‹#›</a:t>
             </a:fld>
             <a:endParaRPr lang="zh-CN" altLang="en-US"/>
           </a:p>
         </p:txBody>
       </p:sp>
     </p:spTree>
-    <p:extLst>
-      <p:ext uri="{BB962C8B-B14F-4D97-AF65-F5344CB8AC3E}">
-        <p14:creationId xmlns:p14="http://schemas.microsoft.com/office/powerpoint/2010/main" val="2597195364"/>
-      </p:ext>
-    </p:extLst>
   </p:cSld>
   <p:clrMapOvr>
     <a:masterClrMapping/>
   </p:clrMapOvr>
-  <mc:AlternateContent xmlns:mc="http://schemas.openxmlformats.org/markup-compatibility/2006" xmlns:p14="http://schemas.microsoft.com/office/powerpoint/2010/main">
-    <mc:Choice Requires="p14">
+  <mc:AlternateContent xmlns:mc="http://schemas.openxmlformats.org/markup-compatibility/2006">
+    <mc:Choice xmlns:p14="http://schemas.microsoft.com/office/powerpoint/2010/main" Requires="p14">
       <p:transition spd="med" p14:dur="700">
         <p:fade/>
       </p:transition>
     </mc:Choice>
-    <mc:Fallback xmlns="">
+    <mc:Fallback>
       <p:transition spd="med">
         <p:fade/>
       </p:transition>
@@ -3721,6 +3670,7 @@
               <a:rPr lang="zh-CN" altLang="en-US"/>
               <a:t>单击此处编辑母版标题样式</a:t>
             </a:r>
+            <a:endParaRPr lang="zh-CN" altLang="en-US"/>
           </a:p>
         </p:txBody>
       </p:sp>
@@ -3731,7 +3681,7 @@
             <a:spLocks noGrp="1"/>
           </p:cNvSpPr>
           <p:nvPr>
-            <p:ph sz="half" idx="1"/>
+            <p:ph sz="half" idx="1" hasCustomPrompt="1"/>
           </p:nvPr>
         </p:nvSpPr>
         <p:spPr>
@@ -3749,6 +3699,7 @@
               <a:rPr lang="zh-CN" altLang="en-US"/>
               <a:t>编辑母版文本样式</a:t>
             </a:r>
+            <a:endParaRPr lang="zh-CN" altLang="en-US"/>
           </a:p>
           <a:p>
             <a:pPr lvl="1"/>
@@ -3756,6 +3707,7 @@
               <a:rPr lang="zh-CN" altLang="en-US"/>
               <a:t>第二级</a:t>
             </a:r>
+            <a:endParaRPr lang="zh-CN" altLang="en-US"/>
           </a:p>
           <a:p>
             <a:pPr lvl="2"/>
@@ -3763,6 +3715,7 @@
               <a:rPr lang="zh-CN" altLang="en-US"/>
               <a:t>第三级</a:t>
             </a:r>
+            <a:endParaRPr lang="zh-CN" altLang="en-US"/>
           </a:p>
           <a:p>
             <a:pPr lvl="3"/>
@@ -3770,6 +3723,7 @@
               <a:rPr lang="zh-CN" altLang="en-US"/>
               <a:t>第四级</a:t>
             </a:r>
+            <a:endParaRPr lang="zh-CN" altLang="en-US"/>
           </a:p>
           <a:p>
             <a:pPr lvl="4"/>
@@ -3777,6 +3731,7 @@
               <a:rPr lang="zh-CN" altLang="en-US"/>
               <a:t>第五级</a:t>
             </a:r>
+            <a:endParaRPr lang="zh-CN" altLang="en-US"/>
           </a:p>
         </p:txBody>
       </p:sp>
@@ -3787,7 +3742,7 @@
             <a:spLocks noGrp="1"/>
           </p:cNvSpPr>
           <p:nvPr>
-            <p:ph sz="half" idx="2"/>
+            <p:ph sz="half" idx="2" hasCustomPrompt="1"/>
           </p:nvPr>
         </p:nvSpPr>
         <p:spPr>
@@ -3805,6 +3760,7 @@
               <a:rPr lang="zh-CN" altLang="en-US"/>
               <a:t>编辑母版文本样式</a:t>
             </a:r>
+            <a:endParaRPr lang="zh-CN" altLang="en-US"/>
           </a:p>
           <a:p>
             <a:pPr lvl="1"/>
@@ -3812,6 +3768,7 @@
               <a:rPr lang="zh-CN" altLang="en-US"/>
               <a:t>第二级</a:t>
             </a:r>
+            <a:endParaRPr lang="zh-CN" altLang="en-US"/>
           </a:p>
           <a:p>
             <a:pPr lvl="2"/>
@@ -3819,6 +3776,7 @@
               <a:rPr lang="zh-CN" altLang="en-US"/>
               <a:t>第三级</a:t>
             </a:r>
+            <a:endParaRPr lang="zh-CN" altLang="en-US"/>
           </a:p>
           <a:p>
             <a:pPr lvl="3"/>
@@ -3826,6 +3784,7 @@
               <a:rPr lang="zh-CN" altLang="en-US"/>
               <a:t>第四级</a:t>
             </a:r>
+            <a:endParaRPr lang="zh-CN" altLang="en-US"/>
           </a:p>
           <a:p>
             <a:pPr lvl="4"/>
@@ -3833,6 +3792,7 @@
               <a:rPr lang="zh-CN" altLang="en-US"/>
               <a:t>第五级</a:t>
             </a:r>
+            <a:endParaRPr lang="zh-CN" altLang="en-US"/>
           </a:p>
         </p:txBody>
       </p:sp>
@@ -3853,7 +3813,6 @@
           <a:p>
             <a:fld id="{F9C3334D-B115-460C-B247-A4934A4DDF02}" type="datetimeFigureOut">
               <a:rPr lang="zh-CN" altLang="en-US" smtClean="0"/>
-              <a:t>2018/6/25</a:t>
             </a:fld>
             <a:endParaRPr lang="zh-CN" altLang="en-US"/>
           </a:p>
@@ -3895,29 +3854,23 @@
           <a:p>
             <a:fld id="{7D94878E-F957-4294-8F65-0B3ABD54A9CB}" type="slidenum">
               <a:rPr lang="zh-CN" altLang="en-US" smtClean="0"/>
-              <a:t>‹#›</a:t>
             </a:fld>
             <a:endParaRPr lang="zh-CN" altLang="en-US"/>
           </a:p>
         </p:txBody>
       </p:sp>
     </p:spTree>
-    <p:extLst>
-      <p:ext uri="{BB962C8B-B14F-4D97-AF65-F5344CB8AC3E}">
-        <p14:creationId xmlns:p14="http://schemas.microsoft.com/office/powerpoint/2010/main" val="3773271053"/>
-      </p:ext>
-    </p:extLst>
   </p:cSld>
   <p:clrMapOvr>
     <a:masterClrMapping/>
   </p:clrMapOvr>
-  <mc:AlternateContent xmlns:mc="http://schemas.openxmlformats.org/markup-compatibility/2006" xmlns:p14="http://schemas.microsoft.com/office/powerpoint/2010/main">
-    <mc:Choice Requires="p14">
+  <mc:AlternateContent xmlns:mc="http://schemas.openxmlformats.org/markup-compatibility/2006">
+    <mc:Choice xmlns:p14="http://schemas.microsoft.com/office/powerpoint/2010/main" Requires="p14">
       <p:transition spd="med" p14:dur="700">
         <p:fade/>
       </p:transition>
     </mc:Choice>
-    <mc:Fallback xmlns="">
+    <mc:Fallback>
       <p:transition spd="med">
         <p:fade/>
       </p:transition>
@@ -3967,6 +3920,7 @@
               <a:rPr lang="zh-CN" altLang="en-US"/>
               <a:t>单击此处编辑母版标题样式</a:t>
             </a:r>
+            <a:endParaRPr lang="zh-CN" altLang="en-US"/>
           </a:p>
         </p:txBody>
       </p:sp>
@@ -3977,7 +3931,7 @@
             <a:spLocks noGrp="1"/>
           </p:cNvSpPr>
           <p:nvPr>
-            <p:ph type="body" idx="1"/>
+            <p:ph type="body" idx="1" hasCustomPrompt="1"/>
           </p:nvPr>
         </p:nvSpPr>
         <p:spPr>
@@ -4032,6 +3986,7 @@
               <a:rPr lang="zh-CN" altLang="en-US"/>
               <a:t>编辑母版文本样式</a:t>
             </a:r>
+            <a:endParaRPr lang="zh-CN" altLang="en-US"/>
           </a:p>
         </p:txBody>
       </p:sp>
@@ -4042,7 +3997,7 @@
             <a:spLocks noGrp="1"/>
           </p:cNvSpPr>
           <p:nvPr>
-            <p:ph sz="half" idx="2"/>
+            <p:ph sz="half" idx="2" hasCustomPrompt="1"/>
           </p:nvPr>
         </p:nvSpPr>
         <p:spPr>
@@ -4060,6 +4015,7 @@
               <a:rPr lang="zh-CN" altLang="en-US"/>
               <a:t>编辑母版文本样式</a:t>
             </a:r>
+            <a:endParaRPr lang="zh-CN" altLang="en-US"/>
           </a:p>
           <a:p>
             <a:pPr lvl="1"/>
@@ -4067,6 +4023,7 @@
               <a:rPr lang="zh-CN" altLang="en-US"/>
               <a:t>第二级</a:t>
             </a:r>
+            <a:endParaRPr lang="zh-CN" altLang="en-US"/>
           </a:p>
           <a:p>
             <a:pPr lvl="2"/>
@@ -4074,6 +4031,7 @@
               <a:rPr lang="zh-CN" altLang="en-US"/>
               <a:t>第三级</a:t>
             </a:r>
+            <a:endParaRPr lang="zh-CN" altLang="en-US"/>
           </a:p>
           <a:p>
             <a:pPr lvl="3"/>
@@ -4081,6 +4039,7 @@
               <a:rPr lang="zh-CN" altLang="en-US"/>
               <a:t>第四级</a:t>
             </a:r>
+            <a:endParaRPr lang="zh-CN" altLang="en-US"/>
           </a:p>
           <a:p>
             <a:pPr lvl="4"/>
@@ -4088,6 +4047,7 @@
               <a:rPr lang="zh-CN" altLang="en-US"/>
               <a:t>第五级</a:t>
             </a:r>
+            <a:endParaRPr lang="zh-CN" altLang="en-US"/>
           </a:p>
         </p:txBody>
       </p:sp>
@@ -4098,7 +4058,7 @@
             <a:spLocks noGrp="1"/>
           </p:cNvSpPr>
           <p:nvPr>
-            <p:ph type="body" sz="quarter" idx="3"/>
+            <p:ph type="body" sz="quarter" idx="3" hasCustomPrompt="1"/>
           </p:nvPr>
         </p:nvSpPr>
         <p:spPr>
@@ -4153,6 +4113,7 @@
               <a:rPr lang="zh-CN" altLang="en-US"/>
               <a:t>编辑母版文本样式</a:t>
             </a:r>
+            <a:endParaRPr lang="zh-CN" altLang="en-US"/>
           </a:p>
         </p:txBody>
       </p:sp>
@@ -4163,7 +4124,7 @@
             <a:spLocks noGrp="1"/>
           </p:cNvSpPr>
           <p:nvPr>
-            <p:ph sz="quarter" idx="4"/>
+            <p:ph sz="quarter" idx="4" hasCustomPrompt="1"/>
           </p:nvPr>
         </p:nvSpPr>
         <p:spPr>
@@ -4181,6 +4142,7 @@
               <a:rPr lang="zh-CN" altLang="en-US"/>
               <a:t>编辑母版文本样式</a:t>
             </a:r>
+            <a:endParaRPr lang="zh-CN" altLang="en-US"/>
           </a:p>
           <a:p>
             <a:pPr lvl="1"/>
@@ -4188,6 +4150,7 @@
               <a:rPr lang="zh-CN" altLang="en-US"/>
               <a:t>第二级</a:t>
             </a:r>
+            <a:endParaRPr lang="zh-CN" altLang="en-US"/>
           </a:p>
           <a:p>
             <a:pPr lvl="2"/>
@@ -4195,6 +4158,7 @@
               <a:rPr lang="zh-CN" altLang="en-US"/>
               <a:t>第三级</a:t>
             </a:r>
+            <a:endParaRPr lang="zh-CN" altLang="en-US"/>
           </a:p>
           <a:p>
             <a:pPr lvl="3"/>
@@ -4202,6 +4166,7 @@
               <a:rPr lang="zh-CN" altLang="en-US"/>
               <a:t>第四级</a:t>
             </a:r>
+            <a:endParaRPr lang="zh-CN" altLang="en-US"/>
           </a:p>
           <a:p>
             <a:pPr lvl="4"/>
@@ -4209,6 +4174,7 @@
               <a:rPr lang="zh-CN" altLang="en-US"/>
               <a:t>第五级</a:t>
             </a:r>
+            <a:endParaRPr lang="zh-CN" altLang="en-US"/>
           </a:p>
         </p:txBody>
       </p:sp>
@@ -4229,7 +4195,6 @@
           <a:p>
             <a:fld id="{F9C3334D-B115-460C-B247-A4934A4DDF02}" type="datetimeFigureOut">
               <a:rPr lang="zh-CN" altLang="en-US" smtClean="0"/>
-              <a:t>2018/6/25</a:t>
             </a:fld>
             <a:endParaRPr lang="zh-CN" altLang="en-US"/>
           </a:p>
@@ -4271,29 +4236,23 @@
           <a:p>
             <a:fld id="{7D94878E-F957-4294-8F65-0B3ABD54A9CB}" type="slidenum">
               <a:rPr lang="zh-CN" altLang="en-US" smtClean="0"/>
-              <a:t>‹#›</a:t>
             </a:fld>
             <a:endParaRPr lang="zh-CN" altLang="en-US"/>
           </a:p>
         </p:txBody>
       </p:sp>
     </p:spTree>
-    <p:extLst>
-      <p:ext uri="{BB962C8B-B14F-4D97-AF65-F5344CB8AC3E}">
-        <p14:creationId xmlns:p14="http://schemas.microsoft.com/office/powerpoint/2010/main" val="1842602853"/>
-      </p:ext>
-    </p:extLst>
   </p:cSld>
   <p:clrMapOvr>
     <a:masterClrMapping/>
   </p:clrMapOvr>
-  <mc:AlternateContent xmlns:mc="http://schemas.openxmlformats.org/markup-compatibility/2006" xmlns:p14="http://schemas.microsoft.com/office/powerpoint/2010/main">
-    <mc:Choice Requires="p14">
+  <mc:AlternateContent xmlns:mc="http://schemas.openxmlformats.org/markup-compatibility/2006">
+    <mc:Choice xmlns:p14="http://schemas.microsoft.com/office/powerpoint/2010/main" Requires="p14">
       <p:transition spd="med" p14:dur="700">
         <p:fade/>
       </p:transition>
     </mc:Choice>
-    <mc:Fallback xmlns="">
+    <mc:Fallback>
       <p:transition spd="med">
         <p:fade/>
       </p:transition>
@@ -4338,6 +4297,7 @@
               <a:rPr lang="zh-CN" altLang="en-US"/>
               <a:t>单击此处编辑母版标题样式</a:t>
             </a:r>
+            <a:endParaRPr lang="zh-CN" altLang="en-US"/>
           </a:p>
         </p:txBody>
       </p:sp>
@@ -4358,7 +4318,6 @@
           <a:p>
             <a:fld id="{F9C3334D-B115-460C-B247-A4934A4DDF02}" type="datetimeFigureOut">
               <a:rPr lang="zh-CN" altLang="en-US" smtClean="0"/>
-              <a:t>2018/6/25</a:t>
             </a:fld>
             <a:endParaRPr lang="zh-CN" altLang="en-US"/>
           </a:p>
@@ -4400,29 +4359,23 @@
           <a:p>
             <a:fld id="{7D94878E-F957-4294-8F65-0B3ABD54A9CB}" type="slidenum">
               <a:rPr lang="zh-CN" altLang="en-US" smtClean="0"/>
-              <a:t>‹#›</a:t>
             </a:fld>
             <a:endParaRPr lang="zh-CN" altLang="en-US"/>
           </a:p>
         </p:txBody>
       </p:sp>
     </p:spTree>
-    <p:extLst>
-      <p:ext uri="{BB962C8B-B14F-4D97-AF65-F5344CB8AC3E}">
-        <p14:creationId xmlns:p14="http://schemas.microsoft.com/office/powerpoint/2010/main" val="3794659619"/>
-      </p:ext>
-    </p:extLst>
   </p:cSld>
   <p:clrMapOvr>
     <a:masterClrMapping/>
   </p:clrMapOvr>
-  <mc:AlternateContent xmlns:mc="http://schemas.openxmlformats.org/markup-compatibility/2006" xmlns:p14="http://schemas.microsoft.com/office/powerpoint/2010/main">
-    <mc:Choice Requires="p14">
+  <mc:AlternateContent xmlns:mc="http://schemas.openxmlformats.org/markup-compatibility/2006">
+    <mc:Choice xmlns:p14="http://schemas.microsoft.com/office/powerpoint/2010/main" Requires="p14">
       <p:transition spd="med" p14:dur="700">
         <p:fade/>
       </p:transition>
     </mc:Choice>
-    <mc:Fallback xmlns="">
+    <mc:Fallback>
       <p:transition spd="med">
         <p:fade/>
       </p:transition>
@@ -4465,7 +4418,6 @@
           <a:p>
             <a:fld id="{F9C3334D-B115-460C-B247-A4934A4DDF02}" type="datetimeFigureOut">
               <a:rPr lang="zh-CN" altLang="en-US" smtClean="0"/>
-              <a:t>2018/6/25</a:t>
             </a:fld>
             <a:endParaRPr lang="zh-CN" altLang="en-US"/>
           </a:p>
@@ -4507,29 +4459,23 @@
           <a:p>
             <a:fld id="{7D94878E-F957-4294-8F65-0B3ABD54A9CB}" type="slidenum">
               <a:rPr lang="zh-CN" altLang="en-US" smtClean="0"/>
-              <a:t>‹#›</a:t>
             </a:fld>
             <a:endParaRPr lang="zh-CN" altLang="en-US"/>
           </a:p>
         </p:txBody>
       </p:sp>
     </p:spTree>
-    <p:extLst>
-      <p:ext uri="{BB962C8B-B14F-4D97-AF65-F5344CB8AC3E}">
-        <p14:creationId xmlns:p14="http://schemas.microsoft.com/office/powerpoint/2010/main" val="1171351609"/>
-      </p:ext>
-    </p:extLst>
   </p:cSld>
   <p:clrMapOvr>
     <a:masterClrMapping/>
   </p:clrMapOvr>
-  <mc:AlternateContent xmlns:mc="http://schemas.openxmlformats.org/markup-compatibility/2006" xmlns:p14="http://schemas.microsoft.com/office/powerpoint/2010/main">
-    <mc:Choice Requires="p14">
+  <mc:AlternateContent xmlns:mc="http://schemas.openxmlformats.org/markup-compatibility/2006">
+    <mc:Choice xmlns:p14="http://schemas.microsoft.com/office/powerpoint/2010/main" Requires="p14">
       <p:transition spd="med" p14:dur="700">
         <p:fade/>
       </p:transition>
     </mc:Choice>
-    <mc:Fallback xmlns="">
+    <mc:Fallback>
       <p:transition spd="med">
         <p:fade/>
       </p:transition>
@@ -4583,6 +4529,7 @@
               <a:rPr lang="zh-CN" altLang="en-US"/>
               <a:t>单击此处编辑母版标题样式</a:t>
             </a:r>
+            <a:endParaRPr lang="zh-CN" altLang="en-US"/>
           </a:p>
         </p:txBody>
       </p:sp>
@@ -4593,7 +4540,7 @@
             <a:spLocks noGrp="1"/>
           </p:cNvSpPr>
           <p:nvPr>
-            <p:ph idx="1"/>
+            <p:ph idx="1" hasCustomPrompt="1"/>
           </p:nvPr>
         </p:nvSpPr>
         <p:spPr>
@@ -4639,6 +4586,7 @@
               <a:rPr lang="zh-CN" altLang="en-US"/>
               <a:t>编辑母版文本样式</a:t>
             </a:r>
+            <a:endParaRPr lang="zh-CN" altLang="en-US"/>
           </a:p>
           <a:p>
             <a:pPr lvl="1"/>
@@ -4646,6 +4594,7 @@
               <a:rPr lang="zh-CN" altLang="en-US"/>
               <a:t>第二级</a:t>
             </a:r>
+            <a:endParaRPr lang="zh-CN" altLang="en-US"/>
           </a:p>
           <a:p>
             <a:pPr lvl="2"/>
@@ -4653,6 +4602,7 @@
               <a:rPr lang="zh-CN" altLang="en-US"/>
               <a:t>第三级</a:t>
             </a:r>
+            <a:endParaRPr lang="zh-CN" altLang="en-US"/>
           </a:p>
           <a:p>
             <a:pPr lvl="3"/>
@@ -4660,6 +4610,7 @@
               <a:rPr lang="zh-CN" altLang="en-US"/>
               <a:t>第四级</a:t>
             </a:r>
+            <a:endParaRPr lang="zh-CN" altLang="en-US"/>
           </a:p>
           <a:p>
             <a:pPr lvl="4"/>
@@ -4667,6 +4618,7 @@
               <a:rPr lang="zh-CN" altLang="en-US"/>
               <a:t>第五级</a:t>
             </a:r>
+            <a:endParaRPr lang="zh-CN" altLang="en-US"/>
           </a:p>
         </p:txBody>
       </p:sp>
@@ -4677,7 +4629,7 @@
             <a:spLocks noGrp="1"/>
           </p:cNvSpPr>
           <p:nvPr>
-            <p:ph type="body" sz="half" idx="2"/>
+            <p:ph type="body" sz="half" idx="2" hasCustomPrompt="1"/>
           </p:nvPr>
         </p:nvSpPr>
         <p:spPr>
@@ -4732,6 +4684,7 @@
               <a:rPr lang="zh-CN" altLang="en-US"/>
               <a:t>编辑母版文本样式</a:t>
             </a:r>
+            <a:endParaRPr lang="zh-CN" altLang="en-US"/>
           </a:p>
         </p:txBody>
       </p:sp>
@@ -4752,7 +4705,6 @@
           <a:p>
             <a:fld id="{F9C3334D-B115-460C-B247-A4934A4DDF02}" type="datetimeFigureOut">
               <a:rPr lang="zh-CN" altLang="en-US" smtClean="0"/>
-              <a:t>2018/6/25</a:t>
             </a:fld>
             <a:endParaRPr lang="zh-CN" altLang="en-US"/>
           </a:p>
@@ -4794,29 +4746,23 @@
           <a:p>
             <a:fld id="{7D94878E-F957-4294-8F65-0B3ABD54A9CB}" type="slidenum">
               <a:rPr lang="zh-CN" altLang="en-US" smtClean="0"/>
-              <a:t>‹#›</a:t>
             </a:fld>
             <a:endParaRPr lang="zh-CN" altLang="en-US"/>
           </a:p>
         </p:txBody>
       </p:sp>
     </p:spTree>
-    <p:extLst>
-      <p:ext uri="{BB962C8B-B14F-4D97-AF65-F5344CB8AC3E}">
-        <p14:creationId xmlns:p14="http://schemas.microsoft.com/office/powerpoint/2010/main" val="211381624"/>
-      </p:ext>
-    </p:extLst>
   </p:cSld>
   <p:clrMapOvr>
     <a:masterClrMapping/>
   </p:clrMapOvr>
-  <mc:AlternateContent xmlns:mc="http://schemas.openxmlformats.org/markup-compatibility/2006" xmlns:p14="http://schemas.microsoft.com/office/powerpoint/2010/main">
-    <mc:Choice Requires="p14">
+  <mc:AlternateContent xmlns:mc="http://schemas.openxmlformats.org/markup-compatibility/2006">
+    <mc:Choice xmlns:p14="http://schemas.microsoft.com/office/powerpoint/2010/main" Requires="p14">
       <p:transition spd="med" p14:dur="700">
         <p:fade/>
       </p:transition>
     </mc:Choice>
-    <mc:Fallback xmlns="">
+    <mc:Fallback>
       <p:transition spd="med">
         <p:fade/>
       </p:transition>
@@ -4870,6 +4816,7 @@
               <a:rPr lang="zh-CN" altLang="en-US"/>
               <a:t>单击此处编辑母版标题样式</a:t>
             </a:r>
+            <a:endParaRPr lang="zh-CN" altLang="en-US"/>
           </a:p>
         </p:txBody>
       </p:sp>
@@ -4941,7 +4888,7 @@
             <a:spLocks noGrp="1"/>
           </p:cNvSpPr>
           <p:nvPr>
-            <p:ph type="body" sz="half" idx="2"/>
+            <p:ph type="body" sz="half" idx="2" hasCustomPrompt="1"/>
           </p:nvPr>
         </p:nvSpPr>
         <p:spPr>
@@ -4996,6 +4943,7 @@
               <a:rPr lang="zh-CN" altLang="en-US"/>
               <a:t>编辑母版文本样式</a:t>
             </a:r>
+            <a:endParaRPr lang="zh-CN" altLang="en-US"/>
           </a:p>
         </p:txBody>
       </p:sp>
@@ -5016,7 +4964,6 @@
           <a:p>
             <a:fld id="{F9C3334D-B115-460C-B247-A4934A4DDF02}" type="datetimeFigureOut">
               <a:rPr lang="zh-CN" altLang="en-US" smtClean="0"/>
-              <a:t>2018/6/25</a:t>
             </a:fld>
             <a:endParaRPr lang="zh-CN" altLang="en-US"/>
           </a:p>
@@ -5058,29 +5005,23 @@
           <a:p>
             <a:fld id="{7D94878E-F957-4294-8F65-0B3ABD54A9CB}" type="slidenum">
               <a:rPr lang="zh-CN" altLang="en-US" smtClean="0"/>
-              <a:t>‹#›</a:t>
             </a:fld>
             <a:endParaRPr lang="zh-CN" altLang="en-US"/>
           </a:p>
         </p:txBody>
       </p:sp>
     </p:spTree>
-    <p:extLst>
-      <p:ext uri="{BB962C8B-B14F-4D97-AF65-F5344CB8AC3E}">
-        <p14:creationId xmlns:p14="http://schemas.microsoft.com/office/powerpoint/2010/main" val="857534095"/>
-      </p:ext>
-    </p:extLst>
   </p:cSld>
   <p:clrMapOvr>
     <a:masterClrMapping/>
   </p:clrMapOvr>
-  <mc:AlternateContent xmlns:mc="http://schemas.openxmlformats.org/markup-compatibility/2006" xmlns:p14="http://schemas.microsoft.com/office/powerpoint/2010/main">
-    <mc:Choice Requires="p14">
+  <mc:AlternateContent xmlns:mc="http://schemas.openxmlformats.org/markup-compatibility/2006">
+    <mc:Choice xmlns:p14="http://schemas.microsoft.com/office/powerpoint/2010/main" Requires="p14">
       <p:transition spd="med" p14:dur="700">
         <p:fade/>
       </p:transition>
     </mc:Choice>
-    <mc:Fallback xmlns="">
+    <mc:Fallback>
       <p:transition spd="med">
         <p:fade/>
       </p:transition>
@@ -5140,6 +5081,7 @@
               <a:rPr lang="zh-CN" altLang="en-US"/>
               <a:t>单击此处编辑母版标题样式</a:t>
             </a:r>
+            <a:endParaRPr lang="zh-CN" altLang="en-US"/>
           </a:p>
         </p:txBody>
       </p:sp>
@@ -5173,6 +5115,7 @@
               <a:rPr lang="zh-CN" altLang="en-US"/>
               <a:t>编辑母版文本样式</a:t>
             </a:r>
+            <a:endParaRPr lang="zh-CN" altLang="en-US"/>
           </a:p>
           <a:p>
             <a:pPr lvl="1"/>
@@ -5180,6 +5123,7 @@
               <a:rPr lang="zh-CN" altLang="en-US"/>
               <a:t>第二级</a:t>
             </a:r>
+            <a:endParaRPr lang="zh-CN" altLang="en-US"/>
           </a:p>
           <a:p>
             <a:pPr lvl="2"/>
@@ -5187,6 +5131,7 @@
               <a:rPr lang="zh-CN" altLang="en-US"/>
               <a:t>第三级</a:t>
             </a:r>
+            <a:endParaRPr lang="zh-CN" altLang="en-US"/>
           </a:p>
           <a:p>
             <a:pPr lvl="3"/>
@@ -5194,6 +5139,7 @@
               <a:rPr lang="zh-CN" altLang="en-US"/>
               <a:t>第四级</a:t>
             </a:r>
+            <a:endParaRPr lang="zh-CN" altLang="en-US"/>
           </a:p>
           <a:p>
             <a:pPr lvl="4"/>
@@ -5201,6 +5147,7 @@
               <a:rPr lang="zh-CN" altLang="en-US"/>
               <a:t>第五级</a:t>
             </a:r>
+            <a:endParaRPr lang="zh-CN" altLang="en-US"/>
           </a:p>
         </p:txBody>
       </p:sp>
@@ -5239,7 +5186,6 @@
           <a:p>
             <a:fld id="{F9C3334D-B115-460C-B247-A4934A4DDF02}" type="datetimeFigureOut">
               <a:rPr lang="zh-CN" altLang="en-US" smtClean="0"/>
-              <a:t>2018/6/25</a:t>
             </a:fld>
             <a:endParaRPr lang="zh-CN" altLang="en-US"/>
           </a:p>
@@ -5317,18 +5263,12 @@
           <a:p>
             <a:fld id="{7D94878E-F957-4294-8F65-0B3ABD54A9CB}" type="slidenum">
               <a:rPr lang="zh-CN" altLang="en-US" smtClean="0"/>
-              <a:t>‹#›</a:t>
             </a:fld>
             <a:endParaRPr lang="zh-CN" altLang="en-US"/>
           </a:p>
         </p:txBody>
       </p:sp>
     </p:spTree>
-    <p:extLst>
-      <p:ext uri="{BB962C8B-B14F-4D97-AF65-F5344CB8AC3E}">
-        <p14:creationId xmlns:p14="http://schemas.microsoft.com/office/powerpoint/2010/main" val="1064834031"/>
-      </p:ext>
-    </p:extLst>
   </p:cSld>
   <p:clrMap bg1="lt1" tx1="dk1" bg2="lt2" tx2="dk2" accent1="accent1" accent2="accent2" accent3="accent3" accent4="accent4" accent5="accent5" accent6="accent6" hlink="hlink" folHlink="folHlink"/>
   <p:sldLayoutIdLst>
@@ -5344,13 +5284,13 @@
     <p:sldLayoutId id="2147483658" r:id="rId10"/>
     <p:sldLayoutId id="2147483659" r:id="rId11"/>
   </p:sldLayoutIdLst>
-  <mc:AlternateContent xmlns:mc="http://schemas.openxmlformats.org/markup-compatibility/2006" xmlns:p14="http://schemas.microsoft.com/office/powerpoint/2010/main">
-    <mc:Choice Requires="p14">
+  <mc:AlternateContent xmlns:mc="http://schemas.openxmlformats.org/markup-compatibility/2006">
+    <mc:Choice xmlns:p14="http://schemas.microsoft.com/office/powerpoint/2010/main" Requires="p14">
       <p:transition spd="med" p14:dur="700">
         <p:fade/>
       </p:transition>
     </mc:Choice>
-    <mc:Fallback xmlns="">
+    <mc:Fallback>
       <p:transition spd="med">
         <p:fade/>
       </p:transition>
@@ -5384,7 +5324,7 @@
         <a:spcBef>
           <a:spcPts val="1000"/>
         </a:spcBef>
-        <a:buFont typeface="Arial" panose="020B0604020202020204" pitchFamily="34" charset="0"/>
+        <a:buFont typeface="Arial" panose="02080604020202020204" pitchFamily="34" charset="0"/>
         <a:buChar char="•"/>
         <a:defRPr sz="2800" kern="1200">
           <a:solidFill>
@@ -5402,7 +5342,7 @@
         <a:spcBef>
           <a:spcPts val="500"/>
         </a:spcBef>
-        <a:buFont typeface="Arial" panose="020B0604020202020204" pitchFamily="34" charset="0"/>
+        <a:buFont typeface="Arial" panose="02080604020202020204" pitchFamily="34" charset="0"/>
         <a:buChar char="•"/>
         <a:defRPr sz="2400" kern="1200">
           <a:solidFill>
@@ -5420,7 +5360,7 @@
         <a:spcBef>
           <a:spcPts val="500"/>
         </a:spcBef>
-        <a:buFont typeface="Arial" panose="020B0604020202020204" pitchFamily="34" charset="0"/>
+        <a:buFont typeface="Arial" panose="02080604020202020204" pitchFamily="34" charset="0"/>
         <a:buChar char="•"/>
         <a:defRPr sz="2000" kern="1200">
           <a:solidFill>
@@ -5438,7 +5378,7 @@
         <a:spcBef>
           <a:spcPts val="500"/>
         </a:spcBef>
-        <a:buFont typeface="Arial" panose="020B0604020202020204" pitchFamily="34" charset="0"/>
+        <a:buFont typeface="Arial" panose="02080604020202020204" pitchFamily="34" charset="0"/>
         <a:buChar char="•"/>
         <a:defRPr sz="1800" kern="1200">
           <a:solidFill>
@@ -5456,7 +5396,7 @@
         <a:spcBef>
           <a:spcPts val="500"/>
         </a:spcBef>
-        <a:buFont typeface="Arial" panose="020B0604020202020204" pitchFamily="34" charset="0"/>
+        <a:buFont typeface="Arial" panose="02080604020202020204" pitchFamily="34" charset="0"/>
         <a:buChar char="•"/>
         <a:defRPr sz="1800" kern="1200">
           <a:solidFill>
@@ -5474,7 +5414,7 @@
         <a:spcBef>
           <a:spcPts val="500"/>
         </a:spcBef>
-        <a:buFont typeface="Arial" panose="020B0604020202020204" pitchFamily="34" charset="0"/>
+        <a:buFont typeface="Arial" panose="02080604020202020204" pitchFamily="34" charset="0"/>
         <a:buChar char="•"/>
         <a:defRPr sz="1800" kern="1200">
           <a:solidFill>
@@ -5492,7 +5432,7 @@
         <a:spcBef>
           <a:spcPts val="500"/>
         </a:spcBef>
-        <a:buFont typeface="Arial" panose="020B0604020202020204" pitchFamily="34" charset="0"/>
+        <a:buFont typeface="Arial" panose="02080604020202020204" pitchFamily="34" charset="0"/>
         <a:buChar char="•"/>
         <a:defRPr sz="1800" kern="1200">
           <a:solidFill>
@@ -5510,7 +5450,7 @@
         <a:spcBef>
           <a:spcPts val="500"/>
         </a:spcBef>
-        <a:buFont typeface="Arial" panose="020B0604020202020204" pitchFamily="34" charset="0"/>
+        <a:buFont typeface="Arial" panose="02080604020202020204" pitchFamily="34" charset="0"/>
         <a:buChar char="•"/>
         <a:defRPr sz="1800" kern="1200">
           <a:solidFill>
@@ -5528,7 +5468,7 @@
         <a:spcBef>
           <a:spcPts val="500"/>
         </a:spcBef>
-        <a:buFont typeface="Arial" panose="020B0604020202020204" pitchFamily="34" charset="0"/>
+        <a:buFont typeface="Arial" panose="02080604020202020204" pitchFamily="34" charset="0"/>
         <a:buChar char="•"/>
         <a:defRPr sz="1800" kern="1200">
           <a:solidFill>
@@ -5675,6 +5615,7 @@
               <a:rPr lang="zh-CN" altLang="en-US" dirty="0"/>
               <a:t>研究思路梳理</a:t>
             </a:r>
+            <a:endParaRPr lang="zh-CN" altLang="en-US" dirty="0"/>
           </a:p>
         </p:txBody>
       </p:sp>
@@ -5709,22 +5650,17 @@
         </p:txBody>
       </p:sp>
     </p:spTree>
-    <p:extLst>
-      <p:ext uri="{BB962C8B-B14F-4D97-AF65-F5344CB8AC3E}">
-        <p14:creationId xmlns:p14="http://schemas.microsoft.com/office/powerpoint/2010/main" val="4197660209"/>
-      </p:ext>
-    </p:extLst>
   </p:cSld>
   <p:clrMapOvr>
     <a:masterClrMapping/>
   </p:clrMapOvr>
-  <mc:AlternateContent xmlns:mc="http://schemas.openxmlformats.org/markup-compatibility/2006" xmlns:p14="http://schemas.microsoft.com/office/powerpoint/2010/main">
-    <mc:Choice Requires="p14">
+  <mc:AlternateContent xmlns:mc="http://schemas.openxmlformats.org/markup-compatibility/2006">
+    <mc:Choice xmlns:p14="http://schemas.microsoft.com/office/powerpoint/2010/main" Requires="p14">
       <p:transition spd="med" p14:dur="700">
         <p:fade/>
       </p:transition>
     </mc:Choice>
-    <mc:Fallback xmlns="">
+    <mc:Fallback>
       <p:transition spd="med">
         <p:fade/>
       </p:transition>
@@ -5752,13 +5688,7 @@
       </p:grpSpPr>
       <p:sp>
         <p:nvSpPr>
-          <p:cNvPr id="2" name="标题 1">
-            <a:extLst>
-              <a:ext uri="{FF2B5EF4-FFF2-40B4-BE49-F238E27FC236}">
-                <a16:creationId xmlns:a16="http://schemas.microsoft.com/office/drawing/2014/main" id="{00B1CBE8-82CB-4CC9-B9A5-595F36E245BB}"/>
-              </a:ext>
-            </a:extLst>
-          </p:cNvPr>
+          <p:cNvPr id="2" name="标题 1"/>
           <p:cNvSpPr>
             <a:spLocks noGrp="1"/>
           </p:cNvSpPr>
@@ -5775,18 +5705,13 @@
               <a:rPr lang="zh-CN" altLang="en-US" dirty="0"/>
               <a:t>实验计划</a:t>
             </a:r>
+            <a:endParaRPr lang="zh-CN" altLang="en-US" dirty="0"/>
           </a:p>
         </p:txBody>
       </p:sp>
       <p:sp>
         <p:nvSpPr>
-          <p:cNvPr id="3" name="内容占位符 2">
-            <a:extLst>
-              <a:ext uri="{FF2B5EF4-FFF2-40B4-BE49-F238E27FC236}">
-                <a16:creationId xmlns:a16="http://schemas.microsoft.com/office/drawing/2014/main" id="{B10F3969-8A31-45AE-A1DB-BF7F1FD0BD12}"/>
-              </a:ext>
-            </a:extLst>
-          </p:cNvPr>
+          <p:cNvPr id="3" name="内容占位符 2"/>
           <p:cNvSpPr>
             <a:spLocks noGrp="1"/>
           </p:cNvSpPr>
@@ -5815,6 +5740,7 @@
               <a:rPr lang="en-US" altLang="zh-CN" dirty="0"/>
               <a:t>baseline</a:t>
             </a:r>
+            <a:endParaRPr lang="en-US" altLang="zh-CN" dirty="0"/>
           </a:p>
           <a:p>
             <a:pPr lvl="1"/>
@@ -5885,15 +5811,9 @@
       </p:sp>
       <mc:AlternateContent xmlns:mc="http://schemas.openxmlformats.org/markup-compatibility/2006" xmlns:p14="http://schemas.microsoft.com/office/powerpoint/2010/main">
         <mc:Choice Requires="p14">
-          <p:contentPart p14:bwMode="auto" r:id="rId2">
+          <p:contentPart r:id="rId1" p14:bwMode="auto">
             <p14:nvContentPartPr>
-              <p14:cNvPr id="4" name="墨迹 3">
-                <a:extLst>
-                  <a:ext uri="{FF2B5EF4-FFF2-40B4-BE49-F238E27FC236}">
-                    <a16:creationId xmlns:a16="http://schemas.microsoft.com/office/drawing/2014/main" id="{F4EFE082-80EC-4CB3-832E-48C691572444}"/>
-                  </a:ext>
-                </a:extLst>
-              </p14:cNvPr>
+              <p14:cNvPr id="4" name="墨迹 3"/>
               <p14:cNvContentPartPr/>
               <p14:nvPr/>
             </p14:nvContentPartPr>
@@ -5906,51 +5826,33 @@
         <mc:Fallback xmlns="">
           <p:pic>
             <p:nvPicPr>
-              <p:cNvPr id="4" name="墨迹 3">
-                <a:extLst>
-                  <a:ext uri="{FF2B5EF4-FFF2-40B4-BE49-F238E27FC236}">
-                    <a16:creationId xmlns:a16="http://schemas.microsoft.com/office/drawing/2014/main" id="{F4EFE082-80EC-4CB3-832E-48C691572444}"/>
-                  </a:ext>
-                </a:extLst>
-              </p:cNvPr>
-              <p:cNvPicPr/>
-              <p:nvPr/>
+              <p:cNvPr id="4" name="墨迹 3"/>
             </p:nvPicPr>
             <p:blipFill>
-              <a:blip r:embed="rId3"/>
-              <a:stretch>
-                <a:fillRect/>
-              </a:stretch>
+              <a:blip r:embed="rId2"/>
             </p:blipFill>
             <p:spPr>
               <a:xfrm>
-                <a:off x="3468960" y="2435400"/>
-                <a:ext cx="52560" cy="67320"/>
+                <a:off x="3478320" y="2444760"/>
+                <a:ext cx="33840" cy="48600"/>
               </a:xfrm>
-              <a:prstGeom prst="rect">
-                <a:avLst/>
-              </a:prstGeom>
+              <a:prstGeom prst="rect"/>
             </p:spPr>
           </p:pic>
         </mc:Fallback>
       </mc:AlternateContent>
     </p:spTree>
-    <p:extLst>
-      <p:ext uri="{BB962C8B-B14F-4D97-AF65-F5344CB8AC3E}">
-        <p14:creationId xmlns:p14="http://schemas.microsoft.com/office/powerpoint/2010/main" val="2750166141"/>
-      </p:ext>
-    </p:extLst>
   </p:cSld>
   <p:clrMapOvr>
     <a:masterClrMapping/>
   </p:clrMapOvr>
-  <mc:AlternateContent xmlns:mc="http://schemas.openxmlformats.org/markup-compatibility/2006" xmlns:p14="http://schemas.microsoft.com/office/powerpoint/2010/main">
-    <mc:Choice Requires="p14">
+  <mc:AlternateContent xmlns:mc="http://schemas.openxmlformats.org/markup-compatibility/2006">
+    <mc:Choice xmlns:p14="http://schemas.microsoft.com/office/powerpoint/2010/main" Requires="p14">
       <p:transition spd="med" p14:dur="700">
         <p:fade/>
       </p:transition>
     </mc:Choice>
-    <mc:Fallback xmlns="">
+    <mc:Fallback>
       <p:transition spd="med">
         <p:fade/>
       </p:transition>
@@ -6598,7 +6500,7 @@
               <p:cNvPr id="5" name="文本框 4">
                 <a:extLst>
                   <a:ext uri="{FF2B5EF4-FFF2-40B4-BE49-F238E27FC236}">
-                    <a16:creationId xmlns:a16="http://schemas.microsoft.com/office/drawing/2014/main" id="{A304EFB8-1A6D-4618-B5DC-B70ACBEA88F1}"/>
+                    <a14:artisticCrisscrossEtching id="{A304EFB8-1A6D-4618-B5DC-B70ACBEA88F1}"/>
                   </a:ext>
                 </a:extLst>
               </p:cNvPr>
@@ -7375,13 +7277,7 @@
         <mc:Fallback>
           <p:sp>
             <p:nvSpPr>
-              <p:cNvPr id="5" name="文本框 4">
-                <a:extLst>
-                  <a:ext uri="{FF2B5EF4-FFF2-40B4-BE49-F238E27FC236}">
-                    <a16:creationId xmlns:a16="http://schemas.microsoft.com/office/drawing/2014/main" id="{A304EFB8-1A6D-4618-B5DC-B70ACBEA88F1}"/>
-                  </a:ext>
-                </a:extLst>
-              </p:cNvPr>
+              <p:cNvPr id="5" name="文本框 4"/>
               <p:cNvSpPr txBox="1">
                 <a:spLocks noRot="1" noChangeAspect="1" noMove="1" noResize="1" noEditPoints="1" noAdjustHandles="1" noChangeArrowheads="1" noChangeShapeType="1" noTextEdit="1"/>
               </p:cNvSpPr>
@@ -7395,8 +7291,8 @@
               <a:prstGeom prst="rect">
                 <a:avLst/>
               </a:prstGeom>
-              <a:blipFill>
-                <a:blip r:embed="rId3"/>
+              <a:blipFill rotWithShape="1">
+                <a:blip r:embed="rId1"/>
                 <a:stretch>
                   <a:fillRect l="-2054" t="-1082"/>
                 </a:stretch>
@@ -7412,6 +7308,9 @@
                   </a:rPr>
                   <a:t> </a:t>
                 </a:r>
+                <a:endParaRPr lang="zh-CN" altLang="en-US">
+                  <a:noFill/>
+                </a:endParaRPr>
               </a:p>
             </p:txBody>
           </p:sp>
@@ -7419,23 +7318,11 @@
       </mc:AlternateContent>
       <p:graphicFrame>
         <p:nvGraphicFramePr>
-          <p:cNvPr id="7" name="内容占位符 3">
-            <a:extLst>
-              <a:ext uri="{FF2B5EF4-FFF2-40B4-BE49-F238E27FC236}">
-                <a16:creationId xmlns:a16="http://schemas.microsoft.com/office/drawing/2014/main" id="{C7574176-E48D-4902-94D1-EBC47E6DFBC5}"/>
-              </a:ext>
-            </a:extLst>
-          </p:cNvPr>
+          <p:cNvPr id="7" name="内容占位符 3"/>
           <p:cNvGraphicFramePr>
             <a:graphicFrameLocks noChangeAspect="1"/>
           </p:cNvGraphicFramePr>
-          <p:nvPr>
-            <p:extLst>
-              <p:ext uri="{D42A27DB-BD31-4B8C-83A1-F6EECF244321}">
-                <p14:modId xmlns:p14="http://schemas.microsoft.com/office/powerpoint/2010/main" val="544157096"/>
-              </p:ext>
-            </p:extLst>
-          </p:nvPr>
+          <p:nvPr/>
         </p:nvGraphicFramePr>
         <p:xfrm>
           <a:off x="452882" y="4323652"/>
@@ -7445,27 +7332,21 @@
           <a:graphicData uri="http://schemas.openxmlformats.org/presentationml/2006/ole">
             <mc:AlternateContent xmlns:mc="http://schemas.openxmlformats.org/markup-compatibility/2006">
               <mc:Choice xmlns:v="urn:schemas-microsoft-com:vml" Requires="v">
-                <p:oleObj spid="_x0000_s3096" name="Equation" r:id="rId4" imgW="10388520" imgH="1002960" progId="Equation.DSMT4">
+                <p:oleObj spid="_x0000_s3096" name="Equation" r:id="rId2" imgW="249326400" imgH="24079200" progId="Equation.DSMT4">
                   <p:embed/>
                 </p:oleObj>
               </mc:Choice>
               <mc:Fallback>
-                <p:oleObj name="Equation" r:id="rId4" imgW="10388520" imgH="1002960" progId="Equation.DSMT4">
+                <p:oleObj name="Equation" r:id="rId2" imgW="249326400" imgH="24079200" progId="Equation.DSMT4">
                   <p:embed/>
                   <p:pic>
                     <p:nvPicPr>
-                      <p:cNvPr id="8" name="内容占位符 3">
-                        <a:extLst>
-                          <a:ext uri="{FF2B5EF4-FFF2-40B4-BE49-F238E27FC236}">
-                            <a16:creationId xmlns:a16="http://schemas.microsoft.com/office/drawing/2014/main" id="{65591196-DCB2-40ED-9748-D964152F5F91}"/>
-                          </a:ext>
-                        </a:extLst>
-                      </p:cNvPr>
+                      <p:cNvPr id="0" name="内容占位符 3"/>
                       <p:cNvPicPr/>
                       <p:nvPr/>
                     </p:nvPicPr>
                     <p:blipFill>
-                      <a:blip r:embed="rId5"/>
+                      <a:blip r:embed="rId3"/>
                       <a:stretch>
                         <a:fillRect/>
                       </a:stretch>
@@ -7552,22 +7433,17 @@
         </p:txBody>
       </p:sp>
     </p:spTree>
-    <p:extLst>
-      <p:ext uri="{BB962C8B-B14F-4D97-AF65-F5344CB8AC3E}">
-        <p14:creationId xmlns:p14="http://schemas.microsoft.com/office/powerpoint/2010/main" val="4092289684"/>
-      </p:ext>
-    </p:extLst>
   </p:cSld>
   <p:clrMapOvr>
     <a:masterClrMapping/>
   </p:clrMapOvr>
-  <mc:AlternateContent xmlns:mc="http://schemas.openxmlformats.org/markup-compatibility/2006" xmlns:p14="http://schemas.microsoft.com/office/powerpoint/2010/main">
-    <mc:Choice Requires="p14">
+  <mc:AlternateContent xmlns:mc="http://schemas.openxmlformats.org/markup-compatibility/2006">
+    <mc:Choice xmlns:p14="http://schemas.microsoft.com/office/powerpoint/2010/main" Requires="p14">
       <p:transition spd="med" p14:dur="700">
         <p:fade/>
       </p:transition>
     </mc:Choice>
-    <mc:Fallback xmlns="">
+    <mc:Fallback>
       <p:transition spd="med">
         <p:fade/>
       </p:transition>
@@ -7632,22 +7508,17 @@
         </p:txBody>
       </p:sp>
     </p:spTree>
-    <p:extLst>
-      <p:ext uri="{BB962C8B-B14F-4D97-AF65-F5344CB8AC3E}">
-        <p14:creationId xmlns:p14="http://schemas.microsoft.com/office/powerpoint/2010/main" val="1240834525"/>
-      </p:ext>
-    </p:extLst>
   </p:cSld>
   <p:clrMapOvr>
     <a:masterClrMapping/>
   </p:clrMapOvr>
-  <mc:AlternateContent xmlns:mc="http://schemas.openxmlformats.org/markup-compatibility/2006" xmlns:p14="http://schemas.microsoft.com/office/powerpoint/2010/main">
-    <mc:Choice Requires="p14">
+  <mc:AlternateContent xmlns:mc="http://schemas.openxmlformats.org/markup-compatibility/2006">
+    <mc:Choice xmlns:p14="http://schemas.microsoft.com/office/powerpoint/2010/main" Requires="p14">
       <p:transition spd="med" p14:dur="700">
         <p:fade/>
       </p:transition>
     </mc:Choice>
-    <mc:Fallback xmlns="">
+    <mc:Fallback>
       <p:transition spd="med">
         <p:fade/>
       </p:transition>
@@ -7698,13 +7569,7 @@
       </p:sp>
       <p:sp>
         <p:nvSpPr>
-          <p:cNvPr id="15" name="文本框 14">
-            <a:extLst>
-              <a:ext uri="{FF2B5EF4-FFF2-40B4-BE49-F238E27FC236}">
-                <a16:creationId xmlns:a16="http://schemas.microsoft.com/office/drawing/2014/main" id="{61DEF7D2-EF32-4AC1-8F14-81118B756929}"/>
-              </a:ext>
-            </a:extLst>
-          </p:cNvPr>
+          <p:cNvPr id="15" name="文本框 14"/>
           <p:cNvSpPr txBox="1"/>
           <p:nvPr/>
         </p:nvSpPr>
@@ -7729,6 +7594,7 @@
               <a:rPr lang="en-US" altLang="zh-CN" sz="1600" dirty="0"/>
               <a:t>Input</a:t>
             </a:r>
+            <a:endParaRPr lang="en-US" altLang="zh-CN" sz="1600" dirty="0"/>
           </a:p>
           <a:p>
             <a:pPr algn="ctr"/>
@@ -7764,20 +7630,14 @@
         </p:grpSpPr>
         <p:pic>
           <p:nvPicPr>
-            <p:cNvPr id="17" name="图片 16">
-              <a:extLst>
-                <a:ext uri="{FF2B5EF4-FFF2-40B4-BE49-F238E27FC236}">
-                  <a16:creationId xmlns:a16="http://schemas.microsoft.com/office/drawing/2014/main" id="{DFD6262C-D94A-4B90-B5F2-8FE27A065E98}"/>
-                </a:ext>
-              </a:extLst>
-            </p:cNvPr>
+            <p:cNvPr id="17" name="图片 16"/>
             <p:cNvPicPr>
               <a:picLocks noChangeAspect="1"/>
             </p:cNvPicPr>
             <p:nvPr/>
           </p:nvPicPr>
           <p:blipFill rotWithShape="1">
-            <a:blip r:embed="rId2">
+            <a:blip r:embed="rId1">
               <a:extLst>
                 <a:ext uri="{28A0092B-C50C-407E-A947-70E740481C1C}">
                   <a14:useLocalDpi xmlns:a14="http://schemas.microsoft.com/office/drawing/2010/main" val="0"/>
@@ -7785,7 +7645,9 @@
               </a:extLst>
             </a:blip>
             <a:srcRect r="67599"/>
-            <a:stretch/>
+            <a:stretch>
+              <a:fillRect/>
+            </a:stretch>
           </p:blipFill>
           <p:spPr>
             <a:xfrm>
@@ -7803,20 +7665,14 @@
         </p:pic>
         <p:pic>
           <p:nvPicPr>
-            <p:cNvPr id="18" name="图片 17">
-              <a:extLst>
-                <a:ext uri="{FF2B5EF4-FFF2-40B4-BE49-F238E27FC236}">
-                  <a16:creationId xmlns:a16="http://schemas.microsoft.com/office/drawing/2014/main" id="{DFD6262C-D94A-4B90-B5F2-8FE27A065E98}"/>
-                </a:ext>
-              </a:extLst>
-            </p:cNvPr>
+            <p:cNvPr id="18" name="图片 17"/>
             <p:cNvPicPr>
               <a:picLocks noChangeAspect="1"/>
             </p:cNvPicPr>
             <p:nvPr/>
           </p:nvPicPr>
           <p:blipFill rotWithShape="1">
-            <a:blip r:embed="rId2">
+            <a:blip r:embed="rId1">
               <a:extLst>
                 <a:ext uri="{28A0092B-C50C-407E-A947-70E740481C1C}">
                   <a14:useLocalDpi xmlns:a14="http://schemas.microsoft.com/office/drawing/2010/main" val="0"/>
@@ -7824,7 +7680,9 @@
               </a:extLst>
             </a:blip>
             <a:srcRect r="67599"/>
-            <a:stretch/>
+            <a:stretch>
+              <a:fillRect/>
+            </a:stretch>
           </p:blipFill>
           <p:spPr>
             <a:xfrm>
@@ -7842,20 +7700,14 @@
         </p:pic>
         <p:pic>
           <p:nvPicPr>
-            <p:cNvPr id="19" name="图片 18">
-              <a:extLst>
-                <a:ext uri="{FF2B5EF4-FFF2-40B4-BE49-F238E27FC236}">
-                  <a16:creationId xmlns:a16="http://schemas.microsoft.com/office/drawing/2014/main" id="{DFD6262C-D94A-4B90-B5F2-8FE27A065E98}"/>
-                </a:ext>
-              </a:extLst>
-            </p:cNvPr>
+            <p:cNvPr id="19" name="图片 18"/>
             <p:cNvPicPr>
               <a:picLocks noChangeAspect="1"/>
             </p:cNvPicPr>
             <p:nvPr/>
           </p:nvPicPr>
           <p:blipFill rotWithShape="1">
-            <a:blip r:embed="rId2">
+            <a:blip r:embed="rId1">
               <a:extLst>
                 <a:ext uri="{28A0092B-C50C-407E-A947-70E740481C1C}">
                   <a14:useLocalDpi xmlns:a14="http://schemas.microsoft.com/office/drawing/2010/main" val="0"/>
@@ -7863,7 +7715,9 @@
               </a:extLst>
             </a:blip>
             <a:srcRect r="67599"/>
-            <a:stretch/>
+            <a:stretch>
+              <a:fillRect/>
+            </a:stretch>
           </p:blipFill>
           <p:spPr>
             <a:xfrm>
@@ -7889,11 +7743,11 @@
           <p:nvPr/>
         </p:nvPicPr>
         <p:blipFill>
-          <a:blip r:embed="rId3">
+          <a:blip r:embed="rId2">
             <a:extLst>
               <a:ext uri="{BEBA8EAE-BF5A-486C-A8C5-ECC9F3942E4B}">
                 <a14:imgProps xmlns:a14="http://schemas.microsoft.com/office/drawing/2010/main">
-                  <a14:imgLayer r:embed="rId4">
+                  <a14:imgLayer r:embed="rId3">
                     <a14:imgEffect>
                       <a14:backgroundRemoval t="4893" b="89297" l="0" r="93725">
                         <a14:foregroundMark x1="12348" y1="56269" x2="5263" y2="47706"/>
@@ -7955,22 +7809,18 @@
       </p:pic>
       <p:pic>
         <p:nvPicPr>
-          <p:cNvPr id="29" name="图片 28">
-            <a:extLst>
-              <a:ext uri="{FF2B5EF4-FFF2-40B4-BE49-F238E27FC236}">
-                <a16:creationId xmlns:a16="http://schemas.microsoft.com/office/drawing/2014/main" id="{7E4C6F5D-DDF1-4B52-96E2-F2D76E736C47}"/>
-              </a:ext>
-            </a:extLst>
-          </p:cNvPr>
+          <p:cNvPr id="29" name="图片 28"/>
           <p:cNvPicPr>
             <a:picLocks noChangeAspect="1"/>
           </p:cNvPicPr>
           <p:nvPr/>
         </p:nvPicPr>
         <p:blipFill rotWithShape="1">
-          <a:blip r:embed="rId5"/>
+          <a:blip r:embed="rId4"/>
           <a:srcRect t="50225" r="69275"/>
-          <a:stretch/>
+          <a:stretch>
+            <a:fillRect/>
+          </a:stretch>
         </p:blipFill>
         <p:spPr>
           <a:xfrm>
@@ -7990,13 +7840,7 @@
       </p:pic>
       <p:sp>
         <p:nvSpPr>
-          <p:cNvPr id="33" name="文本框 32">
-            <a:extLst>
-              <a:ext uri="{FF2B5EF4-FFF2-40B4-BE49-F238E27FC236}">
-                <a16:creationId xmlns:a16="http://schemas.microsoft.com/office/drawing/2014/main" id="{61DEF7D2-EF32-4AC1-8F14-81118B756929}"/>
-              </a:ext>
-            </a:extLst>
-          </p:cNvPr>
+          <p:cNvPr id="33" name="文本框 32"/>
           <p:cNvSpPr txBox="1"/>
           <p:nvPr/>
         </p:nvSpPr>
@@ -8021,18 +7865,13 @@
               <a:rPr lang="en-US" altLang="zh-CN" sz="1600" dirty="0"/>
               <a:t>FCN8s</a:t>
             </a:r>
+            <a:endParaRPr lang="en-US" altLang="zh-CN" sz="1600" dirty="0"/>
           </a:p>
         </p:txBody>
       </p:sp>
       <p:sp>
         <p:nvSpPr>
-          <p:cNvPr id="34" name="文本框 33">
-            <a:extLst>
-              <a:ext uri="{FF2B5EF4-FFF2-40B4-BE49-F238E27FC236}">
-                <a16:creationId xmlns:a16="http://schemas.microsoft.com/office/drawing/2014/main" id="{61DEF7D2-EF32-4AC1-8F14-81118B756929}"/>
-              </a:ext>
-            </a:extLst>
-          </p:cNvPr>
+          <p:cNvPr id="34" name="文本框 33"/>
           <p:cNvSpPr txBox="1"/>
           <p:nvPr/>
         </p:nvSpPr>
@@ -8074,7 +7913,7 @@
           <p:nvPr/>
         </p:nvPicPr>
         <p:blipFill rotWithShape="1">
-          <a:blip r:embed="rId6">
+          <a:blip r:embed="rId5">
             <a:extLst>
               <a:ext uri="{28A0092B-C50C-407E-A947-70E740481C1C}">
                 <a14:useLocalDpi xmlns:a14="http://schemas.microsoft.com/office/drawing/2010/main" val="0"/>
@@ -8082,7 +7921,9 @@
             </a:extLst>
           </a:blip>
           <a:srcRect r="68788"/>
-          <a:stretch/>
+          <a:stretch>
+            <a:fillRect/>
+          </a:stretch>
         </p:blipFill>
         <p:spPr>
           <a:xfrm>
@@ -8102,13 +7943,7 @@
       </p:pic>
       <p:sp>
         <p:nvSpPr>
-          <p:cNvPr id="36" name="文本框 35">
-            <a:extLst>
-              <a:ext uri="{FF2B5EF4-FFF2-40B4-BE49-F238E27FC236}">
-                <a16:creationId xmlns:a16="http://schemas.microsoft.com/office/drawing/2014/main" id="{61DEF7D2-EF32-4AC1-8F14-81118B756929}"/>
-              </a:ext>
-            </a:extLst>
-          </p:cNvPr>
+          <p:cNvPr id="36" name="文本框 35"/>
           <p:cNvSpPr txBox="1"/>
           <p:nvPr/>
         </p:nvSpPr>
@@ -8133,6 +7968,7 @@
               <a:rPr lang="en-US" altLang="zh-CN" sz="1600" dirty="0"/>
               <a:t>Region-Grow </a:t>
             </a:r>
+            <a:endParaRPr lang="en-US" altLang="zh-CN" sz="1600" dirty="0"/>
           </a:p>
           <a:p>
             <a:pPr algn="ctr"/>
@@ -8140,27 +7976,24 @@
               <a:rPr lang="en-US" altLang="zh-CN" sz="1600" dirty="0"/>
               <a:t>Segmentation</a:t>
             </a:r>
+            <a:endParaRPr lang="en-US" altLang="zh-CN" sz="1600" dirty="0"/>
           </a:p>
         </p:txBody>
       </p:sp>
       <p:pic>
         <p:nvPicPr>
-          <p:cNvPr id="37" name="图片 36">
-            <a:extLst>
-              <a:ext uri="{FF2B5EF4-FFF2-40B4-BE49-F238E27FC236}">
-                <a16:creationId xmlns:a16="http://schemas.microsoft.com/office/drawing/2014/main" id="{7E4C6F5D-DDF1-4B52-96E2-F2D76E736C47}"/>
-              </a:ext>
-            </a:extLst>
-          </p:cNvPr>
+          <p:cNvPr id="37" name="图片 36"/>
           <p:cNvPicPr>
             <a:picLocks noChangeAspect="1"/>
           </p:cNvPicPr>
           <p:nvPr/>
         </p:nvPicPr>
         <p:blipFill rotWithShape="1">
-          <a:blip r:embed="rId5"/>
+          <a:blip r:embed="rId4"/>
           <a:srcRect t="50225" r="69275"/>
-          <a:stretch/>
+          <a:stretch>
+            <a:fillRect/>
+          </a:stretch>
         </p:blipFill>
         <p:spPr>
           <a:xfrm>
@@ -8280,6 +8113,13 @@
               </a:rPr>
               <a:t>Temporal</a:t>
             </a:r>
+            <a:endParaRPr lang="en-US" altLang="zh-CN" sz="1600" dirty="0">
+              <a:solidFill>
+                <a:schemeClr val="bg1">
+                  <a:lumMod val="75000"/>
+                </a:schemeClr>
+              </a:solidFill>
+            </a:endParaRPr>
           </a:p>
           <a:p>
             <a:pPr algn="ctr"/>
@@ -8412,13 +8252,7 @@
       </p:cxnSp>
       <p:sp>
         <p:nvSpPr>
-          <p:cNvPr id="63" name="文本框 62">
-            <a:extLst>
-              <a:ext uri="{FF2B5EF4-FFF2-40B4-BE49-F238E27FC236}">
-                <a16:creationId xmlns:a16="http://schemas.microsoft.com/office/drawing/2014/main" id="{61DEF7D2-EF32-4AC1-8F14-81118B756929}"/>
-              </a:ext>
-            </a:extLst>
-          </p:cNvPr>
+          <p:cNvPr id="63" name="文本框 62"/>
           <p:cNvSpPr txBox="1"/>
           <p:nvPr/>
         </p:nvSpPr>
@@ -8443,6 +8277,7 @@
               <a:rPr lang="en-US" altLang="zh-CN" sz="1600" dirty="0"/>
               <a:t>Output</a:t>
             </a:r>
+            <a:endParaRPr lang="en-US" altLang="zh-CN" sz="1600" dirty="0"/>
           </a:p>
           <a:p>
             <a:pPr algn="ctr"/>
@@ -8450,26 +8285,22 @@
               <a:rPr lang="en-US" altLang="zh-CN" sz="1600" dirty="0"/>
               <a:t>(Pixel Semantic Segmentation)</a:t>
             </a:r>
+            <a:endParaRPr lang="en-US" altLang="zh-CN" sz="1600" dirty="0"/>
           </a:p>
         </p:txBody>
       </p:sp>
     </p:spTree>
-    <p:extLst>
-      <p:ext uri="{BB962C8B-B14F-4D97-AF65-F5344CB8AC3E}">
-        <p14:creationId xmlns:p14="http://schemas.microsoft.com/office/powerpoint/2010/main" val="3595550991"/>
-      </p:ext>
-    </p:extLst>
   </p:cSld>
   <p:clrMapOvr>
     <a:masterClrMapping/>
   </p:clrMapOvr>
-  <mc:AlternateContent xmlns:mc="http://schemas.openxmlformats.org/markup-compatibility/2006" xmlns:p14="http://schemas.microsoft.com/office/powerpoint/2010/main">
-    <mc:Choice Requires="p14">
+  <mc:AlternateContent xmlns:mc="http://schemas.openxmlformats.org/markup-compatibility/2006">
+    <mc:Choice xmlns:p14="http://schemas.microsoft.com/office/powerpoint/2010/main" Requires="p14">
       <p:transition spd="med" p14:dur="700">
         <p:fade/>
       </p:transition>
     </mc:Choice>
-    <mc:Fallback xmlns="">
+    <mc:Fallback>
       <p:transition spd="med">
         <p:fade/>
       </p:transition>
@@ -8523,14 +8354,14 @@
           </a:p>
         </p:txBody>
       </p:sp>
-      <mc:AlternateContent xmlns:mc="http://schemas.openxmlformats.org/markup-compatibility/2006" xmlns:a14="http://schemas.microsoft.com/office/drawing/2010/main">
-        <mc:Choice Requires="a14">
+      <mc:AlternateContent xmlns:mc="http://schemas.openxmlformats.org/markup-compatibility/2006">
+        <mc:Choice xmlns:a14="http://schemas.microsoft.com/office/drawing/2010/main" Requires="a14">
           <p:sp>
             <p:nvSpPr>
               <p:cNvPr id="5" name="文本框 4">
                 <a:extLst>
                   <a:ext uri="{FF2B5EF4-FFF2-40B4-BE49-F238E27FC236}">
-                    <a16:creationId xmlns:a16="http://schemas.microsoft.com/office/drawing/2014/main" id="{CDAE15E0-F945-4D7D-B156-C7DBDBE48C08}"/>
+                    <a14:artisticCrisscrossEtching id="{CDAE15E0-F945-4D7D-B156-C7DBDBE48C08}"/>
                   </a:ext>
                 </a:extLst>
               </p:cNvPr>
@@ -9887,16 +9718,10 @@
             </p:txBody>
           </p:sp>
         </mc:Choice>
-        <mc:Fallback xmlns="">
+        <mc:Fallback>
           <p:sp>
             <p:nvSpPr>
-              <p:cNvPr id="5" name="文本框 4">
-                <a:extLst>
-                  <a:ext uri="{FF2B5EF4-FFF2-40B4-BE49-F238E27FC236}">
-                    <a16:creationId xmlns:a16="http://schemas.microsoft.com/office/drawing/2014/main" id="{CDAE15E0-F945-4D7D-B156-C7DBDBE48C08}"/>
-                  </a:ext>
-                </a:extLst>
-              </p:cNvPr>
+              <p:cNvPr id="5" name="文本框 4"/>
               <p:cNvSpPr txBox="1">
                 <a:spLocks noRot="1" noChangeAspect="1" noMove="1" noResize="1" noEditPoints="1" noAdjustHandles="1" noChangeArrowheads="1" noChangeShapeType="1" noTextEdit="1"/>
               </p:cNvSpPr>
@@ -9910,8 +9735,8 @@
               <a:prstGeom prst="rect">
                 <a:avLst/>
               </a:prstGeom>
-              <a:blipFill>
-                <a:blip r:embed="rId2"/>
+              <a:blipFill rotWithShape="1">
+                <a:blip r:embed="rId1"/>
                 <a:stretch>
                   <a:fillRect l="-461" t="-329"/>
                 </a:stretch>
@@ -9927,6 +9752,9 @@
                   </a:rPr>
                   <a:t> </a:t>
                 </a:r>
+                <a:endParaRPr lang="zh-CN" altLang="en-US">
+                  <a:noFill/>
+                </a:endParaRPr>
               </a:p>
             </p:txBody>
           </p:sp>
@@ -9934,13 +9762,7 @@
       </mc:AlternateContent>
       <p:grpSp>
         <p:nvGrpSpPr>
-          <p:cNvPr id="6" name="组合 5">
-            <a:extLst>
-              <a:ext uri="{FF2B5EF4-FFF2-40B4-BE49-F238E27FC236}">
-                <a16:creationId xmlns:a16="http://schemas.microsoft.com/office/drawing/2014/main" id="{615C99F5-0683-4945-9909-C4B2492F87BD}"/>
-              </a:ext>
-            </a:extLst>
-          </p:cNvPr>
+          <p:cNvPr id="6" name="组合 5"/>
           <p:cNvGrpSpPr/>
           <p:nvPr/>
         </p:nvGrpSpPr>
@@ -9954,22 +9776,18 @@
         </p:grpSpPr>
         <p:pic>
           <p:nvPicPr>
-            <p:cNvPr id="7" name="图片 6">
-              <a:extLst>
-                <a:ext uri="{FF2B5EF4-FFF2-40B4-BE49-F238E27FC236}">
-                  <a16:creationId xmlns:a16="http://schemas.microsoft.com/office/drawing/2014/main" id="{0DAF560F-A7B1-43A8-95A7-2F991E527693}"/>
-                </a:ext>
-              </a:extLst>
-            </p:cNvPr>
+            <p:cNvPr id="7" name="图片 6"/>
             <p:cNvPicPr>
               <a:picLocks noChangeAspect="1"/>
             </p:cNvPicPr>
             <p:nvPr/>
           </p:nvPicPr>
           <p:blipFill rotWithShape="1">
-            <a:blip r:embed="rId3"/>
+            <a:blip r:embed="rId2"/>
             <a:srcRect l="24796" t="14144" r="26147" b="12813"/>
-            <a:stretch/>
+            <a:stretch>
+              <a:fillRect/>
+            </a:stretch>
           </p:blipFill>
           <p:spPr>
             <a:xfrm>
@@ -9981,14 +9799,14 @@
             </a:prstGeom>
           </p:spPr>
         </p:pic>
-        <mc:AlternateContent xmlns:mc="http://schemas.openxmlformats.org/markup-compatibility/2006" xmlns:a14="http://schemas.microsoft.com/office/drawing/2010/main">
-          <mc:Choice Requires="a14">
+        <mc:AlternateContent xmlns:mc="http://schemas.openxmlformats.org/markup-compatibility/2006">
+          <mc:Choice xmlns:a14="http://schemas.microsoft.com/office/drawing/2010/main" Requires="a14">
             <p:sp>
               <p:nvSpPr>
                 <p:cNvPr id="8" name="文本框 7">
                   <a:extLst>
                     <a:ext uri="{FF2B5EF4-FFF2-40B4-BE49-F238E27FC236}">
-                      <a16:creationId xmlns:a16="http://schemas.microsoft.com/office/drawing/2014/main" id="{1FE8733E-393C-4890-8E74-32A7818B64B5}"/>
+                      <a14:artisticCrisscrossEtching id="{1FE8733E-393C-4890-8E74-32A7818B64B5}"/>
                     </a:ext>
                   </a:extLst>
                 </p:cNvPr>
@@ -10034,16 +9852,10 @@
               </p:txBody>
             </p:sp>
           </mc:Choice>
-          <mc:Fallback xmlns="">
+          <mc:Fallback>
             <p:sp>
               <p:nvSpPr>
-                <p:cNvPr id="9" name="文本框 8">
-                  <a:extLst>
-                    <a:ext uri="{FF2B5EF4-FFF2-40B4-BE49-F238E27FC236}">
-                      <a16:creationId xmlns:a16="http://schemas.microsoft.com/office/drawing/2014/main" id="{1FE8733E-393C-4890-8E74-32A7818B64B5}"/>
-                    </a:ext>
-                  </a:extLst>
-                </p:cNvPr>
+                <p:cNvPr id="9" name="文本框 8"/>
                 <p:cNvSpPr txBox="1">
                   <a:spLocks noRot="1" noChangeAspect="1" noMove="1" noResize="1" noEditPoints="1" noAdjustHandles="1" noChangeArrowheads="1" noChangeShapeType="1" noTextEdit="1"/>
                 </p:cNvSpPr>
@@ -10057,8 +9869,8 @@
                 <a:prstGeom prst="rect">
                   <a:avLst/>
                 </a:prstGeom>
-                <a:blipFill>
-                  <a:blip r:embed="rId4"/>
+                <a:blipFill rotWithShape="1">
+                  <a:blip r:embed="rId3"/>
                   <a:stretch>
                     <a:fillRect/>
                   </a:stretch>
@@ -10074,6 +9886,9 @@
                     </a:rPr>
                     <a:t> </a:t>
                   </a:r>
+                  <a:endParaRPr lang="zh-CN" altLang="en-US">
+                    <a:noFill/>
+                  </a:endParaRPr>
                 </a:p>
               </p:txBody>
             </p:sp>
@@ -10082,16 +9897,8 @@
       </p:grpSp>
       <p:sp>
         <p:nvSpPr>
-          <p:cNvPr id="12" name="内容占位符 2">
-            <a:extLst>
-              <a:ext uri="{FF2B5EF4-FFF2-40B4-BE49-F238E27FC236}">
-                <a16:creationId xmlns:a16="http://schemas.microsoft.com/office/drawing/2014/main" id="{B582C8C2-E724-4A6A-B449-4D11E6EAC8D3}"/>
-              </a:ext>
-            </a:extLst>
-          </p:cNvPr>
-          <p:cNvSpPr txBox="1">
-            <a:spLocks/>
-          </p:cNvSpPr>
+          <p:cNvPr id="12" name="内容占位符 2"/>
+          <p:cNvSpPr txBox="1"/>
           <p:nvPr/>
         </p:nvSpPr>
         <p:spPr>
@@ -10115,7 +9922,7 @@
               <a:spcBef>
                 <a:spcPts val="1000"/>
               </a:spcBef>
-              <a:buFont typeface="Arial" panose="020B0604020202020204" pitchFamily="34" charset="0"/>
+              <a:buFont typeface="Arial" panose="02080604020202020204" pitchFamily="34" charset="0"/>
               <a:buChar char="•"/>
               <a:defRPr sz="2800" kern="1200">
                 <a:solidFill>
@@ -10133,7 +9940,7 @@
               <a:spcBef>
                 <a:spcPts val="500"/>
               </a:spcBef>
-              <a:buFont typeface="Arial" panose="020B0604020202020204" pitchFamily="34" charset="0"/>
+              <a:buFont typeface="Arial" panose="02080604020202020204" pitchFamily="34" charset="0"/>
               <a:buChar char="•"/>
               <a:defRPr sz="2400" kern="1200">
                 <a:solidFill>
@@ -10151,7 +9958,7 @@
               <a:spcBef>
                 <a:spcPts val="500"/>
               </a:spcBef>
-              <a:buFont typeface="Arial" panose="020B0604020202020204" pitchFamily="34" charset="0"/>
+              <a:buFont typeface="Arial" panose="02080604020202020204" pitchFamily="34" charset="0"/>
               <a:buChar char="•"/>
               <a:defRPr sz="2000" kern="1200">
                 <a:solidFill>
@@ -10169,7 +9976,7 @@
               <a:spcBef>
                 <a:spcPts val="500"/>
               </a:spcBef>
-              <a:buFont typeface="Arial" panose="020B0604020202020204" pitchFamily="34" charset="0"/>
+              <a:buFont typeface="Arial" panose="02080604020202020204" pitchFamily="34" charset="0"/>
               <a:buChar char="•"/>
               <a:defRPr sz="1800" kern="1200">
                 <a:solidFill>
@@ -10187,7 +9994,7 @@
               <a:spcBef>
                 <a:spcPts val="500"/>
               </a:spcBef>
-              <a:buFont typeface="Arial" panose="020B0604020202020204" pitchFamily="34" charset="0"/>
+              <a:buFont typeface="Arial" panose="02080604020202020204" pitchFamily="34" charset="0"/>
               <a:buChar char="•"/>
               <a:defRPr sz="1800" kern="1200">
                 <a:solidFill>
@@ -10205,7 +10012,7 @@
               <a:spcBef>
                 <a:spcPts val="500"/>
               </a:spcBef>
-              <a:buFont typeface="Arial" panose="020B0604020202020204" pitchFamily="34" charset="0"/>
+              <a:buFont typeface="Arial" panose="02080604020202020204" pitchFamily="34" charset="0"/>
               <a:buChar char="•"/>
               <a:defRPr sz="1800" kern="1200">
                 <a:solidFill>
@@ -10223,7 +10030,7 @@
               <a:spcBef>
                 <a:spcPts val="500"/>
               </a:spcBef>
-              <a:buFont typeface="Arial" panose="020B0604020202020204" pitchFamily="34" charset="0"/>
+              <a:buFont typeface="Arial" panose="02080604020202020204" pitchFamily="34" charset="0"/>
               <a:buChar char="•"/>
               <a:defRPr sz="1800" kern="1200">
                 <a:solidFill>
@@ -10241,7 +10048,7 @@
               <a:spcBef>
                 <a:spcPts val="500"/>
               </a:spcBef>
-              <a:buFont typeface="Arial" panose="020B0604020202020204" pitchFamily="34" charset="0"/>
+              <a:buFont typeface="Arial" panose="02080604020202020204" pitchFamily="34" charset="0"/>
               <a:buChar char="•"/>
               <a:defRPr sz="1800" kern="1200">
                 <a:solidFill>
@@ -10259,7 +10066,7 @@
               <a:spcBef>
                 <a:spcPts val="500"/>
               </a:spcBef>
-              <a:buFont typeface="Arial" panose="020B0604020202020204" pitchFamily="34" charset="0"/>
+              <a:buFont typeface="Arial" panose="02080604020202020204" pitchFamily="34" charset="0"/>
               <a:buChar char="•"/>
               <a:defRPr sz="1800" kern="1200">
                 <a:solidFill>
@@ -10282,20 +10089,14 @@
       </p:sp>
       <p:pic>
         <p:nvPicPr>
-          <p:cNvPr id="13" name="图片 12">
-            <a:extLst>
-              <a:ext uri="{FF2B5EF4-FFF2-40B4-BE49-F238E27FC236}">
-                <a16:creationId xmlns:a16="http://schemas.microsoft.com/office/drawing/2014/main" id="{DFD6262C-D94A-4B90-B5F2-8FE27A065E98}"/>
-              </a:ext>
-            </a:extLst>
-          </p:cNvPr>
+          <p:cNvPr id="13" name="图片 12"/>
           <p:cNvPicPr>
             <a:picLocks noChangeAspect="1"/>
           </p:cNvPicPr>
           <p:nvPr/>
         </p:nvPicPr>
         <p:blipFill>
-          <a:blip r:embed="rId5">
+          <a:blip r:embed="rId4">
             <a:extLst>
               <a:ext uri="{28A0092B-C50C-407E-A947-70E740481C1C}">
                 <a14:useLocalDpi xmlns:a14="http://schemas.microsoft.com/office/drawing/2010/main" val="0"/>
@@ -10316,14 +10117,14 @@
           </a:prstGeom>
         </p:spPr>
       </p:pic>
-      <mc:AlternateContent xmlns:mc="http://schemas.openxmlformats.org/markup-compatibility/2006" xmlns:a14="http://schemas.microsoft.com/office/drawing/2010/main">
-        <mc:Choice Requires="a14">
+      <mc:AlternateContent xmlns:mc="http://schemas.openxmlformats.org/markup-compatibility/2006">
+        <mc:Choice xmlns:a14="http://schemas.microsoft.com/office/drawing/2010/main" Requires="a14">
           <p:sp>
             <p:nvSpPr>
               <p:cNvPr id="14" name="文本框 13">
                 <a:extLst>
                   <a:ext uri="{FF2B5EF4-FFF2-40B4-BE49-F238E27FC236}">
-                    <a16:creationId xmlns:a16="http://schemas.microsoft.com/office/drawing/2014/main" id="{1FE8733E-393C-4890-8E74-32A7818B64B5}"/>
+                    <a14:artisticCrisscrossEtching id="{1FE8733E-393C-4890-8E74-32A7818B64B5}"/>
                   </a:ext>
                 </a:extLst>
               </p:cNvPr>
@@ -10411,16 +10212,10 @@
             </p:txBody>
           </p:sp>
         </mc:Choice>
-        <mc:Fallback xmlns="">
+        <mc:Fallback>
           <p:sp>
             <p:nvSpPr>
-              <p:cNvPr id="14" name="文本框 13">
-                <a:extLst>
-                  <a:ext uri="{FF2B5EF4-FFF2-40B4-BE49-F238E27FC236}">
-                    <a16:creationId xmlns:a16="http://schemas.microsoft.com/office/drawing/2014/main" id="{1FE8733E-393C-4890-8E74-32A7818B64B5}"/>
-                  </a:ext>
-                </a:extLst>
-              </p:cNvPr>
+              <p:cNvPr id="14" name="文本框 13"/>
               <p:cNvSpPr txBox="1">
                 <a:spLocks noRot="1" noChangeAspect="1" noMove="1" noResize="1" noEditPoints="1" noAdjustHandles="1" noChangeArrowheads="1" noChangeShapeType="1" noTextEdit="1"/>
               </p:cNvSpPr>
@@ -10434,8 +10229,8 @@
               <a:prstGeom prst="rect">
                 <a:avLst/>
               </a:prstGeom>
-              <a:blipFill>
-                <a:blip r:embed="rId6"/>
+              <a:blipFill rotWithShape="1">
+                <a:blip r:embed="rId5"/>
                 <a:stretch>
                   <a:fillRect b="-14754"/>
                 </a:stretch>
@@ -10451,28 +10246,26 @@
                   </a:rPr>
                   <a:t> </a:t>
                 </a:r>
+                <a:endParaRPr lang="zh-CN" altLang="en-US">
+                  <a:noFill/>
+                </a:endParaRPr>
               </a:p>
             </p:txBody>
           </p:sp>
         </mc:Fallback>
       </mc:AlternateContent>
     </p:spTree>
-    <p:extLst>
-      <p:ext uri="{BB962C8B-B14F-4D97-AF65-F5344CB8AC3E}">
-        <p14:creationId xmlns:p14="http://schemas.microsoft.com/office/powerpoint/2010/main" val="3833991513"/>
-      </p:ext>
-    </p:extLst>
   </p:cSld>
   <p:clrMapOvr>
     <a:masterClrMapping/>
   </p:clrMapOvr>
-  <mc:AlternateContent xmlns:mc="http://schemas.openxmlformats.org/markup-compatibility/2006" xmlns:p14="http://schemas.microsoft.com/office/powerpoint/2010/main">
-    <mc:Choice Requires="p14">
+  <mc:AlternateContent xmlns:mc="http://schemas.openxmlformats.org/markup-compatibility/2006">
+    <mc:Choice xmlns:p14="http://schemas.microsoft.com/office/powerpoint/2010/main" Requires="p14">
       <p:transition spd="med" p14:dur="700">
         <p:fade/>
       </p:transition>
     </mc:Choice>
-    <mc:Fallback xmlns="">
+    <mc:Fallback>
       <p:transition spd="med">
         <p:fade/>
       </p:transition>
@@ -10500,13 +10293,7 @@
       </p:grpSpPr>
       <p:sp>
         <p:nvSpPr>
-          <p:cNvPr id="2" name="标题 1">
-            <a:extLst>
-              <a:ext uri="{FF2B5EF4-FFF2-40B4-BE49-F238E27FC236}">
-                <a16:creationId xmlns:a16="http://schemas.microsoft.com/office/drawing/2014/main" id="{CE8746D2-461D-4BDF-9E00-D35F2B2A5A53}"/>
-              </a:ext>
-            </a:extLst>
-          </p:cNvPr>
+          <p:cNvPr id="2" name="标题 1"/>
           <p:cNvSpPr>
             <a:spLocks noGrp="1"/>
           </p:cNvSpPr>
@@ -10529,13 +10316,7 @@
       </p:sp>
       <p:sp>
         <p:nvSpPr>
-          <p:cNvPr id="4" name="矩形 3">
-            <a:extLst>
-              <a:ext uri="{FF2B5EF4-FFF2-40B4-BE49-F238E27FC236}">
-                <a16:creationId xmlns:a16="http://schemas.microsoft.com/office/drawing/2014/main" id="{C9F4F3D7-7377-46FA-BC96-CCE406464D78}"/>
-              </a:ext>
-            </a:extLst>
-          </p:cNvPr>
+          <p:cNvPr id="4" name="矩形 3"/>
           <p:cNvSpPr/>
           <p:nvPr/>
         </p:nvSpPr>
@@ -10579,13 +10360,7 @@
       </p:sp>
       <p:sp>
         <p:nvSpPr>
-          <p:cNvPr id="5" name="矩形 4">
-            <a:extLst>
-              <a:ext uri="{FF2B5EF4-FFF2-40B4-BE49-F238E27FC236}">
-                <a16:creationId xmlns:a16="http://schemas.microsoft.com/office/drawing/2014/main" id="{47AC3025-3EB2-474F-A7D1-0E7420C0DA0C}"/>
-              </a:ext>
-            </a:extLst>
-          </p:cNvPr>
+          <p:cNvPr id="5" name="矩形 4"/>
           <p:cNvSpPr/>
           <p:nvPr/>
         </p:nvSpPr>
@@ -10629,13 +10404,7 @@
       </p:sp>
       <p:sp>
         <p:nvSpPr>
-          <p:cNvPr id="6" name="矩形 5">
-            <a:extLst>
-              <a:ext uri="{FF2B5EF4-FFF2-40B4-BE49-F238E27FC236}">
-                <a16:creationId xmlns:a16="http://schemas.microsoft.com/office/drawing/2014/main" id="{52FF16CC-0086-452C-AEDD-F425B9A95383}"/>
-              </a:ext>
-            </a:extLst>
-          </p:cNvPr>
+          <p:cNvPr id="6" name="矩形 5"/>
           <p:cNvSpPr/>
           <p:nvPr/>
         </p:nvSpPr>
@@ -10679,13 +10448,7 @@
       </p:sp>
       <p:cxnSp>
         <p:nvCxnSpPr>
-          <p:cNvPr id="8" name="直接箭头连接符 7">
-            <a:extLst>
-              <a:ext uri="{FF2B5EF4-FFF2-40B4-BE49-F238E27FC236}">
-                <a16:creationId xmlns:a16="http://schemas.microsoft.com/office/drawing/2014/main" id="{FE3FC82B-727F-4353-90CF-E333C55D2611}"/>
-              </a:ext>
-            </a:extLst>
-          </p:cNvPr>
+          <p:cNvPr id="8" name="直接箭头连接符 7"/>
           <p:cNvCxnSpPr>
             <a:endCxn id="4" idx="1"/>
           </p:cNvCxnSpPr>
@@ -10720,13 +10483,7 @@
       </p:cxnSp>
       <p:cxnSp>
         <p:nvCxnSpPr>
-          <p:cNvPr id="10" name="直接箭头连接符 9">
-            <a:extLst>
-              <a:ext uri="{FF2B5EF4-FFF2-40B4-BE49-F238E27FC236}">
-                <a16:creationId xmlns:a16="http://schemas.microsoft.com/office/drawing/2014/main" id="{5ADB61A0-A41E-45D5-83B1-43ADC7E2FBEB}"/>
-              </a:ext>
-            </a:extLst>
-          </p:cNvPr>
+          <p:cNvPr id="10" name="直接箭头连接符 9"/>
           <p:cNvCxnSpPr>
             <a:stCxn id="4" idx="3"/>
             <a:endCxn id="5" idx="1"/>
@@ -10762,13 +10519,7 @@
       </p:cxnSp>
       <p:cxnSp>
         <p:nvCxnSpPr>
-          <p:cNvPr id="12" name="直接箭头连接符 11">
-            <a:extLst>
-              <a:ext uri="{FF2B5EF4-FFF2-40B4-BE49-F238E27FC236}">
-                <a16:creationId xmlns:a16="http://schemas.microsoft.com/office/drawing/2014/main" id="{992C9618-B538-4A4C-9D4C-38C8F83E3697}"/>
-              </a:ext>
-            </a:extLst>
-          </p:cNvPr>
+          <p:cNvPr id="12" name="直接箭头连接符 11"/>
           <p:cNvCxnSpPr/>
           <p:nvPr/>
         </p:nvCxnSpPr>
@@ -10799,14 +10550,14 @@
           </a:fontRef>
         </p:style>
       </p:cxnSp>
-      <mc:AlternateContent xmlns:mc="http://schemas.openxmlformats.org/markup-compatibility/2006" xmlns:a14="http://schemas.microsoft.com/office/drawing/2010/main">
-        <mc:Choice Requires="a14">
+      <mc:AlternateContent xmlns:mc="http://schemas.openxmlformats.org/markup-compatibility/2006">
+        <mc:Choice xmlns:a14="http://schemas.microsoft.com/office/drawing/2010/main" Requires="a14">
           <p:sp>
             <p:nvSpPr>
               <p:cNvPr id="15" name="文本框 14">
                 <a:extLst>
                   <a:ext uri="{FF2B5EF4-FFF2-40B4-BE49-F238E27FC236}">
-                    <a16:creationId xmlns:a16="http://schemas.microsoft.com/office/drawing/2014/main" id="{CD2062CC-EF15-45AE-B02A-4E489BEBB616}"/>
+                    <a14:artisticCrisscrossEtching id="{CD2062CC-EF15-45AE-B02A-4E489BEBB616}"/>
                   </a:ext>
                 </a:extLst>
               </p:cNvPr>
@@ -10862,16 +10613,10 @@
             </p:txBody>
           </p:sp>
         </mc:Choice>
-        <mc:Fallback xmlns="">
+        <mc:Fallback>
           <p:sp>
             <p:nvSpPr>
-              <p:cNvPr id="15" name="文本框 14">
-                <a:extLst>
-                  <a:ext uri="{FF2B5EF4-FFF2-40B4-BE49-F238E27FC236}">
-                    <a16:creationId xmlns:a16="http://schemas.microsoft.com/office/drawing/2014/main" id="{CD2062CC-EF15-45AE-B02A-4E489BEBB616}"/>
-                  </a:ext>
-                </a:extLst>
-              </p:cNvPr>
+              <p:cNvPr id="15" name="文本框 14"/>
               <p:cNvSpPr txBox="1">
                 <a:spLocks noRot="1" noChangeAspect="1" noMove="1" noResize="1" noEditPoints="1" noAdjustHandles="1" noChangeArrowheads="1" noChangeShapeType="1" noTextEdit="1"/>
               </p:cNvSpPr>
@@ -10885,8 +10630,8 @@
               <a:prstGeom prst="rect">
                 <a:avLst/>
               </a:prstGeom>
-              <a:blipFill>
-                <a:blip r:embed="rId2"/>
+              <a:blipFill rotWithShape="1">
+                <a:blip r:embed="rId1"/>
                 <a:stretch>
                   <a:fillRect r="-2174"/>
                 </a:stretch>
@@ -10902,19 +10647,22 @@
                   </a:rPr>
                   <a:t> </a:t>
                 </a:r>
+                <a:endParaRPr lang="zh-CN" altLang="en-US">
+                  <a:noFill/>
+                </a:endParaRPr>
               </a:p>
             </p:txBody>
           </p:sp>
         </mc:Fallback>
       </mc:AlternateContent>
-      <mc:AlternateContent xmlns:mc="http://schemas.openxmlformats.org/markup-compatibility/2006" xmlns:a14="http://schemas.microsoft.com/office/drawing/2010/main">
-        <mc:Choice Requires="a14">
+      <mc:AlternateContent xmlns:mc="http://schemas.openxmlformats.org/markup-compatibility/2006">
+        <mc:Choice xmlns:a14="http://schemas.microsoft.com/office/drawing/2010/main" Requires="a14">
           <p:sp>
             <p:nvSpPr>
               <p:cNvPr id="16" name="文本框 15">
                 <a:extLst>
                   <a:ext uri="{FF2B5EF4-FFF2-40B4-BE49-F238E27FC236}">
-                    <a16:creationId xmlns:a16="http://schemas.microsoft.com/office/drawing/2014/main" id="{7B537DCD-413A-4C1B-838A-2997C4C0D618}"/>
+                    <a14:artisticCrisscrossEtching id="{7B537DCD-413A-4C1B-838A-2997C4C0D618}"/>
                   </a:ext>
                 </a:extLst>
               </p:cNvPr>
@@ -10958,16 +10706,10 @@
             </p:txBody>
           </p:sp>
         </mc:Choice>
-        <mc:Fallback xmlns="">
+        <mc:Fallback>
           <p:sp>
             <p:nvSpPr>
-              <p:cNvPr id="16" name="文本框 15">
-                <a:extLst>
-                  <a:ext uri="{FF2B5EF4-FFF2-40B4-BE49-F238E27FC236}">
-                    <a16:creationId xmlns:a16="http://schemas.microsoft.com/office/drawing/2014/main" id="{7B537DCD-413A-4C1B-838A-2997C4C0D618}"/>
-                  </a:ext>
-                </a:extLst>
-              </p:cNvPr>
+              <p:cNvPr id="16" name="文本框 15"/>
               <p:cNvSpPr txBox="1">
                 <a:spLocks noRot="1" noChangeAspect="1" noMove="1" noResize="1" noEditPoints="1" noAdjustHandles="1" noChangeArrowheads="1" noChangeShapeType="1" noTextEdit="1"/>
               </p:cNvSpPr>
@@ -10981,8 +10723,8 @@
               <a:prstGeom prst="rect">
                 <a:avLst/>
               </a:prstGeom>
-              <a:blipFill>
-                <a:blip r:embed="rId3"/>
+              <a:blipFill rotWithShape="1">
+                <a:blip r:embed="rId2"/>
                 <a:stretch>
                   <a:fillRect/>
                 </a:stretch>
@@ -10998,6 +10740,9 @@
                   </a:rPr>
                   <a:t> </a:t>
                 </a:r>
+                <a:endParaRPr lang="zh-CN" altLang="en-US">
+                  <a:noFill/>
+                </a:endParaRPr>
               </a:p>
             </p:txBody>
           </p:sp>
@@ -11012,7 +10757,7 @@
           <p:nvPr/>
         </p:nvPicPr>
         <p:blipFill>
-          <a:blip r:embed="rId4">
+          <a:blip r:embed="rId3">
             <a:extLst>
               <a:ext uri="{28A0092B-C50C-407E-A947-70E740481C1C}">
                 <a14:useLocalDpi xmlns:a14="http://schemas.microsoft.com/office/drawing/2010/main" val="0"/>
@@ -11035,13 +10780,7 @@
       </p:pic>
       <p:grpSp>
         <p:nvGrpSpPr>
-          <p:cNvPr id="27" name="组合 26">
-            <a:extLst>
-              <a:ext uri="{FF2B5EF4-FFF2-40B4-BE49-F238E27FC236}">
-                <a16:creationId xmlns:a16="http://schemas.microsoft.com/office/drawing/2014/main" id="{54994CF6-6EB7-4611-90F1-FC7B9070E832}"/>
-              </a:ext>
-            </a:extLst>
-          </p:cNvPr>
+          <p:cNvPr id="27" name="组合 26"/>
           <p:cNvGrpSpPr/>
           <p:nvPr/>
         </p:nvGrpSpPr>
@@ -11055,22 +10794,18 @@
         </p:grpSpPr>
         <p:pic>
           <p:nvPicPr>
-            <p:cNvPr id="21" name="图片 20">
-              <a:extLst>
-                <a:ext uri="{FF2B5EF4-FFF2-40B4-BE49-F238E27FC236}">
-                  <a16:creationId xmlns:a16="http://schemas.microsoft.com/office/drawing/2014/main" id="{8DA49E22-5737-4E05-934E-F71BC10BA27E}"/>
-                </a:ext>
-              </a:extLst>
-            </p:cNvPr>
+            <p:cNvPr id="21" name="图片 20"/>
             <p:cNvPicPr>
               <a:picLocks noChangeAspect="1"/>
             </p:cNvPicPr>
             <p:nvPr/>
           </p:nvPicPr>
           <p:blipFill rotWithShape="1">
-            <a:blip r:embed="rId5"/>
+            <a:blip r:embed="rId4"/>
             <a:srcRect l="24796" t="14144" r="26147" b="12813"/>
-            <a:stretch/>
+            <a:stretch>
+              <a:fillRect/>
+            </a:stretch>
           </p:blipFill>
           <p:spPr>
             <a:xfrm>
@@ -11082,14 +10817,14 @@
             </a:prstGeom>
           </p:spPr>
         </p:pic>
-        <mc:AlternateContent xmlns:mc="http://schemas.openxmlformats.org/markup-compatibility/2006" xmlns:a14="http://schemas.microsoft.com/office/drawing/2010/main">
-          <mc:Choice Requires="a14">
+        <mc:AlternateContent xmlns:mc="http://schemas.openxmlformats.org/markup-compatibility/2006">
+          <mc:Choice xmlns:a14="http://schemas.microsoft.com/office/drawing/2010/main" Requires="a14">
             <p:sp>
               <p:nvSpPr>
                 <p:cNvPr id="22" name="文本框 21">
                   <a:extLst>
                     <a:ext uri="{FF2B5EF4-FFF2-40B4-BE49-F238E27FC236}">
-                      <a16:creationId xmlns:a16="http://schemas.microsoft.com/office/drawing/2014/main" id="{CAB8461D-87B4-4CEF-B20A-39107ABEB56D}"/>
+                      <a14:artisticCrisscrossEtching id="{CAB8461D-87B4-4CEF-B20A-39107ABEB56D}"/>
                     </a:ext>
                   </a:extLst>
                 </p:cNvPr>
@@ -11135,16 +10870,10 @@
               </p:txBody>
             </p:sp>
           </mc:Choice>
-          <mc:Fallback xmlns="">
+          <mc:Fallback>
             <p:sp>
               <p:nvSpPr>
-                <p:cNvPr id="22" name="文本框 21">
-                  <a:extLst>
-                    <a:ext uri="{FF2B5EF4-FFF2-40B4-BE49-F238E27FC236}">
-                      <a16:creationId xmlns:a16="http://schemas.microsoft.com/office/drawing/2014/main" id="{CAB8461D-87B4-4CEF-B20A-39107ABEB56D}"/>
-                    </a:ext>
-                  </a:extLst>
-                </p:cNvPr>
+                <p:cNvPr id="22" name="文本框 21"/>
                 <p:cNvSpPr txBox="1">
                   <a:spLocks noRot="1" noChangeAspect="1" noMove="1" noResize="1" noEditPoints="1" noAdjustHandles="1" noChangeArrowheads="1" noChangeShapeType="1" noTextEdit="1"/>
                 </p:cNvSpPr>
@@ -11158,8 +10887,8 @@
                 <a:prstGeom prst="rect">
                   <a:avLst/>
                 </a:prstGeom>
-                <a:blipFill>
-                  <a:blip r:embed="rId6"/>
+                <a:blipFill rotWithShape="1">
+                  <a:blip r:embed="rId5"/>
                   <a:stretch>
                     <a:fillRect/>
                   </a:stretch>
@@ -11175,6 +10904,9 @@
                     </a:rPr>
                     <a:t> </a:t>
                   </a:r>
+                  <a:endParaRPr lang="zh-CN" altLang="en-US">
+                    <a:noFill/>
+                  </a:endParaRPr>
                 </a:p>
               </p:txBody>
             </p:sp>
@@ -11182,20 +10914,14 @@
         </mc:AlternateContent>
         <p:pic>
           <p:nvPicPr>
-            <p:cNvPr id="24" name="图片 23">
-              <a:extLst>
-                <a:ext uri="{FF2B5EF4-FFF2-40B4-BE49-F238E27FC236}">
-                  <a16:creationId xmlns:a16="http://schemas.microsoft.com/office/drawing/2014/main" id="{7972F0A3-3CD0-43A7-BFDB-70A8570BF5C7}"/>
-                </a:ext>
-              </a:extLst>
-            </p:cNvPr>
+            <p:cNvPr id="24" name="图片 23"/>
             <p:cNvPicPr>
               <a:picLocks noChangeAspect="1"/>
             </p:cNvPicPr>
             <p:nvPr/>
           </p:nvPicPr>
           <p:blipFill rotWithShape="1">
-            <a:blip r:embed="rId7">
+            <a:blip r:embed="rId6">
               <a:extLst>
                 <a:ext uri="{28A0092B-C50C-407E-A947-70E740481C1C}">
                   <a14:useLocalDpi xmlns:a14="http://schemas.microsoft.com/office/drawing/2010/main" val="0"/>
@@ -11203,7 +10929,9 @@
               </a:extLst>
             </a:blip>
             <a:srcRect l="3557" t="56260" r="10143"/>
-            <a:stretch/>
+            <a:stretch>
+              <a:fillRect/>
+            </a:stretch>
           </p:blipFill>
           <p:spPr>
             <a:xfrm>
@@ -11215,14 +10943,14 @@
             </a:prstGeom>
           </p:spPr>
         </p:pic>
-        <mc:AlternateContent xmlns:mc="http://schemas.openxmlformats.org/markup-compatibility/2006" xmlns:a14="http://schemas.microsoft.com/office/drawing/2010/main">
-          <mc:Choice Requires="a14">
+        <mc:AlternateContent xmlns:mc="http://schemas.openxmlformats.org/markup-compatibility/2006">
+          <mc:Choice xmlns:a14="http://schemas.microsoft.com/office/drawing/2010/main" Requires="a14">
             <p:sp>
               <p:nvSpPr>
                 <p:cNvPr id="25" name="文本框 24">
                   <a:extLst>
                     <a:ext uri="{FF2B5EF4-FFF2-40B4-BE49-F238E27FC236}">
-                      <a16:creationId xmlns:a16="http://schemas.microsoft.com/office/drawing/2014/main" id="{A6860A08-15B8-41DB-A8F3-559C0E11E464}"/>
+                      <a14:artisticCrisscrossEtching id="{A6860A08-15B8-41DB-A8F3-559C0E11E464}"/>
                     </a:ext>
                   </a:extLst>
                 </p:cNvPr>
@@ -11268,16 +10996,10 @@
               </p:txBody>
             </p:sp>
           </mc:Choice>
-          <mc:Fallback xmlns="">
+          <mc:Fallback>
             <p:sp>
               <p:nvSpPr>
-                <p:cNvPr id="25" name="文本框 24">
-                  <a:extLst>
-                    <a:ext uri="{FF2B5EF4-FFF2-40B4-BE49-F238E27FC236}">
-                      <a16:creationId xmlns:a16="http://schemas.microsoft.com/office/drawing/2014/main" id="{A6860A08-15B8-41DB-A8F3-559C0E11E464}"/>
-                    </a:ext>
-                  </a:extLst>
-                </p:cNvPr>
+                <p:cNvPr id="25" name="文本框 24"/>
                 <p:cNvSpPr txBox="1">
                   <a:spLocks noRot="1" noChangeAspect="1" noMove="1" noResize="1" noEditPoints="1" noAdjustHandles="1" noChangeArrowheads="1" noChangeShapeType="1" noTextEdit="1"/>
                 </p:cNvSpPr>
@@ -11291,8 +11013,8 @@
                 <a:prstGeom prst="rect">
                   <a:avLst/>
                 </a:prstGeom>
-                <a:blipFill>
-                  <a:blip r:embed="rId8"/>
+                <a:blipFill rotWithShape="1">
+                  <a:blip r:embed="rId7"/>
                   <a:stretch>
                     <a:fillRect/>
                   </a:stretch>
@@ -11308,19 +11030,22 @@
                     </a:rPr>
                     <a:t> </a:t>
                   </a:r>
+                  <a:endParaRPr lang="zh-CN" altLang="en-US">
+                    <a:noFill/>
+                  </a:endParaRPr>
                 </a:p>
               </p:txBody>
             </p:sp>
           </mc:Fallback>
         </mc:AlternateContent>
-        <mc:AlternateContent xmlns:mc="http://schemas.openxmlformats.org/markup-compatibility/2006" xmlns:a14="http://schemas.microsoft.com/office/drawing/2010/main">
-          <mc:Choice Requires="a14">
+        <mc:AlternateContent xmlns:mc="http://schemas.openxmlformats.org/markup-compatibility/2006">
+          <mc:Choice xmlns:a14="http://schemas.microsoft.com/office/drawing/2010/main" Requires="a14">
             <p:sp>
               <p:nvSpPr>
                 <p:cNvPr id="26" name="文本框 25">
                   <a:extLst>
                     <a:ext uri="{FF2B5EF4-FFF2-40B4-BE49-F238E27FC236}">
-                      <a16:creationId xmlns:a16="http://schemas.microsoft.com/office/drawing/2014/main" id="{15530F15-9AEC-4A84-9356-27DC88C2C9FB}"/>
+                      <a14:artisticCrisscrossEtching id="{15530F15-9AEC-4A84-9356-27DC88C2C9FB}"/>
                     </a:ext>
                   </a:extLst>
                 </p:cNvPr>
@@ -11366,16 +11091,10 @@
               </p:txBody>
             </p:sp>
           </mc:Choice>
-          <mc:Fallback xmlns="">
+          <mc:Fallback>
             <p:sp>
               <p:nvSpPr>
-                <p:cNvPr id="26" name="文本框 25">
-                  <a:extLst>
-                    <a:ext uri="{FF2B5EF4-FFF2-40B4-BE49-F238E27FC236}">
-                      <a16:creationId xmlns:a16="http://schemas.microsoft.com/office/drawing/2014/main" id="{15530F15-9AEC-4A84-9356-27DC88C2C9FB}"/>
-                    </a:ext>
-                  </a:extLst>
-                </p:cNvPr>
+                <p:cNvPr id="26" name="文本框 25"/>
                 <p:cNvSpPr txBox="1">
                   <a:spLocks noRot="1" noChangeAspect="1" noMove="1" noResize="1" noEditPoints="1" noAdjustHandles="1" noChangeArrowheads="1" noChangeShapeType="1" noTextEdit="1"/>
                 </p:cNvSpPr>
@@ -11389,8 +11108,8 @@
                 <a:prstGeom prst="rect">
                   <a:avLst/>
                 </a:prstGeom>
-                <a:blipFill>
-                  <a:blip r:embed="rId9"/>
+                <a:blipFill rotWithShape="1">
+                  <a:blip r:embed="rId8"/>
                   <a:stretch>
                     <a:fillRect/>
                   </a:stretch>
@@ -11406,6 +11125,9 @@
                     </a:rPr>
                     <a:t> </a:t>
                   </a:r>
+                  <a:endParaRPr lang="zh-CN" altLang="en-US">
+                    <a:noFill/>
+                  </a:endParaRPr>
                 </a:p>
               </p:txBody>
             </p:sp>
@@ -11414,13 +11136,7 @@
       </p:grpSp>
       <p:sp>
         <p:nvSpPr>
-          <p:cNvPr id="30" name="矩形 29">
-            <a:extLst>
-              <a:ext uri="{FF2B5EF4-FFF2-40B4-BE49-F238E27FC236}">
-                <a16:creationId xmlns:a16="http://schemas.microsoft.com/office/drawing/2014/main" id="{52FF16CC-0086-452C-AEDD-F425B9A95383}"/>
-              </a:ext>
-            </a:extLst>
-          </p:cNvPr>
+          <p:cNvPr id="30" name="矩形 29"/>
           <p:cNvSpPr/>
           <p:nvPr/>
         </p:nvSpPr>
@@ -11464,13 +11180,7 @@
       </p:sp>
       <p:sp>
         <p:nvSpPr>
-          <p:cNvPr id="31" name="矩形 30">
-            <a:extLst>
-              <a:ext uri="{FF2B5EF4-FFF2-40B4-BE49-F238E27FC236}">
-                <a16:creationId xmlns:a16="http://schemas.microsoft.com/office/drawing/2014/main" id="{52FF16CC-0086-452C-AEDD-F425B9A95383}"/>
-              </a:ext>
-            </a:extLst>
-          </p:cNvPr>
+          <p:cNvPr id="31" name="矩形 30"/>
           <p:cNvSpPr/>
           <p:nvPr/>
         </p:nvSpPr>
@@ -11767,22 +11477,17 @@
         </p:txBody>
       </p:sp>
     </p:spTree>
-    <p:extLst>
-      <p:ext uri="{BB962C8B-B14F-4D97-AF65-F5344CB8AC3E}">
-        <p14:creationId xmlns:p14="http://schemas.microsoft.com/office/powerpoint/2010/main" val="1426528917"/>
-      </p:ext>
-    </p:extLst>
   </p:cSld>
   <p:clrMapOvr>
     <a:masterClrMapping/>
   </p:clrMapOvr>
-  <mc:AlternateContent xmlns:mc="http://schemas.openxmlformats.org/markup-compatibility/2006" xmlns:p14="http://schemas.microsoft.com/office/powerpoint/2010/main">
-    <mc:Choice Requires="p14">
+  <mc:AlternateContent xmlns:mc="http://schemas.openxmlformats.org/markup-compatibility/2006">
+    <mc:Choice xmlns:p14="http://schemas.microsoft.com/office/powerpoint/2010/main" Requires="p14">
       <p:transition spd="med" p14:dur="700">
         <p:fade/>
       </p:transition>
     </mc:Choice>
-    <mc:Fallback xmlns="">
+    <mc:Fallback>
       <p:transition spd="med">
         <p:fade/>
       </p:transition>
@@ -11885,13 +11590,7 @@
       </p:grpSpPr>
       <p:sp>
         <p:nvSpPr>
-          <p:cNvPr id="2" name="标题 1">
-            <a:extLst>
-              <a:ext uri="{FF2B5EF4-FFF2-40B4-BE49-F238E27FC236}">
-                <a16:creationId xmlns:a16="http://schemas.microsoft.com/office/drawing/2014/main" id="{0603CDAE-654B-4FE2-B3DE-2419C52F465B}"/>
-              </a:ext>
-            </a:extLst>
-          </p:cNvPr>
+          <p:cNvPr id="2" name="标题 1"/>
           <p:cNvSpPr>
             <a:spLocks noGrp="1"/>
           </p:cNvSpPr>
@@ -11914,16 +11613,8 @@
       </p:sp>
       <p:sp>
         <p:nvSpPr>
-          <p:cNvPr id="11" name="内容占位符 2">
-            <a:extLst>
-              <a:ext uri="{FF2B5EF4-FFF2-40B4-BE49-F238E27FC236}">
-                <a16:creationId xmlns:a16="http://schemas.microsoft.com/office/drawing/2014/main" id="{BF626F1C-B9F8-465B-947D-19044433854F}"/>
-              </a:ext>
-            </a:extLst>
-          </p:cNvPr>
-          <p:cNvSpPr txBox="1">
-            <a:spLocks/>
-          </p:cNvSpPr>
+          <p:cNvPr id="11" name="内容占位符 2"/>
+          <p:cNvSpPr txBox="1"/>
           <p:nvPr/>
         </p:nvSpPr>
         <p:spPr>
@@ -11947,7 +11638,7 @@
               <a:spcBef>
                 <a:spcPts val="1000"/>
               </a:spcBef>
-              <a:buFont typeface="Arial" panose="020B0604020202020204" pitchFamily="34" charset="0"/>
+              <a:buFont typeface="Arial" panose="02080604020202020204" pitchFamily="34" charset="0"/>
               <a:buChar char="•"/>
               <a:defRPr sz="2800" kern="1200">
                 <a:solidFill>
@@ -11965,7 +11656,7 @@
               <a:spcBef>
                 <a:spcPts val="500"/>
               </a:spcBef>
-              <a:buFont typeface="Arial" panose="020B0604020202020204" pitchFamily="34" charset="0"/>
+              <a:buFont typeface="Arial" panose="02080604020202020204" pitchFamily="34" charset="0"/>
               <a:buChar char="•"/>
               <a:defRPr sz="2400" kern="1200">
                 <a:solidFill>
@@ -11983,7 +11674,7 @@
               <a:spcBef>
                 <a:spcPts val="500"/>
               </a:spcBef>
-              <a:buFont typeface="Arial" panose="020B0604020202020204" pitchFamily="34" charset="0"/>
+              <a:buFont typeface="Arial" panose="02080604020202020204" pitchFamily="34" charset="0"/>
               <a:buChar char="•"/>
               <a:defRPr sz="2000" kern="1200">
                 <a:solidFill>
@@ -12001,7 +11692,7 @@
               <a:spcBef>
                 <a:spcPts val="500"/>
               </a:spcBef>
-              <a:buFont typeface="Arial" panose="020B0604020202020204" pitchFamily="34" charset="0"/>
+              <a:buFont typeface="Arial" panose="02080604020202020204" pitchFamily="34" charset="0"/>
               <a:buChar char="•"/>
               <a:defRPr sz="1800" kern="1200">
                 <a:solidFill>
@@ -12019,7 +11710,7 @@
               <a:spcBef>
                 <a:spcPts val="500"/>
               </a:spcBef>
-              <a:buFont typeface="Arial" panose="020B0604020202020204" pitchFamily="34" charset="0"/>
+              <a:buFont typeface="Arial" panose="02080604020202020204" pitchFamily="34" charset="0"/>
               <a:buChar char="•"/>
               <a:defRPr sz="1800" kern="1200">
                 <a:solidFill>
@@ -12037,7 +11728,7 @@
               <a:spcBef>
                 <a:spcPts val="500"/>
               </a:spcBef>
-              <a:buFont typeface="Arial" panose="020B0604020202020204" pitchFamily="34" charset="0"/>
+              <a:buFont typeface="Arial" panose="02080604020202020204" pitchFamily="34" charset="0"/>
               <a:buChar char="•"/>
               <a:defRPr sz="1800" kern="1200">
                 <a:solidFill>
@@ -12055,7 +11746,7 @@
               <a:spcBef>
                 <a:spcPts val="500"/>
               </a:spcBef>
-              <a:buFont typeface="Arial" panose="020B0604020202020204" pitchFamily="34" charset="0"/>
+              <a:buFont typeface="Arial" panose="02080604020202020204" pitchFamily="34" charset="0"/>
               <a:buChar char="•"/>
               <a:defRPr sz="1800" kern="1200">
                 <a:solidFill>
@@ -12073,7 +11764,7 @@
               <a:spcBef>
                 <a:spcPts val="500"/>
               </a:spcBef>
-              <a:buFont typeface="Arial" panose="020B0604020202020204" pitchFamily="34" charset="0"/>
+              <a:buFont typeface="Arial" panose="02080604020202020204" pitchFamily="34" charset="0"/>
               <a:buChar char="•"/>
               <a:defRPr sz="1800" kern="1200">
                 <a:solidFill>
@@ -12091,7 +11782,7 @@
               <a:spcBef>
                 <a:spcPts val="500"/>
               </a:spcBef>
-              <a:buFont typeface="Arial" panose="020B0604020202020204" pitchFamily="34" charset="0"/>
+              <a:buFont typeface="Arial" panose="02080604020202020204" pitchFamily="34" charset="0"/>
               <a:buChar char="•"/>
               <a:defRPr sz="1800" kern="1200">
                 <a:solidFill>
@@ -12115,23 +11806,11 @@
       </p:sp>
       <p:graphicFrame>
         <p:nvGraphicFramePr>
-          <p:cNvPr id="12" name="对象 11">
-            <a:extLst>
-              <a:ext uri="{FF2B5EF4-FFF2-40B4-BE49-F238E27FC236}">
-                <a16:creationId xmlns:a16="http://schemas.microsoft.com/office/drawing/2014/main" id="{4666B392-EB1B-4477-A98B-E40F1C26EABF}"/>
-              </a:ext>
-            </a:extLst>
-          </p:cNvPr>
+          <p:cNvPr id="12" name="对象 11"/>
           <p:cNvGraphicFramePr>
             <a:graphicFrameLocks noChangeAspect="1"/>
           </p:cNvGraphicFramePr>
-          <p:nvPr>
-            <p:extLst>
-              <p:ext uri="{D42A27DB-BD31-4B8C-83A1-F6EECF244321}">
-                <p14:modId xmlns:p14="http://schemas.microsoft.com/office/powerpoint/2010/main" val="2610489689"/>
-              </p:ext>
-            </p:extLst>
-          </p:nvPr>
+          <p:nvPr/>
         </p:nvGraphicFramePr>
         <p:xfrm>
           <a:off x="1916204" y="3865938"/>
@@ -12141,27 +11820,21 @@
           <a:graphicData uri="http://schemas.openxmlformats.org/presentationml/2006/ole">
             <mc:AlternateContent xmlns:mc="http://schemas.openxmlformats.org/markup-compatibility/2006">
               <mc:Choice xmlns:v="urn:schemas-microsoft-com:vml" Requires="v">
-                <p:oleObj spid="_x0000_s1184" name="Equation" r:id="rId3" imgW="2869920" imgH="317160" progId="Equation.DSMT4">
+                <p:oleObj spid="_x0000_s1184" name="Equation" r:id="rId1" imgW="68884800" imgH="7620000" progId="Equation.DSMT4">
                   <p:embed/>
                 </p:oleObj>
               </mc:Choice>
               <mc:Fallback>
-                <p:oleObj name="Equation" r:id="rId3" imgW="2869920" imgH="317160" progId="Equation.DSMT4">
+                <p:oleObj name="Equation" r:id="rId1" imgW="68884800" imgH="7620000" progId="Equation.DSMT4">
                   <p:embed/>
                   <p:pic>
                     <p:nvPicPr>
-                      <p:cNvPr id="12" name="对象 11">
-                        <a:extLst>
-                          <a:ext uri="{FF2B5EF4-FFF2-40B4-BE49-F238E27FC236}">
-                            <a16:creationId xmlns:a16="http://schemas.microsoft.com/office/drawing/2014/main" id="{4666B392-EB1B-4477-A98B-E40F1C26EABF}"/>
-                          </a:ext>
-                        </a:extLst>
-                      </p:cNvPr>
+                      <p:cNvPr id="0" name="对象 11"/>
                       <p:cNvPicPr/>
                       <p:nvPr/>
                     </p:nvPicPr>
                     <p:blipFill>
-                      <a:blip r:embed="rId4"/>
+                      <a:blip r:embed="rId2"/>
                       <a:stretch>
                         <a:fillRect/>
                       </a:stretch>
@@ -12182,14 +11855,14 @@
           </a:graphicData>
         </a:graphic>
       </p:graphicFrame>
-      <mc:AlternateContent xmlns:mc="http://schemas.openxmlformats.org/markup-compatibility/2006" xmlns:a14="http://schemas.microsoft.com/office/drawing/2010/main">
-        <mc:Choice Requires="a14">
+      <mc:AlternateContent xmlns:mc="http://schemas.openxmlformats.org/markup-compatibility/2006">
+        <mc:Choice xmlns:a14="http://schemas.microsoft.com/office/drawing/2010/main" Requires="a14">
           <p:sp>
             <p:nvSpPr>
               <p:cNvPr id="13" name="文本框 12">
                 <a:extLst>
                   <a:ext uri="{FF2B5EF4-FFF2-40B4-BE49-F238E27FC236}">
-                    <a16:creationId xmlns:a16="http://schemas.microsoft.com/office/drawing/2014/main" id="{02F0EBDF-9C73-48D5-95DD-4BB0674F50EF}"/>
+                    <a14:artisticCrisscrossEtching id="{02F0EBDF-9C73-48D5-95DD-4BB0674F50EF}"/>
                   </a:ext>
                 </a:extLst>
               </p:cNvPr>
@@ -12237,16 +11910,10 @@
             </p:txBody>
           </p:sp>
         </mc:Choice>
-        <mc:Fallback xmlns="">
+        <mc:Fallback>
           <p:sp>
             <p:nvSpPr>
-              <p:cNvPr id="13" name="文本框 12">
-                <a:extLst>
-                  <a:ext uri="{FF2B5EF4-FFF2-40B4-BE49-F238E27FC236}">
-                    <a16:creationId xmlns:a16="http://schemas.microsoft.com/office/drawing/2014/main" id="{02F0EBDF-9C73-48D5-95DD-4BB0674F50EF}"/>
-                  </a:ext>
-                </a:extLst>
-              </p:cNvPr>
+              <p:cNvPr id="13" name="文本框 12"/>
               <p:cNvSpPr txBox="1">
                 <a:spLocks noRot="1" noChangeAspect="1" noMove="1" noResize="1" noEditPoints="1" noAdjustHandles="1" noChangeArrowheads="1" noChangeShapeType="1" noTextEdit="1"/>
               </p:cNvSpPr>
@@ -12260,8 +11927,8 @@
               <a:prstGeom prst="rect">
                 <a:avLst/>
               </a:prstGeom>
-              <a:blipFill>
-                <a:blip r:embed="rId5"/>
+              <a:blipFill rotWithShape="1">
+                <a:blip r:embed="rId3"/>
                 <a:stretch>
                   <a:fillRect t="-7576" b="-25758"/>
                 </a:stretch>
@@ -12277,6 +11944,9 @@
                   </a:rPr>
                   <a:t> </a:t>
                 </a:r>
+                <a:endParaRPr lang="zh-CN" altLang="en-US">
+                  <a:noFill/>
+                </a:endParaRPr>
               </a:p>
             </p:txBody>
           </p:sp>
@@ -12284,16 +11954,8 @@
       </mc:AlternateContent>
       <p:sp>
         <p:nvSpPr>
-          <p:cNvPr id="14" name="内容占位符 2">
-            <a:extLst>
-              <a:ext uri="{FF2B5EF4-FFF2-40B4-BE49-F238E27FC236}">
-                <a16:creationId xmlns:a16="http://schemas.microsoft.com/office/drawing/2014/main" id="{8FED5423-863D-4CF8-844D-BFD173B46AA2}"/>
-              </a:ext>
-            </a:extLst>
-          </p:cNvPr>
-          <p:cNvSpPr txBox="1">
-            <a:spLocks/>
-          </p:cNvSpPr>
+          <p:cNvPr id="14" name="内容占位符 2"/>
+          <p:cNvSpPr txBox="1"/>
           <p:nvPr/>
         </p:nvSpPr>
         <p:spPr>
@@ -12317,7 +11979,7 @@
               <a:spcBef>
                 <a:spcPts val="1000"/>
               </a:spcBef>
-              <a:buFont typeface="Arial" panose="020B0604020202020204" pitchFamily="34" charset="0"/>
+              <a:buFont typeface="Arial" panose="02080604020202020204" pitchFamily="34" charset="0"/>
               <a:buChar char="•"/>
               <a:defRPr sz="2800" kern="1200">
                 <a:solidFill>
@@ -12335,7 +11997,7 @@
               <a:spcBef>
                 <a:spcPts val="500"/>
               </a:spcBef>
-              <a:buFont typeface="Arial" panose="020B0604020202020204" pitchFamily="34" charset="0"/>
+              <a:buFont typeface="Arial" panose="02080604020202020204" pitchFamily="34" charset="0"/>
               <a:buChar char="•"/>
               <a:defRPr sz="2400" kern="1200">
                 <a:solidFill>
@@ -12353,7 +12015,7 @@
               <a:spcBef>
                 <a:spcPts val="500"/>
               </a:spcBef>
-              <a:buFont typeface="Arial" panose="020B0604020202020204" pitchFamily="34" charset="0"/>
+              <a:buFont typeface="Arial" panose="02080604020202020204" pitchFamily="34" charset="0"/>
               <a:buChar char="•"/>
               <a:defRPr sz="2000" kern="1200">
                 <a:solidFill>
@@ -12371,7 +12033,7 @@
               <a:spcBef>
                 <a:spcPts val="500"/>
               </a:spcBef>
-              <a:buFont typeface="Arial" panose="020B0604020202020204" pitchFamily="34" charset="0"/>
+              <a:buFont typeface="Arial" panose="02080604020202020204" pitchFamily="34" charset="0"/>
               <a:buChar char="•"/>
               <a:defRPr sz="1800" kern="1200">
                 <a:solidFill>
@@ -12389,7 +12051,7 @@
               <a:spcBef>
                 <a:spcPts val="500"/>
               </a:spcBef>
-              <a:buFont typeface="Arial" panose="020B0604020202020204" pitchFamily="34" charset="0"/>
+              <a:buFont typeface="Arial" panose="02080604020202020204" pitchFamily="34" charset="0"/>
               <a:buChar char="•"/>
               <a:defRPr sz="1800" kern="1200">
                 <a:solidFill>
@@ -12407,7 +12069,7 @@
               <a:spcBef>
                 <a:spcPts val="500"/>
               </a:spcBef>
-              <a:buFont typeface="Arial" panose="020B0604020202020204" pitchFamily="34" charset="0"/>
+              <a:buFont typeface="Arial" panose="02080604020202020204" pitchFamily="34" charset="0"/>
               <a:buChar char="•"/>
               <a:defRPr sz="1800" kern="1200">
                 <a:solidFill>
@@ -12425,7 +12087,7 @@
               <a:spcBef>
                 <a:spcPts val="500"/>
               </a:spcBef>
-              <a:buFont typeface="Arial" panose="020B0604020202020204" pitchFamily="34" charset="0"/>
+              <a:buFont typeface="Arial" panose="02080604020202020204" pitchFamily="34" charset="0"/>
               <a:buChar char="•"/>
               <a:defRPr sz="1800" kern="1200">
                 <a:solidFill>
@@ -12443,7 +12105,7 @@
               <a:spcBef>
                 <a:spcPts val="500"/>
               </a:spcBef>
-              <a:buFont typeface="Arial" panose="020B0604020202020204" pitchFamily="34" charset="0"/>
+              <a:buFont typeface="Arial" panose="02080604020202020204" pitchFamily="34" charset="0"/>
               <a:buChar char="•"/>
               <a:defRPr sz="1800" kern="1200">
                 <a:solidFill>
@@ -12461,7 +12123,7 @@
               <a:spcBef>
                 <a:spcPts val="500"/>
               </a:spcBef>
-              <a:buFont typeface="Arial" panose="020B0604020202020204" pitchFamily="34" charset="0"/>
+              <a:buFont typeface="Arial" panose="02080604020202020204" pitchFamily="34" charset="0"/>
               <a:buChar char="•"/>
               <a:defRPr sz="1800" kern="1200">
                 <a:solidFill>
@@ -12484,23 +12146,11 @@
       </p:sp>
       <p:graphicFrame>
         <p:nvGraphicFramePr>
-          <p:cNvPr id="16" name="内容占位符 3">
-            <a:extLst>
-              <a:ext uri="{FF2B5EF4-FFF2-40B4-BE49-F238E27FC236}">
-                <a16:creationId xmlns:a16="http://schemas.microsoft.com/office/drawing/2014/main" id="{F23E82B6-ADA7-44E6-BE64-E1AEE4029AF2}"/>
-              </a:ext>
-            </a:extLst>
-          </p:cNvPr>
+          <p:cNvPr id="16" name="内容占位符 3"/>
           <p:cNvGraphicFramePr>
             <a:graphicFrameLocks noChangeAspect="1"/>
           </p:cNvGraphicFramePr>
-          <p:nvPr>
-            <p:extLst>
-              <p:ext uri="{D42A27DB-BD31-4B8C-83A1-F6EECF244321}">
-                <p14:modId xmlns:p14="http://schemas.microsoft.com/office/powerpoint/2010/main" val="3652620474"/>
-              </p:ext>
-            </p:extLst>
-          </p:nvPr>
+          <p:nvPr/>
         </p:nvGraphicFramePr>
         <p:xfrm>
           <a:off x="6753051" y="499587"/>
@@ -12510,27 +12160,21 @@
           <a:graphicData uri="http://schemas.openxmlformats.org/presentationml/2006/ole">
             <mc:AlternateContent xmlns:mc="http://schemas.openxmlformats.org/markup-compatibility/2006">
               <mc:Choice xmlns:v="urn:schemas-microsoft-com:vml" Requires="v">
-                <p:oleObj spid="_x0000_s1185" name="Equation" r:id="rId6" imgW="4025880" imgH="660240" progId="Equation.DSMT4">
+                <p:oleObj spid="_x0000_s1185" name="Equation" r:id="rId4" imgW="96621600" imgH="15849600" progId="Equation.DSMT4">
                   <p:embed/>
                 </p:oleObj>
               </mc:Choice>
               <mc:Fallback>
-                <p:oleObj name="Equation" r:id="rId6" imgW="4025880" imgH="660240" progId="Equation.DSMT4">
+                <p:oleObj name="Equation" r:id="rId4" imgW="96621600" imgH="15849600" progId="Equation.DSMT4">
                   <p:embed/>
                   <p:pic>
                     <p:nvPicPr>
-                      <p:cNvPr id="16" name="内容占位符 3">
-                        <a:extLst>
-                          <a:ext uri="{FF2B5EF4-FFF2-40B4-BE49-F238E27FC236}">
-                            <a16:creationId xmlns:a16="http://schemas.microsoft.com/office/drawing/2014/main" id="{F23E82B6-ADA7-44E6-BE64-E1AEE4029AF2}"/>
-                          </a:ext>
-                        </a:extLst>
-                      </p:cNvPr>
+                      <p:cNvPr id="0" name="内容占位符 3"/>
                       <p:cNvPicPr/>
                       <p:nvPr/>
                     </p:nvPicPr>
                     <p:blipFill>
-                      <a:blip r:embed="rId7"/>
+                      <a:blip r:embed="rId5"/>
                       <a:stretch>
                         <a:fillRect/>
                       </a:stretch>
@@ -12553,13 +12197,7 @@
       </p:graphicFrame>
       <p:cxnSp>
         <p:nvCxnSpPr>
-          <p:cNvPr id="9" name="直接连接符 8">
-            <a:extLst>
-              <a:ext uri="{FF2B5EF4-FFF2-40B4-BE49-F238E27FC236}">
-                <a16:creationId xmlns:a16="http://schemas.microsoft.com/office/drawing/2014/main" id="{6A60A0BE-0E49-4CE4-AD32-6341C51FC4EB}"/>
-              </a:ext>
-            </a:extLst>
-          </p:cNvPr>
+          <p:cNvPr id="9" name="直接连接符 8"/>
           <p:cNvCxnSpPr/>
           <p:nvPr/>
         </p:nvCxnSpPr>
@@ -12594,13 +12232,7 @@
       </p:cxnSp>
       <p:sp>
         <p:nvSpPr>
-          <p:cNvPr id="15" name="文本框 14">
-            <a:extLst>
-              <a:ext uri="{FF2B5EF4-FFF2-40B4-BE49-F238E27FC236}">
-                <a16:creationId xmlns:a16="http://schemas.microsoft.com/office/drawing/2014/main" id="{D8B8B868-94DC-4933-A43D-C0BE3176AD7C}"/>
-              </a:ext>
-            </a:extLst>
-          </p:cNvPr>
+          <p:cNvPr id="15" name="文本框 14"/>
           <p:cNvSpPr txBox="1"/>
           <p:nvPr/>
         </p:nvSpPr>
@@ -12636,14 +12268,14 @@
           </a:p>
         </p:txBody>
       </p:sp>
-      <mc:AlternateContent xmlns:mc="http://schemas.openxmlformats.org/markup-compatibility/2006" xmlns:a14="http://schemas.microsoft.com/office/drawing/2010/main">
-        <mc:Choice Requires="a14">
+      <mc:AlternateContent xmlns:mc="http://schemas.openxmlformats.org/markup-compatibility/2006">
+        <mc:Choice xmlns:a14="http://schemas.microsoft.com/office/drawing/2010/main" Requires="a14">
           <p:sp>
             <p:nvSpPr>
               <p:cNvPr id="17" name="内容占位符 2">
                 <a:extLst>
                   <a:ext uri="{FF2B5EF4-FFF2-40B4-BE49-F238E27FC236}">
-                    <a16:creationId xmlns:a16="http://schemas.microsoft.com/office/drawing/2014/main" id="{DFCC0697-0B69-4CB9-9B36-3767DA67C0AB}"/>
+                    <a14:artisticCrisscrossEtching id="{DFCC0697-0B69-4CB9-9B36-3767DA67C0AB}"/>
                   </a:ext>
                 </a:extLst>
               </p:cNvPr>
@@ -13460,16 +13092,10 @@
             </p:txBody>
           </p:sp>
         </mc:Choice>
-        <mc:Fallback xmlns="">
+        <mc:Fallback>
           <p:sp>
             <p:nvSpPr>
-              <p:cNvPr id="17" name="内容占位符 2">
-                <a:extLst>
-                  <a:ext uri="{FF2B5EF4-FFF2-40B4-BE49-F238E27FC236}">
-                    <a16:creationId xmlns:a16="http://schemas.microsoft.com/office/drawing/2014/main" id="{DFCC0697-0B69-4CB9-9B36-3767DA67C0AB}"/>
-                  </a:ext>
-                </a:extLst>
-              </p:cNvPr>
+              <p:cNvPr id="17" name="内容占位符 2"/>
               <p:cNvSpPr txBox="1">
                 <a:spLocks noRot="1" noChangeAspect="1" noMove="1" noResize="1" noEditPoints="1" noAdjustHandles="1" noChangeArrowheads="1" noChangeShapeType="1" noTextEdit="1"/>
               </p:cNvSpPr>
@@ -13477,14 +13103,14 @@
             </p:nvSpPr>
             <p:spPr>
               <a:xfrm>
-                <a:off x="838199" y="1624976"/>
+                <a:off x="838199" y="1600211"/>
                 <a:ext cx="11187897" cy="2111893"/>
               </a:xfrm>
               <a:prstGeom prst="rect">
                 <a:avLst/>
               </a:prstGeom>
-              <a:blipFill>
-                <a:blip r:embed="rId8"/>
+              <a:blipFill rotWithShape="1">
+                <a:blip r:embed="rId6"/>
                 <a:stretch>
                   <a:fillRect l="-926" t="-1734"/>
                 </a:stretch>
@@ -13500,13 +13126,16 @@
                   </a:rPr>
                   <a:t> </a:t>
                 </a:r>
+                <a:endParaRPr lang="zh-CN" altLang="en-US">
+                  <a:noFill/>
+                </a:endParaRPr>
               </a:p>
             </p:txBody>
           </p:sp>
         </mc:Fallback>
       </mc:AlternateContent>
-      <mc:AlternateContent xmlns:mc="http://schemas.openxmlformats.org/markup-compatibility/2006" xmlns:a14="http://schemas.microsoft.com/office/drawing/2010/main">
-        <mc:Choice Requires="a14">
+      <mc:AlternateContent xmlns:mc="http://schemas.openxmlformats.org/markup-compatibility/2006">
+        <mc:Choice xmlns:a14="http://schemas.microsoft.com/office/drawing/2010/main" Requires="a14">
           <p:sp>
             <p:nvSpPr>
               <p:cNvPr id="6" name="文本框 5"/>
@@ -13670,7 +13299,7 @@
             </p:txBody>
           </p:sp>
         </mc:Choice>
-        <mc:Fallback xmlns="">
+        <mc:Fallback>
           <p:sp>
             <p:nvSpPr>
               <p:cNvPr id="6" name="文本框 5"/>
@@ -13687,8 +13316,8 @@
               <a:prstGeom prst="rect">
                 <a:avLst/>
               </a:prstGeom>
-              <a:blipFill>
-                <a:blip r:embed="rId9"/>
+              <a:blipFill rotWithShape="1">
+                <a:blip r:embed="rId7"/>
                 <a:stretch>
                   <a:fillRect l="-1679" r="-2612" b="-13333"/>
                 </a:stretch>
@@ -13704,28 +13333,26 @@
                   </a:rPr>
                   <a:t> </a:t>
                 </a:r>
+                <a:endParaRPr lang="zh-CN" altLang="en-US">
+                  <a:noFill/>
+                </a:endParaRPr>
               </a:p>
             </p:txBody>
           </p:sp>
         </mc:Fallback>
       </mc:AlternateContent>
     </p:spTree>
-    <p:extLst>
-      <p:ext uri="{BB962C8B-B14F-4D97-AF65-F5344CB8AC3E}">
-        <p14:creationId xmlns:p14="http://schemas.microsoft.com/office/powerpoint/2010/main" val="4126069616"/>
-      </p:ext>
-    </p:extLst>
   </p:cSld>
   <p:clrMapOvr>
     <a:masterClrMapping/>
   </p:clrMapOvr>
-  <mc:AlternateContent xmlns:mc="http://schemas.openxmlformats.org/markup-compatibility/2006" xmlns:p14="http://schemas.microsoft.com/office/powerpoint/2010/main">
-    <mc:Choice Requires="p14">
+  <mc:AlternateContent xmlns:mc="http://schemas.openxmlformats.org/markup-compatibility/2006">
+    <mc:Choice xmlns:p14="http://schemas.microsoft.com/office/powerpoint/2010/main" Requires="p14">
       <p:transition spd="med" p14:dur="700">
         <p:fade/>
       </p:transition>
     </mc:Choice>
-    <mc:Fallback xmlns="">
+    <mc:Fallback>
       <p:transition spd="med">
         <p:fade/>
       </p:transition>
@@ -13797,8 +13424,8 @@
           </a:p>
         </p:txBody>
       </p:sp>
-      <mc:AlternateContent xmlns:mc="http://schemas.openxmlformats.org/markup-compatibility/2006" xmlns:a14="http://schemas.microsoft.com/office/drawing/2010/main">
-        <mc:Choice Requires="a14">
+      <mc:AlternateContent xmlns:mc="http://schemas.openxmlformats.org/markup-compatibility/2006">
+        <mc:Choice xmlns:a14="http://schemas.microsoft.com/office/drawing/2010/main" Requires="a14">
           <p:sp>
             <p:nvSpPr>
               <p:cNvPr id="4" name="文本框 3"/>
@@ -14265,7 +13892,7 @@
             </p:txBody>
           </p:sp>
         </mc:Choice>
-        <mc:Fallback xmlns="">
+        <mc:Fallback>
           <p:sp>
             <p:nvSpPr>
               <p:cNvPr id="4" name="文本框 3"/>
@@ -14282,8 +13909,8 @@
               <a:prstGeom prst="rect">
                 <a:avLst/>
               </a:prstGeom>
-              <a:blipFill>
-                <a:blip r:embed="rId3"/>
+              <a:blipFill rotWithShape="1">
+                <a:blip r:embed="rId1"/>
                 <a:stretch>
                   <a:fillRect/>
                 </a:stretch>
@@ -14299,6 +13926,9 @@
                   </a:rPr>
                   <a:t> </a:t>
                 </a:r>
+                <a:endParaRPr lang="zh-CN" altLang="en-US">
+                  <a:noFill/>
+                </a:endParaRPr>
               </a:p>
             </p:txBody>
           </p:sp>
@@ -14306,13 +13936,7 @@
       </mc:AlternateContent>
       <p:grpSp>
         <p:nvGrpSpPr>
-          <p:cNvPr id="6" name="组合 5">
-            <a:extLst>
-              <a:ext uri="{FF2B5EF4-FFF2-40B4-BE49-F238E27FC236}">
-                <a16:creationId xmlns:a16="http://schemas.microsoft.com/office/drawing/2014/main" id="{81CCE4BC-D0FA-4C47-BA16-D05760A1AADF}"/>
-              </a:ext>
-            </a:extLst>
-          </p:cNvPr>
+          <p:cNvPr id="6" name="组合 5"/>
           <p:cNvGrpSpPr/>
           <p:nvPr/>
         </p:nvGrpSpPr>
@@ -14326,13 +13950,7 @@
         </p:grpSpPr>
         <p:sp>
           <p:nvSpPr>
-            <p:cNvPr id="7" name="矩形 6">
-              <a:extLst>
-                <a:ext uri="{FF2B5EF4-FFF2-40B4-BE49-F238E27FC236}">
-                  <a16:creationId xmlns:a16="http://schemas.microsoft.com/office/drawing/2014/main" id="{64AF23ED-CC74-48CF-8494-FD94EF9756A8}"/>
-                </a:ext>
-              </a:extLst>
-            </p:cNvPr>
+            <p:cNvPr id="7" name="矩形 6"/>
             <p:cNvSpPr/>
             <p:nvPr/>
           </p:nvSpPr>
@@ -14356,7 +13974,7 @@
                   <a:solidFill>
                     <a:srgbClr val="FF0000"/>
                   </a:solidFill>
-                  <a:latin typeface="Arial" panose="020B0604020202020204" pitchFamily="34" charset="0"/>
+                  <a:latin typeface="Arial" panose="02080604020202020204" pitchFamily="34" charset="0"/>
                 </a:rPr>
                 <a:t>c</a:t>
               </a:r>
@@ -14366,25 +13984,24 @@
                     <a:srgbClr val="FF0000"/>
                   </a:solidFill>
                   <a:effectLst/>
-                  <a:latin typeface="Arial" panose="020B0604020202020204" pitchFamily="34" charset="0"/>
+                  <a:latin typeface="Arial" panose="02080604020202020204" pitchFamily="34" charset="0"/>
                 </a:rPr>
                 <a:t>ross entropy</a:t>
               </a:r>
+              <a:endParaRPr lang="en-US" altLang="zh-CN" sz="2400" b="0" i="0" dirty="0">
+                <a:solidFill>
+                  <a:srgbClr val="FF0000"/>
+                </a:solidFill>
+                <a:effectLst/>
+                <a:latin typeface="Arial" panose="02080604020202020204" pitchFamily="34" charset="0"/>
+              </a:endParaRPr>
             </a:p>
           </p:txBody>
         </p:sp>
         <p:cxnSp>
           <p:nvCxnSpPr>
-            <p:cNvPr id="8" name="直接连接符 7">
-              <a:extLst>
-                <a:ext uri="{FF2B5EF4-FFF2-40B4-BE49-F238E27FC236}">
-                  <a16:creationId xmlns:a16="http://schemas.microsoft.com/office/drawing/2014/main" id="{28DC57BC-D554-407D-BB8B-817F99F38067}"/>
-                </a:ext>
-              </a:extLst>
-            </p:cNvPr>
-            <p:cNvCxnSpPr>
-              <a:cxnSpLocks/>
-            </p:cNvCxnSpPr>
+            <p:cNvPr id="8" name="直接连接符 7"/>
+            <p:cNvCxnSpPr/>
             <p:nvPr/>
           </p:nvCxnSpPr>
           <p:spPr>
@@ -14419,13 +14036,7 @@
       </p:grpSp>
       <p:grpSp>
         <p:nvGrpSpPr>
-          <p:cNvPr id="11" name="组合 10">
-            <a:extLst>
-              <a:ext uri="{FF2B5EF4-FFF2-40B4-BE49-F238E27FC236}">
-                <a16:creationId xmlns:a16="http://schemas.microsoft.com/office/drawing/2014/main" id="{1AA7E9AB-98ED-4117-B3E4-26C86E5E815D}"/>
-              </a:ext>
-            </a:extLst>
-          </p:cNvPr>
+          <p:cNvPr id="11" name="组合 10"/>
           <p:cNvGrpSpPr/>
           <p:nvPr/>
         </p:nvGrpSpPr>
@@ -14439,19 +14050,11 @@
         </p:grpSpPr>
         <p:graphicFrame>
           <p:nvGraphicFramePr>
-            <p:cNvPr id="12" name="对象 11">
-              <a:extLst>
-                <a:ext uri="{FF2B5EF4-FFF2-40B4-BE49-F238E27FC236}">
-                  <a16:creationId xmlns:a16="http://schemas.microsoft.com/office/drawing/2014/main" id="{1FF2D595-6452-42D0-B95B-D24221F316B4}"/>
-                </a:ext>
-              </a:extLst>
-            </p:cNvPr>
+            <p:cNvPr id="12" name="对象 11"/>
             <p:cNvGraphicFramePr>
               <a:graphicFrameLocks noChangeAspect="1"/>
             </p:cNvGraphicFramePr>
-            <p:nvPr>
-              <p:extLst/>
-            </p:nvPr>
+            <p:nvPr/>
           </p:nvGraphicFramePr>
           <p:xfrm>
             <a:off x="8180388" y="1709738"/>
@@ -14461,27 +14064,21 @@
             <a:graphicData uri="http://schemas.openxmlformats.org/presentationml/2006/ole">
               <mc:AlternateContent xmlns:mc="http://schemas.openxmlformats.org/markup-compatibility/2006">
                 <mc:Choice xmlns:v="urn:schemas-microsoft-com:vml" Requires="v">
-                  <p:oleObj spid="_x0000_s2117" name="Equation" r:id="rId4" imgW="672840" imgH="711000" progId="Equation.DSMT4">
+                  <p:oleObj spid="_x0000_s2117" name="Equation" r:id="rId2" imgW="16154400" imgH="17068800" progId="Equation.DSMT4">
                     <p:embed/>
                   </p:oleObj>
                 </mc:Choice>
                 <mc:Fallback>
-                  <p:oleObj name="Equation" r:id="rId4" imgW="672840" imgH="711000" progId="Equation.DSMT4">
+                  <p:oleObj name="Equation" r:id="rId2" imgW="16154400" imgH="17068800" progId="Equation.DSMT4">
                     <p:embed/>
                     <p:pic>
                       <p:nvPicPr>
-                        <p:cNvPr id="13" name="对象 12">
-                          <a:extLst>
-                            <a:ext uri="{FF2B5EF4-FFF2-40B4-BE49-F238E27FC236}">
-                              <a16:creationId xmlns:a16="http://schemas.microsoft.com/office/drawing/2014/main" id="{1FF2D595-6452-42D0-B95B-D24221F316B4}"/>
-                            </a:ext>
-                          </a:extLst>
-                        </p:cNvPr>
+                        <p:cNvPr id="0" name="对象 12"/>
                         <p:cNvPicPr/>
                         <p:nvPr/>
                       </p:nvPicPr>
                       <p:blipFill>
-                        <a:blip r:embed="rId5"/>
+                        <a:blip r:embed="rId3"/>
                         <a:stretch>
                           <a:fillRect/>
                         </a:stretch>
@@ -14504,13 +14101,7 @@
         </p:graphicFrame>
         <p:sp>
           <p:nvSpPr>
-            <p:cNvPr id="13" name="矩形 12">
-              <a:extLst>
-                <a:ext uri="{FF2B5EF4-FFF2-40B4-BE49-F238E27FC236}">
-                  <a16:creationId xmlns:a16="http://schemas.microsoft.com/office/drawing/2014/main" id="{20A577C1-96E5-4648-AD3F-7EDE2C39B8F2}"/>
-                </a:ext>
-              </a:extLst>
-            </p:cNvPr>
+            <p:cNvPr id="13" name="矩形 12"/>
             <p:cNvSpPr/>
             <p:nvPr/>
           </p:nvSpPr>
@@ -14553,13 +14144,7 @@
         </p:sp>
         <p:sp>
           <p:nvSpPr>
-            <p:cNvPr id="14" name="矩形 13">
-              <a:extLst>
-                <a:ext uri="{FF2B5EF4-FFF2-40B4-BE49-F238E27FC236}">
-                  <a16:creationId xmlns:a16="http://schemas.microsoft.com/office/drawing/2014/main" id="{221A9B36-6F82-469A-918C-B0EA1FDC7C9F}"/>
-                </a:ext>
-              </a:extLst>
-            </p:cNvPr>
+            <p:cNvPr id="14" name="矩形 13"/>
             <p:cNvSpPr/>
             <p:nvPr/>
           </p:nvSpPr>
@@ -14615,13 +14200,7 @@
         </p:sp>
         <p:sp>
           <p:nvSpPr>
-            <p:cNvPr id="15" name="矩形 14">
-              <a:extLst>
-                <a:ext uri="{FF2B5EF4-FFF2-40B4-BE49-F238E27FC236}">
-                  <a16:creationId xmlns:a16="http://schemas.microsoft.com/office/drawing/2014/main" id="{25A459AB-931F-44AE-B8B3-C2A4B6D50D2B}"/>
-                </a:ext>
-              </a:extLst>
-            </p:cNvPr>
+            <p:cNvPr id="15" name="矩形 14"/>
             <p:cNvSpPr/>
             <p:nvPr/>
           </p:nvSpPr>
@@ -14667,13 +14246,7 @@
         </p:sp>
         <p:sp>
           <p:nvSpPr>
-            <p:cNvPr id="16" name="矩形 15">
-              <a:extLst>
-                <a:ext uri="{FF2B5EF4-FFF2-40B4-BE49-F238E27FC236}">
-                  <a16:creationId xmlns:a16="http://schemas.microsoft.com/office/drawing/2014/main" id="{A6200063-4A11-4FA7-AF4C-54FF14504220}"/>
-                </a:ext>
-              </a:extLst>
-            </p:cNvPr>
+            <p:cNvPr id="16" name="矩形 15"/>
             <p:cNvSpPr/>
             <p:nvPr/>
           </p:nvSpPr>
@@ -14721,13 +14294,7 @@
         </p:sp>
         <p:sp>
           <p:nvSpPr>
-            <p:cNvPr id="17" name="文本框 16">
-              <a:extLst>
-                <a:ext uri="{FF2B5EF4-FFF2-40B4-BE49-F238E27FC236}">
-                  <a16:creationId xmlns:a16="http://schemas.microsoft.com/office/drawing/2014/main" id="{DE284CFE-BEFB-4E58-B5EC-C59EB9AC228D}"/>
-                </a:ext>
-              </a:extLst>
-            </p:cNvPr>
+            <p:cNvPr id="17" name="文本框 16"/>
             <p:cNvSpPr txBox="1"/>
             <p:nvPr/>
           </p:nvSpPr>
@@ -14757,13 +14324,7 @@
         </p:sp>
         <p:sp>
           <p:nvSpPr>
-            <p:cNvPr id="18" name="文本框 17">
-              <a:extLst>
-                <a:ext uri="{FF2B5EF4-FFF2-40B4-BE49-F238E27FC236}">
-                  <a16:creationId xmlns:a16="http://schemas.microsoft.com/office/drawing/2014/main" id="{0BB65434-6C4A-4935-95AA-B57C69C5078E}"/>
-                </a:ext>
-              </a:extLst>
-            </p:cNvPr>
+            <p:cNvPr id="18" name="文本框 17"/>
             <p:cNvSpPr txBox="1"/>
             <p:nvPr/>
           </p:nvSpPr>
@@ -14793,13 +14354,7 @@
         </p:sp>
         <p:sp>
           <p:nvSpPr>
-            <p:cNvPr id="19" name="文本框 18">
-              <a:extLst>
-                <a:ext uri="{FF2B5EF4-FFF2-40B4-BE49-F238E27FC236}">
-                  <a16:creationId xmlns:a16="http://schemas.microsoft.com/office/drawing/2014/main" id="{47C5C3EE-EEF3-48D5-87E1-FE22602E57FD}"/>
-                </a:ext>
-              </a:extLst>
-            </p:cNvPr>
+            <p:cNvPr id="19" name="文本框 18"/>
             <p:cNvSpPr txBox="1"/>
             <p:nvPr/>
           </p:nvSpPr>
@@ -14829,22 +14384,17 @@
         </p:sp>
       </p:grpSp>
     </p:spTree>
-    <p:extLst>
-      <p:ext uri="{BB962C8B-B14F-4D97-AF65-F5344CB8AC3E}">
-        <p14:creationId xmlns:p14="http://schemas.microsoft.com/office/powerpoint/2010/main" val="3681657608"/>
-      </p:ext>
-    </p:extLst>
   </p:cSld>
   <p:clrMapOvr>
     <a:masterClrMapping/>
   </p:clrMapOvr>
-  <mc:AlternateContent xmlns:mc="http://schemas.openxmlformats.org/markup-compatibility/2006" xmlns:p14="http://schemas.microsoft.com/office/powerpoint/2010/main">
-    <mc:Choice Requires="p14">
+  <mc:AlternateContent xmlns:mc="http://schemas.openxmlformats.org/markup-compatibility/2006">
+    <mc:Choice xmlns:p14="http://schemas.microsoft.com/office/powerpoint/2010/main" Requires="p14">
       <p:transition spd="med" p14:dur="700">
         <p:fade/>
       </p:transition>
     </mc:Choice>
-    <mc:Fallback xmlns="">
+    <mc:Fallback>
       <p:transition spd="med">
         <p:fade/>
       </p:transition>
@@ -14968,8 +14518,8 @@
           </a:p>
         </p:txBody>
       </p:sp>
-      <mc:AlternateContent xmlns:mc="http://schemas.openxmlformats.org/markup-compatibility/2006" xmlns:a14="http://schemas.microsoft.com/office/drawing/2010/main">
-        <mc:Choice Requires="a14">
+      <mc:AlternateContent xmlns:mc="http://schemas.openxmlformats.org/markup-compatibility/2006">
+        <mc:Choice xmlns:a14="http://schemas.microsoft.com/office/drawing/2010/main" Requires="a14">
           <p:sp>
             <p:nvSpPr>
               <p:cNvPr id="3" name="内容占位符 2"/>
@@ -15478,7 +15028,7 @@
             </p:txBody>
           </p:sp>
         </mc:Choice>
-        <mc:Fallback xmlns="">
+        <mc:Fallback>
           <p:sp>
             <p:nvSpPr>
               <p:cNvPr id="3" name="内容占位符 2"/>
@@ -15490,8 +15040,8 @@
               </p:nvPr>
             </p:nvSpPr>
             <p:spPr>
-              <a:blipFill>
-                <a:blip r:embed="rId2"/>
+              <a:blipFill rotWithShape="1">
+                <a:blip r:embed="rId1"/>
                 <a:stretch>
                   <a:fillRect l="-1043" t="-2521"/>
                 </a:stretch>
@@ -15507,28 +15057,26 @@
                   </a:rPr>
                   <a:t> </a:t>
                 </a:r>
+                <a:endParaRPr lang="zh-CN" altLang="en-US">
+                  <a:noFill/>
+                </a:endParaRPr>
               </a:p>
             </p:txBody>
           </p:sp>
         </mc:Fallback>
       </mc:AlternateContent>
     </p:spTree>
-    <p:extLst>
-      <p:ext uri="{BB962C8B-B14F-4D97-AF65-F5344CB8AC3E}">
-        <p14:creationId xmlns:p14="http://schemas.microsoft.com/office/powerpoint/2010/main" val="1963279743"/>
-      </p:ext>
-    </p:extLst>
   </p:cSld>
   <p:clrMapOvr>
     <a:masterClrMapping/>
   </p:clrMapOvr>
-  <mc:AlternateContent xmlns:mc="http://schemas.openxmlformats.org/markup-compatibility/2006" xmlns:p14="http://schemas.microsoft.com/office/powerpoint/2010/main">
-    <mc:Choice Requires="p14">
+  <mc:AlternateContent xmlns:mc="http://schemas.openxmlformats.org/markup-compatibility/2006">
+    <mc:Choice xmlns:p14="http://schemas.microsoft.com/office/powerpoint/2010/main" Requires="p14">
       <p:transition spd="med" p14:dur="700">
         <p:fade/>
       </p:transition>
     </mc:Choice>
-    <mc:Fallback xmlns="">
+    <mc:Fallback>
       <p:transition spd="med">
         <p:fade/>
       </p:transition>
@@ -15556,13 +15104,7 @@
       </p:grpSpPr>
       <p:sp>
         <p:nvSpPr>
-          <p:cNvPr id="6" name="矩形: 圆角 5">
-            <a:extLst>
-              <a:ext uri="{FF2B5EF4-FFF2-40B4-BE49-F238E27FC236}">
-                <a16:creationId xmlns:a16="http://schemas.microsoft.com/office/drawing/2014/main" id="{C0AE7CB1-7EA6-493C-AEC4-28094116023B}"/>
-              </a:ext>
-            </a:extLst>
-          </p:cNvPr>
+          <p:cNvPr id="6" name="矩形: 圆角 5"/>
           <p:cNvSpPr/>
           <p:nvPr/>
         </p:nvSpPr>
@@ -15600,18 +15142,13 @@
               <a:rPr lang="zh-CN" altLang="en-US" dirty="0"/>
               <a:t>输入</a:t>
             </a:r>
+            <a:endParaRPr lang="zh-CN" altLang="en-US" dirty="0"/>
           </a:p>
         </p:txBody>
       </p:sp>
       <p:sp>
         <p:nvSpPr>
-          <p:cNvPr id="7" name="矩形: 圆角 6">
-            <a:extLst>
-              <a:ext uri="{FF2B5EF4-FFF2-40B4-BE49-F238E27FC236}">
-                <a16:creationId xmlns:a16="http://schemas.microsoft.com/office/drawing/2014/main" id="{2A5DF536-AC5E-457D-8D09-3DC735E53D56}"/>
-              </a:ext>
-            </a:extLst>
-          </p:cNvPr>
+          <p:cNvPr id="7" name="矩形: 圆角 6"/>
           <p:cNvSpPr/>
           <p:nvPr/>
         </p:nvSpPr>
@@ -15653,18 +15190,13 @@
               <a:rPr lang="zh-CN" altLang="en-US" dirty="0"/>
               <a:t>设计</a:t>
             </a:r>
+            <a:endParaRPr lang="zh-CN" altLang="en-US" dirty="0"/>
           </a:p>
         </p:txBody>
       </p:sp>
       <p:sp>
         <p:nvSpPr>
-          <p:cNvPr id="8" name="矩形: 圆角 7">
-            <a:extLst>
-              <a:ext uri="{FF2B5EF4-FFF2-40B4-BE49-F238E27FC236}">
-                <a16:creationId xmlns:a16="http://schemas.microsoft.com/office/drawing/2014/main" id="{908CABE8-87B3-40C2-A845-39ED9CD6351C}"/>
-              </a:ext>
-            </a:extLst>
-          </p:cNvPr>
+          <p:cNvPr id="8" name="矩形: 圆角 7"/>
           <p:cNvSpPr/>
           <p:nvPr/>
         </p:nvSpPr>
@@ -15702,18 +15234,13 @@
               <a:rPr lang="zh-CN" altLang="en-US" dirty="0"/>
               <a:t>决策</a:t>
             </a:r>
+            <a:endParaRPr lang="zh-CN" altLang="en-US" dirty="0"/>
           </a:p>
         </p:txBody>
       </p:sp>
       <p:sp>
         <p:nvSpPr>
-          <p:cNvPr id="9" name="矩形: 圆角 8">
-            <a:extLst>
-              <a:ext uri="{FF2B5EF4-FFF2-40B4-BE49-F238E27FC236}">
-                <a16:creationId xmlns:a16="http://schemas.microsoft.com/office/drawing/2014/main" id="{10E81E8C-D63D-4CB4-9DFC-D473BD5E3C7A}"/>
-              </a:ext>
-            </a:extLst>
-          </p:cNvPr>
+          <p:cNvPr id="9" name="矩形: 圆角 8"/>
           <p:cNvSpPr/>
           <p:nvPr/>
         </p:nvSpPr>
@@ -15757,18 +15284,17 @@
               </a:rPr>
               <a:t>如何设计输入形式最合理？</a:t>
             </a:r>
+            <a:endParaRPr lang="zh-CN" altLang="en-US" dirty="0">
+              <a:solidFill>
+                <a:schemeClr val="tx1"/>
+              </a:solidFill>
+            </a:endParaRPr>
           </a:p>
         </p:txBody>
       </p:sp>
       <p:sp>
         <p:nvSpPr>
-          <p:cNvPr id="10" name="矩形: 圆角 9">
-            <a:extLst>
-              <a:ext uri="{FF2B5EF4-FFF2-40B4-BE49-F238E27FC236}">
-                <a16:creationId xmlns:a16="http://schemas.microsoft.com/office/drawing/2014/main" id="{B87BE0C0-7EF9-44A7-AF23-18FE804C3C0B}"/>
-              </a:ext>
-            </a:extLst>
-          </p:cNvPr>
+          <p:cNvPr id="10" name="矩形: 圆角 9"/>
           <p:cNvSpPr/>
           <p:nvPr/>
         </p:nvSpPr>
@@ -15812,18 +15338,17 @@
               </a:rPr>
               <a:t>如何加入先验知识？</a:t>
             </a:r>
+            <a:endParaRPr lang="zh-CN" altLang="en-US" dirty="0">
+              <a:solidFill>
+                <a:schemeClr val="tx1"/>
+              </a:solidFill>
+            </a:endParaRPr>
           </a:p>
         </p:txBody>
       </p:sp>
       <p:sp>
         <p:nvSpPr>
-          <p:cNvPr id="11" name="矩形: 圆角 10">
-            <a:extLst>
-              <a:ext uri="{FF2B5EF4-FFF2-40B4-BE49-F238E27FC236}">
-                <a16:creationId xmlns:a16="http://schemas.microsoft.com/office/drawing/2014/main" id="{762D781A-FEAE-4CD8-87F7-B0713CC884EE}"/>
-              </a:ext>
-            </a:extLst>
-          </p:cNvPr>
+          <p:cNvPr id="11" name="矩形: 圆角 10"/>
           <p:cNvSpPr/>
           <p:nvPr/>
         </p:nvSpPr>
@@ -15867,18 +15392,17 @@
               </a:rPr>
               <a:t>如何利用输出的语义信息？</a:t>
             </a:r>
+            <a:endParaRPr lang="zh-CN" altLang="en-US" dirty="0">
+              <a:solidFill>
+                <a:schemeClr val="tx1"/>
+              </a:solidFill>
+            </a:endParaRPr>
           </a:p>
         </p:txBody>
       </p:sp>
       <p:sp>
         <p:nvSpPr>
-          <p:cNvPr id="13" name="矩形: 圆角 12">
-            <a:extLst>
-              <a:ext uri="{FF2B5EF4-FFF2-40B4-BE49-F238E27FC236}">
-                <a16:creationId xmlns:a16="http://schemas.microsoft.com/office/drawing/2014/main" id="{4994B7AA-790E-451D-BFFE-732D94FD9FC0}"/>
-              </a:ext>
-            </a:extLst>
-          </p:cNvPr>
+          <p:cNvPr id="13" name="矩形: 圆角 12"/>
           <p:cNvSpPr/>
           <p:nvPr/>
         </p:nvSpPr>
@@ -15926,18 +15450,17 @@
               </a:rPr>
               <a:t>对比分析不同输入通道的组合效果</a:t>
             </a:r>
+            <a:endParaRPr lang="zh-CN" altLang="en-US" dirty="0">
+              <a:solidFill>
+                <a:schemeClr val="tx1"/>
+              </a:solidFill>
+            </a:endParaRPr>
           </a:p>
         </p:txBody>
       </p:sp>
       <p:sp>
         <p:nvSpPr>
-          <p:cNvPr id="14" name="矩形: 圆角 13">
-            <a:extLst>
-              <a:ext uri="{FF2B5EF4-FFF2-40B4-BE49-F238E27FC236}">
-                <a16:creationId xmlns:a16="http://schemas.microsoft.com/office/drawing/2014/main" id="{F9953AA7-B388-40FF-89E3-1B0EB2AAAE47}"/>
-              </a:ext>
-            </a:extLst>
-          </p:cNvPr>
+          <p:cNvPr id="14" name="矩形: 圆角 13"/>
           <p:cNvSpPr/>
           <p:nvPr/>
         </p:nvSpPr>
@@ -15985,18 +15508,17 @@
               </a:rPr>
               <a:t>增加输入通道：先验知识（分割）</a:t>
             </a:r>
+            <a:endParaRPr lang="zh-CN" altLang="en-US" dirty="0">
+              <a:solidFill>
+                <a:schemeClr val="tx1"/>
+              </a:solidFill>
+            </a:endParaRPr>
           </a:p>
         </p:txBody>
       </p:sp>
       <p:sp>
         <p:nvSpPr>
-          <p:cNvPr id="15" name="矩形: 圆角 14">
-            <a:extLst>
-              <a:ext uri="{FF2B5EF4-FFF2-40B4-BE49-F238E27FC236}">
-                <a16:creationId xmlns:a16="http://schemas.microsoft.com/office/drawing/2014/main" id="{C7A7F303-5966-42D4-B5A0-134BCF4A628D}"/>
-              </a:ext>
-            </a:extLst>
-          </p:cNvPr>
+          <p:cNvPr id="15" name="矩形: 圆角 14"/>
           <p:cNvSpPr/>
           <p:nvPr/>
         </p:nvSpPr>
@@ -16044,18 +15566,17 @@
               </a:rPr>
               <a:t>空间先验</a:t>
             </a:r>
+            <a:endParaRPr lang="zh-CN" altLang="en-US" dirty="0">
+              <a:solidFill>
+                <a:schemeClr val="tx1"/>
+              </a:solidFill>
+            </a:endParaRPr>
           </a:p>
         </p:txBody>
       </p:sp>
       <p:sp>
         <p:nvSpPr>
-          <p:cNvPr id="16" name="矩形: 圆角 15">
-            <a:extLst>
-              <a:ext uri="{FF2B5EF4-FFF2-40B4-BE49-F238E27FC236}">
-                <a16:creationId xmlns:a16="http://schemas.microsoft.com/office/drawing/2014/main" id="{065BFA61-CB37-4A6E-8093-AD0BBE40A01B}"/>
-              </a:ext>
-            </a:extLst>
-          </p:cNvPr>
+          <p:cNvPr id="16" name="矩形: 圆角 15"/>
           <p:cNvSpPr/>
           <p:nvPr/>
         </p:nvSpPr>
@@ -16103,18 +15624,17 @@
               </a:rPr>
               <a:t>时间先验</a:t>
             </a:r>
+            <a:endParaRPr lang="zh-CN" altLang="en-US" dirty="0">
+              <a:solidFill>
+                <a:schemeClr val="tx1"/>
+              </a:solidFill>
+            </a:endParaRPr>
           </a:p>
         </p:txBody>
       </p:sp>
       <p:sp>
         <p:nvSpPr>
-          <p:cNvPr id="18" name="矩形: 圆角 17">
-            <a:extLst>
-              <a:ext uri="{FF2B5EF4-FFF2-40B4-BE49-F238E27FC236}">
-                <a16:creationId xmlns:a16="http://schemas.microsoft.com/office/drawing/2014/main" id="{6FDB7513-0A20-4F69-BE14-03CA81A007DF}"/>
-              </a:ext>
-            </a:extLst>
-          </p:cNvPr>
+          <p:cNvPr id="18" name="矩形: 圆角 17"/>
           <p:cNvSpPr/>
           <p:nvPr/>
         </p:nvSpPr>
@@ -16162,18 +15682,17 @@
               </a:rPr>
               <a:t>相邻像素标签一致性</a:t>
             </a:r>
+            <a:endParaRPr lang="zh-CN" altLang="en-US" dirty="0">
+              <a:solidFill>
+                <a:schemeClr val="tx1"/>
+              </a:solidFill>
+            </a:endParaRPr>
           </a:p>
         </p:txBody>
       </p:sp>
       <p:sp>
         <p:nvSpPr>
-          <p:cNvPr id="19" name="矩形: 圆角 18">
-            <a:extLst>
-              <a:ext uri="{FF2B5EF4-FFF2-40B4-BE49-F238E27FC236}">
-                <a16:creationId xmlns:a16="http://schemas.microsoft.com/office/drawing/2014/main" id="{82D09E3B-2F06-4DD6-916D-3AAD92FD82BA}"/>
-              </a:ext>
-            </a:extLst>
-          </p:cNvPr>
+          <p:cNvPr id="19" name="矩形: 圆角 18"/>
           <p:cNvSpPr/>
           <p:nvPr/>
         </p:nvSpPr>
@@ -16221,18 +15740,17 @@
               </a:rPr>
               <a:t>分割边界标签不一致性</a:t>
             </a:r>
+            <a:endParaRPr lang="zh-CN" altLang="en-US" dirty="0">
+              <a:solidFill>
+                <a:schemeClr val="tx1"/>
+              </a:solidFill>
+            </a:endParaRPr>
           </a:p>
         </p:txBody>
       </p:sp>
       <p:sp>
         <p:nvSpPr>
-          <p:cNvPr id="20" name="矩形: 圆角 19">
-            <a:extLst>
-              <a:ext uri="{FF2B5EF4-FFF2-40B4-BE49-F238E27FC236}">
-                <a16:creationId xmlns:a16="http://schemas.microsoft.com/office/drawing/2014/main" id="{4164E214-487C-4B6A-8886-5372FBBE34A1}"/>
-              </a:ext>
-            </a:extLst>
-          </p:cNvPr>
+          <p:cNvPr id="20" name="矩形: 圆角 19"/>
           <p:cNvSpPr/>
           <p:nvPr/>
         </p:nvSpPr>
@@ -16280,18 +15798,17 @@
               </a:rPr>
               <a:t>前后帧关联标签一致性</a:t>
             </a:r>
+            <a:endParaRPr lang="zh-CN" altLang="en-US" dirty="0">
+              <a:solidFill>
+                <a:schemeClr val="tx1"/>
+              </a:solidFill>
+            </a:endParaRPr>
           </a:p>
         </p:txBody>
       </p:sp>
       <p:sp>
         <p:nvSpPr>
-          <p:cNvPr id="21" name="矩形: 圆角 20">
-            <a:extLst>
-              <a:ext uri="{FF2B5EF4-FFF2-40B4-BE49-F238E27FC236}">
-                <a16:creationId xmlns:a16="http://schemas.microsoft.com/office/drawing/2014/main" id="{8F490583-7F69-4889-8885-6D4F676CA849}"/>
-              </a:ext>
-            </a:extLst>
-          </p:cNvPr>
+          <p:cNvPr id="21" name="矩形: 圆角 20"/>
           <p:cNvSpPr/>
           <p:nvPr/>
         </p:nvSpPr>
@@ -16339,18 +15856,17 @@
               </a:rPr>
               <a:t>物体高度的先验约束（人的高度）</a:t>
             </a:r>
+            <a:endParaRPr lang="zh-CN" altLang="en-US" dirty="0">
+              <a:solidFill>
+                <a:schemeClr val="tx1"/>
+              </a:solidFill>
+            </a:endParaRPr>
           </a:p>
         </p:txBody>
       </p:sp>
       <p:sp>
         <p:nvSpPr>
-          <p:cNvPr id="22" name="矩形: 圆角 21">
-            <a:extLst>
-              <a:ext uri="{FF2B5EF4-FFF2-40B4-BE49-F238E27FC236}">
-                <a16:creationId xmlns:a16="http://schemas.microsoft.com/office/drawing/2014/main" id="{A22BEED8-0538-45A8-9231-90F9A9D3EC4F}"/>
-              </a:ext>
-            </a:extLst>
-          </p:cNvPr>
+          <p:cNvPr id="22" name="矩形: 圆角 21"/>
           <p:cNvSpPr/>
           <p:nvPr/>
         </p:nvSpPr>
@@ -16398,18 +15914,17 @@
               </a:rPr>
               <a:t>反射强度先验约束（路牌）</a:t>
             </a:r>
+            <a:endParaRPr lang="zh-CN" altLang="en-US" dirty="0">
+              <a:solidFill>
+                <a:schemeClr val="tx1"/>
+              </a:solidFill>
+            </a:endParaRPr>
           </a:p>
         </p:txBody>
       </p:sp>
       <p:sp>
         <p:nvSpPr>
-          <p:cNvPr id="23" name="矩形: 圆角 22">
-            <a:extLst>
-              <a:ext uri="{FF2B5EF4-FFF2-40B4-BE49-F238E27FC236}">
-                <a16:creationId xmlns:a16="http://schemas.microsoft.com/office/drawing/2014/main" id="{D1C26F50-4887-4EC2-A0BC-B3B8D36C74C0}"/>
-              </a:ext>
-            </a:extLst>
-          </p:cNvPr>
+          <p:cNvPr id="23" name="矩形: 圆角 22"/>
           <p:cNvSpPr/>
           <p:nvPr/>
         </p:nvSpPr>
@@ -16473,18 +15988,17 @@
               </a:rPr>
               <a:t>势函数</a:t>
             </a:r>
+            <a:endParaRPr lang="zh-CN" altLang="en-US" dirty="0">
+              <a:solidFill>
+                <a:schemeClr val="tx1"/>
+              </a:solidFill>
+            </a:endParaRPr>
           </a:p>
         </p:txBody>
       </p:sp>
       <p:sp>
         <p:nvSpPr>
-          <p:cNvPr id="24" name="矩形: 圆角 23">
-            <a:extLst>
-              <a:ext uri="{FF2B5EF4-FFF2-40B4-BE49-F238E27FC236}">
-                <a16:creationId xmlns:a16="http://schemas.microsoft.com/office/drawing/2014/main" id="{7A5C2587-411D-4F39-8942-E313984606B0}"/>
-              </a:ext>
-            </a:extLst>
-          </p:cNvPr>
+          <p:cNvPr id="24" name="矩形: 圆角 23"/>
           <p:cNvSpPr/>
           <p:nvPr/>
         </p:nvSpPr>
@@ -16532,18 +16046,17 @@
               </a:rPr>
               <a:t>其他先验</a:t>
             </a:r>
+            <a:endParaRPr lang="zh-CN" altLang="en-US" dirty="0">
+              <a:solidFill>
+                <a:schemeClr val="tx1"/>
+              </a:solidFill>
+            </a:endParaRPr>
           </a:p>
         </p:txBody>
       </p:sp>
       <p:sp>
         <p:nvSpPr>
-          <p:cNvPr id="25" name="矩形: 圆角 24">
-            <a:extLst>
-              <a:ext uri="{FF2B5EF4-FFF2-40B4-BE49-F238E27FC236}">
-                <a16:creationId xmlns:a16="http://schemas.microsoft.com/office/drawing/2014/main" id="{4A025983-A8F7-4883-B03A-742A3945E8AE}"/>
-              </a:ext>
-            </a:extLst>
-          </p:cNvPr>
+          <p:cNvPr id="25" name="矩形: 圆角 24"/>
           <p:cNvSpPr/>
           <p:nvPr/>
         </p:nvSpPr>
@@ -16591,18 +16104,17 @@
               </a:rPr>
               <a:t>利用语义标签建立语义地图</a:t>
             </a:r>
+            <a:endParaRPr lang="zh-CN" altLang="en-US" dirty="0">
+              <a:solidFill>
+                <a:schemeClr val="tx1"/>
+              </a:solidFill>
+            </a:endParaRPr>
           </a:p>
         </p:txBody>
       </p:sp>
       <p:cxnSp>
         <p:nvCxnSpPr>
-          <p:cNvPr id="3" name="直接箭头连接符 2">
-            <a:extLst>
-              <a:ext uri="{FF2B5EF4-FFF2-40B4-BE49-F238E27FC236}">
-                <a16:creationId xmlns:a16="http://schemas.microsoft.com/office/drawing/2014/main" id="{C3A82A6A-3476-4E15-B457-D612AFCEBD76}"/>
-              </a:ext>
-            </a:extLst>
-          </p:cNvPr>
+          <p:cNvPr id="3" name="直接箭头连接符 2"/>
           <p:cNvCxnSpPr>
             <a:stCxn id="6" idx="3"/>
             <a:endCxn id="9" idx="1"/>
@@ -16638,13 +16150,7 @@
       </p:cxnSp>
       <p:cxnSp>
         <p:nvCxnSpPr>
-          <p:cNvPr id="12" name="直接箭头连接符 11">
-            <a:extLst>
-              <a:ext uri="{FF2B5EF4-FFF2-40B4-BE49-F238E27FC236}">
-                <a16:creationId xmlns:a16="http://schemas.microsoft.com/office/drawing/2014/main" id="{8CBCDD1B-80D2-4FDB-837B-BD3876EF31D3}"/>
-              </a:ext>
-            </a:extLst>
-          </p:cNvPr>
+          <p:cNvPr id="12" name="直接箭头连接符 11"/>
           <p:cNvCxnSpPr>
             <a:stCxn id="7" idx="3"/>
             <a:endCxn id="10" idx="1"/>
@@ -16680,13 +16186,7 @@
       </p:cxnSp>
       <p:cxnSp>
         <p:nvCxnSpPr>
-          <p:cNvPr id="26" name="直接箭头连接符 25">
-            <a:extLst>
-              <a:ext uri="{FF2B5EF4-FFF2-40B4-BE49-F238E27FC236}">
-                <a16:creationId xmlns:a16="http://schemas.microsoft.com/office/drawing/2014/main" id="{39A11E58-9E15-4BA3-A9A8-06BBE25E6D4F}"/>
-              </a:ext>
-            </a:extLst>
-          </p:cNvPr>
+          <p:cNvPr id="26" name="直接箭头连接符 25"/>
           <p:cNvCxnSpPr>
             <a:stCxn id="8" idx="3"/>
             <a:endCxn id="11" idx="1"/>
@@ -16722,15 +16222,8 @@
       </p:cxnSp>
       <p:cxnSp>
         <p:nvCxnSpPr>
-          <p:cNvPr id="37" name="直接连接符 36">
-            <a:extLst>
-              <a:ext uri="{FF2B5EF4-FFF2-40B4-BE49-F238E27FC236}">
-                <a16:creationId xmlns:a16="http://schemas.microsoft.com/office/drawing/2014/main" id="{7493A350-787A-4D56-9AF4-3FF8DE63300D}"/>
-              </a:ext>
-            </a:extLst>
-          </p:cNvPr>
+          <p:cNvPr id="37" name="直接连接符 36"/>
           <p:cNvCxnSpPr>
-            <a:cxnSpLocks/>
             <a:stCxn id="9" idx="3"/>
             <a:endCxn id="13" idx="1"/>
           </p:cNvCxnSpPr>
@@ -16762,13 +16255,7 @@
       </p:cxnSp>
       <p:cxnSp>
         <p:nvCxnSpPr>
-          <p:cNvPr id="40" name="直接连接符 39">
-            <a:extLst>
-              <a:ext uri="{FF2B5EF4-FFF2-40B4-BE49-F238E27FC236}">
-                <a16:creationId xmlns:a16="http://schemas.microsoft.com/office/drawing/2014/main" id="{574924FD-4D60-46CF-9124-FECF9E43CB7B}"/>
-              </a:ext>
-            </a:extLst>
-          </p:cNvPr>
+          <p:cNvPr id="40" name="直接连接符 39"/>
           <p:cNvCxnSpPr>
             <a:stCxn id="9" idx="3"/>
             <a:endCxn id="14" idx="1"/>
@@ -16801,13 +16288,7 @@
       </p:cxnSp>
       <p:cxnSp>
         <p:nvCxnSpPr>
-          <p:cNvPr id="42" name="直接连接符 41">
-            <a:extLst>
-              <a:ext uri="{FF2B5EF4-FFF2-40B4-BE49-F238E27FC236}">
-                <a16:creationId xmlns:a16="http://schemas.microsoft.com/office/drawing/2014/main" id="{8910DF03-4CFC-4E9A-99DF-854271B69E84}"/>
-              </a:ext>
-            </a:extLst>
-          </p:cNvPr>
+          <p:cNvPr id="42" name="直接连接符 41"/>
           <p:cNvCxnSpPr>
             <a:stCxn id="10" idx="3"/>
             <a:endCxn id="16" idx="1"/>
@@ -16840,13 +16321,7 @@
       </p:cxnSp>
       <p:cxnSp>
         <p:nvCxnSpPr>
-          <p:cNvPr id="44" name="直接连接符 43">
-            <a:extLst>
-              <a:ext uri="{FF2B5EF4-FFF2-40B4-BE49-F238E27FC236}">
-                <a16:creationId xmlns:a16="http://schemas.microsoft.com/office/drawing/2014/main" id="{11BD6CE2-CB0E-4467-B608-477195B64754}"/>
-              </a:ext>
-            </a:extLst>
-          </p:cNvPr>
+          <p:cNvPr id="44" name="直接连接符 43"/>
           <p:cNvCxnSpPr>
             <a:stCxn id="10" idx="3"/>
             <a:endCxn id="15" idx="1"/>
@@ -16879,15 +16354,8 @@
       </p:cxnSp>
       <p:cxnSp>
         <p:nvCxnSpPr>
-          <p:cNvPr id="46" name="直接连接符 45">
-            <a:extLst>
-              <a:ext uri="{FF2B5EF4-FFF2-40B4-BE49-F238E27FC236}">
-                <a16:creationId xmlns:a16="http://schemas.microsoft.com/office/drawing/2014/main" id="{FA28B249-2E3D-43EC-84F3-F3DB2990394D}"/>
-              </a:ext>
-            </a:extLst>
-          </p:cNvPr>
+          <p:cNvPr id="46" name="直接连接符 45"/>
           <p:cNvCxnSpPr>
-            <a:cxnSpLocks/>
             <a:stCxn id="10" idx="3"/>
             <a:endCxn id="24" idx="1"/>
           </p:cNvCxnSpPr>
@@ -16919,13 +16387,7 @@
       </p:cxnSp>
       <p:cxnSp>
         <p:nvCxnSpPr>
-          <p:cNvPr id="48" name="直接连接符 47">
-            <a:extLst>
-              <a:ext uri="{FF2B5EF4-FFF2-40B4-BE49-F238E27FC236}">
-                <a16:creationId xmlns:a16="http://schemas.microsoft.com/office/drawing/2014/main" id="{CFDED113-838D-44FC-B876-D69B352439BF}"/>
-              </a:ext>
-            </a:extLst>
-          </p:cNvPr>
+          <p:cNvPr id="48" name="直接连接符 47"/>
           <p:cNvCxnSpPr>
             <a:stCxn id="15" idx="3"/>
             <a:endCxn id="18" idx="1"/>
@@ -16958,13 +16420,7 @@
       </p:cxnSp>
       <p:cxnSp>
         <p:nvCxnSpPr>
-          <p:cNvPr id="50" name="直接连接符 49">
-            <a:extLst>
-              <a:ext uri="{FF2B5EF4-FFF2-40B4-BE49-F238E27FC236}">
-                <a16:creationId xmlns:a16="http://schemas.microsoft.com/office/drawing/2014/main" id="{520FF2D0-42A0-4B98-9983-C1D40FE86437}"/>
-              </a:ext>
-            </a:extLst>
-          </p:cNvPr>
+          <p:cNvPr id="50" name="直接连接符 49"/>
           <p:cNvCxnSpPr>
             <a:stCxn id="15" idx="3"/>
             <a:endCxn id="19" idx="1"/>
@@ -16997,13 +16453,7 @@
       </p:cxnSp>
       <p:cxnSp>
         <p:nvCxnSpPr>
-          <p:cNvPr id="52" name="直接连接符 51">
-            <a:extLst>
-              <a:ext uri="{FF2B5EF4-FFF2-40B4-BE49-F238E27FC236}">
-                <a16:creationId xmlns:a16="http://schemas.microsoft.com/office/drawing/2014/main" id="{D6E9AFBD-3BCB-493B-8F17-32B4070053EF}"/>
-              </a:ext>
-            </a:extLst>
-          </p:cNvPr>
+          <p:cNvPr id="52" name="直接连接符 51"/>
           <p:cNvCxnSpPr>
             <a:stCxn id="15" idx="3"/>
             <a:endCxn id="21" idx="1"/>
@@ -17036,13 +16486,7 @@
       </p:cxnSp>
       <p:cxnSp>
         <p:nvCxnSpPr>
-          <p:cNvPr id="54" name="直接连接符 53">
-            <a:extLst>
-              <a:ext uri="{FF2B5EF4-FFF2-40B4-BE49-F238E27FC236}">
-                <a16:creationId xmlns:a16="http://schemas.microsoft.com/office/drawing/2014/main" id="{3B1F13CF-1185-48CB-8AF6-E3089274E284}"/>
-              </a:ext>
-            </a:extLst>
-          </p:cNvPr>
+          <p:cNvPr id="54" name="直接连接符 53"/>
           <p:cNvCxnSpPr>
             <a:stCxn id="16" idx="3"/>
             <a:endCxn id="20" idx="1"/>
@@ -17075,13 +16519,7 @@
       </p:cxnSp>
       <p:cxnSp>
         <p:nvCxnSpPr>
-          <p:cNvPr id="56" name="直接连接符 55">
-            <a:extLst>
-              <a:ext uri="{FF2B5EF4-FFF2-40B4-BE49-F238E27FC236}">
-                <a16:creationId xmlns:a16="http://schemas.microsoft.com/office/drawing/2014/main" id="{4B623AC9-4A3F-4988-A2B4-0694D17A2189}"/>
-              </a:ext>
-            </a:extLst>
-          </p:cNvPr>
+          <p:cNvPr id="56" name="直接连接符 55"/>
           <p:cNvCxnSpPr>
             <a:stCxn id="24" idx="3"/>
             <a:endCxn id="22" idx="1"/>
@@ -17114,13 +16552,7 @@
       </p:cxnSp>
       <p:cxnSp>
         <p:nvCxnSpPr>
-          <p:cNvPr id="58" name="直接连接符 57">
-            <a:extLst>
-              <a:ext uri="{FF2B5EF4-FFF2-40B4-BE49-F238E27FC236}">
-                <a16:creationId xmlns:a16="http://schemas.microsoft.com/office/drawing/2014/main" id="{5E19CC1E-E8F9-4702-AF3D-494C77A04F30}"/>
-              </a:ext>
-            </a:extLst>
-          </p:cNvPr>
+          <p:cNvPr id="58" name="直接连接符 57"/>
           <p:cNvCxnSpPr>
             <a:stCxn id="11" idx="3"/>
             <a:endCxn id="23" idx="1"/>
@@ -17153,13 +16585,7 @@
       </p:cxnSp>
       <p:cxnSp>
         <p:nvCxnSpPr>
-          <p:cNvPr id="60" name="直接连接符 59">
-            <a:extLst>
-              <a:ext uri="{FF2B5EF4-FFF2-40B4-BE49-F238E27FC236}">
-                <a16:creationId xmlns:a16="http://schemas.microsoft.com/office/drawing/2014/main" id="{06BB01E5-B832-46F8-B7FC-240D97545902}"/>
-              </a:ext>
-            </a:extLst>
-          </p:cNvPr>
+          <p:cNvPr id="60" name="直接连接符 59"/>
           <p:cNvCxnSpPr>
             <a:stCxn id="11" idx="3"/>
             <a:endCxn id="25" idx="1"/>
@@ -17192,13 +16618,7 @@
       </p:cxnSp>
       <p:sp>
         <p:nvSpPr>
-          <p:cNvPr id="75" name="矩形: 圆角 74">
-            <a:extLst>
-              <a:ext uri="{FF2B5EF4-FFF2-40B4-BE49-F238E27FC236}">
-                <a16:creationId xmlns:a16="http://schemas.microsoft.com/office/drawing/2014/main" id="{DEF18FA5-048D-487D-B4A1-EEC4FCF146DD}"/>
-              </a:ext>
-            </a:extLst>
-          </p:cNvPr>
+          <p:cNvPr id="75" name="矩形: 圆角 74"/>
           <p:cNvSpPr/>
           <p:nvPr/>
         </p:nvSpPr>
@@ -17246,18 +16666,17 @@
               </a:rPr>
               <a:t>距离先验约束</a:t>
             </a:r>
+            <a:endParaRPr lang="zh-CN" altLang="en-US" dirty="0">
+              <a:solidFill>
+                <a:schemeClr val="tx1"/>
+              </a:solidFill>
+            </a:endParaRPr>
           </a:p>
         </p:txBody>
       </p:sp>
       <p:cxnSp>
         <p:nvCxnSpPr>
-          <p:cNvPr id="79" name="直接连接符 78">
-            <a:extLst>
-              <a:ext uri="{FF2B5EF4-FFF2-40B4-BE49-F238E27FC236}">
-                <a16:creationId xmlns:a16="http://schemas.microsoft.com/office/drawing/2014/main" id="{437A34DF-3BD4-498A-8FD4-C54FD9085321}"/>
-              </a:ext>
-            </a:extLst>
-          </p:cNvPr>
+          <p:cNvPr id="79" name="直接连接符 78"/>
           <p:cNvCxnSpPr>
             <a:stCxn id="24" idx="3"/>
             <a:endCxn id="75" idx="1"/>
@@ -17290,15 +16709,9 @@
       </p:cxnSp>
       <mc:AlternateContent xmlns:mc="http://schemas.openxmlformats.org/markup-compatibility/2006" xmlns:p14="http://schemas.microsoft.com/office/powerpoint/2010/main">
         <mc:Choice Requires="p14">
-          <p:contentPart p14:bwMode="auto" r:id="rId3">
+          <p:contentPart r:id="rId1" p14:bwMode="auto">
             <p14:nvContentPartPr>
-              <p14:cNvPr id="2" name="墨迹 1">
-                <a:extLst>
-                  <a:ext uri="{FF2B5EF4-FFF2-40B4-BE49-F238E27FC236}">
-                    <a16:creationId xmlns:a16="http://schemas.microsoft.com/office/drawing/2014/main" id="{D3852D8D-2B95-4C63-97ED-BC506578E3AD}"/>
-                  </a:ext>
-                </a:extLst>
-              </p14:cNvPr>
+              <p14:cNvPr id="2" name="墨迹 1"/>
               <p14:cNvContentPartPr/>
               <p14:nvPr/>
             </p14:nvContentPartPr>
@@ -17311,51 +16724,33 @@
         <mc:Fallback xmlns="">
           <p:pic>
             <p:nvPicPr>
-              <p:cNvPr id="2" name="墨迹 1">
-                <a:extLst>
-                  <a:ext uri="{FF2B5EF4-FFF2-40B4-BE49-F238E27FC236}">
-                    <a16:creationId xmlns:a16="http://schemas.microsoft.com/office/drawing/2014/main" id="{D3852D8D-2B95-4C63-97ED-BC506578E3AD}"/>
-                  </a:ext>
-                </a:extLst>
-              </p:cNvPr>
-              <p:cNvPicPr/>
-              <p:nvPr/>
+              <p:cNvPr id="2" name="墨迹 1"/>
             </p:nvPicPr>
             <p:blipFill>
-              <a:blip r:embed="rId4"/>
-              <a:stretch>
-                <a:fillRect/>
-              </a:stretch>
+              <a:blip r:embed="rId2"/>
             </p:blipFill>
             <p:spPr>
               <a:xfrm>
-                <a:off x="6438240" y="819000"/>
-                <a:ext cx="729000" cy="355680"/>
+                <a:off x="6447600" y="828360"/>
+                <a:ext cx="710280" cy="336960"/>
               </a:xfrm>
-              <a:prstGeom prst="rect">
-                <a:avLst/>
-              </a:prstGeom>
+              <a:prstGeom prst="rect"/>
             </p:spPr>
           </p:pic>
         </mc:Fallback>
       </mc:AlternateContent>
     </p:spTree>
-    <p:extLst>
-      <p:ext uri="{BB962C8B-B14F-4D97-AF65-F5344CB8AC3E}">
-        <p14:creationId xmlns:p14="http://schemas.microsoft.com/office/powerpoint/2010/main" val="3998477744"/>
-      </p:ext>
-    </p:extLst>
   </p:cSld>
   <p:clrMapOvr>
     <a:masterClrMapping/>
   </p:clrMapOvr>
-  <mc:AlternateContent xmlns:mc="http://schemas.openxmlformats.org/markup-compatibility/2006" xmlns:p14="http://schemas.microsoft.com/office/powerpoint/2010/main">
-    <mc:Choice Requires="p14">
+  <mc:AlternateContent xmlns:mc="http://schemas.openxmlformats.org/markup-compatibility/2006">
+    <mc:Choice xmlns:p14="http://schemas.microsoft.com/office/powerpoint/2010/main" Requires="p14">
       <p:transition spd="med" p14:dur="700">
         <p:fade/>
       </p:transition>
     </mc:Choice>
-    <mc:Fallback xmlns="">
+    <mc:Fallback>
       <p:transition spd="med">
         <p:fade/>
       </p:transition>
@@ -17514,13 +16909,7 @@
       </p:grpSpPr>
       <p:sp>
         <p:nvSpPr>
-          <p:cNvPr id="2" name="标题 1">
-            <a:extLst>
-              <a:ext uri="{FF2B5EF4-FFF2-40B4-BE49-F238E27FC236}">
-                <a16:creationId xmlns:a16="http://schemas.microsoft.com/office/drawing/2014/main" id="{FD54ED19-DCEF-46F4-B156-5ED450A31F6F}"/>
-              </a:ext>
-            </a:extLst>
-          </p:cNvPr>
+          <p:cNvPr id="2" name="标题 1"/>
           <p:cNvSpPr>
             <a:spLocks noGrp="1"/>
           </p:cNvSpPr>
@@ -17545,28 +16934,15 @@
               <a:rPr lang="zh-CN" altLang="en-US" dirty="0"/>
               <a:t>统计表</a:t>
             </a:r>
+            <a:endParaRPr lang="zh-CN" altLang="en-US" dirty="0"/>
           </a:p>
         </p:txBody>
       </p:sp>
       <p:graphicFrame>
         <p:nvGraphicFramePr>
-          <p:cNvPr id="4" name="图表 3">
-            <a:extLst>
-              <a:ext uri="{FF2B5EF4-FFF2-40B4-BE49-F238E27FC236}">
-                <a16:creationId xmlns:a16="http://schemas.microsoft.com/office/drawing/2014/main" id="{5092BB30-B47F-483F-8960-43D534A719AE}"/>
-              </a:ext>
-            </a:extLst>
-          </p:cNvPr>
-          <p:cNvGraphicFramePr>
-            <a:graphicFrameLocks/>
-          </p:cNvGraphicFramePr>
-          <p:nvPr>
-            <p:extLst>
-              <p:ext uri="{D42A27DB-BD31-4B8C-83A1-F6EECF244321}">
-                <p14:modId xmlns:p14="http://schemas.microsoft.com/office/powerpoint/2010/main" val="834571001"/>
-              </p:ext>
-            </p:extLst>
-          </p:nvPr>
+          <p:cNvPr id="4" name="图表 3"/>
+          <p:cNvGraphicFramePr/>
+          <p:nvPr/>
         </p:nvGraphicFramePr>
         <p:xfrm>
           <a:off x="1336956" y="1368276"/>
@@ -17574,21 +16950,15 @@
         </p:xfrm>
         <a:graphic>
           <a:graphicData uri="http://schemas.openxmlformats.org/drawingml/2006/chart">
-            <c:chart xmlns:c="http://schemas.openxmlformats.org/drawingml/2006/chart" xmlns:r="http://schemas.openxmlformats.org/officeDocument/2006/relationships" r:id="rId2"/>
+            <c:chart xmlns:c="http://schemas.openxmlformats.org/drawingml/2006/chart" xmlns:r="http://schemas.openxmlformats.org/officeDocument/2006/relationships" r:id="rId1"/>
           </a:graphicData>
         </a:graphic>
       </p:graphicFrame>
       <mc:AlternateContent xmlns:mc="http://schemas.openxmlformats.org/markup-compatibility/2006" xmlns:p14="http://schemas.microsoft.com/office/powerpoint/2010/main">
         <mc:Choice Requires="p14">
-          <p:contentPart p14:bwMode="auto" r:id="rId3">
+          <p:contentPart r:id="rId2" p14:bwMode="auto">
             <p14:nvContentPartPr>
-              <p14:cNvPr id="3" name="墨迹 2">
-                <a:extLst>
-                  <a:ext uri="{FF2B5EF4-FFF2-40B4-BE49-F238E27FC236}">
-                    <a16:creationId xmlns:a16="http://schemas.microsoft.com/office/drawing/2014/main" id="{1BC87309-6229-4246-8BF0-604348D2869F}"/>
-                  </a:ext>
-                </a:extLst>
-              </p14:cNvPr>
+              <p14:cNvPr id="3" name="墨迹 2"/>
               <p14:cNvContentPartPr/>
               <p14:nvPr/>
             </p14:nvContentPartPr>
@@ -17601,51 +16971,33 @@
         <mc:Fallback xmlns="">
           <p:pic>
             <p:nvPicPr>
-              <p:cNvPr id="3" name="墨迹 2">
-                <a:extLst>
-                  <a:ext uri="{FF2B5EF4-FFF2-40B4-BE49-F238E27FC236}">
-                    <a16:creationId xmlns:a16="http://schemas.microsoft.com/office/drawing/2014/main" id="{1BC87309-6229-4246-8BF0-604348D2869F}"/>
-                  </a:ext>
-                </a:extLst>
-              </p:cNvPr>
-              <p:cNvPicPr/>
-              <p:nvPr/>
+              <p:cNvPr id="3" name="墨迹 2"/>
             </p:nvPicPr>
             <p:blipFill>
-              <a:blip r:embed="rId4"/>
-              <a:stretch>
-                <a:fillRect/>
-              </a:stretch>
+              <a:blip r:embed="rId3"/>
             </p:blipFill>
             <p:spPr>
               <a:xfrm>
-                <a:off x="1619640" y="1720440"/>
-                <a:ext cx="10581840" cy="5124960"/>
+                <a:off x="1629000" y="1729800"/>
+                <a:ext cx="10563120" cy="5106240"/>
               </a:xfrm>
-              <a:prstGeom prst="rect">
-                <a:avLst/>
-              </a:prstGeom>
+              <a:prstGeom prst="rect"/>
             </p:spPr>
           </p:pic>
         </mc:Fallback>
       </mc:AlternateContent>
     </p:spTree>
-    <p:extLst>
-      <p:ext uri="{BB962C8B-B14F-4D97-AF65-F5344CB8AC3E}">
-        <p14:creationId xmlns:p14="http://schemas.microsoft.com/office/powerpoint/2010/main" val="1822552"/>
-      </p:ext>
-    </p:extLst>
   </p:cSld>
   <p:clrMapOvr>
     <a:masterClrMapping/>
   </p:clrMapOvr>
-  <mc:AlternateContent xmlns:mc="http://schemas.openxmlformats.org/markup-compatibility/2006" xmlns:p14="http://schemas.microsoft.com/office/powerpoint/2010/main">
-    <mc:Choice Requires="p14">
+  <mc:AlternateContent xmlns:mc="http://schemas.openxmlformats.org/markup-compatibility/2006">
+    <mc:Choice xmlns:p14="http://schemas.microsoft.com/office/powerpoint/2010/main" Requires="p14">
       <p:transition spd="med" p14:dur="700">
         <p:fade/>
       </p:transition>
     </mc:Choice>
-    <mc:Fallback xmlns="">
+    <mc:Fallback>
       <p:transition spd="med">
         <p:fade/>
       </p:transition>
@@ -17697,7 +17049,7 @@
     </a:clrScheme>
     <a:fontScheme name="Office">
       <a:majorFont>
-        <a:latin typeface="等线 Light" panose="020F0302020204030204"/>
+        <a:latin typeface="等线 Light"/>
         <a:ea typeface=""/>
         <a:cs typeface=""/>
         <a:font script="Jpan" typeface="游ゴシック Light"/>
@@ -17732,7 +17084,7 @@
         <a:font script="Geor" typeface="Sylfaen"/>
       </a:majorFont>
       <a:minorFont>
-        <a:latin typeface="等线" panose="020F0502020204030204"/>
+        <a:latin typeface="等线"/>
         <a:ea typeface=""/>
         <a:cs typeface=""/>
         <a:font script="Jpan" typeface="游ゴシック"/>
@@ -17905,8 +17257,6 @@
       </a:bgFillStyleLst>
     </a:fmtScheme>
   </a:themeElements>
-  <a:objectDefaults/>
-  <a:extraClrSchemeLst/>
   <a:extLst>
     <a:ext uri="{05A4C25C-085E-4340-85A3-A5531E510DB2}">
       <thm15:themeFamily xmlns:thm15="http://schemas.microsoft.com/office/thememl/2012/main" name="Office Theme" id="{62F939B6-93AF-4DB8-9C6B-D6C7DFDC589F}" vid="{4A3C46E8-61CC-4603-A589-7422A47A8E4A}"/>
@@ -17958,7 +17308,7 @@
     </a:clrScheme>
     <a:fontScheme name="Office">
       <a:majorFont>
-        <a:latin typeface="等线 Light" panose="020F0302020204030204"/>
+        <a:latin typeface="等线 Light"/>
         <a:ea typeface=""/>
         <a:cs typeface=""/>
         <a:font script="Jpan" typeface="游ゴシック Light"/>
@@ -17991,26 +17341,9 @@
         <a:font script="Viet" typeface="Times New Roman"/>
         <a:font script="Uigh" typeface="Microsoft Uighur"/>
         <a:font script="Geor" typeface="Sylfaen"/>
-        <a:font script="Armn" typeface="Arial"/>
-        <a:font script="Bugi" typeface="Leelawadee UI"/>
-        <a:font script="Bopo" typeface="Microsoft JhengHei"/>
-        <a:font script="Java" typeface="Javanese Text"/>
-        <a:font script="Lisu" typeface="Segoe UI"/>
-        <a:font script="Mymr" typeface="Myanmar Text"/>
-        <a:font script="Nkoo" typeface="Ebrima"/>
-        <a:font script="Olck" typeface="Nirmala UI"/>
-        <a:font script="Osma" typeface="Ebrima"/>
-        <a:font script="Phag" typeface="Phagspa"/>
-        <a:font script="Syrn" typeface="Estrangelo Edessa"/>
-        <a:font script="Syrj" typeface="Estrangelo Edessa"/>
-        <a:font script="Syre" typeface="Estrangelo Edessa"/>
-        <a:font script="Sora" typeface="Nirmala UI"/>
-        <a:font script="Tale" typeface="Microsoft Tai Le"/>
-        <a:font script="Talu" typeface="Microsoft New Tai Lue"/>
-        <a:font script="Tfng" typeface="Ebrima"/>
       </a:majorFont>
       <a:minorFont>
-        <a:latin typeface="等线" panose="020F0502020204030204"/>
+        <a:latin typeface="等线"/>
         <a:ea typeface=""/>
         <a:cs typeface=""/>
         <a:font script="Jpan" typeface="游ゴシック"/>
@@ -18043,23 +17376,6 @@
         <a:font script="Viet" typeface="Arial"/>
         <a:font script="Uigh" typeface="Microsoft Uighur"/>
         <a:font script="Geor" typeface="Sylfaen"/>
-        <a:font script="Armn" typeface="Arial"/>
-        <a:font script="Bugi" typeface="Leelawadee UI"/>
-        <a:font script="Bopo" typeface="Microsoft JhengHei"/>
-        <a:font script="Java" typeface="Javanese Text"/>
-        <a:font script="Lisu" typeface="Segoe UI"/>
-        <a:font script="Mymr" typeface="Myanmar Text"/>
-        <a:font script="Nkoo" typeface="Ebrima"/>
-        <a:font script="Olck" typeface="Nirmala UI"/>
-        <a:font script="Osma" typeface="Ebrima"/>
-        <a:font script="Phag" typeface="Phagspa"/>
-        <a:font script="Syrn" typeface="Estrangelo Edessa"/>
-        <a:font script="Syrj" typeface="Estrangelo Edessa"/>
-        <a:font script="Syre" typeface="Estrangelo Edessa"/>
-        <a:font script="Sora" typeface="Nirmala UI"/>
-        <a:font script="Tale" typeface="Microsoft Tai Le"/>
-        <a:font script="Talu" typeface="Microsoft New Tai Lue"/>
-        <a:font script="Tfng" typeface="Ebrima"/>
       </a:minorFont>
     </a:fontScheme>
     <a:fmtScheme name="Office">
@@ -18200,8 +17516,6 @@
       </a:bgFillStyleLst>
     </a:fmtScheme>
   </a:themeElements>
-  <a:objectDefaults/>
-  <a:extraClrSchemeLst/>
   <a:extLst>
     <a:ext uri="{05A4C25C-085E-4340-85A3-A5531E510DB2}">
       <thm15:themeFamily xmlns:thm15="http://schemas.microsoft.com/office/thememl/2012/main" name="Office Theme" id="{62F939B6-93AF-4DB8-9C6B-D6C7DFDC589F}" vid="{4A3C46E8-61CC-4603-A589-7422A47A8E4A}"/>
